--- a/Final Report/FYP Final Presentation.pptx
+++ b/Final Report/FYP Final Presentation.pptx
@@ -5,10 +5,10 @@
     <p:sldMasterId id="2147483648" r:id="rId1"/>
   </p:sldMasterIdLst>
   <p:notesMasterIdLst>
-    <p:notesMasterId r:id="rId25"/>
+    <p:notesMasterId r:id="rId26"/>
   </p:notesMasterIdLst>
   <p:handoutMasterIdLst>
-    <p:handoutMasterId r:id="rId26"/>
+    <p:handoutMasterId r:id="rId27"/>
   </p:handoutMasterIdLst>
   <p:sldIdLst>
     <p:sldId id="256" r:id="rId2"/>
@@ -28,12 +28,13 @@
     <p:sldId id="280" r:id="rId16"/>
     <p:sldId id="281" r:id="rId17"/>
     <p:sldId id="282" r:id="rId18"/>
-    <p:sldId id="283" r:id="rId19"/>
-    <p:sldId id="293" r:id="rId20"/>
-    <p:sldId id="294" r:id="rId21"/>
-    <p:sldId id="284" r:id="rId22"/>
-    <p:sldId id="275" r:id="rId23"/>
-    <p:sldId id="265" r:id="rId24"/>
+    <p:sldId id="295" r:id="rId19"/>
+    <p:sldId id="283" r:id="rId20"/>
+    <p:sldId id="293" r:id="rId21"/>
+    <p:sldId id="294" r:id="rId22"/>
+    <p:sldId id="284" r:id="rId23"/>
+    <p:sldId id="275" r:id="rId24"/>
+    <p:sldId id="265" r:id="rId25"/>
   </p:sldIdLst>
   <p:sldSz cx="9144000" cy="5143500" type="screen16x9"/>
   <p:notesSz cx="6858000" cy="9144000"/>
@@ -175,6 +176,469 @@
 
 <file path=ppt/changesInfos/changesInfo1.xml><?xml version="1.0" encoding="utf-8"?>
 <pc:chgInfo xmlns:a="http://schemas.openxmlformats.org/drawingml/2006/main" xmlns:r="http://schemas.openxmlformats.org/officeDocument/2006/relationships" xmlns:ac="http://schemas.microsoft.com/office/drawing/2013/main/command" xmlns:pc="http://schemas.microsoft.com/office/powerpoint/2013/main/command">
+  <pc:docChgLst>
+    <pc:chgData name="Arijit Bhattacharyya" userId="ddbd6e683667f873" providerId="LiveId" clId="{AF1F4611-C0F0-4398-8041-D22984BAE48D}"/>
+    <pc:docChg chg="undo custSel addSld modSld">
+      <pc:chgData name="Arijit Bhattacharyya" userId="ddbd6e683667f873" providerId="LiveId" clId="{AF1F4611-C0F0-4398-8041-D22984BAE48D}" dt="2021-12-10T13:38:26.851" v="436" actId="20577"/>
+      <pc:docMkLst>
+        <pc:docMk/>
+      </pc:docMkLst>
+      <pc:sldChg chg="modSp mod">
+        <pc:chgData name="Arijit Bhattacharyya" userId="ddbd6e683667f873" providerId="LiveId" clId="{AF1F4611-C0F0-4398-8041-D22984BAE48D}" dt="2021-12-10T13:35:24.975" v="121" actId="20577"/>
+        <pc:sldMkLst>
+          <pc:docMk/>
+          <pc:sldMk cId="4058368317" sldId="256"/>
+        </pc:sldMkLst>
+        <pc:spChg chg="mod">
+          <ac:chgData name="Arijit Bhattacharyya" userId="ddbd6e683667f873" providerId="LiveId" clId="{AF1F4611-C0F0-4398-8041-D22984BAE48D}" dt="2021-12-10T13:34:58.471" v="35" actId="1076"/>
+          <ac:spMkLst>
+            <pc:docMk/>
+            <pc:sldMk cId="4058368317" sldId="256"/>
+            <ac:spMk id="2" creationId="{00000000-0000-0000-0000-000000000000}"/>
+          </ac:spMkLst>
+        </pc:spChg>
+        <pc:spChg chg="mod">
+          <ac:chgData name="Arijit Bhattacharyya" userId="ddbd6e683667f873" providerId="LiveId" clId="{AF1F4611-C0F0-4398-8041-D22984BAE48D}" dt="2021-12-10T13:35:24.975" v="121" actId="20577"/>
+          <ac:spMkLst>
+            <pc:docMk/>
+            <pc:sldMk cId="4058368317" sldId="256"/>
+            <ac:spMk id="3" creationId="{00000000-0000-0000-0000-000000000000}"/>
+          </ac:spMkLst>
+        </pc:spChg>
+        <pc:spChg chg="mod">
+          <ac:chgData name="Arijit Bhattacharyya" userId="ddbd6e683667f873" providerId="LiveId" clId="{AF1F4611-C0F0-4398-8041-D22984BAE48D}" dt="2021-12-10T13:35:13.857" v="93" actId="20577"/>
+          <ac:spMkLst>
+            <pc:docMk/>
+            <pc:sldMk cId="4058368317" sldId="256"/>
+            <ac:spMk id="4" creationId="{00000000-0000-0000-0000-000000000000}"/>
+          </ac:spMkLst>
+        </pc:spChg>
+      </pc:sldChg>
+      <pc:sldChg chg="addSp delSp modSp mod modClrScheme chgLayout">
+        <pc:chgData name="Arijit Bhattacharyya" userId="ddbd6e683667f873" providerId="LiveId" clId="{AF1F4611-C0F0-4398-8041-D22984BAE48D}" dt="2021-12-10T13:36:30.230" v="151" actId="20577"/>
+        <pc:sldMkLst>
+          <pc:docMk/>
+          <pc:sldMk cId="2579516049" sldId="257"/>
+        </pc:sldMkLst>
+        <pc:spChg chg="del">
+          <ac:chgData name="Arijit Bhattacharyya" userId="ddbd6e683667f873" providerId="LiveId" clId="{AF1F4611-C0F0-4398-8041-D22984BAE48D}" dt="2021-12-10T13:35:52.762" v="122" actId="6264"/>
+          <ac:spMkLst>
+            <pc:docMk/>
+            <pc:sldMk cId="2579516049" sldId="257"/>
+            <ac:spMk id="2" creationId="{00000000-0000-0000-0000-000000000000}"/>
+          </ac:spMkLst>
+        </pc:spChg>
+        <pc:spChg chg="del">
+          <ac:chgData name="Arijit Bhattacharyya" userId="ddbd6e683667f873" providerId="LiveId" clId="{AF1F4611-C0F0-4398-8041-D22984BAE48D}" dt="2021-12-10T13:35:52.762" v="122" actId="6264"/>
+          <ac:spMkLst>
+            <pc:docMk/>
+            <pc:sldMk cId="2579516049" sldId="257"/>
+            <ac:spMk id="3" creationId="{00000000-0000-0000-0000-000000000000}"/>
+          </ac:spMkLst>
+        </pc:spChg>
+        <pc:spChg chg="del">
+          <ac:chgData name="Arijit Bhattacharyya" userId="ddbd6e683667f873" providerId="LiveId" clId="{AF1F4611-C0F0-4398-8041-D22984BAE48D}" dt="2021-12-10T13:35:52.762" v="122" actId="6264"/>
+          <ac:spMkLst>
+            <pc:docMk/>
+            <pc:sldMk cId="2579516049" sldId="257"/>
+            <ac:spMk id="4" creationId="{00000000-0000-0000-0000-000000000000}"/>
+          </ac:spMkLst>
+        </pc:spChg>
+        <pc:spChg chg="del">
+          <ac:chgData name="Arijit Bhattacharyya" userId="ddbd6e683667f873" providerId="LiveId" clId="{AF1F4611-C0F0-4398-8041-D22984BAE48D}" dt="2021-12-10T13:35:52.762" v="122" actId="6264"/>
+          <ac:spMkLst>
+            <pc:docMk/>
+            <pc:sldMk cId="2579516049" sldId="257"/>
+            <ac:spMk id="5" creationId="{00000000-0000-0000-0000-000000000000}"/>
+          </ac:spMkLst>
+        </pc:spChg>
+        <pc:spChg chg="del">
+          <ac:chgData name="Arijit Bhattacharyya" userId="ddbd6e683667f873" providerId="LiveId" clId="{AF1F4611-C0F0-4398-8041-D22984BAE48D}" dt="2021-12-10T13:35:52.762" v="122" actId="6264"/>
+          <ac:spMkLst>
+            <pc:docMk/>
+            <pc:sldMk cId="2579516049" sldId="257"/>
+            <ac:spMk id="6" creationId="{00000000-0000-0000-0000-000000000000}"/>
+          </ac:spMkLst>
+        </pc:spChg>
+        <pc:spChg chg="del">
+          <ac:chgData name="Arijit Bhattacharyya" userId="ddbd6e683667f873" providerId="LiveId" clId="{AF1F4611-C0F0-4398-8041-D22984BAE48D}" dt="2021-12-10T13:35:52.762" v="122" actId="6264"/>
+          <ac:spMkLst>
+            <pc:docMk/>
+            <pc:sldMk cId="2579516049" sldId="257"/>
+            <ac:spMk id="7" creationId="{00000000-0000-0000-0000-000000000000}"/>
+          </ac:spMkLst>
+        </pc:spChg>
+        <pc:spChg chg="add del mod ord">
+          <ac:chgData name="Arijit Bhattacharyya" userId="ddbd6e683667f873" providerId="LiveId" clId="{AF1F4611-C0F0-4398-8041-D22984BAE48D}" dt="2021-12-10T13:35:55.617" v="123" actId="700"/>
+          <ac:spMkLst>
+            <pc:docMk/>
+            <pc:sldMk cId="2579516049" sldId="257"/>
+            <ac:spMk id="8" creationId="{D3DEA14D-6B0A-477A-90AD-7A50DD5F1DDC}"/>
+          </ac:spMkLst>
+        </pc:spChg>
+        <pc:spChg chg="add del mod ord">
+          <ac:chgData name="Arijit Bhattacharyya" userId="ddbd6e683667f873" providerId="LiveId" clId="{AF1F4611-C0F0-4398-8041-D22984BAE48D}" dt="2021-12-10T13:35:55.617" v="123" actId="700"/>
+          <ac:spMkLst>
+            <pc:docMk/>
+            <pc:sldMk cId="2579516049" sldId="257"/>
+            <ac:spMk id="9" creationId="{8B8362BC-40C7-4E5B-8992-318B640C8E2C}"/>
+          </ac:spMkLst>
+        </pc:spChg>
+        <pc:spChg chg="add del mod ord">
+          <ac:chgData name="Arijit Bhattacharyya" userId="ddbd6e683667f873" providerId="LiveId" clId="{AF1F4611-C0F0-4398-8041-D22984BAE48D}" dt="2021-12-10T13:35:55.617" v="123" actId="700"/>
+          <ac:spMkLst>
+            <pc:docMk/>
+            <pc:sldMk cId="2579516049" sldId="257"/>
+            <ac:spMk id="10" creationId="{069E6BF3-1BFB-45D5-B9BA-B8233A894A1B}"/>
+          </ac:spMkLst>
+        </pc:spChg>
+        <pc:spChg chg="add del mod ord">
+          <ac:chgData name="Arijit Bhattacharyya" userId="ddbd6e683667f873" providerId="LiveId" clId="{AF1F4611-C0F0-4398-8041-D22984BAE48D}" dt="2021-12-10T13:35:55.617" v="123" actId="700"/>
+          <ac:spMkLst>
+            <pc:docMk/>
+            <pc:sldMk cId="2579516049" sldId="257"/>
+            <ac:spMk id="11" creationId="{EB71F406-1A7F-4B2D-99CC-537D4915B8C2}"/>
+          </ac:spMkLst>
+        </pc:spChg>
+        <pc:spChg chg="add del mod ord">
+          <ac:chgData name="Arijit Bhattacharyya" userId="ddbd6e683667f873" providerId="LiveId" clId="{AF1F4611-C0F0-4398-8041-D22984BAE48D}" dt="2021-12-10T13:35:55.617" v="123" actId="700"/>
+          <ac:spMkLst>
+            <pc:docMk/>
+            <pc:sldMk cId="2579516049" sldId="257"/>
+            <ac:spMk id="12" creationId="{47F1DEA8-95E4-4EDF-AF97-2F60A9425C1C}"/>
+          </ac:spMkLst>
+        </pc:spChg>
+        <pc:spChg chg="add del mod ord">
+          <ac:chgData name="Arijit Bhattacharyya" userId="ddbd6e683667f873" providerId="LiveId" clId="{AF1F4611-C0F0-4398-8041-D22984BAE48D}" dt="2021-12-10T13:35:55.617" v="123" actId="700"/>
+          <ac:spMkLst>
+            <pc:docMk/>
+            <pc:sldMk cId="2579516049" sldId="257"/>
+            <ac:spMk id="13" creationId="{6D7D5BE8-7ECB-47C2-A692-A97CDCE2B591}"/>
+          </ac:spMkLst>
+        </pc:spChg>
+        <pc:spChg chg="add mod ord">
+          <ac:chgData name="Arijit Bhattacharyya" userId="ddbd6e683667f873" providerId="LiveId" clId="{AF1F4611-C0F0-4398-8041-D22984BAE48D}" dt="2021-12-10T13:36:30.230" v="151" actId="20577"/>
+          <ac:spMkLst>
+            <pc:docMk/>
+            <pc:sldMk cId="2579516049" sldId="257"/>
+            <ac:spMk id="14" creationId="{63D51766-CF13-464D-83E9-292B471394E3}"/>
+          </ac:spMkLst>
+        </pc:spChg>
+        <pc:spChg chg="add mod ord">
+          <ac:chgData name="Arijit Bhattacharyya" userId="ddbd6e683667f873" providerId="LiveId" clId="{AF1F4611-C0F0-4398-8041-D22984BAE48D}" dt="2021-12-10T13:36:09.041" v="130" actId="20577"/>
+          <ac:spMkLst>
+            <pc:docMk/>
+            <pc:sldMk cId="2579516049" sldId="257"/>
+            <ac:spMk id="15" creationId="{14C1C4B5-00B1-4810-870A-DD78E931C1DB}"/>
+          </ac:spMkLst>
+        </pc:spChg>
+        <pc:spChg chg="add mod ord">
+          <ac:chgData name="Arijit Bhattacharyya" userId="ddbd6e683667f873" providerId="LiveId" clId="{AF1F4611-C0F0-4398-8041-D22984BAE48D}" dt="2021-12-10T13:35:55.617" v="123" actId="700"/>
+          <ac:spMkLst>
+            <pc:docMk/>
+            <pc:sldMk cId="2579516049" sldId="257"/>
+            <ac:spMk id="16" creationId="{8EC3E102-4D1A-4F70-B302-BB67025BC410}"/>
+          </ac:spMkLst>
+        </pc:spChg>
+        <pc:spChg chg="add mod ord">
+          <ac:chgData name="Arijit Bhattacharyya" userId="ddbd6e683667f873" providerId="LiveId" clId="{AF1F4611-C0F0-4398-8041-D22984BAE48D}" dt="2021-12-10T13:35:55.617" v="123" actId="700"/>
+          <ac:spMkLst>
+            <pc:docMk/>
+            <pc:sldMk cId="2579516049" sldId="257"/>
+            <ac:spMk id="17" creationId="{6D3A7FB8-CFD7-4383-B48B-4189BF9D3728}"/>
+          </ac:spMkLst>
+        </pc:spChg>
+      </pc:sldChg>
+      <pc:sldChg chg="modSp mod">
+        <pc:chgData name="Arijit Bhattacharyya" userId="ddbd6e683667f873" providerId="LiveId" clId="{AF1F4611-C0F0-4398-8041-D22984BAE48D}" dt="2021-12-10T13:36:48.461" v="190" actId="20577"/>
+        <pc:sldMkLst>
+          <pc:docMk/>
+          <pc:sldMk cId="1288423565" sldId="258"/>
+        </pc:sldMkLst>
+        <pc:spChg chg="mod">
+          <ac:chgData name="Arijit Bhattacharyya" userId="ddbd6e683667f873" providerId="LiveId" clId="{AF1F4611-C0F0-4398-8041-D22984BAE48D}" dt="2021-12-10T13:36:48.461" v="190" actId="20577"/>
+          <ac:spMkLst>
+            <pc:docMk/>
+            <pc:sldMk cId="1288423565" sldId="258"/>
+            <ac:spMk id="2" creationId="{00000000-0000-0000-0000-000000000000}"/>
+          </ac:spMkLst>
+        </pc:spChg>
+      </pc:sldChg>
+      <pc:sldChg chg="modSp mod">
+        <pc:chgData name="Arijit Bhattacharyya" userId="ddbd6e683667f873" providerId="LiveId" clId="{AF1F4611-C0F0-4398-8041-D22984BAE48D}" dt="2021-12-10T13:37:02.197" v="241" actId="20577"/>
+        <pc:sldMkLst>
+          <pc:docMk/>
+          <pc:sldMk cId="2215148943" sldId="259"/>
+        </pc:sldMkLst>
+        <pc:spChg chg="mod">
+          <ac:chgData name="Arijit Bhattacharyya" userId="ddbd6e683667f873" providerId="LiveId" clId="{AF1F4611-C0F0-4398-8041-D22984BAE48D}" dt="2021-12-10T13:37:02.197" v="241" actId="20577"/>
+          <ac:spMkLst>
+            <pc:docMk/>
+            <pc:sldMk cId="2215148943" sldId="259"/>
+            <ac:spMk id="3" creationId="{00000000-0000-0000-0000-000000000000}"/>
+          </ac:spMkLst>
+        </pc:spChg>
+      </pc:sldChg>
+      <pc:sldChg chg="modSp mod">
+        <pc:chgData name="Arijit Bhattacharyya" userId="ddbd6e683667f873" providerId="LiveId" clId="{AF1F4611-C0F0-4398-8041-D22984BAE48D}" dt="2021-12-10T13:37:12.412" v="262" actId="20577"/>
+        <pc:sldMkLst>
+          <pc:docMk/>
+          <pc:sldMk cId="1769181773" sldId="260"/>
+        </pc:sldMkLst>
+        <pc:spChg chg="mod">
+          <ac:chgData name="Arijit Bhattacharyya" userId="ddbd6e683667f873" providerId="LiveId" clId="{AF1F4611-C0F0-4398-8041-D22984BAE48D}" dt="2021-12-10T13:37:12.412" v="262" actId="20577"/>
+          <ac:spMkLst>
+            <pc:docMk/>
+            <pc:sldMk cId="1769181773" sldId="260"/>
+            <ac:spMk id="3" creationId="{00000000-0000-0000-0000-000000000000}"/>
+          </ac:spMkLst>
+        </pc:spChg>
+      </pc:sldChg>
+      <pc:sldChg chg="modSp mod">
+        <pc:chgData name="Arijit Bhattacharyya" userId="ddbd6e683667f873" providerId="LiveId" clId="{AF1F4611-C0F0-4398-8041-D22984BAE48D}" dt="2021-12-10T13:37:23.259" v="303" actId="20577"/>
+        <pc:sldMkLst>
+          <pc:docMk/>
+          <pc:sldMk cId="408105533" sldId="261"/>
+        </pc:sldMkLst>
+        <pc:spChg chg="mod">
+          <ac:chgData name="Arijit Bhattacharyya" userId="ddbd6e683667f873" providerId="LiveId" clId="{AF1F4611-C0F0-4398-8041-D22984BAE48D}" dt="2021-12-10T13:37:23.259" v="303" actId="20577"/>
+          <ac:spMkLst>
+            <pc:docMk/>
+            <pc:sldMk cId="408105533" sldId="261"/>
+            <ac:spMk id="3" creationId="{00000000-0000-0000-0000-000000000000}"/>
+          </ac:spMkLst>
+        </pc:spChg>
+      </pc:sldChg>
+      <pc:sldChg chg="addSp delSp modSp mod modClrScheme chgLayout">
+        <pc:chgData name="Arijit Bhattacharyya" userId="ddbd6e683667f873" providerId="LiveId" clId="{AF1F4611-C0F0-4398-8041-D22984BAE48D}" dt="2021-12-10T13:37:36.064" v="328" actId="20577"/>
+        <pc:sldMkLst>
+          <pc:docMk/>
+          <pc:sldMk cId="1899137300" sldId="262"/>
+        </pc:sldMkLst>
+        <pc:spChg chg="del mod ord">
+          <ac:chgData name="Arijit Bhattacharyya" userId="ddbd6e683667f873" providerId="LiveId" clId="{AF1F4611-C0F0-4398-8041-D22984BAE48D}" dt="2021-12-10T13:37:31.336" v="304" actId="700"/>
+          <ac:spMkLst>
+            <pc:docMk/>
+            <pc:sldMk cId="1899137300" sldId="262"/>
+            <ac:spMk id="2" creationId="{00000000-0000-0000-0000-000000000000}"/>
+          </ac:spMkLst>
+        </pc:spChg>
+        <pc:spChg chg="del mod ord">
+          <ac:chgData name="Arijit Bhattacharyya" userId="ddbd6e683667f873" providerId="LiveId" clId="{AF1F4611-C0F0-4398-8041-D22984BAE48D}" dt="2021-12-10T13:37:31.336" v="304" actId="700"/>
+          <ac:spMkLst>
+            <pc:docMk/>
+            <pc:sldMk cId="1899137300" sldId="262"/>
+            <ac:spMk id="3" creationId="{00000000-0000-0000-0000-000000000000}"/>
+          </ac:spMkLst>
+        </pc:spChg>
+        <pc:spChg chg="del mod ord">
+          <ac:chgData name="Arijit Bhattacharyya" userId="ddbd6e683667f873" providerId="LiveId" clId="{AF1F4611-C0F0-4398-8041-D22984BAE48D}" dt="2021-12-10T13:37:31.336" v="304" actId="700"/>
+          <ac:spMkLst>
+            <pc:docMk/>
+            <pc:sldMk cId="1899137300" sldId="262"/>
+            <ac:spMk id="4" creationId="{00000000-0000-0000-0000-000000000000}"/>
+          </ac:spMkLst>
+        </pc:spChg>
+        <pc:spChg chg="del">
+          <ac:chgData name="Arijit Bhattacharyya" userId="ddbd6e683667f873" providerId="LiveId" clId="{AF1F4611-C0F0-4398-8041-D22984BAE48D}" dt="2021-12-10T13:37:31.336" v="304" actId="700"/>
+          <ac:spMkLst>
+            <pc:docMk/>
+            <pc:sldMk cId="1899137300" sldId="262"/>
+            <ac:spMk id="5" creationId="{00000000-0000-0000-0000-000000000000}"/>
+          </ac:spMkLst>
+        </pc:spChg>
+        <pc:spChg chg="add mod ord">
+          <ac:chgData name="Arijit Bhattacharyya" userId="ddbd6e683667f873" providerId="LiveId" clId="{AF1F4611-C0F0-4398-8041-D22984BAE48D}" dt="2021-12-10T13:37:36.064" v="328" actId="20577"/>
+          <ac:spMkLst>
+            <pc:docMk/>
+            <pc:sldMk cId="1899137300" sldId="262"/>
+            <ac:spMk id="6" creationId="{B1F9E32A-3866-401E-BF11-F91927D1B029}"/>
+          </ac:spMkLst>
+        </pc:spChg>
+        <pc:spChg chg="add mod ord">
+          <ac:chgData name="Arijit Bhattacharyya" userId="ddbd6e683667f873" providerId="LiveId" clId="{AF1F4611-C0F0-4398-8041-D22984BAE48D}" dt="2021-12-10T13:37:31.336" v="304" actId="700"/>
+          <ac:spMkLst>
+            <pc:docMk/>
+            <pc:sldMk cId="1899137300" sldId="262"/>
+            <ac:spMk id="7" creationId="{00FF2008-5FA9-444A-814F-E899A5C551F3}"/>
+          </ac:spMkLst>
+        </pc:spChg>
+        <pc:spChg chg="add mod ord">
+          <ac:chgData name="Arijit Bhattacharyya" userId="ddbd6e683667f873" providerId="LiveId" clId="{AF1F4611-C0F0-4398-8041-D22984BAE48D}" dt="2021-12-10T13:37:31.336" v="304" actId="700"/>
+          <ac:spMkLst>
+            <pc:docMk/>
+            <pc:sldMk cId="1899137300" sldId="262"/>
+            <ac:spMk id="8" creationId="{CA01CD37-48DB-418C-9DAE-F10871D4055C}"/>
+          </ac:spMkLst>
+        </pc:spChg>
+        <pc:spChg chg="add mod ord">
+          <ac:chgData name="Arijit Bhattacharyya" userId="ddbd6e683667f873" providerId="LiveId" clId="{AF1F4611-C0F0-4398-8041-D22984BAE48D}" dt="2021-12-10T13:37:31.336" v="304" actId="700"/>
+          <ac:spMkLst>
+            <pc:docMk/>
+            <pc:sldMk cId="1899137300" sldId="262"/>
+            <ac:spMk id="9" creationId="{0D58AF2E-2CFF-4933-A019-DAE7C6C31735}"/>
+          </ac:spMkLst>
+        </pc:spChg>
+      </pc:sldChg>
+      <pc:sldChg chg="addSp delSp modSp mod modClrScheme chgLayout">
+        <pc:chgData name="Arijit Bhattacharyya" userId="ddbd6e683667f873" providerId="LiveId" clId="{AF1F4611-C0F0-4398-8041-D22984BAE48D}" dt="2021-12-10T13:37:59.366" v="379" actId="20577"/>
+        <pc:sldMkLst>
+          <pc:docMk/>
+          <pc:sldMk cId="2046671382" sldId="263"/>
+        </pc:sldMkLst>
+        <pc:spChg chg="del mod ord">
+          <ac:chgData name="Arijit Bhattacharyya" userId="ddbd6e683667f873" providerId="LiveId" clId="{AF1F4611-C0F0-4398-8041-D22984BAE48D}" dt="2021-12-10T13:37:43.014" v="329" actId="700"/>
+          <ac:spMkLst>
+            <pc:docMk/>
+            <pc:sldMk cId="2046671382" sldId="263"/>
+            <ac:spMk id="2" creationId="{00000000-0000-0000-0000-000000000000}"/>
+          </ac:spMkLst>
+        </pc:spChg>
+        <pc:spChg chg="del">
+          <ac:chgData name="Arijit Bhattacharyya" userId="ddbd6e683667f873" providerId="LiveId" clId="{AF1F4611-C0F0-4398-8041-D22984BAE48D}" dt="2021-12-10T13:37:43.014" v="329" actId="700"/>
+          <ac:spMkLst>
+            <pc:docMk/>
+            <pc:sldMk cId="2046671382" sldId="263"/>
+            <ac:spMk id="3" creationId="{00000000-0000-0000-0000-000000000000}"/>
+          </ac:spMkLst>
+        </pc:spChg>
+        <pc:spChg chg="del">
+          <ac:chgData name="Arijit Bhattacharyya" userId="ddbd6e683667f873" providerId="LiveId" clId="{AF1F4611-C0F0-4398-8041-D22984BAE48D}" dt="2021-12-10T13:37:43.014" v="329" actId="700"/>
+          <ac:spMkLst>
+            <pc:docMk/>
+            <pc:sldMk cId="2046671382" sldId="263"/>
+            <ac:spMk id="4" creationId="{00000000-0000-0000-0000-000000000000}"/>
+          </ac:spMkLst>
+        </pc:spChg>
+        <pc:spChg chg="del">
+          <ac:chgData name="Arijit Bhattacharyya" userId="ddbd6e683667f873" providerId="LiveId" clId="{AF1F4611-C0F0-4398-8041-D22984BAE48D}" dt="2021-12-10T13:37:43.014" v="329" actId="700"/>
+          <ac:spMkLst>
+            <pc:docMk/>
+            <pc:sldMk cId="2046671382" sldId="263"/>
+            <ac:spMk id="5" creationId="{00000000-0000-0000-0000-000000000000}"/>
+          </ac:spMkLst>
+        </pc:spChg>
+        <pc:spChg chg="del mod ord">
+          <ac:chgData name="Arijit Bhattacharyya" userId="ddbd6e683667f873" providerId="LiveId" clId="{AF1F4611-C0F0-4398-8041-D22984BAE48D}" dt="2021-12-10T13:37:43.014" v="329" actId="700"/>
+          <ac:spMkLst>
+            <pc:docMk/>
+            <pc:sldMk cId="2046671382" sldId="263"/>
+            <ac:spMk id="6" creationId="{00000000-0000-0000-0000-000000000000}"/>
+          </ac:spMkLst>
+        </pc:spChg>
+        <pc:spChg chg="del mod ord">
+          <ac:chgData name="Arijit Bhattacharyya" userId="ddbd6e683667f873" providerId="LiveId" clId="{AF1F4611-C0F0-4398-8041-D22984BAE48D}" dt="2021-12-10T13:37:43.014" v="329" actId="700"/>
+          <ac:spMkLst>
+            <pc:docMk/>
+            <pc:sldMk cId="2046671382" sldId="263"/>
+            <ac:spMk id="7" creationId="{00000000-0000-0000-0000-000000000000}"/>
+          </ac:spMkLst>
+        </pc:spChg>
+        <pc:spChg chg="add mod ord">
+          <ac:chgData name="Arijit Bhattacharyya" userId="ddbd6e683667f873" providerId="LiveId" clId="{AF1F4611-C0F0-4398-8041-D22984BAE48D}" dt="2021-12-10T13:37:59.366" v="379" actId="20577"/>
+          <ac:spMkLst>
+            <pc:docMk/>
+            <pc:sldMk cId="2046671382" sldId="263"/>
+            <ac:spMk id="8" creationId="{294A7B5B-A345-46B8-B74F-AC3926898046}"/>
+          </ac:spMkLst>
+        </pc:spChg>
+        <pc:spChg chg="add mod ord">
+          <ac:chgData name="Arijit Bhattacharyya" userId="ddbd6e683667f873" providerId="LiveId" clId="{AF1F4611-C0F0-4398-8041-D22984BAE48D}" dt="2021-12-10T13:37:43.014" v="329" actId="700"/>
+          <ac:spMkLst>
+            <pc:docMk/>
+            <pc:sldMk cId="2046671382" sldId="263"/>
+            <ac:spMk id="9" creationId="{4187D11F-B1DF-4F2D-8CAA-FCCF08C1760E}"/>
+          </ac:spMkLst>
+        </pc:spChg>
+        <pc:spChg chg="add mod ord">
+          <ac:chgData name="Arijit Bhattacharyya" userId="ddbd6e683667f873" providerId="LiveId" clId="{AF1F4611-C0F0-4398-8041-D22984BAE48D}" dt="2021-12-10T13:37:43.014" v="329" actId="700"/>
+          <ac:spMkLst>
+            <pc:docMk/>
+            <pc:sldMk cId="2046671382" sldId="263"/>
+            <ac:spMk id="10" creationId="{39B6C3D4-B15C-44E9-B392-00E2DE25E4CA}"/>
+          </ac:spMkLst>
+        </pc:spChg>
+        <pc:spChg chg="add mod ord">
+          <ac:chgData name="Arijit Bhattacharyya" userId="ddbd6e683667f873" providerId="LiveId" clId="{AF1F4611-C0F0-4398-8041-D22984BAE48D}" dt="2021-12-10T13:37:43.014" v="329" actId="700"/>
+          <ac:spMkLst>
+            <pc:docMk/>
+            <pc:sldMk cId="2046671382" sldId="263"/>
+            <ac:spMk id="11" creationId="{BCE6344F-8AFC-4DEA-AEBB-82521198742D}"/>
+          </ac:spMkLst>
+        </pc:spChg>
+      </pc:sldChg>
+      <pc:sldChg chg="addSp delSp modSp mod modClrScheme chgLayout">
+        <pc:chgData name="Arijit Bhattacharyya" userId="ddbd6e683667f873" providerId="LiveId" clId="{AF1F4611-C0F0-4398-8041-D22984BAE48D}" dt="2021-12-10T13:38:17.246" v="408" actId="20577"/>
+        <pc:sldMkLst>
+          <pc:docMk/>
+          <pc:sldMk cId="3939825726" sldId="264"/>
+        </pc:sldMkLst>
+        <pc:spChg chg="del mod ord">
+          <ac:chgData name="Arijit Bhattacharyya" userId="ddbd6e683667f873" providerId="LiveId" clId="{AF1F4611-C0F0-4398-8041-D22984BAE48D}" dt="2021-12-10T13:38:11.222" v="380" actId="700"/>
+          <ac:spMkLst>
+            <pc:docMk/>
+            <pc:sldMk cId="3939825726" sldId="264"/>
+            <ac:spMk id="2" creationId="{00000000-0000-0000-0000-000000000000}"/>
+          </ac:spMkLst>
+        </pc:spChg>
+        <pc:spChg chg="del mod ord">
+          <ac:chgData name="Arijit Bhattacharyya" userId="ddbd6e683667f873" providerId="LiveId" clId="{AF1F4611-C0F0-4398-8041-D22984BAE48D}" dt="2021-12-10T13:38:11.222" v="380" actId="700"/>
+          <ac:spMkLst>
+            <pc:docMk/>
+            <pc:sldMk cId="3939825726" sldId="264"/>
+            <ac:spMk id="3" creationId="{00000000-0000-0000-0000-000000000000}"/>
+          </ac:spMkLst>
+        </pc:spChg>
+        <pc:spChg chg="add mod ord">
+          <ac:chgData name="Arijit Bhattacharyya" userId="ddbd6e683667f873" providerId="LiveId" clId="{AF1F4611-C0F0-4398-8041-D22984BAE48D}" dt="2021-12-10T13:38:17.246" v="408" actId="20577"/>
+          <ac:spMkLst>
+            <pc:docMk/>
+            <pc:sldMk cId="3939825726" sldId="264"/>
+            <ac:spMk id="4" creationId="{E37EF4FF-5E6E-4796-9A7B-CA08E5BA3EB8}"/>
+          </ac:spMkLst>
+        </pc:spChg>
+        <pc:spChg chg="add mod ord">
+          <ac:chgData name="Arijit Bhattacharyya" userId="ddbd6e683667f873" providerId="LiveId" clId="{AF1F4611-C0F0-4398-8041-D22984BAE48D}" dt="2021-12-10T13:38:11.222" v="380" actId="700"/>
+          <ac:spMkLst>
+            <pc:docMk/>
+            <pc:sldMk cId="3939825726" sldId="264"/>
+            <ac:spMk id="5" creationId="{F2668B16-C7E6-4629-88DC-3A523C72DA65}"/>
+          </ac:spMkLst>
+        </pc:spChg>
+        <pc:spChg chg="add mod ord">
+          <ac:chgData name="Arijit Bhattacharyya" userId="ddbd6e683667f873" providerId="LiveId" clId="{AF1F4611-C0F0-4398-8041-D22984BAE48D}" dt="2021-12-10T13:38:11.222" v="380" actId="700"/>
+          <ac:spMkLst>
+            <pc:docMk/>
+            <pc:sldMk cId="3939825726" sldId="264"/>
+            <ac:spMk id="6" creationId="{DE203198-5C4B-45D6-9D82-77131E5D927C}"/>
+          </ac:spMkLst>
+        </pc:spChg>
+        <pc:spChg chg="add mod ord">
+          <ac:chgData name="Arijit Bhattacharyya" userId="ddbd6e683667f873" providerId="LiveId" clId="{AF1F4611-C0F0-4398-8041-D22984BAE48D}" dt="2021-12-10T13:38:11.222" v="380" actId="700"/>
+          <ac:spMkLst>
+            <pc:docMk/>
+            <pc:sldMk cId="3939825726" sldId="264"/>
+            <ac:spMk id="7" creationId="{B1181018-EC5E-4A4E-8FE5-09E5664ABC66}"/>
+          </ac:spMkLst>
+        </pc:spChg>
+      </pc:sldChg>
+      <pc:sldChg chg="modSp new mod">
+        <pc:chgData name="Arijit Bhattacharyya" userId="ddbd6e683667f873" providerId="LiveId" clId="{AF1F4611-C0F0-4398-8041-D22984BAE48D}" dt="2021-12-10T13:38:26.851" v="436" actId="20577"/>
+        <pc:sldMkLst>
+          <pc:docMk/>
+          <pc:sldMk cId="3321045284" sldId="265"/>
+        </pc:sldMkLst>
+        <pc:spChg chg="mod">
+          <ac:chgData name="Arijit Bhattacharyya" userId="ddbd6e683667f873" providerId="LiveId" clId="{AF1F4611-C0F0-4398-8041-D22984BAE48D}" dt="2021-12-10T13:38:26.851" v="436" actId="20577"/>
+          <ac:spMkLst>
+            <pc:docMk/>
+            <pc:sldMk cId="3321045284" sldId="265"/>
+            <ac:spMk id="3" creationId="{D82F8A95-B058-43AF-9A55-13EEEAF7D4CD}"/>
+          </ac:spMkLst>
+        </pc:spChg>
+      </pc:sldChg>
+    </pc:docChg>
+  </pc:docChgLst>
   <pc:docChgLst>
     <pc:chgData name="Arijit Bhattacharyya" userId="ddbd6e683667f873" providerId="LiveId" clId="{08ED343F-8047-4E0F-B2C3-FA3BAF43CB8E}"/>
     <pc:docChg chg="undo redo custSel addSld delSld modSld sldOrd addSection delSection">
@@ -2129,469 +2593,6 @@
             <pc:docMk/>
             <pc:sldMk cId="2035209810" sldId="295"/>
             <ac:spMk id="3" creationId="{1A5789E4-697D-444D-A342-078CB7870BED}"/>
-          </ac:spMkLst>
-        </pc:spChg>
-      </pc:sldChg>
-    </pc:docChg>
-  </pc:docChgLst>
-  <pc:docChgLst>
-    <pc:chgData name="Arijit Bhattacharyya" userId="ddbd6e683667f873" providerId="LiveId" clId="{AF1F4611-C0F0-4398-8041-D22984BAE48D}"/>
-    <pc:docChg chg="undo custSel addSld modSld">
-      <pc:chgData name="Arijit Bhattacharyya" userId="ddbd6e683667f873" providerId="LiveId" clId="{AF1F4611-C0F0-4398-8041-D22984BAE48D}" dt="2021-12-10T13:38:26.851" v="436" actId="20577"/>
-      <pc:docMkLst>
-        <pc:docMk/>
-      </pc:docMkLst>
-      <pc:sldChg chg="modSp mod">
-        <pc:chgData name="Arijit Bhattacharyya" userId="ddbd6e683667f873" providerId="LiveId" clId="{AF1F4611-C0F0-4398-8041-D22984BAE48D}" dt="2021-12-10T13:35:24.975" v="121" actId="20577"/>
-        <pc:sldMkLst>
-          <pc:docMk/>
-          <pc:sldMk cId="4058368317" sldId="256"/>
-        </pc:sldMkLst>
-        <pc:spChg chg="mod">
-          <ac:chgData name="Arijit Bhattacharyya" userId="ddbd6e683667f873" providerId="LiveId" clId="{AF1F4611-C0F0-4398-8041-D22984BAE48D}" dt="2021-12-10T13:34:58.471" v="35" actId="1076"/>
-          <ac:spMkLst>
-            <pc:docMk/>
-            <pc:sldMk cId="4058368317" sldId="256"/>
-            <ac:spMk id="2" creationId="{00000000-0000-0000-0000-000000000000}"/>
-          </ac:spMkLst>
-        </pc:spChg>
-        <pc:spChg chg="mod">
-          <ac:chgData name="Arijit Bhattacharyya" userId="ddbd6e683667f873" providerId="LiveId" clId="{AF1F4611-C0F0-4398-8041-D22984BAE48D}" dt="2021-12-10T13:35:24.975" v="121" actId="20577"/>
-          <ac:spMkLst>
-            <pc:docMk/>
-            <pc:sldMk cId="4058368317" sldId="256"/>
-            <ac:spMk id="3" creationId="{00000000-0000-0000-0000-000000000000}"/>
-          </ac:spMkLst>
-        </pc:spChg>
-        <pc:spChg chg="mod">
-          <ac:chgData name="Arijit Bhattacharyya" userId="ddbd6e683667f873" providerId="LiveId" clId="{AF1F4611-C0F0-4398-8041-D22984BAE48D}" dt="2021-12-10T13:35:13.857" v="93" actId="20577"/>
-          <ac:spMkLst>
-            <pc:docMk/>
-            <pc:sldMk cId="4058368317" sldId="256"/>
-            <ac:spMk id="4" creationId="{00000000-0000-0000-0000-000000000000}"/>
-          </ac:spMkLst>
-        </pc:spChg>
-      </pc:sldChg>
-      <pc:sldChg chg="addSp delSp modSp mod modClrScheme chgLayout">
-        <pc:chgData name="Arijit Bhattacharyya" userId="ddbd6e683667f873" providerId="LiveId" clId="{AF1F4611-C0F0-4398-8041-D22984BAE48D}" dt="2021-12-10T13:36:30.230" v="151" actId="20577"/>
-        <pc:sldMkLst>
-          <pc:docMk/>
-          <pc:sldMk cId="2579516049" sldId="257"/>
-        </pc:sldMkLst>
-        <pc:spChg chg="del">
-          <ac:chgData name="Arijit Bhattacharyya" userId="ddbd6e683667f873" providerId="LiveId" clId="{AF1F4611-C0F0-4398-8041-D22984BAE48D}" dt="2021-12-10T13:35:52.762" v="122" actId="6264"/>
-          <ac:spMkLst>
-            <pc:docMk/>
-            <pc:sldMk cId="2579516049" sldId="257"/>
-            <ac:spMk id="2" creationId="{00000000-0000-0000-0000-000000000000}"/>
-          </ac:spMkLst>
-        </pc:spChg>
-        <pc:spChg chg="del">
-          <ac:chgData name="Arijit Bhattacharyya" userId="ddbd6e683667f873" providerId="LiveId" clId="{AF1F4611-C0F0-4398-8041-D22984BAE48D}" dt="2021-12-10T13:35:52.762" v="122" actId="6264"/>
-          <ac:spMkLst>
-            <pc:docMk/>
-            <pc:sldMk cId="2579516049" sldId="257"/>
-            <ac:spMk id="3" creationId="{00000000-0000-0000-0000-000000000000}"/>
-          </ac:spMkLst>
-        </pc:spChg>
-        <pc:spChg chg="del">
-          <ac:chgData name="Arijit Bhattacharyya" userId="ddbd6e683667f873" providerId="LiveId" clId="{AF1F4611-C0F0-4398-8041-D22984BAE48D}" dt="2021-12-10T13:35:52.762" v="122" actId="6264"/>
-          <ac:spMkLst>
-            <pc:docMk/>
-            <pc:sldMk cId="2579516049" sldId="257"/>
-            <ac:spMk id="4" creationId="{00000000-0000-0000-0000-000000000000}"/>
-          </ac:spMkLst>
-        </pc:spChg>
-        <pc:spChg chg="del">
-          <ac:chgData name="Arijit Bhattacharyya" userId="ddbd6e683667f873" providerId="LiveId" clId="{AF1F4611-C0F0-4398-8041-D22984BAE48D}" dt="2021-12-10T13:35:52.762" v="122" actId="6264"/>
-          <ac:spMkLst>
-            <pc:docMk/>
-            <pc:sldMk cId="2579516049" sldId="257"/>
-            <ac:spMk id="5" creationId="{00000000-0000-0000-0000-000000000000}"/>
-          </ac:spMkLst>
-        </pc:spChg>
-        <pc:spChg chg="del">
-          <ac:chgData name="Arijit Bhattacharyya" userId="ddbd6e683667f873" providerId="LiveId" clId="{AF1F4611-C0F0-4398-8041-D22984BAE48D}" dt="2021-12-10T13:35:52.762" v="122" actId="6264"/>
-          <ac:spMkLst>
-            <pc:docMk/>
-            <pc:sldMk cId="2579516049" sldId="257"/>
-            <ac:spMk id="6" creationId="{00000000-0000-0000-0000-000000000000}"/>
-          </ac:spMkLst>
-        </pc:spChg>
-        <pc:spChg chg="del">
-          <ac:chgData name="Arijit Bhattacharyya" userId="ddbd6e683667f873" providerId="LiveId" clId="{AF1F4611-C0F0-4398-8041-D22984BAE48D}" dt="2021-12-10T13:35:52.762" v="122" actId="6264"/>
-          <ac:spMkLst>
-            <pc:docMk/>
-            <pc:sldMk cId="2579516049" sldId="257"/>
-            <ac:spMk id="7" creationId="{00000000-0000-0000-0000-000000000000}"/>
-          </ac:spMkLst>
-        </pc:spChg>
-        <pc:spChg chg="add del mod ord">
-          <ac:chgData name="Arijit Bhattacharyya" userId="ddbd6e683667f873" providerId="LiveId" clId="{AF1F4611-C0F0-4398-8041-D22984BAE48D}" dt="2021-12-10T13:35:55.617" v="123" actId="700"/>
-          <ac:spMkLst>
-            <pc:docMk/>
-            <pc:sldMk cId="2579516049" sldId="257"/>
-            <ac:spMk id="8" creationId="{D3DEA14D-6B0A-477A-90AD-7A50DD5F1DDC}"/>
-          </ac:spMkLst>
-        </pc:spChg>
-        <pc:spChg chg="add del mod ord">
-          <ac:chgData name="Arijit Bhattacharyya" userId="ddbd6e683667f873" providerId="LiveId" clId="{AF1F4611-C0F0-4398-8041-D22984BAE48D}" dt="2021-12-10T13:35:55.617" v="123" actId="700"/>
-          <ac:spMkLst>
-            <pc:docMk/>
-            <pc:sldMk cId="2579516049" sldId="257"/>
-            <ac:spMk id="9" creationId="{8B8362BC-40C7-4E5B-8992-318B640C8E2C}"/>
-          </ac:spMkLst>
-        </pc:spChg>
-        <pc:spChg chg="add del mod ord">
-          <ac:chgData name="Arijit Bhattacharyya" userId="ddbd6e683667f873" providerId="LiveId" clId="{AF1F4611-C0F0-4398-8041-D22984BAE48D}" dt="2021-12-10T13:35:55.617" v="123" actId="700"/>
-          <ac:spMkLst>
-            <pc:docMk/>
-            <pc:sldMk cId="2579516049" sldId="257"/>
-            <ac:spMk id="10" creationId="{069E6BF3-1BFB-45D5-B9BA-B8233A894A1B}"/>
-          </ac:spMkLst>
-        </pc:spChg>
-        <pc:spChg chg="add del mod ord">
-          <ac:chgData name="Arijit Bhattacharyya" userId="ddbd6e683667f873" providerId="LiveId" clId="{AF1F4611-C0F0-4398-8041-D22984BAE48D}" dt="2021-12-10T13:35:55.617" v="123" actId="700"/>
-          <ac:spMkLst>
-            <pc:docMk/>
-            <pc:sldMk cId="2579516049" sldId="257"/>
-            <ac:spMk id="11" creationId="{EB71F406-1A7F-4B2D-99CC-537D4915B8C2}"/>
-          </ac:spMkLst>
-        </pc:spChg>
-        <pc:spChg chg="add del mod ord">
-          <ac:chgData name="Arijit Bhattacharyya" userId="ddbd6e683667f873" providerId="LiveId" clId="{AF1F4611-C0F0-4398-8041-D22984BAE48D}" dt="2021-12-10T13:35:55.617" v="123" actId="700"/>
-          <ac:spMkLst>
-            <pc:docMk/>
-            <pc:sldMk cId="2579516049" sldId="257"/>
-            <ac:spMk id="12" creationId="{47F1DEA8-95E4-4EDF-AF97-2F60A9425C1C}"/>
-          </ac:spMkLst>
-        </pc:spChg>
-        <pc:spChg chg="add del mod ord">
-          <ac:chgData name="Arijit Bhattacharyya" userId="ddbd6e683667f873" providerId="LiveId" clId="{AF1F4611-C0F0-4398-8041-D22984BAE48D}" dt="2021-12-10T13:35:55.617" v="123" actId="700"/>
-          <ac:spMkLst>
-            <pc:docMk/>
-            <pc:sldMk cId="2579516049" sldId="257"/>
-            <ac:spMk id="13" creationId="{6D7D5BE8-7ECB-47C2-A692-A97CDCE2B591}"/>
-          </ac:spMkLst>
-        </pc:spChg>
-        <pc:spChg chg="add mod ord">
-          <ac:chgData name="Arijit Bhattacharyya" userId="ddbd6e683667f873" providerId="LiveId" clId="{AF1F4611-C0F0-4398-8041-D22984BAE48D}" dt="2021-12-10T13:36:30.230" v="151" actId="20577"/>
-          <ac:spMkLst>
-            <pc:docMk/>
-            <pc:sldMk cId="2579516049" sldId="257"/>
-            <ac:spMk id="14" creationId="{63D51766-CF13-464D-83E9-292B471394E3}"/>
-          </ac:spMkLst>
-        </pc:spChg>
-        <pc:spChg chg="add mod ord">
-          <ac:chgData name="Arijit Bhattacharyya" userId="ddbd6e683667f873" providerId="LiveId" clId="{AF1F4611-C0F0-4398-8041-D22984BAE48D}" dt="2021-12-10T13:36:09.041" v="130" actId="20577"/>
-          <ac:spMkLst>
-            <pc:docMk/>
-            <pc:sldMk cId="2579516049" sldId="257"/>
-            <ac:spMk id="15" creationId="{14C1C4B5-00B1-4810-870A-DD78E931C1DB}"/>
-          </ac:spMkLst>
-        </pc:spChg>
-        <pc:spChg chg="add mod ord">
-          <ac:chgData name="Arijit Bhattacharyya" userId="ddbd6e683667f873" providerId="LiveId" clId="{AF1F4611-C0F0-4398-8041-D22984BAE48D}" dt="2021-12-10T13:35:55.617" v="123" actId="700"/>
-          <ac:spMkLst>
-            <pc:docMk/>
-            <pc:sldMk cId="2579516049" sldId="257"/>
-            <ac:spMk id="16" creationId="{8EC3E102-4D1A-4F70-B302-BB67025BC410}"/>
-          </ac:spMkLst>
-        </pc:spChg>
-        <pc:spChg chg="add mod ord">
-          <ac:chgData name="Arijit Bhattacharyya" userId="ddbd6e683667f873" providerId="LiveId" clId="{AF1F4611-C0F0-4398-8041-D22984BAE48D}" dt="2021-12-10T13:35:55.617" v="123" actId="700"/>
-          <ac:spMkLst>
-            <pc:docMk/>
-            <pc:sldMk cId="2579516049" sldId="257"/>
-            <ac:spMk id="17" creationId="{6D3A7FB8-CFD7-4383-B48B-4189BF9D3728}"/>
-          </ac:spMkLst>
-        </pc:spChg>
-      </pc:sldChg>
-      <pc:sldChg chg="modSp mod">
-        <pc:chgData name="Arijit Bhattacharyya" userId="ddbd6e683667f873" providerId="LiveId" clId="{AF1F4611-C0F0-4398-8041-D22984BAE48D}" dt="2021-12-10T13:36:48.461" v="190" actId="20577"/>
-        <pc:sldMkLst>
-          <pc:docMk/>
-          <pc:sldMk cId="1288423565" sldId="258"/>
-        </pc:sldMkLst>
-        <pc:spChg chg="mod">
-          <ac:chgData name="Arijit Bhattacharyya" userId="ddbd6e683667f873" providerId="LiveId" clId="{AF1F4611-C0F0-4398-8041-D22984BAE48D}" dt="2021-12-10T13:36:48.461" v="190" actId="20577"/>
-          <ac:spMkLst>
-            <pc:docMk/>
-            <pc:sldMk cId="1288423565" sldId="258"/>
-            <ac:spMk id="2" creationId="{00000000-0000-0000-0000-000000000000}"/>
-          </ac:spMkLst>
-        </pc:spChg>
-      </pc:sldChg>
-      <pc:sldChg chg="modSp mod">
-        <pc:chgData name="Arijit Bhattacharyya" userId="ddbd6e683667f873" providerId="LiveId" clId="{AF1F4611-C0F0-4398-8041-D22984BAE48D}" dt="2021-12-10T13:37:02.197" v="241" actId="20577"/>
-        <pc:sldMkLst>
-          <pc:docMk/>
-          <pc:sldMk cId="2215148943" sldId="259"/>
-        </pc:sldMkLst>
-        <pc:spChg chg="mod">
-          <ac:chgData name="Arijit Bhattacharyya" userId="ddbd6e683667f873" providerId="LiveId" clId="{AF1F4611-C0F0-4398-8041-D22984BAE48D}" dt="2021-12-10T13:37:02.197" v="241" actId="20577"/>
-          <ac:spMkLst>
-            <pc:docMk/>
-            <pc:sldMk cId="2215148943" sldId="259"/>
-            <ac:spMk id="3" creationId="{00000000-0000-0000-0000-000000000000}"/>
-          </ac:spMkLst>
-        </pc:spChg>
-      </pc:sldChg>
-      <pc:sldChg chg="modSp mod">
-        <pc:chgData name="Arijit Bhattacharyya" userId="ddbd6e683667f873" providerId="LiveId" clId="{AF1F4611-C0F0-4398-8041-D22984BAE48D}" dt="2021-12-10T13:37:12.412" v="262" actId="20577"/>
-        <pc:sldMkLst>
-          <pc:docMk/>
-          <pc:sldMk cId="1769181773" sldId="260"/>
-        </pc:sldMkLst>
-        <pc:spChg chg="mod">
-          <ac:chgData name="Arijit Bhattacharyya" userId="ddbd6e683667f873" providerId="LiveId" clId="{AF1F4611-C0F0-4398-8041-D22984BAE48D}" dt="2021-12-10T13:37:12.412" v="262" actId="20577"/>
-          <ac:spMkLst>
-            <pc:docMk/>
-            <pc:sldMk cId="1769181773" sldId="260"/>
-            <ac:spMk id="3" creationId="{00000000-0000-0000-0000-000000000000}"/>
-          </ac:spMkLst>
-        </pc:spChg>
-      </pc:sldChg>
-      <pc:sldChg chg="modSp mod">
-        <pc:chgData name="Arijit Bhattacharyya" userId="ddbd6e683667f873" providerId="LiveId" clId="{AF1F4611-C0F0-4398-8041-D22984BAE48D}" dt="2021-12-10T13:37:23.259" v="303" actId="20577"/>
-        <pc:sldMkLst>
-          <pc:docMk/>
-          <pc:sldMk cId="408105533" sldId="261"/>
-        </pc:sldMkLst>
-        <pc:spChg chg="mod">
-          <ac:chgData name="Arijit Bhattacharyya" userId="ddbd6e683667f873" providerId="LiveId" clId="{AF1F4611-C0F0-4398-8041-D22984BAE48D}" dt="2021-12-10T13:37:23.259" v="303" actId="20577"/>
-          <ac:spMkLst>
-            <pc:docMk/>
-            <pc:sldMk cId="408105533" sldId="261"/>
-            <ac:spMk id="3" creationId="{00000000-0000-0000-0000-000000000000}"/>
-          </ac:spMkLst>
-        </pc:spChg>
-      </pc:sldChg>
-      <pc:sldChg chg="addSp delSp modSp mod modClrScheme chgLayout">
-        <pc:chgData name="Arijit Bhattacharyya" userId="ddbd6e683667f873" providerId="LiveId" clId="{AF1F4611-C0F0-4398-8041-D22984BAE48D}" dt="2021-12-10T13:37:36.064" v="328" actId="20577"/>
-        <pc:sldMkLst>
-          <pc:docMk/>
-          <pc:sldMk cId="1899137300" sldId="262"/>
-        </pc:sldMkLst>
-        <pc:spChg chg="del mod ord">
-          <ac:chgData name="Arijit Bhattacharyya" userId="ddbd6e683667f873" providerId="LiveId" clId="{AF1F4611-C0F0-4398-8041-D22984BAE48D}" dt="2021-12-10T13:37:31.336" v="304" actId="700"/>
-          <ac:spMkLst>
-            <pc:docMk/>
-            <pc:sldMk cId="1899137300" sldId="262"/>
-            <ac:spMk id="2" creationId="{00000000-0000-0000-0000-000000000000}"/>
-          </ac:spMkLst>
-        </pc:spChg>
-        <pc:spChg chg="del mod ord">
-          <ac:chgData name="Arijit Bhattacharyya" userId="ddbd6e683667f873" providerId="LiveId" clId="{AF1F4611-C0F0-4398-8041-D22984BAE48D}" dt="2021-12-10T13:37:31.336" v="304" actId="700"/>
-          <ac:spMkLst>
-            <pc:docMk/>
-            <pc:sldMk cId="1899137300" sldId="262"/>
-            <ac:spMk id="3" creationId="{00000000-0000-0000-0000-000000000000}"/>
-          </ac:spMkLst>
-        </pc:spChg>
-        <pc:spChg chg="del mod ord">
-          <ac:chgData name="Arijit Bhattacharyya" userId="ddbd6e683667f873" providerId="LiveId" clId="{AF1F4611-C0F0-4398-8041-D22984BAE48D}" dt="2021-12-10T13:37:31.336" v="304" actId="700"/>
-          <ac:spMkLst>
-            <pc:docMk/>
-            <pc:sldMk cId="1899137300" sldId="262"/>
-            <ac:spMk id="4" creationId="{00000000-0000-0000-0000-000000000000}"/>
-          </ac:spMkLst>
-        </pc:spChg>
-        <pc:spChg chg="del">
-          <ac:chgData name="Arijit Bhattacharyya" userId="ddbd6e683667f873" providerId="LiveId" clId="{AF1F4611-C0F0-4398-8041-D22984BAE48D}" dt="2021-12-10T13:37:31.336" v="304" actId="700"/>
-          <ac:spMkLst>
-            <pc:docMk/>
-            <pc:sldMk cId="1899137300" sldId="262"/>
-            <ac:spMk id="5" creationId="{00000000-0000-0000-0000-000000000000}"/>
-          </ac:spMkLst>
-        </pc:spChg>
-        <pc:spChg chg="add mod ord">
-          <ac:chgData name="Arijit Bhattacharyya" userId="ddbd6e683667f873" providerId="LiveId" clId="{AF1F4611-C0F0-4398-8041-D22984BAE48D}" dt="2021-12-10T13:37:36.064" v="328" actId="20577"/>
-          <ac:spMkLst>
-            <pc:docMk/>
-            <pc:sldMk cId="1899137300" sldId="262"/>
-            <ac:spMk id="6" creationId="{B1F9E32A-3866-401E-BF11-F91927D1B029}"/>
-          </ac:spMkLst>
-        </pc:spChg>
-        <pc:spChg chg="add mod ord">
-          <ac:chgData name="Arijit Bhattacharyya" userId="ddbd6e683667f873" providerId="LiveId" clId="{AF1F4611-C0F0-4398-8041-D22984BAE48D}" dt="2021-12-10T13:37:31.336" v="304" actId="700"/>
-          <ac:spMkLst>
-            <pc:docMk/>
-            <pc:sldMk cId="1899137300" sldId="262"/>
-            <ac:spMk id="7" creationId="{00FF2008-5FA9-444A-814F-E899A5C551F3}"/>
-          </ac:spMkLst>
-        </pc:spChg>
-        <pc:spChg chg="add mod ord">
-          <ac:chgData name="Arijit Bhattacharyya" userId="ddbd6e683667f873" providerId="LiveId" clId="{AF1F4611-C0F0-4398-8041-D22984BAE48D}" dt="2021-12-10T13:37:31.336" v="304" actId="700"/>
-          <ac:spMkLst>
-            <pc:docMk/>
-            <pc:sldMk cId="1899137300" sldId="262"/>
-            <ac:spMk id="8" creationId="{CA01CD37-48DB-418C-9DAE-F10871D4055C}"/>
-          </ac:spMkLst>
-        </pc:spChg>
-        <pc:spChg chg="add mod ord">
-          <ac:chgData name="Arijit Bhattacharyya" userId="ddbd6e683667f873" providerId="LiveId" clId="{AF1F4611-C0F0-4398-8041-D22984BAE48D}" dt="2021-12-10T13:37:31.336" v="304" actId="700"/>
-          <ac:spMkLst>
-            <pc:docMk/>
-            <pc:sldMk cId="1899137300" sldId="262"/>
-            <ac:spMk id="9" creationId="{0D58AF2E-2CFF-4933-A019-DAE7C6C31735}"/>
-          </ac:spMkLst>
-        </pc:spChg>
-      </pc:sldChg>
-      <pc:sldChg chg="addSp delSp modSp mod modClrScheme chgLayout">
-        <pc:chgData name="Arijit Bhattacharyya" userId="ddbd6e683667f873" providerId="LiveId" clId="{AF1F4611-C0F0-4398-8041-D22984BAE48D}" dt="2021-12-10T13:37:59.366" v="379" actId="20577"/>
-        <pc:sldMkLst>
-          <pc:docMk/>
-          <pc:sldMk cId="2046671382" sldId="263"/>
-        </pc:sldMkLst>
-        <pc:spChg chg="del mod ord">
-          <ac:chgData name="Arijit Bhattacharyya" userId="ddbd6e683667f873" providerId="LiveId" clId="{AF1F4611-C0F0-4398-8041-D22984BAE48D}" dt="2021-12-10T13:37:43.014" v="329" actId="700"/>
-          <ac:spMkLst>
-            <pc:docMk/>
-            <pc:sldMk cId="2046671382" sldId="263"/>
-            <ac:spMk id="2" creationId="{00000000-0000-0000-0000-000000000000}"/>
-          </ac:spMkLst>
-        </pc:spChg>
-        <pc:spChg chg="del">
-          <ac:chgData name="Arijit Bhattacharyya" userId="ddbd6e683667f873" providerId="LiveId" clId="{AF1F4611-C0F0-4398-8041-D22984BAE48D}" dt="2021-12-10T13:37:43.014" v="329" actId="700"/>
-          <ac:spMkLst>
-            <pc:docMk/>
-            <pc:sldMk cId="2046671382" sldId="263"/>
-            <ac:spMk id="3" creationId="{00000000-0000-0000-0000-000000000000}"/>
-          </ac:spMkLst>
-        </pc:spChg>
-        <pc:spChg chg="del">
-          <ac:chgData name="Arijit Bhattacharyya" userId="ddbd6e683667f873" providerId="LiveId" clId="{AF1F4611-C0F0-4398-8041-D22984BAE48D}" dt="2021-12-10T13:37:43.014" v="329" actId="700"/>
-          <ac:spMkLst>
-            <pc:docMk/>
-            <pc:sldMk cId="2046671382" sldId="263"/>
-            <ac:spMk id="4" creationId="{00000000-0000-0000-0000-000000000000}"/>
-          </ac:spMkLst>
-        </pc:spChg>
-        <pc:spChg chg="del">
-          <ac:chgData name="Arijit Bhattacharyya" userId="ddbd6e683667f873" providerId="LiveId" clId="{AF1F4611-C0F0-4398-8041-D22984BAE48D}" dt="2021-12-10T13:37:43.014" v="329" actId="700"/>
-          <ac:spMkLst>
-            <pc:docMk/>
-            <pc:sldMk cId="2046671382" sldId="263"/>
-            <ac:spMk id="5" creationId="{00000000-0000-0000-0000-000000000000}"/>
-          </ac:spMkLst>
-        </pc:spChg>
-        <pc:spChg chg="del mod ord">
-          <ac:chgData name="Arijit Bhattacharyya" userId="ddbd6e683667f873" providerId="LiveId" clId="{AF1F4611-C0F0-4398-8041-D22984BAE48D}" dt="2021-12-10T13:37:43.014" v="329" actId="700"/>
-          <ac:spMkLst>
-            <pc:docMk/>
-            <pc:sldMk cId="2046671382" sldId="263"/>
-            <ac:spMk id="6" creationId="{00000000-0000-0000-0000-000000000000}"/>
-          </ac:spMkLst>
-        </pc:spChg>
-        <pc:spChg chg="del mod ord">
-          <ac:chgData name="Arijit Bhattacharyya" userId="ddbd6e683667f873" providerId="LiveId" clId="{AF1F4611-C0F0-4398-8041-D22984BAE48D}" dt="2021-12-10T13:37:43.014" v="329" actId="700"/>
-          <ac:spMkLst>
-            <pc:docMk/>
-            <pc:sldMk cId="2046671382" sldId="263"/>
-            <ac:spMk id="7" creationId="{00000000-0000-0000-0000-000000000000}"/>
-          </ac:spMkLst>
-        </pc:spChg>
-        <pc:spChg chg="add mod ord">
-          <ac:chgData name="Arijit Bhattacharyya" userId="ddbd6e683667f873" providerId="LiveId" clId="{AF1F4611-C0F0-4398-8041-D22984BAE48D}" dt="2021-12-10T13:37:59.366" v="379" actId="20577"/>
-          <ac:spMkLst>
-            <pc:docMk/>
-            <pc:sldMk cId="2046671382" sldId="263"/>
-            <ac:spMk id="8" creationId="{294A7B5B-A345-46B8-B74F-AC3926898046}"/>
-          </ac:spMkLst>
-        </pc:spChg>
-        <pc:spChg chg="add mod ord">
-          <ac:chgData name="Arijit Bhattacharyya" userId="ddbd6e683667f873" providerId="LiveId" clId="{AF1F4611-C0F0-4398-8041-D22984BAE48D}" dt="2021-12-10T13:37:43.014" v="329" actId="700"/>
-          <ac:spMkLst>
-            <pc:docMk/>
-            <pc:sldMk cId="2046671382" sldId="263"/>
-            <ac:spMk id="9" creationId="{4187D11F-B1DF-4F2D-8CAA-FCCF08C1760E}"/>
-          </ac:spMkLst>
-        </pc:spChg>
-        <pc:spChg chg="add mod ord">
-          <ac:chgData name="Arijit Bhattacharyya" userId="ddbd6e683667f873" providerId="LiveId" clId="{AF1F4611-C0F0-4398-8041-D22984BAE48D}" dt="2021-12-10T13:37:43.014" v="329" actId="700"/>
-          <ac:spMkLst>
-            <pc:docMk/>
-            <pc:sldMk cId="2046671382" sldId="263"/>
-            <ac:spMk id="10" creationId="{39B6C3D4-B15C-44E9-B392-00E2DE25E4CA}"/>
-          </ac:spMkLst>
-        </pc:spChg>
-        <pc:spChg chg="add mod ord">
-          <ac:chgData name="Arijit Bhattacharyya" userId="ddbd6e683667f873" providerId="LiveId" clId="{AF1F4611-C0F0-4398-8041-D22984BAE48D}" dt="2021-12-10T13:37:43.014" v="329" actId="700"/>
-          <ac:spMkLst>
-            <pc:docMk/>
-            <pc:sldMk cId="2046671382" sldId="263"/>
-            <ac:spMk id="11" creationId="{BCE6344F-8AFC-4DEA-AEBB-82521198742D}"/>
-          </ac:spMkLst>
-        </pc:spChg>
-      </pc:sldChg>
-      <pc:sldChg chg="addSp delSp modSp mod modClrScheme chgLayout">
-        <pc:chgData name="Arijit Bhattacharyya" userId="ddbd6e683667f873" providerId="LiveId" clId="{AF1F4611-C0F0-4398-8041-D22984BAE48D}" dt="2021-12-10T13:38:17.246" v="408" actId="20577"/>
-        <pc:sldMkLst>
-          <pc:docMk/>
-          <pc:sldMk cId="3939825726" sldId="264"/>
-        </pc:sldMkLst>
-        <pc:spChg chg="del mod ord">
-          <ac:chgData name="Arijit Bhattacharyya" userId="ddbd6e683667f873" providerId="LiveId" clId="{AF1F4611-C0F0-4398-8041-D22984BAE48D}" dt="2021-12-10T13:38:11.222" v="380" actId="700"/>
-          <ac:spMkLst>
-            <pc:docMk/>
-            <pc:sldMk cId="3939825726" sldId="264"/>
-            <ac:spMk id="2" creationId="{00000000-0000-0000-0000-000000000000}"/>
-          </ac:spMkLst>
-        </pc:spChg>
-        <pc:spChg chg="del mod ord">
-          <ac:chgData name="Arijit Bhattacharyya" userId="ddbd6e683667f873" providerId="LiveId" clId="{AF1F4611-C0F0-4398-8041-D22984BAE48D}" dt="2021-12-10T13:38:11.222" v="380" actId="700"/>
-          <ac:spMkLst>
-            <pc:docMk/>
-            <pc:sldMk cId="3939825726" sldId="264"/>
-            <ac:spMk id="3" creationId="{00000000-0000-0000-0000-000000000000}"/>
-          </ac:spMkLst>
-        </pc:spChg>
-        <pc:spChg chg="add mod ord">
-          <ac:chgData name="Arijit Bhattacharyya" userId="ddbd6e683667f873" providerId="LiveId" clId="{AF1F4611-C0F0-4398-8041-D22984BAE48D}" dt="2021-12-10T13:38:17.246" v="408" actId="20577"/>
-          <ac:spMkLst>
-            <pc:docMk/>
-            <pc:sldMk cId="3939825726" sldId="264"/>
-            <ac:spMk id="4" creationId="{E37EF4FF-5E6E-4796-9A7B-CA08E5BA3EB8}"/>
-          </ac:spMkLst>
-        </pc:spChg>
-        <pc:spChg chg="add mod ord">
-          <ac:chgData name="Arijit Bhattacharyya" userId="ddbd6e683667f873" providerId="LiveId" clId="{AF1F4611-C0F0-4398-8041-D22984BAE48D}" dt="2021-12-10T13:38:11.222" v="380" actId="700"/>
-          <ac:spMkLst>
-            <pc:docMk/>
-            <pc:sldMk cId="3939825726" sldId="264"/>
-            <ac:spMk id="5" creationId="{F2668B16-C7E6-4629-88DC-3A523C72DA65}"/>
-          </ac:spMkLst>
-        </pc:spChg>
-        <pc:spChg chg="add mod ord">
-          <ac:chgData name="Arijit Bhattacharyya" userId="ddbd6e683667f873" providerId="LiveId" clId="{AF1F4611-C0F0-4398-8041-D22984BAE48D}" dt="2021-12-10T13:38:11.222" v="380" actId="700"/>
-          <ac:spMkLst>
-            <pc:docMk/>
-            <pc:sldMk cId="3939825726" sldId="264"/>
-            <ac:spMk id="6" creationId="{DE203198-5C4B-45D6-9D82-77131E5D927C}"/>
-          </ac:spMkLst>
-        </pc:spChg>
-        <pc:spChg chg="add mod ord">
-          <ac:chgData name="Arijit Bhattacharyya" userId="ddbd6e683667f873" providerId="LiveId" clId="{AF1F4611-C0F0-4398-8041-D22984BAE48D}" dt="2021-12-10T13:38:11.222" v="380" actId="700"/>
-          <ac:spMkLst>
-            <pc:docMk/>
-            <pc:sldMk cId="3939825726" sldId="264"/>
-            <ac:spMk id="7" creationId="{B1181018-EC5E-4A4E-8FE5-09E5664ABC66}"/>
-          </ac:spMkLst>
-        </pc:spChg>
-      </pc:sldChg>
-      <pc:sldChg chg="modSp new mod">
-        <pc:chgData name="Arijit Bhattacharyya" userId="ddbd6e683667f873" providerId="LiveId" clId="{AF1F4611-C0F0-4398-8041-D22984BAE48D}" dt="2021-12-10T13:38:26.851" v="436" actId="20577"/>
-        <pc:sldMkLst>
-          <pc:docMk/>
-          <pc:sldMk cId="3321045284" sldId="265"/>
-        </pc:sldMkLst>
-        <pc:spChg chg="mod">
-          <ac:chgData name="Arijit Bhattacharyya" userId="ddbd6e683667f873" providerId="LiveId" clId="{AF1F4611-C0F0-4398-8041-D22984BAE48D}" dt="2021-12-10T13:38:26.851" v="436" actId="20577"/>
-          <ac:spMkLst>
-            <pc:docMk/>
-            <pc:sldMk cId="3321045284" sldId="265"/>
-            <ac:spMk id="3" creationId="{D82F8A95-B058-43AF-9A55-13EEEAF7D4CD}"/>
           </ac:spMkLst>
         </pc:spChg>
       </pc:sldChg>
@@ -7087,6 +7088,1500 @@
 </dgm:colorsDef>
 </file>
 
+<file path=ppt/diagrams/colors2.xml><?xml version="1.0" encoding="utf-8"?>
+<dgm:colorsDef xmlns:dgm="http://schemas.openxmlformats.org/drawingml/2006/diagram" xmlns:a="http://schemas.openxmlformats.org/drawingml/2006/main" uniqueId="urn:microsoft.com/office/officeart/2005/8/colors/accent1_2">
+  <dgm:title val=""/>
+  <dgm:desc val=""/>
+  <dgm:catLst>
+    <dgm:cat type="accent1" pri="11200"/>
+  </dgm:catLst>
+  <dgm:styleLbl name="node0">
+    <dgm:fillClrLst meth="repeat">
+      <a:schemeClr val="accent1"/>
+    </dgm:fillClrLst>
+    <dgm:linClrLst meth="repeat">
+      <a:schemeClr val="lt1"/>
+    </dgm:linClrLst>
+    <dgm:effectClrLst/>
+    <dgm:txLinClrLst/>
+    <dgm:txFillClrLst/>
+    <dgm:txEffectClrLst/>
+  </dgm:styleLbl>
+  <dgm:styleLbl name="alignNode1">
+    <dgm:fillClrLst meth="repeat">
+      <a:schemeClr val="accent1"/>
+    </dgm:fillClrLst>
+    <dgm:linClrLst meth="repeat">
+      <a:schemeClr val="accent1"/>
+    </dgm:linClrLst>
+    <dgm:effectClrLst/>
+    <dgm:txLinClrLst/>
+    <dgm:txFillClrLst/>
+    <dgm:txEffectClrLst/>
+  </dgm:styleLbl>
+  <dgm:styleLbl name="node1">
+    <dgm:fillClrLst meth="repeat">
+      <a:schemeClr val="accent1"/>
+    </dgm:fillClrLst>
+    <dgm:linClrLst meth="repeat">
+      <a:schemeClr val="lt1"/>
+    </dgm:linClrLst>
+    <dgm:effectClrLst/>
+    <dgm:txLinClrLst/>
+    <dgm:txFillClrLst/>
+    <dgm:txEffectClrLst/>
+  </dgm:styleLbl>
+  <dgm:styleLbl name="lnNode1">
+    <dgm:fillClrLst meth="repeat">
+      <a:schemeClr val="accent1"/>
+    </dgm:fillClrLst>
+    <dgm:linClrLst meth="repeat">
+      <a:schemeClr val="lt1"/>
+    </dgm:linClrLst>
+    <dgm:effectClrLst/>
+    <dgm:txLinClrLst/>
+    <dgm:txFillClrLst/>
+    <dgm:txEffectClrLst/>
+  </dgm:styleLbl>
+  <dgm:styleLbl name="vennNode1">
+    <dgm:fillClrLst meth="repeat">
+      <a:schemeClr val="accent1">
+        <a:alpha val="50000"/>
+      </a:schemeClr>
+    </dgm:fillClrLst>
+    <dgm:linClrLst meth="repeat">
+      <a:schemeClr val="lt1"/>
+    </dgm:linClrLst>
+    <dgm:effectClrLst/>
+    <dgm:txLinClrLst/>
+    <dgm:txFillClrLst/>
+    <dgm:txEffectClrLst/>
+  </dgm:styleLbl>
+  <dgm:styleLbl name="node2">
+    <dgm:fillClrLst meth="repeat">
+      <a:schemeClr val="accent1"/>
+    </dgm:fillClrLst>
+    <dgm:linClrLst meth="repeat">
+      <a:schemeClr val="lt1"/>
+    </dgm:linClrLst>
+    <dgm:effectClrLst/>
+    <dgm:txLinClrLst/>
+    <dgm:txFillClrLst/>
+    <dgm:txEffectClrLst/>
+  </dgm:styleLbl>
+  <dgm:styleLbl name="node3">
+    <dgm:fillClrLst meth="repeat">
+      <a:schemeClr val="accent1"/>
+    </dgm:fillClrLst>
+    <dgm:linClrLst meth="repeat">
+      <a:schemeClr val="lt1"/>
+    </dgm:linClrLst>
+    <dgm:effectClrLst/>
+    <dgm:txLinClrLst/>
+    <dgm:txFillClrLst/>
+    <dgm:txEffectClrLst/>
+  </dgm:styleLbl>
+  <dgm:styleLbl name="node4">
+    <dgm:fillClrLst meth="repeat">
+      <a:schemeClr val="accent1"/>
+    </dgm:fillClrLst>
+    <dgm:linClrLst meth="repeat">
+      <a:schemeClr val="lt1"/>
+    </dgm:linClrLst>
+    <dgm:effectClrLst/>
+    <dgm:txLinClrLst/>
+    <dgm:txFillClrLst/>
+    <dgm:txEffectClrLst/>
+  </dgm:styleLbl>
+  <dgm:styleLbl name="fgImgPlace1">
+    <dgm:fillClrLst meth="repeat">
+      <a:schemeClr val="accent1">
+        <a:tint val="50000"/>
+      </a:schemeClr>
+    </dgm:fillClrLst>
+    <dgm:linClrLst meth="repeat">
+      <a:schemeClr val="lt1"/>
+    </dgm:linClrLst>
+    <dgm:effectClrLst/>
+    <dgm:txLinClrLst/>
+    <dgm:txFillClrLst meth="repeat">
+      <a:schemeClr val="lt1"/>
+    </dgm:txFillClrLst>
+    <dgm:txEffectClrLst/>
+  </dgm:styleLbl>
+  <dgm:styleLbl name="alignImgPlace1">
+    <dgm:fillClrLst meth="repeat">
+      <a:schemeClr val="accent1">
+        <a:tint val="50000"/>
+      </a:schemeClr>
+    </dgm:fillClrLst>
+    <dgm:linClrLst meth="repeat">
+      <a:schemeClr val="lt1"/>
+    </dgm:linClrLst>
+    <dgm:effectClrLst/>
+    <dgm:txLinClrLst/>
+    <dgm:txFillClrLst meth="repeat">
+      <a:schemeClr val="lt1"/>
+    </dgm:txFillClrLst>
+    <dgm:txEffectClrLst/>
+  </dgm:styleLbl>
+  <dgm:styleLbl name="bgImgPlace1">
+    <dgm:fillClrLst meth="repeat">
+      <a:schemeClr val="accent1">
+        <a:tint val="50000"/>
+      </a:schemeClr>
+    </dgm:fillClrLst>
+    <dgm:linClrLst meth="repeat">
+      <a:schemeClr val="lt1"/>
+    </dgm:linClrLst>
+    <dgm:effectClrLst/>
+    <dgm:txLinClrLst/>
+    <dgm:txFillClrLst meth="repeat">
+      <a:schemeClr val="lt1"/>
+    </dgm:txFillClrLst>
+    <dgm:txEffectClrLst/>
+  </dgm:styleLbl>
+  <dgm:styleLbl name="sibTrans2D1">
+    <dgm:fillClrLst meth="repeat">
+      <a:schemeClr val="accent1">
+        <a:tint val="60000"/>
+      </a:schemeClr>
+    </dgm:fillClrLst>
+    <dgm:linClrLst meth="repeat">
+      <a:schemeClr val="accent1">
+        <a:tint val="60000"/>
+      </a:schemeClr>
+    </dgm:linClrLst>
+    <dgm:effectClrLst/>
+    <dgm:txLinClrLst/>
+    <dgm:txFillClrLst/>
+    <dgm:txEffectClrLst/>
+  </dgm:styleLbl>
+  <dgm:styleLbl name="fgSibTrans2D1">
+    <dgm:fillClrLst meth="repeat">
+      <a:schemeClr val="accent1">
+        <a:tint val="60000"/>
+      </a:schemeClr>
+    </dgm:fillClrLst>
+    <dgm:linClrLst meth="repeat">
+      <a:schemeClr val="accent1">
+        <a:tint val="60000"/>
+      </a:schemeClr>
+    </dgm:linClrLst>
+    <dgm:effectClrLst/>
+    <dgm:txLinClrLst/>
+    <dgm:txFillClrLst/>
+    <dgm:txEffectClrLst/>
+  </dgm:styleLbl>
+  <dgm:styleLbl name="bgSibTrans2D1">
+    <dgm:fillClrLst meth="repeat">
+      <a:schemeClr val="accent1">
+        <a:tint val="60000"/>
+      </a:schemeClr>
+    </dgm:fillClrLst>
+    <dgm:linClrLst meth="repeat">
+      <a:schemeClr val="accent1">
+        <a:tint val="60000"/>
+      </a:schemeClr>
+    </dgm:linClrLst>
+    <dgm:effectClrLst/>
+    <dgm:txLinClrLst/>
+    <dgm:txFillClrLst/>
+    <dgm:txEffectClrLst/>
+  </dgm:styleLbl>
+  <dgm:styleLbl name="sibTrans1D1">
+    <dgm:fillClrLst meth="repeat">
+      <a:schemeClr val="accent1"/>
+    </dgm:fillClrLst>
+    <dgm:linClrLst meth="repeat">
+      <a:schemeClr val="accent1"/>
+    </dgm:linClrLst>
+    <dgm:effectClrLst/>
+    <dgm:txLinClrLst/>
+    <dgm:txFillClrLst meth="repeat">
+      <a:schemeClr val="tx1"/>
+    </dgm:txFillClrLst>
+    <dgm:txEffectClrLst/>
+  </dgm:styleLbl>
+  <dgm:styleLbl name="callout">
+    <dgm:fillClrLst meth="repeat">
+      <a:schemeClr val="accent1"/>
+    </dgm:fillClrLst>
+    <dgm:linClrLst meth="repeat">
+      <a:schemeClr val="accent1">
+        <a:tint val="50000"/>
+      </a:schemeClr>
+    </dgm:linClrLst>
+    <dgm:effectClrLst/>
+    <dgm:txLinClrLst/>
+    <dgm:txFillClrLst meth="repeat">
+      <a:schemeClr val="tx1"/>
+    </dgm:txFillClrLst>
+    <dgm:txEffectClrLst/>
+  </dgm:styleLbl>
+  <dgm:styleLbl name="asst0">
+    <dgm:fillClrLst meth="repeat">
+      <a:schemeClr val="accent1"/>
+    </dgm:fillClrLst>
+    <dgm:linClrLst meth="repeat">
+      <a:schemeClr val="lt1"/>
+    </dgm:linClrLst>
+    <dgm:effectClrLst/>
+    <dgm:txLinClrLst/>
+    <dgm:txFillClrLst/>
+    <dgm:txEffectClrLst/>
+  </dgm:styleLbl>
+  <dgm:styleLbl name="asst1">
+    <dgm:fillClrLst meth="repeat">
+      <a:schemeClr val="accent1"/>
+    </dgm:fillClrLst>
+    <dgm:linClrLst meth="repeat">
+      <a:schemeClr val="lt1"/>
+    </dgm:linClrLst>
+    <dgm:effectClrLst/>
+    <dgm:txLinClrLst/>
+    <dgm:txFillClrLst/>
+    <dgm:txEffectClrLst/>
+  </dgm:styleLbl>
+  <dgm:styleLbl name="asst2">
+    <dgm:fillClrLst meth="repeat">
+      <a:schemeClr val="accent1"/>
+    </dgm:fillClrLst>
+    <dgm:linClrLst meth="repeat">
+      <a:schemeClr val="lt1"/>
+    </dgm:linClrLst>
+    <dgm:effectClrLst/>
+    <dgm:txLinClrLst/>
+    <dgm:txFillClrLst/>
+    <dgm:txEffectClrLst/>
+  </dgm:styleLbl>
+  <dgm:styleLbl name="asst3">
+    <dgm:fillClrLst meth="repeat">
+      <a:schemeClr val="accent1"/>
+    </dgm:fillClrLst>
+    <dgm:linClrLst meth="repeat">
+      <a:schemeClr val="lt1"/>
+    </dgm:linClrLst>
+    <dgm:effectClrLst/>
+    <dgm:txLinClrLst/>
+    <dgm:txFillClrLst/>
+    <dgm:txEffectClrLst/>
+  </dgm:styleLbl>
+  <dgm:styleLbl name="asst4">
+    <dgm:fillClrLst meth="repeat">
+      <a:schemeClr val="accent1"/>
+    </dgm:fillClrLst>
+    <dgm:linClrLst meth="repeat">
+      <a:schemeClr val="lt1"/>
+    </dgm:linClrLst>
+    <dgm:effectClrLst/>
+    <dgm:txLinClrLst/>
+    <dgm:txFillClrLst/>
+    <dgm:txEffectClrLst/>
+  </dgm:styleLbl>
+  <dgm:styleLbl name="parChTrans2D1">
+    <dgm:fillClrLst meth="repeat">
+      <a:schemeClr val="accent1">
+        <a:tint val="60000"/>
+      </a:schemeClr>
+    </dgm:fillClrLst>
+    <dgm:linClrLst meth="repeat">
+      <a:schemeClr val="accent1">
+        <a:tint val="60000"/>
+      </a:schemeClr>
+    </dgm:linClrLst>
+    <dgm:effectClrLst/>
+    <dgm:txLinClrLst/>
+    <dgm:txFillClrLst meth="repeat">
+      <a:schemeClr val="lt1"/>
+    </dgm:txFillClrLst>
+    <dgm:txEffectClrLst/>
+  </dgm:styleLbl>
+  <dgm:styleLbl name="parChTrans2D2">
+    <dgm:fillClrLst meth="repeat">
+      <a:schemeClr val="accent1"/>
+    </dgm:fillClrLst>
+    <dgm:linClrLst meth="repeat">
+      <a:schemeClr val="accent1"/>
+    </dgm:linClrLst>
+    <dgm:effectClrLst/>
+    <dgm:txLinClrLst/>
+    <dgm:txFillClrLst meth="repeat">
+      <a:schemeClr val="lt1"/>
+    </dgm:txFillClrLst>
+    <dgm:txEffectClrLst/>
+  </dgm:styleLbl>
+  <dgm:styleLbl name="parChTrans2D3">
+    <dgm:fillClrLst meth="repeat">
+      <a:schemeClr val="accent1"/>
+    </dgm:fillClrLst>
+    <dgm:linClrLst meth="repeat">
+      <a:schemeClr val="accent1"/>
+    </dgm:linClrLst>
+    <dgm:effectClrLst/>
+    <dgm:txLinClrLst/>
+    <dgm:txFillClrLst meth="repeat">
+      <a:schemeClr val="lt1"/>
+    </dgm:txFillClrLst>
+    <dgm:txEffectClrLst/>
+  </dgm:styleLbl>
+  <dgm:styleLbl name="parChTrans2D4">
+    <dgm:fillClrLst meth="repeat">
+      <a:schemeClr val="accent1"/>
+    </dgm:fillClrLst>
+    <dgm:linClrLst meth="repeat">
+      <a:schemeClr val="accent1"/>
+    </dgm:linClrLst>
+    <dgm:effectClrLst/>
+    <dgm:txLinClrLst/>
+    <dgm:txFillClrLst meth="repeat">
+      <a:schemeClr val="lt1"/>
+    </dgm:txFillClrLst>
+    <dgm:txEffectClrLst/>
+  </dgm:styleLbl>
+  <dgm:styleLbl name="parChTrans1D1">
+    <dgm:fillClrLst meth="repeat">
+      <a:schemeClr val="accent1"/>
+    </dgm:fillClrLst>
+    <dgm:linClrLst meth="repeat">
+      <a:schemeClr val="accent1">
+        <a:shade val="60000"/>
+      </a:schemeClr>
+    </dgm:linClrLst>
+    <dgm:effectClrLst/>
+    <dgm:txLinClrLst/>
+    <dgm:txFillClrLst meth="repeat">
+      <a:schemeClr val="tx1"/>
+    </dgm:txFillClrLst>
+    <dgm:txEffectClrLst/>
+  </dgm:styleLbl>
+  <dgm:styleLbl name="parChTrans1D2">
+    <dgm:fillClrLst meth="repeat">
+      <a:schemeClr val="accent1"/>
+    </dgm:fillClrLst>
+    <dgm:linClrLst meth="repeat">
+      <a:schemeClr val="accent1">
+        <a:shade val="60000"/>
+      </a:schemeClr>
+    </dgm:linClrLst>
+    <dgm:effectClrLst/>
+    <dgm:txLinClrLst/>
+    <dgm:txFillClrLst meth="repeat">
+      <a:schemeClr val="tx1"/>
+    </dgm:txFillClrLst>
+    <dgm:txEffectClrLst/>
+  </dgm:styleLbl>
+  <dgm:styleLbl name="parChTrans1D3">
+    <dgm:fillClrLst meth="repeat">
+      <a:schemeClr val="accent1"/>
+    </dgm:fillClrLst>
+    <dgm:linClrLst meth="repeat">
+      <a:schemeClr val="accent1">
+        <a:shade val="80000"/>
+      </a:schemeClr>
+    </dgm:linClrLst>
+    <dgm:effectClrLst/>
+    <dgm:txLinClrLst/>
+    <dgm:txFillClrLst meth="repeat">
+      <a:schemeClr val="tx1"/>
+    </dgm:txFillClrLst>
+    <dgm:txEffectClrLst/>
+  </dgm:styleLbl>
+  <dgm:styleLbl name="parChTrans1D4">
+    <dgm:fillClrLst meth="repeat">
+      <a:schemeClr val="accent1"/>
+    </dgm:fillClrLst>
+    <dgm:linClrLst meth="repeat">
+      <a:schemeClr val="accent1">
+        <a:shade val="80000"/>
+      </a:schemeClr>
+    </dgm:linClrLst>
+    <dgm:effectClrLst/>
+    <dgm:txLinClrLst/>
+    <dgm:txFillClrLst meth="repeat">
+      <a:schemeClr val="tx1"/>
+    </dgm:txFillClrLst>
+    <dgm:txEffectClrLst/>
+  </dgm:styleLbl>
+  <dgm:styleLbl name="fgAcc1">
+    <dgm:fillClrLst meth="repeat">
+      <a:schemeClr val="lt1">
+        <a:alpha val="90000"/>
+      </a:schemeClr>
+    </dgm:fillClrLst>
+    <dgm:linClrLst meth="repeat">
+      <a:schemeClr val="accent1"/>
+    </dgm:linClrLst>
+    <dgm:effectClrLst/>
+    <dgm:txLinClrLst/>
+    <dgm:txFillClrLst meth="repeat">
+      <a:schemeClr val="dk1"/>
+    </dgm:txFillClrLst>
+    <dgm:txEffectClrLst/>
+  </dgm:styleLbl>
+  <dgm:styleLbl name="conFgAcc1">
+    <dgm:fillClrLst meth="repeat">
+      <a:schemeClr val="lt1">
+        <a:alpha val="90000"/>
+      </a:schemeClr>
+    </dgm:fillClrLst>
+    <dgm:linClrLst meth="repeat">
+      <a:schemeClr val="accent1"/>
+    </dgm:linClrLst>
+    <dgm:effectClrLst/>
+    <dgm:txLinClrLst/>
+    <dgm:txFillClrLst meth="repeat">
+      <a:schemeClr val="dk1"/>
+    </dgm:txFillClrLst>
+    <dgm:txEffectClrLst/>
+  </dgm:styleLbl>
+  <dgm:styleLbl name="alignAcc1">
+    <dgm:fillClrLst meth="repeat">
+      <a:schemeClr val="lt1">
+        <a:alpha val="90000"/>
+      </a:schemeClr>
+    </dgm:fillClrLst>
+    <dgm:linClrLst meth="repeat">
+      <a:schemeClr val="accent1"/>
+    </dgm:linClrLst>
+    <dgm:effectClrLst/>
+    <dgm:txLinClrLst/>
+    <dgm:txFillClrLst meth="repeat">
+      <a:schemeClr val="dk1"/>
+    </dgm:txFillClrLst>
+    <dgm:txEffectClrLst/>
+  </dgm:styleLbl>
+  <dgm:styleLbl name="trAlignAcc1">
+    <dgm:fillClrLst meth="repeat">
+      <a:schemeClr val="lt1">
+        <a:alpha val="40000"/>
+      </a:schemeClr>
+    </dgm:fillClrLst>
+    <dgm:linClrLst meth="repeat">
+      <a:schemeClr val="accent1"/>
+    </dgm:linClrLst>
+    <dgm:effectClrLst/>
+    <dgm:txLinClrLst/>
+    <dgm:txFillClrLst meth="repeat">
+      <a:schemeClr val="dk1"/>
+    </dgm:txFillClrLst>
+    <dgm:txEffectClrLst/>
+  </dgm:styleLbl>
+  <dgm:styleLbl name="bgAcc1">
+    <dgm:fillClrLst meth="repeat">
+      <a:schemeClr val="lt1">
+        <a:alpha val="90000"/>
+      </a:schemeClr>
+    </dgm:fillClrLst>
+    <dgm:linClrLst meth="repeat">
+      <a:schemeClr val="accent1"/>
+    </dgm:linClrLst>
+    <dgm:effectClrLst/>
+    <dgm:txLinClrLst/>
+    <dgm:txFillClrLst meth="repeat">
+      <a:schemeClr val="dk1"/>
+    </dgm:txFillClrLst>
+    <dgm:txEffectClrLst/>
+  </dgm:styleLbl>
+  <dgm:styleLbl name="solidFgAcc1">
+    <dgm:fillClrLst meth="repeat">
+      <a:schemeClr val="lt1"/>
+    </dgm:fillClrLst>
+    <dgm:linClrLst meth="repeat">
+      <a:schemeClr val="accent1"/>
+    </dgm:linClrLst>
+    <dgm:effectClrLst/>
+    <dgm:txLinClrLst/>
+    <dgm:txFillClrLst meth="repeat">
+      <a:schemeClr val="dk1"/>
+    </dgm:txFillClrLst>
+    <dgm:txEffectClrLst/>
+  </dgm:styleLbl>
+  <dgm:styleLbl name="solidAlignAcc1">
+    <dgm:fillClrLst meth="repeat">
+      <a:schemeClr val="lt1"/>
+    </dgm:fillClrLst>
+    <dgm:linClrLst meth="repeat">
+      <a:schemeClr val="accent1"/>
+    </dgm:linClrLst>
+    <dgm:effectClrLst/>
+    <dgm:txLinClrLst/>
+    <dgm:txFillClrLst meth="repeat">
+      <a:schemeClr val="dk1"/>
+    </dgm:txFillClrLst>
+    <dgm:txEffectClrLst/>
+  </dgm:styleLbl>
+  <dgm:styleLbl name="solidBgAcc1">
+    <dgm:fillClrLst meth="repeat">
+      <a:schemeClr val="lt1"/>
+    </dgm:fillClrLst>
+    <dgm:linClrLst meth="repeat">
+      <a:schemeClr val="accent1"/>
+    </dgm:linClrLst>
+    <dgm:effectClrLst/>
+    <dgm:txLinClrLst/>
+    <dgm:txFillClrLst meth="repeat">
+      <a:schemeClr val="dk1"/>
+    </dgm:txFillClrLst>
+    <dgm:txEffectClrLst/>
+  </dgm:styleLbl>
+  <dgm:styleLbl name="fgAccFollowNode1">
+    <dgm:fillClrLst meth="repeat">
+      <a:schemeClr val="accent1">
+        <a:alpha val="90000"/>
+        <a:tint val="40000"/>
+      </a:schemeClr>
+    </dgm:fillClrLst>
+    <dgm:linClrLst meth="repeat">
+      <a:schemeClr val="accent1">
+        <a:alpha val="90000"/>
+        <a:tint val="40000"/>
+      </a:schemeClr>
+    </dgm:linClrLst>
+    <dgm:effectClrLst/>
+    <dgm:txLinClrLst/>
+    <dgm:txFillClrLst meth="repeat">
+      <a:schemeClr val="dk1"/>
+    </dgm:txFillClrLst>
+    <dgm:txEffectClrLst/>
+  </dgm:styleLbl>
+  <dgm:styleLbl name="alignAccFollowNode1">
+    <dgm:fillClrLst meth="repeat">
+      <a:schemeClr val="accent1">
+        <a:alpha val="90000"/>
+        <a:tint val="40000"/>
+      </a:schemeClr>
+    </dgm:fillClrLst>
+    <dgm:linClrLst meth="repeat">
+      <a:schemeClr val="accent1">
+        <a:alpha val="90000"/>
+        <a:tint val="40000"/>
+      </a:schemeClr>
+    </dgm:linClrLst>
+    <dgm:effectClrLst/>
+    <dgm:txLinClrLst/>
+    <dgm:txFillClrLst meth="repeat">
+      <a:schemeClr val="dk1"/>
+    </dgm:txFillClrLst>
+    <dgm:txEffectClrLst/>
+  </dgm:styleLbl>
+  <dgm:styleLbl name="bgAccFollowNode1">
+    <dgm:fillClrLst meth="repeat">
+      <a:schemeClr val="accent1">
+        <a:alpha val="90000"/>
+        <a:tint val="40000"/>
+      </a:schemeClr>
+    </dgm:fillClrLst>
+    <dgm:linClrLst meth="repeat">
+      <a:schemeClr val="accent1">
+        <a:alpha val="90000"/>
+        <a:tint val="40000"/>
+      </a:schemeClr>
+    </dgm:linClrLst>
+    <dgm:effectClrLst/>
+    <dgm:txLinClrLst/>
+    <dgm:txFillClrLst meth="repeat">
+      <a:schemeClr val="dk1"/>
+    </dgm:txFillClrLst>
+    <dgm:txEffectClrLst/>
+  </dgm:styleLbl>
+  <dgm:styleLbl name="fgAcc0">
+    <dgm:fillClrLst meth="repeat">
+      <a:schemeClr val="lt1">
+        <a:alpha val="90000"/>
+      </a:schemeClr>
+    </dgm:fillClrLst>
+    <dgm:linClrLst meth="repeat">
+      <a:schemeClr val="accent1"/>
+    </dgm:linClrLst>
+    <dgm:effectClrLst/>
+    <dgm:txLinClrLst/>
+    <dgm:txFillClrLst meth="repeat">
+      <a:schemeClr val="dk1"/>
+    </dgm:txFillClrLst>
+    <dgm:txEffectClrLst/>
+  </dgm:styleLbl>
+  <dgm:styleLbl name="fgAcc2">
+    <dgm:fillClrLst meth="repeat">
+      <a:schemeClr val="lt1">
+        <a:alpha val="90000"/>
+      </a:schemeClr>
+    </dgm:fillClrLst>
+    <dgm:linClrLst meth="repeat">
+      <a:schemeClr val="accent1"/>
+    </dgm:linClrLst>
+    <dgm:effectClrLst/>
+    <dgm:txLinClrLst/>
+    <dgm:txFillClrLst meth="repeat">
+      <a:schemeClr val="dk1"/>
+    </dgm:txFillClrLst>
+    <dgm:txEffectClrLst/>
+  </dgm:styleLbl>
+  <dgm:styleLbl name="fgAcc3">
+    <dgm:fillClrLst meth="repeat">
+      <a:schemeClr val="lt1">
+        <a:alpha val="90000"/>
+      </a:schemeClr>
+    </dgm:fillClrLst>
+    <dgm:linClrLst meth="repeat">
+      <a:schemeClr val="accent1"/>
+    </dgm:linClrLst>
+    <dgm:effectClrLst/>
+    <dgm:txLinClrLst/>
+    <dgm:txFillClrLst meth="repeat">
+      <a:schemeClr val="dk1"/>
+    </dgm:txFillClrLst>
+    <dgm:txEffectClrLst/>
+  </dgm:styleLbl>
+  <dgm:styleLbl name="fgAcc4">
+    <dgm:fillClrLst meth="repeat">
+      <a:schemeClr val="lt1">
+        <a:alpha val="90000"/>
+      </a:schemeClr>
+    </dgm:fillClrLst>
+    <dgm:linClrLst meth="repeat">
+      <a:schemeClr val="accent1"/>
+    </dgm:linClrLst>
+    <dgm:effectClrLst/>
+    <dgm:txLinClrLst/>
+    <dgm:txFillClrLst meth="repeat">
+      <a:schemeClr val="dk1"/>
+    </dgm:txFillClrLst>
+    <dgm:txEffectClrLst/>
+  </dgm:styleLbl>
+  <dgm:styleLbl name="bgShp">
+    <dgm:fillClrLst meth="repeat">
+      <a:schemeClr val="accent1">
+        <a:tint val="40000"/>
+      </a:schemeClr>
+    </dgm:fillClrLst>
+    <dgm:linClrLst meth="repeat">
+      <a:schemeClr val="accent1"/>
+    </dgm:linClrLst>
+    <dgm:effectClrLst/>
+    <dgm:txLinClrLst/>
+    <dgm:txFillClrLst meth="repeat">
+      <a:schemeClr val="dk1"/>
+    </dgm:txFillClrLst>
+    <dgm:txEffectClrLst/>
+  </dgm:styleLbl>
+  <dgm:styleLbl name="dkBgShp">
+    <dgm:fillClrLst meth="repeat">
+      <a:schemeClr val="accent1">
+        <a:shade val="80000"/>
+      </a:schemeClr>
+    </dgm:fillClrLst>
+    <dgm:linClrLst meth="repeat">
+      <a:schemeClr val="accent1"/>
+    </dgm:linClrLst>
+    <dgm:effectClrLst/>
+    <dgm:txLinClrLst/>
+    <dgm:txFillClrLst meth="repeat">
+      <a:schemeClr val="lt1"/>
+    </dgm:txFillClrLst>
+    <dgm:txEffectClrLst/>
+  </dgm:styleLbl>
+  <dgm:styleLbl name="trBgShp">
+    <dgm:fillClrLst meth="repeat">
+      <a:schemeClr val="accent1">
+        <a:tint val="50000"/>
+        <a:alpha val="40000"/>
+      </a:schemeClr>
+    </dgm:fillClrLst>
+    <dgm:linClrLst meth="repeat">
+      <a:schemeClr val="accent1"/>
+    </dgm:linClrLst>
+    <dgm:effectClrLst/>
+    <dgm:txLinClrLst/>
+    <dgm:txFillClrLst meth="repeat">
+      <a:schemeClr val="lt1"/>
+    </dgm:txFillClrLst>
+    <dgm:txEffectClrLst/>
+  </dgm:styleLbl>
+  <dgm:styleLbl name="fgShp">
+    <dgm:fillClrLst meth="repeat">
+      <a:schemeClr val="accent1">
+        <a:tint val="60000"/>
+      </a:schemeClr>
+    </dgm:fillClrLst>
+    <dgm:linClrLst meth="repeat">
+      <a:schemeClr val="lt1"/>
+    </dgm:linClrLst>
+    <dgm:effectClrLst/>
+    <dgm:txLinClrLst/>
+    <dgm:txFillClrLst meth="repeat">
+      <a:schemeClr val="dk1"/>
+    </dgm:txFillClrLst>
+    <dgm:txEffectClrLst/>
+  </dgm:styleLbl>
+  <dgm:styleLbl name="revTx">
+    <dgm:fillClrLst meth="repeat">
+      <a:schemeClr val="lt1">
+        <a:alpha val="0"/>
+      </a:schemeClr>
+    </dgm:fillClrLst>
+    <dgm:linClrLst meth="repeat">
+      <a:schemeClr val="dk1">
+        <a:alpha val="0"/>
+      </a:schemeClr>
+    </dgm:linClrLst>
+    <dgm:effectClrLst/>
+    <dgm:txLinClrLst/>
+    <dgm:txFillClrLst meth="repeat">
+      <a:schemeClr val="tx1"/>
+    </dgm:txFillClrLst>
+    <dgm:txEffectClrLst/>
+  </dgm:styleLbl>
+</dgm:colorsDef>
+</file>
+
+<file path=ppt/diagrams/colors3.xml><?xml version="1.0" encoding="utf-8"?>
+<dgm:colorsDef xmlns:dgm="http://schemas.openxmlformats.org/drawingml/2006/diagram" xmlns:a="http://schemas.openxmlformats.org/drawingml/2006/main" uniqueId="urn:microsoft.com/office/officeart/2005/8/colors/accent1_2">
+  <dgm:title val=""/>
+  <dgm:desc val=""/>
+  <dgm:catLst>
+    <dgm:cat type="accent1" pri="11200"/>
+  </dgm:catLst>
+  <dgm:styleLbl name="node0">
+    <dgm:fillClrLst meth="repeat">
+      <a:schemeClr val="accent1"/>
+    </dgm:fillClrLst>
+    <dgm:linClrLst meth="repeat">
+      <a:schemeClr val="lt1"/>
+    </dgm:linClrLst>
+    <dgm:effectClrLst/>
+    <dgm:txLinClrLst/>
+    <dgm:txFillClrLst/>
+    <dgm:txEffectClrLst/>
+  </dgm:styleLbl>
+  <dgm:styleLbl name="alignNode1">
+    <dgm:fillClrLst meth="repeat">
+      <a:schemeClr val="accent1"/>
+    </dgm:fillClrLst>
+    <dgm:linClrLst meth="repeat">
+      <a:schemeClr val="accent1"/>
+    </dgm:linClrLst>
+    <dgm:effectClrLst/>
+    <dgm:txLinClrLst/>
+    <dgm:txFillClrLst/>
+    <dgm:txEffectClrLst/>
+  </dgm:styleLbl>
+  <dgm:styleLbl name="node1">
+    <dgm:fillClrLst meth="repeat">
+      <a:schemeClr val="accent1"/>
+    </dgm:fillClrLst>
+    <dgm:linClrLst meth="repeat">
+      <a:schemeClr val="lt1"/>
+    </dgm:linClrLst>
+    <dgm:effectClrLst/>
+    <dgm:txLinClrLst/>
+    <dgm:txFillClrLst/>
+    <dgm:txEffectClrLst/>
+  </dgm:styleLbl>
+  <dgm:styleLbl name="lnNode1">
+    <dgm:fillClrLst meth="repeat">
+      <a:schemeClr val="accent1"/>
+    </dgm:fillClrLst>
+    <dgm:linClrLst meth="repeat">
+      <a:schemeClr val="lt1"/>
+    </dgm:linClrLst>
+    <dgm:effectClrLst/>
+    <dgm:txLinClrLst/>
+    <dgm:txFillClrLst/>
+    <dgm:txEffectClrLst/>
+  </dgm:styleLbl>
+  <dgm:styleLbl name="vennNode1">
+    <dgm:fillClrLst meth="repeat">
+      <a:schemeClr val="accent1">
+        <a:alpha val="50000"/>
+      </a:schemeClr>
+    </dgm:fillClrLst>
+    <dgm:linClrLst meth="repeat">
+      <a:schemeClr val="lt1"/>
+    </dgm:linClrLst>
+    <dgm:effectClrLst/>
+    <dgm:txLinClrLst/>
+    <dgm:txFillClrLst/>
+    <dgm:txEffectClrLst/>
+  </dgm:styleLbl>
+  <dgm:styleLbl name="node2">
+    <dgm:fillClrLst meth="repeat">
+      <a:schemeClr val="accent1"/>
+    </dgm:fillClrLst>
+    <dgm:linClrLst meth="repeat">
+      <a:schemeClr val="lt1"/>
+    </dgm:linClrLst>
+    <dgm:effectClrLst/>
+    <dgm:txLinClrLst/>
+    <dgm:txFillClrLst/>
+    <dgm:txEffectClrLst/>
+  </dgm:styleLbl>
+  <dgm:styleLbl name="node3">
+    <dgm:fillClrLst meth="repeat">
+      <a:schemeClr val="accent1"/>
+    </dgm:fillClrLst>
+    <dgm:linClrLst meth="repeat">
+      <a:schemeClr val="lt1"/>
+    </dgm:linClrLst>
+    <dgm:effectClrLst/>
+    <dgm:txLinClrLst/>
+    <dgm:txFillClrLst/>
+    <dgm:txEffectClrLst/>
+  </dgm:styleLbl>
+  <dgm:styleLbl name="node4">
+    <dgm:fillClrLst meth="repeat">
+      <a:schemeClr val="accent1"/>
+    </dgm:fillClrLst>
+    <dgm:linClrLst meth="repeat">
+      <a:schemeClr val="lt1"/>
+    </dgm:linClrLst>
+    <dgm:effectClrLst/>
+    <dgm:txLinClrLst/>
+    <dgm:txFillClrLst/>
+    <dgm:txEffectClrLst/>
+  </dgm:styleLbl>
+  <dgm:styleLbl name="fgImgPlace1">
+    <dgm:fillClrLst meth="repeat">
+      <a:schemeClr val="accent1">
+        <a:tint val="50000"/>
+      </a:schemeClr>
+    </dgm:fillClrLst>
+    <dgm:linClrLst meth="repeat">
+      <a:schemeClr val="lt1"/>
+    </dgm:linClrLst>
+    <dgm:effectClrLst/>
+    <dgm:txLinClrLst/>
+    <dgm:txFillClrLst meth="repeat">
+      <a:schemeClr val="lt1"/>
+    </dgm:txFillClrLst>
+    <dgm:txEffectClrLst/>
+  </dgm:styleLbl>
+  <dgm:styleLbl name="alignImgPlace1">
+    <dgm:fillClrLst meth="repeat">
+      <a:schemeClr val="accent1">
+        <a:tint val="50000"/>
+      </a:schemeClr>
+    </dgm:fillClrLst>
+    <dgm:linClrLst meth="repeat">
+      <a:schemeClr val="lt1"/>
+    </dgm:linClrLst>
+    <dgm:effectClrLst/>
+    <dgm:txLinClrLst/>
+    <dgm:txFillClrLst meth="repeat">
+      <a:schemeClr val="lt1"/>
+    </dgm:txFillClrLst>
+    <dgm:txEffectClrLst/>
+  </dgm:styleLbl>
+  <dgm:styleLbl name="bgImgPlace1">
+    <dgm:fillClrLst meth="repeat">
+      <a:schemeClr val="accent1">
+        <a:tint val="50000"/>
+      </a:schemeClr>
+    </dgm:fillClrLst>
+    <dgm:linClrLst meth="repeat">
+      <a:schemeClr val="lt1"/>
+    </dgm:linClrLst>
+    <dgm:effectClrLst/>
+    <dgm:txLinClrLst/>
+    <dgm:txFillClrLst meth="repeat">
+      <a:schemeClr val="lt1"/>
+    </dgm:txFillClrLst>
+    <dgm:txEffectClrLst/>
+  </dgm:styleLbl>
+  <dgm:styleLbl name="sibTrans2D1">
+    <dgm:fillClrLst meth="repeat">
+      <a:schemeClr val="accent1">
+        <a:tint val="60000"/>
+      </a:schemeClr>
+    </dgm:fillClrLst>
+    <dgm:linClrLst meth="repeat">
+      <a:schemeClr val="accent1">
+        <a:tint val="60000"/>
+      </a:schemeClr>
+    </dgm:linClrLst>
+    <dgm:effectClrLst/>
+    <dgm:txLinClrLst/>
+    <dgm:txFillClrLst/>
+    <dgm:txEffectClrLst/>
+  </dgm:styleLbl>
+  <dgm:styleLbl name="fgSibTrans2D1">
+    <dgm:fillClrLst meth="repeat">
+      <a:schemeClr val="accent1">
+        <a:tint val="60000"/>
+      </a:schemeClr>
+    </dgm:fillClrLst>
+    <dgm:linClrLst meth="repeat">
+      <a:schemeClr val="accent1">
+        <a:tint val="60000"/>
+      </a:schemeClr>
+    </dgm:linClrLst>
+    <dgm:effectClrLst/>
+    <dgm:txLinClrLst/>
+    <dgm:txFillClrLst/>
+    <dgm:txEffectClrLst/>
+  </dgm:styleLbl>
+  <dgm:styleLbl name="bgSibTrans2D1">
+    <dgm:fillClrLst meth="repeat">
+      <a:schemeClr val="accent1">
+        <a:tint val="60000"/>
+      </a:schemeClr>
+    </dgm:fillClrLst>
+    <dgm:linClrLst meth="repeat">
+      <a:schemeClr val="accent1">
+        <a:tint val="60000"/>
+      </a:schemeClr>
+    </dgm:linClrLst>
+    <dgm:effectClrLst/>
+    <dgm:txLinClrLst/>
+    <dgm:txFillClrLst/>
+    <dgm:txEffectClrLst/>
+  </dgm:styleLbl>
+  <dgm:styleLbl name="sibTrans1D1">
+    <dgm:fillClrLst meth="repeat">
+      <a:schemeClr val="accent1"/>
+    </dgm:fillClrLst>
+    <dgm:linClrLst meth="repeat">
+      <a:schemeClr val="accent1"/>
+    </dgm:linClrLst>
+    <dgm:effectClrLst/>
+    <dgm:txLinClrLst/>
+    <dgm:txFillClrLst meth="repeat">
+      <a:schemeClr val="tx1"/>
+    </dgm:txFillClrLst>
+    <dgm:txEffectClrLst/>
+  </dgm:styleLbl>
+  <dgm:styleLbl name="callout">
+    <dgm:fillClrLst meth="repeat">
+      <a:schemeClr val="accent1"/>
+    </dgm:fillClrLst>
+    <dgm:linClrLst meth="repeat">
+      <a:schemeClr val="accent1">
+        <a:tint val="50000"/>
+      </a:schemeClr>
+    </dgm:linClrLst>
+    <dgm:effectClrLst/>
+    <dgm:txLinClrLst/>
+    <dgm:txFillClrLst meth="repeat">
+      <a:schemeClr val="tx1"/>
+    </dgm:txFillClrLst>
+    <dgm:txEffectClrLst/>
+  </dgm:styleLbl>
+  <dgm:styleLbl name="asst0">
+    <dgm:fillClrLst meth="repeat">
+      <a:schemeClr val="accent1"/>
+    </dgm:fillClrLst>
+    <dgm:linClrLst meth="repeat">
+      <a:schemeClr val="lt1"/>
+    </dgm:linClrLst>
+    <dgm:effectClrLst/>
+    <dgm:txLinClrLst/>
+    <dgm:txFillClrLst/>
+    <dgm:txEffectClrLst/>
+  </dgm:styleLbl>
+  <dgm:styleLbl name="asst1">
+    <dgm:fillClrLst meth="repeat">
+      <a:schemeClr val="accent1"/>
+    </dgm:fillClrLst>
+    <dgm:linClrLst meth="repeat">
+      <a:schemeClr val="lt1"/>
+    </dgm:linClrLst>
+    <dgm:effectClrLst/>
+    <dgm:txLinClrLst/>
+    <dgm:txFillClrLst/>
+    <dgm:txEffectClrLst/>
+  </dgm:styleLbl>
+  <dgm:styleLbl name="asst2">
+    <dgm:fillClrLst meth="repeat">
+      <a:schemeClr val="accent1"/>
+    </dgm:fillClrLst>
+    <dgm:linClrLst meth="repeat">
+      <a:schemeClr val="lt1"/>
+    </dgm:linClrLst>
+    <dgm:effectClrLst/>
+    <dgm:txLinClrLst/>
+    <dgm:txFillClrLst/>
+    <dgm:txEffectClrLst/>
+  </dgm:styleLbl>
+  <dgm:styleLbl name="asst3">
+    <dgm:fillClrLst meth="repeat">
+      <a:schemeClr val="accent1"/>
+    </dgm:fillClrLst>
+    <dgm:linClrLst meth="repeat">
+      <a:schemeClr val="lt1"/>
+    </dgm:linClrLst>
+    <dgm:effectClrLst/>
+    <dgm:txLinClrLst/>
+    <dgm:txFillClrLst/>
+    <dgm:txEffectClrLst/>
+  </dgm:styleLbl>
+  <dgm:styleLbl name="asst4">
+    <dgm:fillClrLst meth="repeat">
+      <a:schemeClr val="accent1"/>
+    </dgm:fillClrLst>
+    <dgm:linClrLst meth="repeat">
+      <a:schemeClr val="lt1"/>
+    </dgm:linClrLst>
+    <dgm:effectClrLst/>
+    <dgm:txLinClrLst/>
+    <dgm:txFillClrLst/>
+    <dgm:txEffectClrLst/>
+  </dgm:styleLbl>
+  <dgm:styleLbl name="parChTrans2D1">
+    <dgm:fillClrLst meth="repeat">
+      <a:schemeClr val="accent1">
+        <a:tint val="60000"/>
+      </a:schemeClr>
+    </dgm:fillClrLst>
+    <dgm:linClrLst meth="repeat">
+      <a:schemeClr val="accent1">
+        <a:tint val="60000"/>
+      </a:schemeClr>
+    </dgm:linClrLst>
+    <dgm:effectClrLst/>
+    <dgm:txLinClrLst/>
+    <dgm:txFillClrLst meth="repeat">
+      <a:schemeClr val="lt1"/>
+    </dgm:txFillClrLst>
+    <dgm:txEffectClrLst/>
+  </dgm:styleLbl>
+  <dgm:styleLbl name="parChTrans2D2">
+    <dgm:fillClrLst meth="repeat">
+      <a:schemeClr val="accent1"/>
+    </dgm:fillClrLst>
+    <dgm:linClrLst meth="repeat">
+      <a:schemeClr val="accent1"/>
+    </dgm:linClrLst>
+    <dgm:effectClrLst/>
+    <dgm:txLinClrLst/>
+    <dgm:txFillClrLst meth="repeat">
+      <a:schemeClr val="lt1"/>
+    </dgm:txFillClrLst>
+    <dgm:txEffectClrLst/>
+  </dgm:styleLbl>
+  <dgm:styleLbl name="parChTrans2D3">
+    <dgm:fillClrLst meth="repeat">
+      <a:schemeClr val="accent1"/>
+    </dgm:fillClrLst>
+    <dgm:linClrLst meth="repeat">
+      <a:schemeClr val="accent1"/>
+    </dgm:linClrLst>
+    <dgm:effectClrLst/>
+    <dgm:txLinClrLst/>
+    <dgm:txFillClrLst meth="repeat">
+      <a:schemeClr val="lt1"/>
+    </dgm:txFillClrLst>
+    <dgm:txEffectClrLst/>
+  </dgm:styleLbl>
+  <dgm:styleLbl name="parChTrans2D4">
+    <dgm:fillClrLst meth="repeat">
+      <a:schemeClr val="accent1"/>
+    </dgm:fillClrLst>
+    <dgm:linClrLst meth="repeat">
+      <a:schemeClr val="accent1"/>
+    </dgm:linClrLst>
+    <dgm:effectClrLst/>
+    <dgm:txLinClrLst/>
+    <dgm:txFillClrLst meth="repeat">
+      <a:schemeClr val="lt1"/>
+    </dgm:txFillClrLst>
+    <dgm:txEffectClrLst/>
+  </dgm:styleLbl>
+  <dgm:styleLbl name="parChTrans1D1">
+    <dgm:fillClrLst meth="repeat">
+      <a:schemeClr val="accent1"/>
+    </dgm:fillClrLst>
+    <dgm:linClrLst meth="repeat">
+      <a:schemeClr val="accent1">
+        <a:shade val="60000"/>
+      </a:schemeClr>
+    </dgm:linClrLst>
+    <dgm:effectClrLst/>
+    <dgm:txLinClrLst/>
+    <dgm:txFillClrLst meth="repeat">
+      <a:schemeClr val="tx1"/>
+    </dgm:txFillClrLst>
+    <dgm:txEffectClrLst/>
+  </dgm:styleLbl>
+  <dgm:styleLbl name="parChTrans1D2">
+    <dgm:fillClrLst meth="repeat">
+      <a:schemeClr val="accent1"/>
+    </dgm:fillClrLst>
+    <dgm:linClrLst meth="repeat">
+      <a:schemeClr val="accent1">
+        <a:shade val="60000"/>
+      </a:schemeClr>
+    </dgm:linClrLst>
+    <dgm:effectClrLst/>
+    <dgm:txLinClrLst/>
+    <dgm:txFillClrLst meth="repeat">
+      <a:schemeClr val="tx1"/>
+    </dgm:txFillClrLst>
+    <dgm:txEffectClrLst/>
+  </dgm:styleLbl>
+  <dgm:styleLbl name="parChTrans1D3">
+    <dgm:fillClrLst meth="repeat">
+      <a:schemeClr val="accent1"/>
+    </dgm:fillClrLst>
+    <dgm:linClrLst meth="repeat">
+      <a:schemeClr val="accent1">
+        <a:shade val="80000"/>
+      </a:schemeClr>
+    </dgm:linClrLst>
+    <dgm:effectClrLst/>
+    <dgm:txLinClrLst/>
+    <dgm:txFillClrLst meth="repeat">
+      <a:schemeClr val="tx1"/>
+    </dgm:txFillClrLst>
+    <dgm:txEffectClrLst/>
+  </dgm:styleLbl>
+  <dgm:styleLbl name="parChTrans1D4">
+    <dgm:fillClrLst meth="repeat">
+      <a:schemeClr val="accent1"/>
+    </dgm:fillClrLst>
+    <dgm:linClrLst meth="repeat">
+      <a:schemeClr val="accent1">
+        <a:shade val="80000"/>
+      </a:schemeClr>
+    </dgm:linClrLst>
+    <dgm:effectClrLst/>
+    <dgm:txLinClrLst/>
+    <dgm:txFillClrLst meth="repeat">
+      <a:schemeClr val="tx1"/>
+    </dgm:txFillClrLst>
+    <dgm:txEffectClrLst/>
+  </dgm:styleLbl>
+  <dgm:styleLbl name="fgAcc1">
+    <dgm:fillClrLst meth="repeat">
+      <a:schemeClr val="lt1">
+        <a:alpha val="90000"/>
+      </a:schemeClr>
+    </dgm:fillClrLst>
+    <dgm:linClrLst meth="repeat">
+      <a:schemeClr val="accent1"/>
+    </dgm:linClrLst>
+    <dgm:effectClrLst/>
+    <dgm:txLinClrLst/>
+    <dgm:txFillClrLst meth="repeat">
+      <a:schemeClr val="dk1"/>
+    </dgm:txFillClrLst>
+    <dgm:txEffectClrLst/>
+  </dgm:styleLbl>
+  <dgm:styleLbl name="conFgAcc1">
+    <dgm:fillClrLst meth="repeat">
+      <a:schemeClr val="lt1">
+        <a:alpha val="90000"/>
+      </a:schemeClr>
+    </dgm:fillClrLst>
+    <dgm:linClrLst meth="repeat">
+      <a:schemeClr val="accent1"/>
+    </dgm:linClrLst>
+    <dgm:effectClrLst/>
+    <dgm:txLinClrLst/>
+    <dgm:txFillClrLst meth="repeat">
+      <a:schemeClr val="dk1"/>
+    </dgm:txFillClrLst>
+    <dgm:txEffectClrLst/>
+  </dgm:styleLbl>
+  <dgm:styleLbl name="alignAcc1">
+    <dgm:fillClrLst meth="repeat">
+      <a:schemeClr val="lt1">
+        <a:alpha val="90000"/>
+      </a:schemeClr>
+    </dgm:fillClrLst>
+    <dgm:linClrLst meth="repeat">
+      <a:schemeClr val="accent1"/>
+    </dgm:linClrLst>
+    <dgm:effectClrLst/>
+    <dgm:txLinClrLst/>
+    <dgm:txFillClrLst meth="repeat">
+      <a:schemeClr val="dk1"/>
+    </dgm:txFillClrLst>
+    <dgm:txEffectClrLst/>
+  </dgm:styleLbl>
+  <dgm:styleLbl name="trAlignAcc1">
+    <dgm:fillClrLst meth="repeat">
+      <a:schemeClr val="lt1">
+        <a:alpha val="40000"/>
+      </a:schemeClr>
+    </dgm:fillClrLst>
+    <dgm:linClrLst meth="repeat">
+      <a:schemeClr val="accent1"/>
+    </dgm:linClrLst>
+    <dgm:effectClrLst/>
+    <dgm:txLinClrLst/>
+    <dgm:txFillClrLst meth="repeat">
+      <a:schemeClr val="dk1"/>
+    </dgm:txFillClrLst>
+    <dgm:txEffectClrLst/>
+  </dgm:styleLbl>
+  <dgm:styleLbl name="bgAcc1">
+    <dgm:fillClrLst meth="repeat">
+      <a:schemeClr val="lt1">
+        <a:alpha val="90000"/>
+      </a:schemeClr>
+    </dgm:fillClrLst>
+    <dgm:linClrLst meth="repeat">
+      <a:schemeClr val="accent1"/>
+    </dgm:linClrLst>
+    <dgm:effectClrLst/>
+    <dgm:txLinClrLst/>
+    <dgm:txFillClrLst meth="repeat">
+      <a:schemeClr val="dk1"/>
+    </dgm:txFillClrLst>
+    <dgm:txEffectClrLst/>
+  </dgm:styleLbl>
+  <dgm:styleLbl name="solidFgAcc1">
+    <dgm:fillClrLst meth="repeat">
+      <a:schemeClr val="lt1"/>
+    </dgm:fillClrLst>
+    <dgm:linClrLst meth="repeat">
+      <a:schemeClr val="accent1"/>
+    </dgm:linClrLst>
+    <dgm:effectClrLst/>
+    <dgm:txLinClrLst/>
+    <dgm:txFillClrLst meth="repeat">
+      <a:schemeClr val="dk1"/>
+    </dgm:txFillClrLst>
+    <dgm:txEffectClrLst/>
+  </dgm:styleLbl>
+  <dgm:styleLbl name="solidAlignAcc1">
+    <dgm:fillClrLst meth="repeat">
+      <a:schemeClr val="lt1"/>
+    </dgm:fillClrLst>
+    <dgm:linClrLst meth="repeat">
+      <a:schemeClr val="accent1"/>
+    </dgm:linClrLst>
+    <dgm:effectClrLst/>
+    <dgm:txLinClrLst/>
+    <dgm:txFillClrLst meth="repeat">
+      <a:schemeClr val="dk1"/>
+    </dgm:txFillClrLst>
+    <dgm:txEffectClrLst/>
+  </dgm:styleLbl>
+  <dgm:styleLbl name="solidBgAcc1">
+    <dgm:fillClrLst meth="repeat">
+      <a:schemeClr val="lt1"/>
+    </dgm:fillClrLst>
+    <dgm:linClrLst meth="repeat">
+      <a:schemeClr val="accent1"/>
+    </dgm:linClrLst>
+    <dgm:effectClrLst/>
+    <dgm:txLinClrLst/>
+    <dgm:txFillClrLst meth="repeat">
+      <a:schemeClr val="dk1"/>
+    </dgm:txFillClrLst>
+    <dgm:txEffectClrLst/>
+  </dgm:styleLbl>
+  <dgm:styleLbl name="fgAccFollowNode1">
+    <dgm:fillClrLst meth="repeat">
+      <a:schemeClr val="accent1">
+        <a:alpha val="90000"/>
+        <a:tint val="40000"/>
+      </a:schemeClr>
+    </dgm:fillClrLst>
+    <dgm:linClrLst meth="repeat">
+      <a:schemeClr val="accent1">
+        <a:alpha val="90000"/>
+        <a:tint val="40000"/>
+      </a:schemeClr>
+    </dgm:linClrLst>
+    <dgm:effectClrLst/>
+    <dgm:txLinClrLst/>
+    <dgm:txFillClrLst meth="repeat">
+      <a:schemeClr val="dk1"/>
+    </dgm:txFillClrLst>
+    <dgm:txEffectClrLst/>
+  </dgm:styleLbl>
+  <dgm:styleLbl name="alignAccFollowNode1">
+    <dgm:fillClrLst meth="repeat">
+      <a:schemeClr val="accent1">
+        <a:alpha val="90000"/>
+        <a:tint val="40000"/>
+      </a:schemeClr>
+    </dgm:fillClrLst>
+    <dgm:linClrLst meth="repeat">
+      <a:schemeClr val="accent1">
+        <a:alpha val="90000"/>
+        <a:tint val="40000"/>
+      </a:schemeClr>
+    </dgm:linClrLst>
+    <dgm:effectClrLst/>
+    <dgm:txLinClrLst/>
+    <dgm:txFillClrLst meth="repeat">
+      <a:schemeClr val="dk1"/>
+    </dgm:txFillClrLst>
+    <dgm:txEffectClrLst/>
+  </dgm:styleLbl>
+  <dgm:styleLbl name="bgAccFollowNode1">
+    <dgm:fillClrLst meth="repeat">
+      <a:schemeClr val="accent1">
+        <a:alpha val="90000"/>
+        <a:tint val="40000"/>
+      </a:schemeClr>
+    </dgm:fillClrLst>
+    <dgm:linClrLst meth="repeat">
+      <a:schemeClr val="accent1">
+        <a:alpha val="90000"/>
+        <a:tint val="40000"/>
+      </a:schemeClr>
+    </dgm:linClrLst>
+    <dgm:effectClrLst/>
+    <dgm:txLinClrLst/>
+    <dgm:txFillClrLst meth="repeat">
+      <a:schemeClr val="dk1"/>
+    </dgm:txFillClrLst>
+    <dgm:txEffectClrLst/>
+  </dgm:styleLbl>
+  <dgm:styleLbl name="fgAcc0">
+    <dgm:fillClrLst meth="repeat">
+      <a:schemeClr val="lt1">
+        <a:alpha val="90000"/>
+      </a:schemeClr>
+    </dgm:fillClrLst>
+    <dgm:linClrLst meth="repeat">
+      <a:schemeClr val="accent1"/>
+    </dgm:linClrLst>
+    <dgm:effectClrLst/>
+    <dgm:txLinClrLst/>
+    <dgm:txFillClrLst meth="repeat">
+      <a:schemeClr val="dk1"/>
+    </dgm:txFillClrLst>
+    <dgm:txEffectClrLst/>
+  </dgm:styleLbl>
+  <dgm:styleLbl name="fgAcc2">
+    <dgm:fillClrLst meth="repeat">
+      <a:schemeClr val="lt1">
+        <a:alpha val="90000"/>
+      </a:schemeClr>
+    </dgm:fillClrLst>
+    <dgm:linClrLst meth="repeat">
+      <a:schemeClr val="accent1"/>
+    </dgm:linClrLst>
+    <dgm:effectClrLst/>
+    <dgm:txLinClrLst/>
+    <dgm:txFillClrLst meth="repeat">
+      <a:schemeClr val="dk1"/>
+    </dgm:txFillClrLst>
+    <dgm:txEffectClrLst/>
+  </dgm:styleLbl>
+  <dgm:styleLbl name="fgAcc3">
+    <dgm:fillClrLst meth="repeat">
+      <a:schemeClr val="lt1">
+        <a:alpha val="90000"/>
+      </a:schemeClr>
+    </dgm:fillClrLst>
+    <dgm:linClrLst meth="repeat">
+      <a:schemeClr val="accent1"/>
+    </dgm:linClrLst>
+    <dgm:effectClrLst/>
+    <dgm:txLinClrLst/>
+    <dgm:txFillClrLst meth="repeat">
+      <a:schemeClr val="dk1"/>
+    </dgm:txFillClrLst>
+    <dgm:txEffectClrLst/>
+  </dgm:styleLbl>
+  <dgm:styleLbl name="fgAcc4">
+    <dgm:fillClrLst meth="repeat">
+      <a:schemeClr val="lt1">
+        <a:alpha val="90000"/>
+      </a:schemeClr>
+    </dgm:fillClrLst>
+    <dgm:linClrLst meth="repeat">
+      <a:schemeClr val="accent1"/>
+    </dgm:linClrLst>
+    <dgm:effectClrLst/>
+    <dgm:txLinClrLst/>
+    <dgm:txFillClrLst meth="repeat">
+      <a:schemeClr val="dk1"/>
+    </dgm:txFillClrLst>
+    <dgm:txEffectClrLst/>
+  </dgm:styleLbl>
+  <dgm:styleLbl name="bgShp">
+    <dgm:fillClrLst meth="repeat">
+      <a:schemeClr val="accent1">
+        <a:tint val="40000"/>
+      </a:schemeClr>
+    </dgm:fillClrLst>
+    <dgm:linClrLst meth="repeat">
+      <a:schemeClr val="accent1"/>
+    </dgm:linClrLst>
+    <dgm:effectClrLst/>
+    <dgm:txLinClrLst/>
+    <dgm:txFillClrLst meth="repeat">
+      <a:schemeClr val="dk1"/>
+    </dgm:txFillClrLst>
+    <dgm:txEffectClrLst/>
+  </dgm:styleLbl>
+  <dgm:styleLbl name="dkBgShp">
+    <dgm:fillClrLst meth="repeat">
+      <a:schemeClr val="accent1">
+        <a:shade val="80000"/>
+      </a:schemeClr>
+    </dgm:fillClrLst>
+    <dgm:linClrLst meth="repeat">
+      <a:schemeClr val="accent1"/>
+    </dgm:linClrLst>
+    <dgm:effectClrLst/>
+    <dgm:txLinClrLst/>
+    <dgm:txFillClrLst meth="repeat">
+      <a:schemeClr val="lt1"/>
+    </dgm:txFillClrLst>
+    <dgm:txEffectClrLst/>
+  </dgm:styleLbl>
+  <dgm:styleLbl name="trBgShp">
+    <dgm:fillClrLst meth="repeat">
+      <a:schemeClr val="accent1">
+        <a:tint val="50000"/>
+        <a:alpha val="40000"/>
+      </a:schemeClr>
+    </dgm:fillClrLst>
+    <dgm:linClrLst meth="repeat">
+      <a:schemeClr val="accent1"/>
+    </dgm:linClrLst>
+    <dgm:effectClrLst/>
+    <dgm:txLinClrLst/>
+    <dgm:txFillClrLst meth="repeat">
+      <a:schemeClr val="lt1"/>
+    </dgm:txFillClrLst>
+    <dgm:txEffectClrLst/>
+  </dgm:styleLbl>
+  <dgm:styleLbl name="fgShp">
+    <dgm:fillClrLst meth="repeat">
+      <a:schemeClr val="accent1">
+        <a:tint val="60000"/>
+      </a:schemeClr>
+    </dgm:fillClrLst>
+    <dgm:linClrLst meth="repeat">
+      <a:schemeClr val="lt1"/>
+    </dgm:linClrLst>
+    <dgm:effectClrLst/>
+    <dgm:txLinClrLst/>
+    <dgm:txFillClrLst meth="repeat">
+      <a:schemeClr val="dk1"/>
+    </dgm:txFillClrLst>
+    <dgm:txEffectClrLst/>
+  </dgm:styleLbl>
+  <dgm:styleLbl name="revTx">
+    <dgm:fillClrLst meth="repeat">
+      <a:schemeClr val="lt1">
+        <a:alpha val="0"/>
+      </a:schemeClr>
+    </dgm:fillClrLst>
+    <dgm:linClrLst meth="repeat">
+      <a:schemeClr val="dk1">
+        <a:alpha val="0"/>
+      </a:schemeClr>
+    </dgm:linClrLst>
+    <dgm:effectClrLst/>
+    <dgm:txLinClrLst/>
+    <dgm:txFillClrLst meth="repeat">
+      <a:schemeClr val="tx1"/>
+    </dgm:txFillClrLst>
+    <dgm:txEffectClrLst/>
+  </dgm:styleLbl>
+</dgm:colorsDef>
+</file>
+
 <file path=ppt/diagrams/data1.xml><?xml version="1.0" encoding="utf-8"?>
 <dgm:dataModel xmlns:dgm="http://schemas.openxmlformats.org/drawingml/2006/diagram" xmlns:a="http://schemas.openxmlformats.org/drawingml/2006/main">
   <dgm:ptLst>
@@ -8003,6 +9498,1520 @@
     <dgm:cxn modelId="{7DF72405-A4CE-4DBD-AE54-BFD3C539B466}" type="presParOf" srcId="{B13255E9-DB68-4D8A-9A3B-8326B25CBCF0}" destId="{2F80A473-4528-4367-AA6C-2F0FE14EF0C4}" srcOrd="3" destOrd="0" presId="urn:microsoft.com/office/officeart/2005/8/layout/hierarchy2"/>
     <dgm:cxn modelId="{8BF3ABDF-299C-401C-92B4-E423C2ABC11C}" type="presParOf" srcId="{2F80A473-4528-4367-AA6C-2F0FE14EF0C4}" destId="{B5367FBD-3A43-4D85-A938-D720DAA2A1D6}" srcOrd="0" destOrd="0" presId="urn:microsoft.com/office/officeart/2005/8/layout/hierarchy2"/>
     <dgm:cxn modelId="{EC0AA15E-6A5E-40E8-A523-12C7BEF00897}" type="presParOf" srcId="{2F80A473-4528-4367-AA6C-2F0FE14EF0C4}" destId="{4FDCDFF1-1EEE-4519-B932-5964375ED677}" srcOrd="1" destOrd="0" presId="urn:microsoft.com/office/officeart/2005/8/layout/hierarchy2"/>
+  </dgm:cxnLst>
+  <dgm:bg/>
+  <dgm:whole/>
+  <dgm:extLst>
+    <a:ext uri="http://schemas.microsoft.com/office/drawing/2008/diagram">
+      <dsp:dataModelExt xmlns:dsp="http://schemas.microsoft.com/office/drawing/2008/diagram" relId="rId6" minVer="http://schemas.openxmlformats.org/drawingml/2006/diagram"/>
+    </a:ext>
+  </dgm:extLst>
+</dgm:dataModel>
+</file>
+
+<file path=ppt/diagrams/data2.xml><?xml version="1.0" encoding="utf-8"?>
+<dgm:dataModel xmlns:dgm="http://schemas.openxmlformats.org/drawingml/2006/diagram" xmlns:a="http://schemas.openxmlformats.org/drawingml/2006/main">
+  <dgm:ptLst>
+    <dgm:pt modelId="{DDF80BF8-20DB-4BED-BD05-AD2BA8FA572E}" type="doc">
+      <dgm:prSet loTypeId="urn:microsoft.com/office/officeart/2005/8/layout/chevron2" loCatId="list" qsTypeId="urn:microsoft.com/office/officeart/2005/8/quickstyle/simple1" qsCatId="simple" csTypeId="urn:microsoft.com/office/officeart/2005/8/colors/accent1_2" csCatId="accent1" phldr="1"/>
+      <dgm:spPr/>
+      <dgm:t>
+        <a:bodyPr/>
+        <a:lstStyle/>
+        <a:p>
+          <a:endParaRPr lang="en-GB"/>
+        </a:p>
+      </dgm:t>
+    </dgm:pt>
+    <dgm:pt modelId="{00174F60-DD19-405C-917F-D71279BD82C0}">
+      <dgm:prSet phldrT="[Text]"/>
+      <dgm:spPr/>
+      <dgm:t>
+        <a:bodyPr/>
+        <a:lstStyle/>
+        <a:p>
+          <a:r>
+            <a:rPr lang="en-GB" dirty="0"/>
+            <a:t>Feature Extraction stage (optional)</a:t>
+          </a:r>
+        </a:p>
+      </dgm:t>
+    </dgm:pt>
+    <dgm:pt modelId="{A60DCBEB-ADC7-43C7-8FD0-1046F62647B0}" type="parTrans" cxnId="{DA85EB36-2CC9-46A0-95D2-2E98D754E0FB}">
+      <dgm:prSet/>
+      <dgm:spPr/>
+      <dgm:t>
+        <a:bodyPr/>
+        <a:lstStyle/>
+        <a:p>
+          <a:endParaRPr lang="en-GB"/>
+        </a:p>
+      </dgm:t>
+    </dgm:pt>
+    <dgm:pt modelId="{0D58D249-15DB-4264-A8A3-8A4021990B9B}" type="sibTrans" cxnId="{DA85EB36-2CC9-46A0-95D2-2E98D754E0FB}">
+      <dgm:prSet/>
+      <dgm:spPr/>
+      <dgm:t>
+        <a:bodyPr/>
+        <a:lstStyle/>
+        <a:p>
+          <a:endParaRPr lang="en-GB"/>
+        </a:p>
+      </dgm:t>
+    </dgm:pt>
+    <dgm:pt modelId="{E22D4466-169E-490D-9A20-9F99E574F060}">
+      <dgm:prSet phldrT="[Text]"/>
+      <dgm:spPr/>
+      <dgm:t>
+        <a:bodyPr/>
+        <a:lstStyle/>
+        <a:p>
+          <a:r>
+            <a:rPr lang="en-GB" dirty="0"/>
+            <a:t>PPG’ acquired</a:t>
+          </a:r>
+        </a:p>
+      </dgm:t>
+    </dgm:pt>
+    <dgm:pt modelId="{6C306D5D-7BC3-4929-86F0-3F29C618DE94}" type="parTrans" cxnId="{28BA72DD-19AD-4B48-88BD-B779EF966F54}">
+      <dgm:prSet/>
+      <dgm:spPr/>
+      <dgm:t>
+        <a:bodyPr/>
+        <a:lstStyle/>
+        <a:p>
+          <a:endParaRPr lang="en-GB"/>
+        </a:p>
+      </dgm:t>
+    </dgm:pt>
+    <dgm:pt modelId="{2E58B7B8-E37F-439D-8942-26D329112BEF}" type="sibTrans" cxnId="{28BA72DD-19AD-4B48-88BD-B779EF966F54}">
+      <dgm:prSet/>
+      <dgm:spPr/>
+      <dgm:t>
+        <a:bodyPr/>
+        <a:lstStyle/>
+        <a:p>
+          <a:endParaRPr lang="en-GB"/>
+        </a:p>
+      </dgm:t>
+    </dgm:pt>
+    <dgm:pt modelId="{13BBBDB2-4243-478D-ABDF-A6631A82949B}">
+      <dgm:prSet phldrT="[Text]"/>
+      <dgm:spPr/>
+      <dgm:t>
+        <a:bodyPr/>
+        <a:lstStyle/>
+        <a:p>
+          <a:r>
+            <a:rPr lang="en-GB" dirty="0"/>
+            <a:t>PPG’’ acquired</a:t>
+          </a:r>
+        </a:p>
+      </dgm:t>
+    </dgm:pt>
+    <dgm:pt modelId="{240C6331-D237-42AA-A55D-DA4CA5B67371}" type="parTrans" cxnId="{0E720645-6FC3-4221-ACD8-AE2C2B26193E}">
+      <dgm:prSet/>
+      <dgm:spPr/>
+      <dgm:t>
+        <a:bodyPr/>
+        <a:lstStyle/>
+        <a:p>
+          <a:endParaRPr lang="en-GB"/>
+        </a:p>
+      </dgm:t>
+    </dgm:pt>
+    <dgm:pt modelId="{94A0AFF0-10DE-4521-8A7C-6A9EE8D7D174}" type="sibTrans" cxnId="{0E720645-6FC3-4221-ACD8-AE2C2B26193E}">
+      <dgm:prSet/>
+      <dgm:spPr/>
+      <dgm:t>
+        <a:bodyPr/>
+        <a:lstStyle/>
+        <a:p>
+          <a:endParaRPr lang="en-GB"/>
+        </a:p>
+      </dgm:t>
+    </dgm:pt>
+    <dgm:pt modelId="{AF1CE7C6-AFD7-4E3D-9C83-034D648F5C18}">
+      <dgm:prSet phldrT="[Text]"/>
+      <dgm:spPr/>
+      <dgm:t>
+        <a:bodyPr/>
+        <a:lstStyle/>
+        <a:p>
+          <a:r>
+            <a:rPr lang="en-GB" dirty="0"/>
+            <a:t>Encoder Blocks (x2)</a:t>
+          </a:r>
+        </a:p>
+      </dgm:t>
+    </dgm:pt>
+    <dgm:pt modelId="{F56A7853-103D-4C1C-8686-88F098467064}" type="parTrans" cxnId="{788D4977-4FE9-4D57-9E31-72959A3903B6}">
+      <dgm:prSet/>
+      <dgm:spPr/>
+      <dgm:t>
+        <a:bodyPr/>
+        <a:lstStyle/>
+        <a:p>
+          <a:endParaRPr lang="en-GB"/>
+        </a:p>
+      </dgm:t>
+    </dgm:pt>
+    <dgm:pt modelId="{A514CF0C-CD84-437F-8EF1-0A556B635B65}" type="sibTrans" cxnId="{788D4977-4FE9-4D57-9E31-72959A3903B6}">
+      <dgm:prSet/>
+      <dgm:spPr/>
+      <dgm:t>
+        <a:bodyPr/>
+        <a:lstStyle/>
+        <a:p>
+          <a:endParaRPr lang="en-GB"/>
+        </a:p>
+      </dgm:t>
+    </dgm:pt>
+    <dgm:pt modelId="{5748864F-2F04-4943-B7AD-D36539A0D938}">
+      <dgm:prSet phldrT="[Text]"/>
+      <dgm:spPr/>
+      <dgm:t>
+        <a:bodyPr/>
+        <a:lstStyle/>
+        <a:p>
+          <a:r>
+            <a:rPr lang="en-GB" dirty="0"/>
+            <a:t>LayerNormalisation</a:t>
+          </a:r>
+        </a:p>
+      </dgm:t>
+    </dgm:pt>
+    <dgm:pt modelId="{69BAF233-CE1F-4029-972D-C1EEC74EC807}" type="parTrans" cxnId="{E53EA1EB-5DC5-4D89-B05C-A5442018684D}">
+      <dgm:prSet/>
+      <dgm:spPr/>
+      <dgm:t>
+        <a:bodyPr/>
+        <a:lstStyle/>
+        <a:p>
+          <a:endParaRPr lang="en-GB"/>
+        </a:p>
+      </dgm:t>
+    </dgm:pt>
+    <dgm:pt modelId="{DBE7F758-E971-455E-9E63-C6DBA52F0A54}" type="sibTrans" cxnId="{E53EA1EB-5DC5-4D89-B05C-A5442018684D}">
+      <dgm:prSet/>
+      <dgm:spPr/>
+      <dgm:t>
+        <a:bodyPr/>
+        <a:lstStyle/>
+        <a:p>
+          <a:endParaRPr lang="en-GB"/>
+        </a:p>
+      </dgm:t>
+    </dgm:pt>
+    <dgm:pt modelId="{EF3B7069-22D0-4A64-9119-636B2DFE4AC8}">
+      <dgm:prSet phldrT="[Text]"/>
+      <dgm:spPr/>
+      <dgm:t>
+        <a:bodyPr/>
+        <a:lstStyle/>
+        <a:p>
+          <a:r>
+            <a:rPr lang="en-GB" dirty="0"/>
+            <a:t>x = MultiHeadAttention(Head Size = 256, Num Heads = 2)</a:t>
+          </a:r>
+        </a:p>
+      </dgm:t>
+    </dgm:pt>
+    <dgm:pt modelId="{8181F1A4-7CE3-4627-8709-5D36826A7869}" type="parTrans" cxnId="{DBB1AC0D-DF6D-4175-A966-1FB1CB26243B}">
+      <dgm:prSet/>
+      <dgm:spPr/>
+      <dgm:t>
+        <a:bodyPr/>
+        <a:lstStyle/>
+        <a:p>
+          <a:endParaRPr lang="en-GB"/>
+        </a:p>
+      </dgm:t>
+    </dgm:pt>
+    <dgm:pt modelId="{F43DA31A-E6C4-4451-85BA-40A5D6896B85}" type="sibTrans" cxnId="{DBB1AC0D-DF6D-4175-A966-1FB1CB26243B}">
+      <dgm:prSet/>
+      <dgm:spPr/>
+      <dgm:t>
+        <a:bodyPr/>
+        <a:lstStyle/>
+        <a:p>
+          <a:endParaRPr lang="en-GB"/>
+        </a:p>
+      </dgm:t>
+    </dgm:pt>
+    <dgm:pt modelId="{37A795FC-931D-45F4-8F50-FA82D8647E55}">
+      <dgm:prSet phldrT="[Text]"/>
+      <dgm:spPr/>
+      <dgm:t>
+        <a:bodyPr/>
+        <a:lstStyle/>
+        <a:p>
+          <a:r>
+            <a:rPr lang="en-GB" dirty="0"/>
+            <a:t>MLP Stage</a:t>
+          </a:r>
+        </a:p>
+      </dgm:t>
+    </dgm:pt>
+    <dgm:pt modelId="{0987A1CF-9AE3-4C6F-80A1-C6BE5EADB912}" type="parTrans" cxnId="{69FC0703-9E42-422E-85D7-CA129203117A}">
+      <dgm:prSet/>
+      <dgm:spPr/>
+      <dgm:t>
+        <a:bodyPr/>
+        <a:lstStyle/>
+        <a:p>
+          <a:endParaRPr lang="en-GB"/>
+        </a:p>
+      </dgm:t>
+    </dgm:pt>
+    <dgm:pt modelId="{5E92512A-B9CB-4D14-89DC-4A34A434C78E}" type="sibTrans" cxnId="{69FC0703-9E42-422E-85D7-CA129203117A}">
+      <dgm:prSet/>
+      <dgm:spPr/>
+      <dgm:t>
+        <a:bodyPr/>
+        <a:lstStyle/>
+        <a:p>
+          <a:endParaRPr lang="en-GB"/>
+        </a:p>
+      </dgm:t>
+    </dgm:pt>
+    <dgm:pt modelId="{57B8E1D6-88FB-4789-95EC-BB56012C435F}">
+      <dgm:prSet phldrT="[Text]"/>
+      <dgm:spPr/>
+      <dgm:t>
+        <a:bodyPr/>
+        <a:lstStyle/>
+        <a:p>
+          <a:r>
+            <a:rPr lang="en-GB" dirty="0"/>
+            <a:t>Dense Layer (32)</a:t>
+          </a:r>
+        </a:p>
+      </dgm:t>
+    </dgm:pt>
+    <dgm:pt modelId="{E80A6615-58DD-4B18-BE34-B298A468E28E}" type="parTrans" cxnId="{3E2EF42C-A6B6-455E-94CF-E4F151DE13B9}">
+      <dgm:prSet/>
+      <dgm:spPr/>
+      <dgm:t>
+        <a:bodyPr/>
+        <a:lstStyle/>
+        <a:p>
+          <a:endParaRPr lang="en-GB"/>
+        </a:p>
+      </dgm:t>
+    </dgm:pt>
+    <dgm:pt modelId="{0CF058AA-AF32-4F5A-BCE8-17C2DE7204E7}" type="sibTrans" cxnId="{3E2EF42C-A6B6-455E-94CF-E4F151DE13B9}">
+      <dgm:prSet/>
+      <dgm:spPr/>
+      <dgm:t>
+        <a:bodyPr/>
+        <a:lstStyle/>
+        <a:p>
+          <a:endParaRPr lang="en-GB"/>
+        </a:p>
+      </dgm:t>
+    </dgm:pt>
+    <dgm:pt modelId="{85AD77D5-ACEC-48CA-98FA-5B8F5A6012C2}">
+      <dgm:prSet phldrT="[Text]"/>
+      <dgm:spPr/>
+      <dgm:t>
+        <a:bodyPr/>
+        <a:lstStyle/>
+        <a:p>
+          <a:r>
+            <a:rPr lang="en-GB" dirty="0"/>
+            <a:t>Fully Connected Stage</a:t>
+          </a:r>
+        </a:p>
+      </dgm:t>
+    </dgm:pt>
+    <dgm:pt modelId="{CC82F008-D003-4118-923D-6149DE149731}" type="parTrans" cxnId="{6FE0A100-1C37-48E7-B816-7490919BCF9B}">
+      <dgm:prSet/>
+      <dgm:spPr/>
+      <dgm:t>
+        <a:bodyPr/>
+        <a:lstStyle/>
+        <a:p>
+          <a:endParaRPr lang="en-GB"/>
+        </a:p>
+      </dgm:t>
+    </dgm:pt>
+    <dgm:pt modelId="{ED4005A2-2478-4787-9B21-D9CDA5FC2704}" type="sibTrans" cxnId="{6FE0A100-1C37-48E7-B816-7490919BCF9B}">
+      <dgm:prSet/>
+      <dgm:spPr/>
+      <dgm:t>
+        <a:bodyPr/>
+        <a:lstStyle/>
+        <a:p>
+          <a:endParaRPr lang="en-GB"/>
+        </a:p>
+      </dgm:t>
+    </dgm:pt>
+    <dgm:pt modelId="{B18624B1-3D2F-4545-A8A2-C5890669F9DB}">
+      <dgm:prSet phldrT="[Text]"/>
+      <dgm:spPr/>
+      <dgm:t>
+        <a:bodyPr/>
+        <a:lstStyle/>
+        <a:p>
+          <a:r>
+            <a:rPr lang="en-GB" dirty="0"/>
+            <a:t>Residual = x + input data</a:t>
+          </a:r>
+        </a:p>
+      </dgm:t>
+    </dgm:pt>
+    <dgm:pt modelId="{3A311B78-7B9A-400B-8A08-940FEE522AF9}" type="parTrans" cxnId="{95B2A563-BF80-4E8D-A993-F2B05E963421}">
+      <dgm:prSet/>
+      <dgm:spPr/>
+      <dgm:t>
+        <a:bodyPr/>
+        <a:lstStyle/>
+        <a:p>
+          <a:endParaRPr lang="en-GB"/>
+        </a:p>
+      </dgm:t>
+    </dgm:pt>
+    <dgm:pt modelId="{BF497D1D-FC35-4F5B-8E48-40243AF9127E}" type="sibTrans" cxnId="{95B2A563-BF80-4E8D-A993-F2B05E963421}">
+      <dgm:prSet/>
+      <dgm:spPr/>
+      <dgm:t>
+        <a:bodyPr/>
+        <a:lstStyle/>
+        <a:p>
+          <a:endParaRPr lang="en-GB"/>
+        </a:p>
+      </dgm:t>
+    </dgm:pt>
+    <dgm:pt modelId="{9E744500-DE76-4F34-83C9-ABB4677FC53A}">
+      <dgm:prSet phldrT="[Text]"/>
+      <dgm:spPr/>
+      <dgm:t>
+        <a:bodyPr/>
+        <a:lstStyle/>
+        <a:p>
+          <a:r>
+            <a:rPr lang="en-GB" dirty="0"/>
+            <a:t>LayerNormalisation</a:t>
+          </a:r>
+        </a:p>
+      </dgm:t>
+    </dgm:pt>
+    <dgm:pt modelId="{3C2B7570-6441-4D18-AC54-00A3BD9A4C36}" type="parTrans" cxnId="{7B4AB599-27C8-4831-A434-001E4C7F828F}">
+      <dgm:prSet/>
+      <dgm:spPr/>
+      <dgm:t>
+        <a:bodyPr/>
+        <a:lstStyle/>
+        <a:p>
+          <a:endParaRPr lang="en-GB"/>
+        </a:p>
+      </dgm:t>
+    </dgm:pt>
+    <dgm:pt modelId="{47FDDA70-37C6-4F94-8E2C-C0686058F80B}" type="sibTrans" cxnId="{7B4AB599-27C8-4831-A434-001E4C7F828F}">
+      <dgm:prSet/>
+      <dgm:spPr/>
+      <dgm:t>
+        <a:bodyPr/>
+        <a:lstStyle/>
+        <a:p>
+          <a:endParaRPr lang="en-GB"/>
+        </a:p>
+      </dgm:t>
+    </dgm:pt>
+    <dgm:pt modelId="{15FBB6E2-FBEF-47B3-9825-9E601A5DA99E}">
+      <dgm:prSet phldrT="[Text]"/>
+      <dgm:spPr/>
+      <dgm:t>
+        <a:bodyPr/>
+        <a:lstStyle/>
+        <a:p>
+          <a:r>
+            <a:rPr lang="en-GB" dirty="0"/>
+            <a:t>Conv1D(32)</a:t>
+          </a:r>
+        </a:p>
+      </dgm:t>
+    </dgm:pt>
+    <dgm:pt modelId="{336A2BB2-E889-4B88-8400-37280E32F99E}" type="parTrans" cxnId="{FD8FF639-A19E-4D59-8AF4-BC1D01A7D39F}">
+      <dgm:prSet/>
+      <dgm:spPr/>
+      <dgm:t>
+        <a:bodyPr/>
+        <a:lstStyle/>
+        <a:p>
+          <a:endParaRPr lang="en-GB"/>
+        </a:p>
+      </dgm:t>
+    </dgm:pt>
+    <dgm:pt modelId="{6C7ACD9F-A913-41B5-8CEF-1BF050D1FE5B}" type="sibTrans" cxnId="{FD8FF639-A19E-4D59-8AF4-BC1D01A7D39F}">
+      <dgm:prSet/>
+      <dgm:spPr/>
+      <dgm:t>
+        <a:bodyPr/>
+        <a:lstStyle/>
+        <a:p>
+          <a:endParaRPr lang="en-GB"/>
+        </a:p>
+      </dgm:t>
+    </dgm:pt>
+    <dgm:pt modelId="{0EDA7A06-3D03-454B-964C-36A5A48EA239}">
+      <dgm:prSet phldrT="[Text]"/>
+      <dgm:spPr/>
+      <dgm:t>
+        <a:bodyPr/>
+        <a:lstStyle/>
+        <a:p>
+          <a:r>
+            <a:rPr lang="en-GB" dirty="0"/>
+            <a:t>Conv1D(32)</a:t>
+          </a:r>
+        </a:p>
+      </dgm:t>
+    </dgm:pt>
+    <dgm:pt modelId="{665F7BD6-046C-4B08-B4A6-78E6E4DBA0E1}" type="parTrans" cxnId="{D963F0DA-E37F-43D1-814D-5AFC0582E407}">
+      <dgm:prSet/>
+      <dgm:spPr/>
+      <dgm:t>
+        <a:bodyPr/>
+        <a:lstStyle/>
+        <a:p>
+          <a:endParaRPr lang="en-GB"/>
+        </a:p>
+      </dgm:t>
+    </dgm:pt>
+    <dgm:pt modelId="{EED342F7-2A81-43F3-B03B-531894121638}" type="sibTrans" cxnId="{D963F0DA-E37F-43D1-814D-5AFC0582E407}">
+      <dgm:prSet/>
+      <dgm:spPr/>
+      <dgm:t>
+        <a:bodyPr/>
+        <a:lstStyle/>
+        <a:p>
+          <a:endParaRPr lang="en-GB"/>
+        </a:p>
+      </dgm:t>
+    </dgm:pt>
+    <dgm:pt modelId="{EF2DF46C-4B6D-417D-A8EF-69D0A11A0764}">
+      <dgm:prSet phldrT="[Text]"/>
+      <dgm:spPr/>
+      <dgm:t>
+        <a:bodyPr/>
+        <a:lstStyle/>
+        <a:p>
+          <a:r>
+            <a:rPr lang="en-GB" dirty="0"/>
+            <a:t>Output = Current Data + Residual </a:t>
+          </a:r>
+        </a:p>
+      </dgm:t>
+    </dgm:pt>
+    <dgm:pt modelId="{B57CD5B3-0A0E-489C-A3DC-E6CCE12F0C25}" type="parTrans" cxnId="{D5AA21C2-AA2F-4803-B89A-FA83F5A15A80}">
+      <dgm:prSet/>
+      <dgm:spPr/>
+      <dgm:t>
+        <a:bodyPr/>
+        <a:lstStyle/>
+        <a:p>
+          <a:endParaRPr lang="en-GB"/>
+        </a:p>
+      </dgm:t>
+    </dgm:pt>
+    <dgm:pt modelId="{6AA6E783-3C0F-492E-92EA-43DF3543A757}" type="sibTrans" cxnId="{D5AA21C2-AA2F-4803-B89A-FA83F5A15A80}">
+      <dgm:prSet/>
+      <dgm:spPr/>
+      <dgm:t>
+        <a:bodyPr/>
+        <a:lstStyle/>
+        <a:p>
+          <a:endParaRPr lang="en-GB"/>
+        </a:p>
+      </dgm:t>
+    </dgm:pt>
+    <dgm:pt modelId="{0F9C51D5-C4CB-4B28-BF82-F74994302B67}">
+      <dgm:prSet phldrT="[Text]"/>
+      <dgm:spPr/>
+      <dgm:t>
+        <a:bodyPr/>
+        <a:lstStyle/>
+        <a:p>
+          <a:r>
+            <a:rPr lang="en-GB" dirty="0"/>
+            <a:t>Dense Layer (1) for SBP</a:t>
+          </a:r>
+        </a:p>
+      </dgm:t>
+    </dgm:pt>
+    <dgm:pt modelId="{30140112-ECBF-4BE2-A3E8-3ADAF5C45F9E}" type="parTrans" cxnId="{6C5FA90C-EA15-4FD1-AE3F-EA065E3C17F0}">
+      <dgm:prSet/>
+      <dgm:spPr/>
+      <dgm:t>
+        <a:bodyPr/>
+        <a:lstStyle/>
+        <a:p>
+          <a:endParaRPr lang="en-GB"/>
+        </a:p>
+      </dgm:t>
+    </dgm:pt>
+    <dgm:pt modelId="{9334AE83-134A-44F7-81D7-50E1B41FABAA}" type="sibTrans" cxnId="{6C5FA90C-EA15-4FD1-AE3F-EA065E3C17F0}">
+      <dgm:prSet/>
+      <dgm:spPr/>
+      <dgm:t>
+        <a:bodyPr/>
+        <a:lstStyle/>
+        <a:p>
+          <a:endParaRPr lang="en-GB"/>
+        </a:p>
+      </dgm:t>
+    </dgm:pt>
+    <dgm:pt modelId="{C0E000C9-7C2E-4A9D-8D04-57EC80D59AB2}">
+      <dgm:prSet phldrT="[Text]"/>
+      <dgm:spPr/>
+      <dgm:t>
+        <a:bodyPr/>
+        <a:lstStyle/>
+        <a:p>
+          <a:r>
+            <a:rPr lang="en-GB" dirty="0"/>
+            <a:t>Dense Layer (1) for DBP</a:t>
+          </a:r>
+        </a:p>
+      </dgm:t>
+    </dgm:pt>
+    <dgm:pt modelId="{9A9E0E3A-C929-466E-8DA2-F823673669F7}" type="parTrans" cxnId="{C495EF10-05AD-4B3E-AC44-9911AC85DB67}">
+      <dgm:prSet/>
+      <dgm:spPr/>
+      <dgm:t>
+        <a:bodyPr/>
+        <a:lstStyle/>
+        <a:p>
+          <a:endParaRPr lang="en-GB"/>
+        </a:p>
+      </dgm:t>
+    </dgm:pt>
+    <dgm:pt modelId="{3FCC0E27-0BE5-4F70-9C19-7511F5E97956}" type="sibTrans" cxnId="{C495EF10-05AD-4B3E-AC44-9911AC85DB67}">
+      <dgm:prSet/>
+      <dgm:spPr/>
+      <dgm:t>
+        <a:bodyPr/>
+        <a:lstStyle/>
+        <a:p>
+          <a:endParaRPr lang="en-GB"/>
+        </a:p>
+      </dgm:t>
+    </dgm:pt>
+    <dgm:pt modelId="{2F404AAB-09A5-47B8-8DCC-3F253B8902D5}" type="pres">
+      <dgm:prSet presAssocID="{DDF80BF8-20DB-4BED-BD05-AD2BA8FA572E}" presName="linearFlow" presStyleCnt="0">
+        <dgm:presLayoutVars>
+          <dgm:dir/>
+          <dgm:animLvl val="lvl"/>
+          <dgm:resizeHandles val="exact"/>
+        </dgm:presLayoutVars>
+      </dgm:prSet>
+      <dgm:spPr/>
+    </dgm:pt>
+    <dgm:pt modelId="{328DB5F5-243D-4B78-9928-C6EA34464621}" type="pres">
+      <dgm:prSet presAssocID="{00174F60-DD19-405C-917F-D71279BD82C0}" presName="composite" presStyleCnt="0"/>
+      <dgm:spPr/>
+    </dgm:pt>
+    <dgm:pt modelId="{1CA9D38C-342F-4C81-8E41-251F8106FE2F}" type="pres">
+      <dgm:prSet presAssocID="{00174F60-DD19-405C-917F-D71279BD82C0}" presName="parentText" presStyleLbl="alignNode1" presStyleIdx="0" presStyleCnt="4">
+        <dgm:presLayoutVars>
+          <dgm:chMax val="1"/>
+          <dgm:bulletEnabled val="1"/>
+        </dgm:presLayoutVars>
+      </dgm:prSet>
+      <dgm:spPr/>
+    </dgm:pt>
+    <dgm:pt modelId="{F84EC9AD-86A1-4755-8D92-53B7F8581B4A}" type="pres">
+      <dgm:prSet presAssocID="{00174F60-DD19-405C-917F-D71279BD82C0}" presName="descendantText" presStyleLbl="alignAcc1" presStyleIdx="0" presStyleCnt="4">
+        <dgm:presLayoutVars>
+          <dgm:bulletEnabled val="1"/>
+        </dgm:presLayoutVars>
+      </dgm:prSet>
+      <dgm:spPr/>
+    </dgm:pt>
+    <dgm:pt modelId="{1BD5BB9A-2A48-457C-B176-24BE87EFC268}" type="pres">
+      <dgm:prSet presAssocID="{0D58D249-15DB-4264-A8A3-8A4021990B9B}" presName="sp" presStyleCnt="0"/>
+      <dgm:spPr/>
+    </dgm:pt>
+    <dgm:pt modelId="{225F22A7-B889-4E31-8E27-73B934AAD3A2}" type="pres">
+      <dgm:prSet presAssocID="{AF1CE7C6-AFD7-4E3D-9C83-034D648F5C18}" presName="composite" presStyleCnt="0"/>
+      <dgm:spPr/>
+    </dgm:pt>
+    <dgm:pt modelId="{F74D48CB-61D9-4996-A7D5-85E972184B71}" type="pres">
+      <dgm:prSet presAssocID="{AF1CE7C6-AFD7-4E3D-9C83-034D648F5C18}" presName="parentText" presStyleLbl="alignNode1" presStyleIdx="1" presStyleCnt="4">
+        <dgm:presLayoutVars>
+          <dgm:chMax val="1"/>
+          <dgm:bulletEnabled val="1"/>
+        </dgm:presLayoutVars>
+      </dgm:prSet>
+      <dgm:spPr/>
+    </dgm:pt>
+    <dgm:pt modelId="{082D9C06-5FBF-42B6-AE68-3AAFE47DE145}" type="pres">
+      <dgm:prSet presAssocID="{AF1CE7C6-AFD7-4E3D-9C83-034D648F5C18}" presName="descendantText" presStyleLbl="alignAcc1" presStyleIdx="1" presStyleCnt="4">
+        <dgm:presLayoutVars>
+          <dgm:bulletEnabled val="1"/>
+        </dgm:presLayoutVars>
+      </dgm:prSet>
+      <dgm:spPr/>
+    </dgm:pt>
+    <dgm:pt modelId="{49456DEB-A0D2-4C62-A328-D3382CE97BE5}" type="pres">
+      <dgm:prSet presAssocID="{A514CF0C-CD84-437F-8EF1-0A556B635B65}" presName="sp" presStyleCnt="0"/>
+      <dgm:spPr/>
+    </dgm:pt>
+    <dgm:pt modelId="{84581FBD-F308-48E3-B2EB-C3719849E744}" type="pres">
+      <dgm:prSet presAssocID="{37A795FC-931D-45F4-8F50-FA82D8647E55}" presName="composite" presStyleCnt="0"/>
+      <dgm:spPr/>
+    </dgm:pt>
+    <dgm:pt modelId="{6FEAB6E0-2E98-445F-8530-286BBA2438F1}" type="pres">
+      <dgm:prSet presAssocID="{37A795FC-931D-45F4-8F50-FA82D8647E55}" presName="parentText" presStyleLbl="alignNode1" presStyleIdx="2" presStyleCnt="4">
+        <dgm:presLayoutVars>
+          <dgm:chMax val="1"/>
+          <dgm:bulletEnabled val="1"/>
+        </dgm:presLayoutVars>
+      </dgm:prSet>
+      <dgm:spPr/>
+    </dgm:pt>
+    <dgm:pt modelId="{C6B0A2AC-840A-468B-859A-A1AC325E0682}" type="pres">
+      <dgm:prSet presAssocID="{37A795FC-931D-45F4-8F50-FA82D8647E55}" presName="descendantText" presStyleLbl="alignAcc1" presStyleIdx="2" presStyleCnt="4">
+        <dgm:presLayoutVars>
+          <dgm:bulletEnabled val="1"/>
+        </dgm:presLayoutVars>
+      </dgm:prSet>
+      <dgm:spPr/>
+    </dgm:pt>
+    <dgm:pt modelId="{A993E550-17D6-4B3D-AEEE-406229914EE7}" type="pres">
+      <dgm:prSet presAssocID="{5E92512A-B9CB-4D14-89DC-4A34A434C78E}" presName="sp" presStyleCnt="0"/>
+      <dgm:spPr/>
+    </dgm:pt>
+    <dgm:pt modelId="{D173C386-36E0-4CB9-87B5-2E2DD7625A74}" type="pres">
+      <dgm:prSet presAssocID="{85AD77D5-ACEC-48CA-98FA-5B8F5A6012C2}" presName="composite" presStyleCnt="0"/>
+      <dgm:spPr/>
+    </dgm:pt>
+    <dgm:pt modelId="{4C4FC49B-95FF-4E92-A7B1-9692AF99F434}" type="pres">
+      <dgm:prSet presAssocID="{85AD77D5-ACEC-48CA-98FA-5B8F5A6012C2}" presName="parentText" presStyleLbl="alignNode1" presStyleIdx="3" presStyleCnt="4">
+        <dgm:presLayoutVars>
+          <dgm:chMax val="1"/>
+          <dgm:bulletEnabled val="1"/>
+        </dgm:presLayoutVars>
+      </dgm:prSet>
+      <dgm:spPr/>
+    </dgm:pt>
+    <dgm:pt modelId="{97248B82-1163-48BC-8381-F4BA3DE62B6D}" type="pres">
+      <dgm:prSet presAssocID="{85AD77D5-ACEC-48CA-98FA-5B8F5A6012C2}" presName="descendantText" presStyleLbl="alignAcc1" presStyleIdx="3" presStyleCnt="4">
+        <dgm:presLayoutVars>
+          <dgm:bulletEnabled val="1"/>
+        </dgm:presLayoutVars>
+      </dgm:prSet>
+      <dgm:spPr/>
+    </dgm:pt>
+  </dgm:ptLst>
+  <dgm:cxnLst>
+    <dgm:cxn modelId="{6FE0A100-1C37-48E7-B816-7490919BCF9B}" srcId="{DDF80BF8-20DB-4BED-BD05-AD2BA8FA572E}" destId="{85AD77D5-ACEC-48CA-98FA-5B8F5A6012C2}" srcOrd="3" destOrd="0" parTransId="{CC82F008-D003-4118-923D-6149DE149731}" sibTransId="{ED4005A2-2478-4787-9B21-D9CDA5FC2704}"/>
+    <dgm:cxn modelId="{69FC0703-9E42-422E-85D7-CA129203117A}" srcId="{DDF80BF8-20DB-4BED-BD05-AD2BA8FA572E}" destId="{37A795FC-931D-45F4-8F50-FA82D8647E55}" srcOrd="2" destOrd="0" parTransId="{0987A1CF-9AE3-4C6F-80A1-C6BE5EADB912}" sibTransId="{5E92512A-B9CB-4D14-89DC-4A34A434C78E}"/>
+    <dgm:cxn modelId="{A1F61B06-3DB2-4919-8DCC-326E95813889}" type="presOf" srcId="{37A795FC-931D-45F4-8F50-FA82D8647E55}" destId="{6FEAB6E0-2E98-445F-8530-286BBA2438F1}" srcOrd="0" destOrd="0" presId="urn:microsoft.com/office/officeart/2005/8/layout/chevron2"/>
+    <dgm:cxn modelId="{6C5FA90C-EA15-4FD1-AE3F-EA065E3C17F0}" srcId="{85AD77D5-ACEC-48CA-98FA-5B8F5A6012C2}" destId="{0F9C51D5-C4CB-4B28-BF82-F74994302B67}" srcOrd="0" destOrd="0" parTransId="{30140112-ECBF-4BE2-A3E8-3ADAF5C45F9E}" sibTransId="{9334AE83-134A-44F7-81D7-50E1B41FABAA}"/>
+    <dgm:cxn modelId="{DBB1AC0D-DF6D-4175-A966-1FB1CB26243B}" srcId="{AF1CE7C6-AFD7-4E3D-9C83-034D648F5C18}" destId="{EF3B7069-22D0-4A64-9119-636B2DFE4AC8}" srcOrd="1" destOrd="0" parTransId="{8181F1A4-7CE3-4627-8709-5D36826A7869}" sibTransId="{F43DA31A-E6C4-4451-85BA-40A5D6896B85}"/>
+    <dgm:cxn modelId="{C495EF10-05AD-4B3E-AC44-9911AC85DB67}" srcId="{85AD77D5-ACEC-48CA-98FA-5B8F5A6012C2}" destId="{C0E000C9-7C2E-4A9D-8D04-57EC80D59AB2}" srcOrd="1" destOrd="0" parTransId="{9A9E0E3A-C929-466E-8DA2-F823673669F7}" sibTransId="{3FCC0E27-0BE5-4F70-9C19-7511F5E97956}"/>
+    <dgm:cxn modelId="{9942E61F-4D3C-4EAB-AD02-FE26E5F0329F}" type="presOf" srcId="{0EDA7A06-3D03-454B-964C-36A5A48EA239}" destId="{082D9C06-5FBF-42B6-AE68-3AAFE47DE145}" srcOrd="0" destOrd="5" presId="urn:microsoft.com/office/officeart/2005/8/layout/chevron2"/>
+    <dgm:cxn modelId="{3E2EF42C-A6B6-455E-94CF-E4F151DE13B9}" srcId="{37A795FC-931D-45F4-8F50-FA82D8647E55}" destId="{57B8E1D6-88FB-4789-95EC-BB56012C435F}" srcOrd="0" destOrd="0" parTransId="{E80A6615-58DD-4B18-BE34-B298A468E28E}" sibTransId="{0CF058AA-AF32-4F5A-BCE8-17C2DE7204E7}"/>
+    <dgm:cxn modelId="{DA85EB36-2CC9-46A0-95D2-2E98D754E0FB}" srcId="{DDF80BF8-20DB-4BED-BD05-AD2BA8FA572E}" destId="{00174F60-DD19-405C-917F-D71279BD82C0}" srcOrd="0" destOrd="0" parTransId="{A60DCBEB-ADC7-43C7-8FD0-1046F62647B0}" sibTransId="{0D58D249-15DB-4264-A8A3-8A4021990B9B}"/>
+    <dgm:cxn modelId="{FD8FF639-A19E-4D59-8AF4-BC1D01A7D39F}" srcId="{AF1CE7C6-AFD7-4E3D-9C83-034D648F5C18}" destId="{15FBB6E2-FBEF-47B3-9825-9E601A5DA99E}" srcOrd="4" destOrd="0" parTransId="{336A2BB2-E889-4B88-8400-37280E32F99E}" sibTransId="{6C7ACD9F-A913-41B5-8CEF-1BF050D1FE5B}"/>
+    <dgm:cxn modelId="{D9719E5D-D514-4597-8EFC-285F11CEF89C}" type="presOf" srcId="{E22D4466-169E-490D-9A20-9F99E574F060}" destId="{F84EC9AD-86A1-4755-8D92-53B7F8581B4A}" srcOrd="0" destOrd="0" presId="urn:microsoft.com/office/officeart/2005/8/layout/chevron2"/>
+    <dgm:cxn modelId="{95B2A563-BF80-4E8D-A993-F2B05E963421}" srcId="{AF1CE7C6-AFD7-4E3D-9C83-034D648F5C18}" destId="{B18624B1-3D2F-4545-A8A2-C5890669F9DB}" srcOrd="2" destOrd="0" parTransId="{3A311B78-7B9A-400B-8A08-940FEE522AF9}" sibTransId="{BF497D1D-FC35-4F5B-8E48-40243AF9127E}"/>
+    <dgm:cxn modelId="{0E720645-6FC3-4221-ACD8-AE2C2B26193E}" srcId="{00174F60-DD19-405C-917F-D71279BD82C0}" destId="{13BBBDB2-4243-478D-ABDF-A6631A82949B}" srcOrd="1" destOrd="0" parTransId="{240C6331-D237-42AA-A55D-DA4CA5B67371}" sibTransId="{94A0AFF0-10DE-4521-8A7C-6A9EE8D7D174}"/>
+    <dgm:cxn modelId="{47929D68-0DE7-44B9-B95E-9AE004D6BF87}" type="presOf" srcId="{13BBBDB2-4243-478D-ABDF-A6631A82949B}" destId="{F84EC9AD-86A1-4755-8D92-53B7F8581B4A}" srcOrd="0" destOrd="1" presId="urn:microsoft.com/office/officeart/2005/8/layout/chevron2"/>
+    <dgm:cxn modelId="{6B885F75-F557-49C2-A0E8-08DCDCF2D394}" type="presOf" srcId="{57B8E1D6-88FB-4789-95EC-BB56012C435F}" destId="{C6B0A2AC-840A-468B-859A-A1AC325E0682}" srcOrd="0" destOrd="0" presId="urn:microsoft.com/office/officeart/2005/8/layout/chevron2"/>
+    <dgm:cxn modelId="{A1367F76-246C-44CB-A10F-64AD112F4956}" type="presOf" srcId="{9E744500-DE76-4F34-83C9-ABB4677FC53A}" destId="{082D9C06-5FBF-42B6-AE68-3AAFE47DE145}" srcOrd="0" destOrd="3" presId="urn:microsoft.com/office/officeart/2005/8/layout/chevron2"/>
+    <dgm:cxn modelId="{788D4977-4FE9-4D57-9E31-72959A3903B6}" srcId="{DDF80BF8-20DB-4BED-BD05-AD2BA8FA572E}" destId="{AF1CE7C6-AFD7-4E3D-9C83-034D648F5C18}" srcOrd="1" destOrd="0" parTransId="{F56A7853-103D-4C1C-8686-88F098467064}" sibTransId="{A514CF0C-CD84-437F-8EF1-0A556B635B65}"/>
+    <dgm:cxn modelId="{4F57967D-9963-4341-91B4-333BA424C0EB}" type="presOf" srcId="{C0E000C9-7C2E-4A9D-8D04-57EC80D59AB2}" destId="{97248B82-1163-48BC-8381-F4BA3DE62B6D}" srcOrd="0" destOrd="1" presId="urn:microsoft.com/office/officeart/2005/8/layout/chevron2"/>
+    <dgm:cxn modelId="{D18AEB80-9991-4987-9AEA-A2735BE5AA64}" type="presOf" srcId="{0F9C51D5-C4CB-4B28-BF82-F74994302B67}" destId="{97248B82-1163-48BC-8381-F4BA3DE62B6D}" srcOrd="0" destOrd="0" presId="urn:microsoft.com/office/officeart/2005/8/layout/chevron2"/>
+    <dgm:cxn modelId="{7B4AB599-27C8-4831-A434-001E4C7F828F}" srcId="{AF1CE7C6-AFD7-4E3D-9C83-034D648F5C18}" destId="{9E744500-DE76-4F34-83C9-ABB4677FC53A}" srcOrd="3" destOrd="0" parTransId="{3C2B7570-6441-4D18-AC54-00A3BD9A4C36}" sibTransId="{47FDDA70-37C6-4F94-8E2C-C0686058F80B}"/>
+    <dgm:cxn modelId="{390D29A0-67B6-422A-BC2C-7D5B8D180E3D}" type="presOf" srcId="{AF1CE7C6-AFD7-4E3D-9C83-034D648F5C18}" destId="{F74D48CB-61D9-4996-A7D5-85E972184B71}" srcOrd="0" destOrd="0" presId="urn:microsoft.com/office/officeart/2005/8/layout/chevron2"/>
+    <dgm:cxn modelId="{3225A6A7-79E0-49BC-9CBD-B269F0CF2422}" type="presOf" srcId="{00174F60-DD19-405C-917F-D71279BD82C0}" destId="{1CA9D38C-342F-4C81-8E41-251F8106FE2F}" srcOrd="0" destOrd="0" presId="urn:microsoft.com/office/officeart/2005/8/layout/chevron2"/>
+    <dgm:cxn modelId="{49716CB3-6F94-40AB-A929-F5F32A6D32CA}" type="presOf" srcId="{EF3B7069-22D0-4A64-9119-636B2DFE4AC8}" destId="{082D9C06-5FBF-42B6-AE68-3AAFE47DE145}" srcOrd="0" destOrd="1" presId="urn:microsoft.com/office/officeart/2005/8/layout/chevron2"/>
+    <dgm:cxn modelId="{D5AA21C2-AA2F-4803-B89A-FA83F5A15A80}" srcId="{AF1CE7C6-AFD7-4E3D-9C83-034D648F5C18}" destId="{EF2DF46C-4B6D-417D-A8EF-69D0A11A0764}" srcOrd="6" destOrd="0" parTransId="{B57CD5B3-0A0E-489C-A3DC-E6CCE12F0C25}" sibTransId="{6AA6E783-3C0F-492E-92EA-43DF3543A757}"/>
+    <dgm:cxn modelId="{1D7A74C8-CB26-4106-B91C-EDAAB794E09A}" type="presOf" srcId="{15FBB6E2-FBEF-47B3-9825-9E601A5DA99E}" destId="{082D9C06-5FBF-42B6-AE68-3AAFE47DE145}" srcOrd="0" destOrd="4" presId="urn:microsoft.com/office/officeart/2005/8/layout/chevron2"/>
+    <dgm:cxn modelId="{7E3FE0CC-1943-4B1D-8CB6-D471E3E61303}" type="presOf" srcId="{5748864F-2F04-4943-B7AD-D36539A0D938}" destId="{082D9C06-5FBF-42B6-AE68-3AAFE47DE145}" srcOrd="0" destOrd="0" presId="urn:microsoft.com/office/officeart/2005/8/layout/chevron2"/>
+    <dgm:cxn modelId="{3B618BD5-E1C2-432C-A20D-454EC0C51DCA}" type="presOf" srcId="{EF2DF46C-4B6D-417D-A8EF-69D0A11A0764}" destId="{082D9C06-5FBF-42B6-AE68-3AAFE47DE145}" srcOrd="0" destOrd="6" presId="urn:microsoft.com/office/officeart/2005/8/layout/chevron2"/>
+    <dgm:cxn modelId="{D963F0DA-E37F-43D1-814D-5AFC0582E407}" srcId="{AF1CE7C6-AFD7-4E3D-9C83-034D648F5C18}" destId="{0EDA7A06-3D03-454B-964C-36A5A48EA239}" srcOrd="5" destOrd="0" parTransId="{665F7BD6-046C-4B08-B4A6-78E6E4DBA0E1}" sibTransId="{EED342F7-2A81-43F3-B03B-531894121638}"/>
+    <dgm:cxn modelId="{28BA72DD-19AD-4B48-88BD-B779EF966F54}" srcId="{00174F60-DD19-405C-917F-D71279BD82C0}" destId="{E22D4466-169E-490D-9A20-9F99E574F060}" srcOrd="0" destOrd="0" parTransId="{6C306D5D-7BC3-4929-86F0-3F29C618DE94}" sibTransId="{2E58B7B8-E37F-439D-8942-26D329112BEF}"/>
+    <dgm:cxn modelId="{CA262DE1-9EB3-481C-B816-E55FF5936BE3}" type="presOf" srcId="{DDF80BF8-20DB-4BED-BD05-AD2BA8FA572E}" destId="{2F404AAB-09A5-47B8-8DCC-3F253B8902D5}" srcOrd="0" destOrd="0" presId="urn:microsoft.com/office/officeart/2005/8/layout/chevron2"/>
+    <dgm:cxn modelId="{947F2BE6-3C39-4F11-BAB6-39CFB4FFD9BE}" type="presOf" srcId="{B18624B1-3D2F-4545-A8A2-C5890669F9DB}" destId="{082D9C06-5FBF-42B6-AE68-3AAFE47DE145}" srcOrd="0" destOrd="2" presId="urn:microsoft.com/office/officeart/2005/8/layout/chevron2"/>
+    <dgm:cxn modelId="{E53EA1EB-5DC5-4D89-B05C-A5442018684D}" srcId="{AF1CE7C6-AFD7-4E3D-9C83-034D648F5C18}" destId="{5748864F-2F04-4943-B7AD-D36539A0D938}" srcOrd="0" destOrd="0" parTransId="{69BAF233-CE1F-4029-972D-C1EEC74EC807}" sibTransId="{DBE7F758-E971-455E-9E63-C6DBA52F0A54}"/>
+    <dgm:cxn modelId="{E21A78F4-9DD9-4C4B-9DA1-04569B4593FB}" type="presOf" srcId="{85AD77D5-ACEC-48CA-98FA-5B8F5A6012C2}" destId="{4C4FC49B-95FF-4E92-A7B1-9692AF99F434}" srcOrd="0" destOrd="0" presId="urn:microsoft.com/office/officeart/2005/8/layout/chevron2"/>
+    <dgm:cxn modelId="{475690B1-2DE4-47C5-85B7-9A769D3EACDB}" type="presParOf" srcId="{2F404AAB-09A5-47B8-8DCC-3F253B8902D5}" destId="{328DB5F5-243D-4B78-9928-C6EA34464621}" srcOrd="0" destOrd="0" presId="urn:microsoft.com/office/officeart/2005/8/layout/chevron2"/>
+    <dgm:cxn modelId="{CE2796A4-90F9-4950-BC5D-4465448D5BAB}" type="presParOf" srcId="{328DB5F5-243D-4B78-9928-C6EA34464621}" destId="{1CA9D38C-342F-4C81-8E41-251F8106FE2F}" srcOrd="0" destOrd="0" presId="urn:microsoft.com/office/officeart/2005/8/layout/chevron2"/>
+    <dgm:cxn modelId="{629A52B3-E520-4FB7-B4E9-43318C1C736E}" type="presParOf" srcId="{328DB5F5-243D-4B78-9928-C6EA34464621}" destId="{F84EC9AD-86A1-4755-8D92-53B7F8581B4A}" srcOrd="1" destOrd="0" presId="urn:microsoft.com/office/officeart/2005/8/layout/chevron2"/>
+    <dgm:cxn modelId="{4D5AA9D9-C3AA-44FE-BE24-AD9BD5DC1B7D}" type="presParOf" srcId="{2F404AAB-09A5-47B8-8DCC-3F253B8902D5}" destId="{1BD5BB9A-2A48-457C-B176-24BE87EFC268}" srcOrd="1" destOrd="0" presId="urn:microsoft.com/office/officeart/2005/8/layout/chevron2"/>
+    <dgm:cxn modelId="{B52C3B16-BB47-4699-8648-91C63F2FC5F5}" type="presParOf" srcId="{2F404AAB-09A5-47B8-8DCC-3F253B8902D5}" destId="{225F22A7-B889-4E31-8E27-73B934AAD3A2}" srcOrd="2" destOrd="0" presId="urn:microsoft.com/office/officeart/2005/8/layout/chevron2"/>
+    <dgm:cxn modelId="{E0AAABEF-60E7-4EC3-9CCC-B8EDD7B47282}" type="presParOf" srcId="{225F22A7-B889-4E31-8E27-73B934AAD3A2}" destId="{F74D48CB-61D9-4996-A7D5-85E972184B71}" srcOrd="0" destOrd="0" presId="urn:microsoft.com/office/officeart/2005/8/layout/chevron2"/>
+    <dgm:cxn modelId="{838B51C2-FAF9-4B1E-8CCD-832FAB65ACC4}" type="presParOf" srcId="{225F22A7-B889-4E31-8E27-73B934AAD3A2}" destId="{082D9C06-5FBF-42B6-AE68-3AAFE47DE145}" srcOrd="1" destOrd="0" presId="urn:microsoft.com/office/officeart/2005/8/layout/chevron2"/>
+    <dgm:cxn modelId="{54578891-7622-4F35-9B34-2231DEB2635F}" type="presParOf" srcId="{2F404AAB-09A5-47B8-8DCC-3F253B8902D5}" destId="{49456DEB-A0D2-4C62-A328-D3382CE97BE5}" srcOrd="3" destOrd="0" presId="urn:microsoft.com/office/officeart/2005/8/layout/chevron2"/>
+    <dgm:cxn modelId="{78063974-189C-4DDF-903D-91AF54E81FEF}" type="presParOf" srcId="{2F404AAB-09A5-47B8-8DCC-3F253B8902D5}" destId="{84581FBD-F308-48E3-B2EB-C3719849E744}" srcOrd="4" destOrd="0" presId="urn:microsoft.com/office/officeart/2005/8/layout/chevron2"/>
+    <dgm:cxn modelId="{9B8F9707-9671-4C57-830B-8A0F503C3478}" type="presParOf" srcId="{84581FBD-F308-48E3-B2EB-C3719849E744}" destId="{6FEAB6E0-2E98-445F-8530-286BBA2438F1}" srcOrd="0" destOrd="0" presId="urn:microsoft.com/office/officeart/2005/8/layout/chevron2"/>
+    <dgm:cxn modelId="{3C4FB7A6-633B-4299-B29B-24FF8E76ABCF}" type="presParOf" srcId="{84581FBD-F308-48E3-B2EB-C3719849E744}" destId="{C6B0A2AC-840A-468B-859A-A1AC325E0682}" srcOrd="1" destOrd="0" presId="urn:microsoft.com/office/officeart/2005/8/layout/chevron2"/>
+    <dgm:cxn modelId="{99D7BF6D-EE11-41A7-A377-7D7ABBA48B3B}" type="presParOf" srcId="{2F404AAB-09A5-47B8-8DCC-3F253B8902D5}" destId="{A993E550-17D6-4B3D-AEEE-406229914EE7}" srcOrd="5" destOrd="0" presId="urn:microsoft.com/office/officeart/2005/8/layout/chevron2"/>
+    <dgm:cxn modelId="{F17E5064-0E6F-482F-9294-0D9D685AE75D}" type="presParOf" srcId="{2F404AAB-09A5-47B8-8DCC-3F253B8902D5}" destId="{D173C386-36E0-4CB9-87B5-2E2DD7625A74}" srcOrd="6" destOrd="0" presId="urn:microsoft.com/office/officeart/2005/8/layout/chevron2"/>
+    <dgm:cxn modelId="{C9A02F5F-996F-4596-A3E1-F63FDB491E8F}" type="presParOf" srcId="{D173C386-36E0-4CB9-87B5-2E2DD7625A74}" destId="{4C4FC49B-95FF-4E92-A7B1-9692AF99F434}" srcOrd="0" destOrd="0" presId="urn:microsoft.com/office/officeart/2005/8/layout/chevron2"/>
+    <dgm:cxn modelId="{E036E1EA-E55E-43B9-838E-9380A1140CC0}" type="presParOf" srcId="{D173C386-36E0-4CB9-87B5-2E2DD7625A74}" destId="{97248B82-1163-48BC-8381-F4BA3DE62B6D}" srcOrd="1" destOrd="0" presId="urn:microsoft.com/office/officeart/2005/8/layout/chevron2"/>
+  </dgm:cxnLst>
+  <dgm:bg/>
+  <dgm:whole/>
+  <dgm:extLst>
+    <a:ext uri="http://schemas.microsoft.com/office/drawing/2008/diagram">
+      <dsp:dataModelExt xmlns:dsp="http://schemas.microsoft.com/office/drawing/2008/diagram" relId="rId8" minVer="http://schemas.openxmlformats.org/drawingml/2006/diagram"/>
+    </a:ext>
+  </dgm:extLst>
+</dgm:dataModel>
+</file>
+
+<file path=ppt/diagrams/data3.xml><?xml version="1.0" encoding="utf-8"?>
+<dgm:dataModel xmlns:dgm="http://schemas.openxmlformats.org/drawingml/2006/diagram" xmlns:a="http://schemas.openxmlformats.org/drawingml/2006/main">
+  <dgm:ptLst>
+    <dgm:pt modelId="{DDF80BF8-20DB-4BED-BD05-AD2BA8FA572E}" type="doc">
+      <dgm:prSet loTypeId="urn:microsoft.com/office/officeart/2005/8/layout/chevron2" loCatId="list" qsTypeId="urn:microsoft.com/office/officeart/2005/8/quickstyle/simple1" qsCatId="simple" csTypeId="urn:microsoft.com/office/officeart/2005/8/colors/accent1_2" csCatId="accent1" phldr="1"/>
+      <dgm:spPr/>
+      <dgm:t>
+        <a:bodyPr/>
+        <a:lstStyle/>
+        <a:p>
+          <a:endParaRPr lang="en-GB"/>
+        </a:p>
+      </dgm:t>
+    </dgm:pt>
+    <dgm:pt modelId="{00174F60-DD19-405C-917F-D71279BD82C0}">
+      <dgm:prSet phldrT="[Text]"/>
+      <dgm:spPr/>
+      <dgm:t>
+        <a:bodyPr/>
+        <a:lstStyle/>
+        <a:p>
+          <a:r>
+            <a:rPr lang="en-GB" dirty="0"/>
+            <a:t>Feature Extraction stage (optional)</a:t>
+          </a:r>
+        </a:p>
+      </dgm:t>
+    </dgm:pt>
+    <dgm:pt modelId="{A60DCBEB-ADC7-43C7-8FD0-1046F62647B0}" type="parTrans" cxnId="{DA85EB36-2CC9-46A0-95D2-2E98D754E0FB}">
+      <dgm:prSet/>
+      <dgm:spPr/>
+      <dgm:t>
+        <a:bodyPr/>
+        <a:lstStyle/>
+        <a:p>
+          <a:endParaRPr lang="en-GB"/>
+        </a:p>
+      </dgm:t>
+    </dgm:pt>
+    <dgm:pt modelId="{0D58D249-15DB-4264-A8A3-8A4021990B9B}" type="sibTrans" cxnId="{DA85EB36-2CC9-46A0-95D2-2E98D754E0FB}">
+      <dgm:prSet/>
+      <dgm:spPr/>
+      <dgm:t>
+        <a:bodyPr/>
+        <a:lstStyle/>
+        <a:p>
+          <a:endParaRPr lang="en-GB"/>
+        </a:p>
+      </dgm:t>
+    </dgm:pt>
+    <dgm:pt modelId="{E22D4466-169E-490D-9A20-9F99E574F060}">
+      <dgm:prSet phldrT="[Text]" custT="1"/>
+      <dgm:spPr/>
+      <dgm:t>
+        <a:bodyPr/>
+        <a:lstStyle/>
+        <a:p>
+          <a:r>
+            <a:rPr lang="en-GB" sz="1600" dirty="0"/>
+            <a:t>PPG’ acquired</a:t>
+          </a:r>
+        </a:p>
+      </dgm:t>
+    </dgm:pt>
+    <dgm:pt modelId="{6C306D5D-7BC3-4929-86F0-3F29C618DE94}" type="parTrans" cxnId="{28BA72DD-19AD-4B48-88BD-B779EF966F54}">
+      <dgm:prSet/>
+      <dgm:spPr/>
+      <dgm:t>
+        <a:bodyPr/>
+        <a:lstStyle/>
+        <a:p>
+          <a:endParaRPr lang="en-GB"/>
+        </a:p>
+      </dgm:t>
+    </dgm:pt>
+    <dgm:pt modelId="{2E58B7B8-E37F-439D-8942-26D329112BEF}" type="sibTrans" cxnId="{28BA72DD-19AD-4B48-88BD-B779EF966F54}">
+      <dgm:prSet/>
+      <dgm:spPr/>
+      <dgm:t>
+        <a:bodyPr/>
+        <a:lstStyle/>
+        <a:p>
+          <a:endParaRPr lang="en-GB"/>
+        </a:p>
+      </dgm:t>
+    </dgm:pt>
+    <dgm:pt modelId="{13BBBDB2-4243-478D-ABDF-A6631A82949B}">
+      <dgm:prSet phldrT="[Text]" custT="1"/>
+      <dgm:spPr/>
+      <dgm:t>
+        <a:bodyPr/>
+        <a:lstStyle/>
+        <a:p>
+          <a:r>
+            <a:rPr lang="en-GB" sz="1600" dirty="0"/>
+            <a:t>PPG’’ acquired</a:t>
+          </a:r>
+        </a:p>
+      </dgm:t>
+    </dgm:pt>
+    <dgm:pt modelId="{240C6331-D237-42AA-A55D-DA4CA5B67371}" type="parTrans" cxnId="{0E720645-6FC3-4221-ACD8-AE2C2B26193E}">
+      <dgm:prSet/>
+      <dgm:spPr/>
+      <dgm:t>
+        <a:bodyPr/>
+        <a:lstStyle/>
+        <a:p>
+          <a:endParaRPr lang="en-GB"/>
+        </a:p>
+      </dgm:t>
+    </dgm:pt>
+    <dgm:pt modelId="{94A0AFF0-10DE-4521-8A7C-6A9EE8D7D174}" type="sibTrans" cxnId="{0E720645-6FC3-4221-ACD8-AE2C2B26193E}">
+      <dgm:prSet/>
+      <dgm:spPr/>
+      <dgm:t>
+        <a:bodyPr/>
+        <a:lstStyle/>
+        <a:p>
+          <a:endParaRPr lang="en-GB"/>
+        </a:p>
+      </dgm:t>
+    </dgm:pt>
+    <dgm:pt modelId="{AF1CE7C6-AFD7-4E3D-9C83-034D648F5C18}">
+      <dgm:prSet phldrT="[Text]"/>
+      <dgm:spPr/>
+      <dgm:t>
+        <a:bodyPr/>
+        <a:lstStyle/>
+        <a:p>
+          <a:r>
+            <a:rPr lang="en-GB" dirty="0"/>
+            <a:t>Encoder Blocks (x2)</a:t>
+          </a:r>
+        </a:p>
+      </dgm:t>
+    </dgm:pt>
+    <dgm:pt modelId="{F56A7853-103D-4C1C-8686-88F098467064}" type="parTrans" cxnId="{788D4977-4FE9-4D57-9E31-72959A3903B6}">
+      <dgm:prSet/>
+      <dgm:spPr/>
+      <dgm:t>
+        <a:bodyPr/>
+        <a:lstStyle/>
+        <a:p>
+          <a:endParaRPr lang="en-GB"/>
+        </a:p>
+      </dgm:t>
+    </dgm:pt>
+    <dgm:pt modelId="{A514CF0C-CD84-437F-8EF1-0A556B635B65}" type="sibTrans" cxnId="{788D4977-4FE9-4D57-9E31-72959A3903B6}">
+      <dgm:prSet/>
+      <dgm:spPr/>
+      <dgm:t>
+        <a:bodyPr/>
+        <a:lstStyle/>
+        <a:p>
+          <a:endParaRPr lang="en-GB"/>
+        </a:p>
+      </dgm:t>
+    </dgm:pt>
+    <dgm:pt modelId="{5748864F-2F04-4943-B7AD-D36539A0D938}">
+      <dgm:prSet phldrT="[Text]" custT="1"/>
+      <dgm:spPr/>
+      <dgm:t>
+        <a:bodyPr/>
+        <a:lstStyle/>
+        <a:p>
+          <a:r>
+            <a:rPr lang="en-GB" sz="700" dirty="0"/>
+            <a:t>LayerNormalisation</a:t>
+          </a:r>
+        </a:p>
+      </dgm:t>
+    </dgm:pt>
+    <dgm:pt modelId="{69BAF233-CE1F-4029-972D-C1EEC74EC807}" type="parTrans" cxnId="{E53EA1EB-5DC5-4D89-B05C-A5442018684D}">
+      <dgm:prSet/>
+      <dgm:spPr/>
+      <dgm:t>
+        <a:bodyPr/>
+        <a:lstStyle/>
+        <a:p>
+          <a:endParaRPr lang="en-GB"/>
+        </a:p>
+      </dgm:t>
+    </dgm:pt>
+    <dgm:pt modelId="{DBE7F758-E971-455E-9E63-C6DBA52F0A54}" type="sibTrans" cxnId="{E53EA1EB-5DC5-4D89-B05C-A5442018684D}">
+      <dgm:prSet/>
+      <dgm:spPr/>
+      <dgm:t>
+        <a:bodyPr/>
+        <a:lstStyle/>
+        <a:p>
+          <a:endParaRPr lang="en-GB"/>
+        </a:p>
+      </dgm:t>
+    </dgm:pt>
+    <dgm:pt modelId="{EF3B7069-22D0-4A64-9119-636B2DFE4AC8}">
+      <dgm:prSet phldrT="[Text]" custT="1"/>
+      <dgm:spPr/>
+      <dgm:t>
+        <a:bodyPr/>
+        <a:lstStyle/>
+        <a:p>
+          <a:r>
+            <a:rPr lang="en-GB" sz="700" dirty="0"/>
+            <a:t>x = MultiHeadAttention(Head Size = 256, Num Heads = 2)</a:t>
+          </a:r>
+        </a:p>
+      </dgm:t>
+    </dgm:pt>
+    <dgm:pt modelId="{8181F1A4-7CE3-4627-8709-5D36826A7869}" type="parTrans" cxnId="{DBB1AC0D-DF6D-4175-A966-1FB1CB26243B}">
+      <dgm:prSet/>
+      <dgm:spPr/>
+      <dgm:t>
+        <a:bodyPr/>
+        <a:lstStyle/>
+        <a:p>
+          <a:endParaRPr lang="en-GB"/>
+        </a:p>
+      </dgm:t>
+    </dgm:pt>
+    <dgm:pt modelId="{F43DA31A-E6C4-4451-85BA-40A5D6896B85}" type="sibTrans" cxnId="{DBB1AC0D-DF6D-4175-A966-1FB1CB26243B}">
+      <dgm:prSet/>
+      <dgm:spPr/>
+      <dgm:t>
+        <a:bodyPr/>
+        <a:lstStyle/>
+        <a:p>
+          <a:endParaRPr lang="en-GB"/>
+        </a:p>
+      </dgm:t>
+    </dgm:pt>
+    <dgm:pt modelId="{37A795FC-931D-45F4-8F50-FA82D8647E55}">
+      <dgm:prSet phldrT="[Text]"/>
+      <dgm:spPr/>
+      <dgm:t>
+        <a:bodyPr/>
+        <a:lstStyle/>
+        <a:p>
+          <a:r>
+            <a:rPr lang="en-GB" dirty="0"/>
+            <a:t>MLP Stage</a:t>
+          </a:r>
+        </a:p>
+      </dgm:t>
+    </dgm:pt>
+    <dgm:pt modelId="{0987A1CF-9AE3-4C6F-80A1-C6BE5EADB912}" type="parTrans" cxnId="{69FC0703-9E42-422E-85D7-CA129203117A}">
+      <dgm:prSet/>
+      <dgm:spPr/>
+      <dgm:t>
+        <a:bodyPr/>
+        <a:lstStyle/>
+        <a:p>
+          <a:endParaRPr lang="en-GB"/>
+        </a:p>
+      </dgm:t>
+    </dgm:pt>
+    <dgm:pt modelId="{5E92512A-B9CB-4D14-89DC-4A34A434C78E}" type="sibTrans" cxnId="{69FC0703-9E42-422E-85D7-CA129203117A}">
+      <dgm:prSet/>
+      <dgm:spPr/>
+      <dgm:t>
+        <a:bodyPr/>
+        <a:lstStyle/>
+        <a:p>
+          <a:endParaRPr lang="en-GB"/>
+        </a:p>
+      </dgm:t>
+    </dgm:pt>
+    <dgm:pt modelId="{57B8E1D6-88FB-4789-95EC-BB56012C435F}">
+      <dgm:prSet phldrT="[Text]" custT="1"/>
+      <dgm:spPr/>
+      <dgm:t>
+        <a:bodyPr/>
+        <a:lstStyle/>
+        <a:p>
+          <a:r>
+            <a:rPr lang="en-GB" sz="1600" dirty="0"/>
+            <a:t>Dense Layer (32)</a:t>
+          </a:r>
+        </a:p>
+      </dgm:t>
+    </dgm:pt>
+    <dgm:pt modelId="{E80A6615-58DD-4B18-BE34-B298A468E28E}" type="parTrans" cxnId="{3E2EF42C-A6B6-455E-94CF-E4F151DE13B9}">
+      <dgm:prSet/>
+      <dgm:spPr/>
+      <dgm:t>
+        <a:bodyPr/>
+        <a:lstStyle/>
+        <a:p>
+          <a:endParaRPr lang="en-GB"/>
+        </a:p>
+      </dgm:t>
+    </dgm:pt>
+    <dgm:pt modelId="{0CF058AA-AF32-4F5A-BCE8-17C2DE7204E7}" type="sibTrans" cxnId="{3E2EF42C-A6B6-455E-94CF-E4F151DE13B9}">
+      <dgm:prSet/>
+      <dgm:spPr/>
+      <dgm:t>
+        <a:bodyPr/>
+        <a:lstStyle/>
+        <a:p>
+          <a:endParaRPr lang="en-GB"/>
+        </a:p>
+      </dgm:t>
+    </dgm:pt>
+    <dgm:pt modelId="{85AD77D5-ACEC-48CA-98FA-5B8F5A6012C2}">
+      <dgm:prSet phldrT="[Text]"/>
+      <dgm:spPr/>
+      <dgm:t>
+        <a:bodyPr/>
+        <a:lstStyle/>
+        <a:p>
+          <a:r>
+            <a:rPr lang="en-GB" dirty="0"/>
+            <a:t>Fully Connected Stage</a:t>
+          </a:r>
+        </a:p>
+      </dgm:t>
+    </dgm:pt>
+    <dgm:pt modelId="{CC82F008-D003-4118-923D-6149DE149731}" type="parTrans" cxnId="{6FE0A100-1C37-48E7-B816-7490919BCF9B}">
+      <dgm:prSet/>
+      <dgm:spPr/>
+      <dgm:t>
+        <a:bodyPr/>
+        <a:lstStyle/>
+        <a:p>
+          <a:endParaRPr lang="en-GB"/>
+        </a:p>
+      </dgm:t>
+    </dgm:pt>
+    <dgm:pt modelId="{ED4005A2-2478-4787-9B21-D9CDA5FC2704}" type="sibTrans" cxnId="{6FE0A100-1C37-48E7-B816-7490919BCF9B}">
+      <dgm:prSet/>
+      <dgm:spPr/>
+      <dgm:t>
+        <a:bodyPr/>
+        <a:lstStyle/>
+        <a:p>
+          <a:endParaRPr lang="en-GB"/>
+        </a:p>
+      </dgm:t>
+    </dgm:pt>
+    <dgm:pt modelId="{B18624B1-3D2F-4545-A8A2-C5890669F9DB}">
+      <dgm:prSet phldrT="[Text]" custT="1"/>
+      <dgm:spPr/>
+      <dgm:t>
+        <a:bodyPr/>
+        <a:lstStyle/>
+        <a:p>
+          <a:r>
+            <a:rPr lang="en-GB" sz="700" dirty="0"/>
+            <a:t>Residual = x + input data</a:t>
+          </a:r>
+        </a:p>
+      </dgm:t>
+    </dgm:pt>
+    <dgm:pt modelId="{3A311B78-7B9A-400B-8A08-940FEE522AF9}" type="parTrans" cxnId="{95B2A563-BF80-4E8D-A993-F2B05E963421}">
+      <dgm:prSet/>
+      <dgm:spPr/>
+      <dgm:t>
+        <a:bodyPr/>
+        <a:lstStyle/>
+        <a:p>
+          <a:endParaRPr lang="en-GB"/>
+        </a:p>
+      </dgm:t>
+    </dgm:pt>
+    <dgm:pt modelId="{BF497D1D-FC35-4F5B-8E48-40243AF9127E}" type="sibTrans" cxnId="{95B2A563-BF80-4E8D-A993-F2B05E963421}">
+      <dgm:prSet/>
+      <dgm:spPr/>
+      <dgm:t>
+        <a:bodyPr/>
+        <a:lstStyle/>
+        <a:p>
+          <a:endParaRPr lang="en-GB"/>
+        </a:p>
+      </dgm:t>
+    </dgm:pt>
+    <dgm:pt modelId="{9E744500-DE76-4F34-83C9-ABB4677FC53A}">
+      <dgm:prSet phldrT="[Text]" custT="1"/>
+      <dgm:spPr/>
+      <dgm:t>
+        <a:bodyPr/>
+        <a:lstStyle/>
+        <a:p>
+          <a:r>
+            <a:rPr lang="en-GB" sz="700" dirty="0"/>
+            <a:t>LayerNormalisation</a:t>
+          </a:r>
+        </a:p>
+      </dgm:t>
+    </dgm:pt>
+    <dgm:pt modelId="{3C2B7570-6441-4D18-AC54-00A3BD9A4C36}" type="parTrans" cxnId="{7B4AB599-27C8-4831-A434-001E4C7F828F}">
+      <dgm:prSet/>
+      <dgm:spPr/>
+      <dgm:t>
+        <a:bodyPr/>
+        <a:lstStyle/>
+        <a:p>
+          <a:endParaRPr lang="en-GB"/>
+        </a:p>
+      </dgm:t>
+    </dgm:pt>
+    <dgm:pt modelId="{47FDDA70-37C6-4F94-8E2C-C0686058F80B}" type="sibTrans" cxnId="{7B4AB599-27C8-4831-A434-001E4C7F828F}">
+      <dgm:prSet/>
+      <dgm:spPr/>
+      <dgm:t>
+        <a:bodyPr/>
+        <a:lstStyle/>
+        <a:p>
+          <a:endParaRPr lang="en-GB"/>
+        </a:p>
+      </dgm:t>
+    </dgm:pt>
+    <dgm:pt modelId="{15FBB6E2-FBEF-47B3-9825-9E601A5DA99E}">
+      <dgm:prSet phldrT="[Text]" custT="1"/>
+      <dgm:spPr/>
+      <dgm:t>
+        <a:bodyPr/>
+        <a:lstStyle/>
+        <a:p>
+          <a:r>
+            <a:rPr lang="en-GB" sz="700" dirty="0"/>
+            <a:t>Conv1D(32)</a:t>
+          </a:r>
+        </a:p>
+      </dgm:t>
+    </dgm:pt>
+    <dgm:pt modelId="{336A2BB2-E889-4B88-8400-37280E32F99E}" type="parTrans" cxnId="{FD8FF639-A19E-4D59-8AF4-BC1D01A7D39F}">
+      <dgm:prSet/>
+      <dgm:spPr/>
+      <dgm:t>
+        <a:bodyPr/>
+        <a:lstStyle/>
+        <a:p>
+          <a:endParaRPr lang="en-GB"/>
+        </a:p>
+      </dgm:t>
+    </dgm:pt>
+    <dgm:pt modelId="{6C7ACD9F-A913-41B5-8CEF-1BF050D1FE5B}" type="sibTrans" cxnId="{FD8FF639-A19E-4D59-8AF4-BC1D01A7D39F}">
+      <dgm:prSet/>
+      <dgm:spPr/>
+      <dgm:t>
+        <a:bodyPr/>
+        <a:lstStyle/>
+        <a:p>
+          <a:endParaRPr lang="en-GB"/>
+        </a:p>
+      </dgm:t>
+    </dgm:pt>
+    <dgm:pt modelId="{0EDA7A06-3D03-454B-964C-36A5A48EA239}">
+      <dgm:prSet phldrT="[Text]" custT="1"/>
+      <dgm:spPr/>
+      <dgm:t>
+        <a:bodyPr/>
+        <a:lstStyle/>
+        <a:p>
+          <a:r>
+            <a:rPr lang="en-GB" sz="700" dirty="0"/>
+            <a:t>Conv1D(32)</a:t>
+          </a:r>
+        </a:p>
+      </dgm:t>
+    </dgm:pt>
+    <dgm:pt modelId="{665F7BD6-046C-4B08-B4A6-78E6E4DBA0E1}" type="parTrans" cxnId="{D963F0DA-E37F-43D1-814D-5AFC0582E407}">
+      <dgm:prSet/>
+      <dgm:spPr/>
+      <dgm:t>
+        <a:bodyPr/>
+        <a:lstStyle/>
+        <a:p>
+          <a:endParaRPr lang="en-GB"/>
+        </a:p>
+      </dgm:t>
+    </dgm:pt>
+    <dgm:pt modelId="{EED342F7-2A81-43F3-B03B-531894121638}" type="sibTrans" cxnId="{D963F0DA-E37F-43D1-814D-5AFC0582E407}">
+      <dgm:prSet/>
+      <dgm:spPr/>
+      <dgm:t>
+        <a:bodyPr/>
+        <a:lstStyle/>
+        <a:p>
+          <a:endParaRPr lang="en-GB"/>
+        </a:p>
+      </dgm:t>
+    </dgm:pt>
+    <dgm:pt modelId="{EF2DF46C-4B6D-417D-A8EF-69D0A11A0764}">
+      <dgm:prSet phldrT="[Text]" custT="1"/>
+      <dgm:spPr/>
+      <dgm:t>
+        <a:bodyPr/>
+        <a:lstStyle/>
+        <a:p>
+          <a:r>
+            <a:rPr lang="en-GB" sz="700" dirty="0"/>
+            <a:t>Output = Current Data + Residual </a:t>
+          </a:r>
+        </a:p>
+      </dgm:t>
+    </dgm:pt>
+    <dgm:pt modelId="{B57CD5B3-0A0E-489C-A3DC-E6CCE12F0C25}" type="parTrans" cxnId="{D5AA21C2-AA2F-4803-B89A-FA83F5A15A80}">
+      <dgm:prSet/>
+      <dgm:spPr/>
+      <dgm:t>
+        <a:bodyPr/>
+        <a:lstStyle/>
+        <a:p>
+          <a:endParaRPr lang="en-GB"/>
+        </a:p>
+      </dgm:t>
+    </dgm:pt>
+    <dgm:pt modelId="{6AA6E783-3C0F-492E-92EA-43DF3543A757}" type="sibTrans" cxnId="{D5AA21C2-AA2F-4803-B89A-FA83F5A15A80}">
+      <dgm:prSet/>
+      <dgm:spPr/>
+      <dgm:t>
+        <a:bodyPr/>
+        <a:lstStyle/>
+        <a:p>
+          <a:endParaRPr lang="en-GB"/>
+        </a:p>
+      </dgm:t>
+    </dgm:pt>
+    <dgm:pt modelId="{0F9C51D5-C4CB-4B28-BF82-F74994302B67}">
+      <dgm:prSet phldrT="[Text]" custT="1"/>
+      <dgm:spPr/>
+      <dgm:t>
+        <a:bodyPr/>
+        <a:lstStyle/>
+        <a:p>
+          <a:r>
+            <a:rPr lang="en-GB" sz="1400" dirty="0"/>
+            <a:t>Dense Layer (1) for SBP</a:t>
+          </a:r>
+        </a:p>
+      </dgm:t>
+    </dgm:pt>
+    <dgm:pt modelId="{30140112-ECBF-4BE2-A3E8-3ADAF5C45F9E}" type="parTrans" cxnId="{6C5FA90C-EA15-4FD1-AE3F-EA065E3C17F0}">
+      <dgm:prSet/>
+      <dgm:spPr/>
+      <dgm:t>
+        <a:bodyPr/>
+        <a:lstStyle/>
+        <a:p>
+          <a:endParaRPr lang="en-GB"/>
+        </a:p>
+      </dgm:t>
+    </dgm:pt>
+    <dgm:pt modelId="{9334AE83-134A-44F7-81D7-50E1B41FABAA}" type="sibTrans" cxnId="{6C5FA90C-EA15-4FD1-AE3F-EA065E3C17F0}">
+      <dgm:prSet/>
+      <dgm:spPr/>
+      <dgm:t>
+        <a:bodyPr/>
+        <a:lstStyle/>
+        <a:p>
+          <a:endParaRPr lang="en-GB"/>
+        </a:p>
+      </dgm:t>
+    </dgm:pt>
+    <dgm:pt modelId="{C0E000C9-7C2E-4A9D-8D04-57EC80D59AB2}">
+      <dgm:prSet phldrT="[Text]" custT="1"/>
+      <dgm:spPr/>
+      <dgm:t>
+        <a:bodyPr/>
+        <a:lstStyle/>
+        <a:p>
+          <a:r>
+            <a:rPr lang="en-GB" sz="1400" dirty="0"/>
+            <a:t>Dense Layer (1) for DBP</a:t>
+          </a:r>
+        </a:p>
+      </dgm:t>
+    </dgm:pt>
+    <dgm:pt modelId="{9A9E0E3A-C929-466E-8DA2-F823673669F7}" type="parTrans" cxnId="{C495EF10-05AD-4B3E-AC44-9911AC85DB67}">
+      <dgm:prSet/>
+      <dgm:spPr/>
+      <dgm:t>
+        <a:bodyPr/>
+        <a:lstStyle/>
+        <a:p>
+          <a:endParaRPr lang="en-GB"/>
+        </a:p>
+      </dgm:t>
+    </dgm:pt>
+    <dgm:pt modelId="{3FCC0E27-0BE5-4F70-9C19-7511F5E97956}" type="sibTrans" cxnId="{C495EF10-05AD-4B3E-AC44-9911AC85DB67}">
+      <dgm:prSet/>
+      <dgm:spPr/>
+      <dgm:t>
+        <a:bodyPr/>
+        <a:lstStyle/>
+        <a:p>
+          <a:endParaRPr lang="en-GB"/>
+        </a:p>
+      </dgm:t>
+    </dgm:pt>
+    <dgm:pt modelId="{2F404AAB-09A5-47B8-8DCC-3F253B8902D5}" type="pres">
+      <dgm:prSet presAssocID="{DDF80BF8-20DB-4BED-BD05-AD2BA8FA572E}" presName="linearFlow" presStyleCnt="0">
+        <dgm:presLayoutVars>
+          <dgm:dir/>
+          <dgm:animLvl val="lvl"/>
+          <dgm:resizeHandles val="exact"/>
+        </dgm:presLayoutVars>
+      </dgm:prSet>
+      <dgm:spPr/>
+    </dgm:pt>
+    <dgm:pt modelId="{328DB5F5-243D-4B78-9928-C6EA34464621}" type="pres">
+      <dgm:prSet presAssocID="{00174F60-DD19-405C-917F-D71279BD82C0}" presName="composite" presStyleCnt="0"/>
+      <dgm:spPr/>
+    </dgm:pt>
+    <dgm:pt modelId="{1CA9D38C-342F-4C81-8E41-251F8106FE2F}" type="pres">
+      <dgm:prSet presAssocID="{00174F60-DD19-405C-917F-D71279BD82C0}" presName="parentText" presStyleLbl="alignNode1" presStyleIdx="0" presStyleCnt="4">
+        <dgm:presLayoutVars>
+          <dgm:chMax val="1"/>
+          <dgm:bulletEnabled val="1"/>
+        </dgm:presLayoutVars>
+      </dgm:prSet>
+      <dgm:spPr/>
+    </dgm:pt>
+    <dgm:pt modelId="{F84EC9AD-86A1-4755-8D92-53B7F8581B4A}" type="pres">
+      <dgm:prSet presAssocID="{00174F60-DD19-405C-917F-D71279BD82C0}" presName="descendantText" presStyleLbl="alignAcc1" presStyleIdx="0" presStyleCnt="4">
+        <dgm:presLayoutVars>
+          <dgm:bulletEnabled val="1"/>
+        </dgm:presLayoutVars>
+      </dgm:prSet>
+      <dgm:spPr/>
+    </dgm:pt>
+    <dgm:pt modelId="{1BD5BB9A-2A48-457C-B176-24BE87EFC268}" type="pres">
+      <dgm:prSet presAssocID="{0D58D249-15DB-4264-A8A3-8A4021990B9B}" presName="sp" presStyleCnt="0"/>
+      <dgm:spPr/>
+    </dgm:pt>
+    <dgm:pt modelId="{225F22A7-B889-4E31-8E27-73B934AAD3A2}" type="pres">
+      <dgm:prSet presAssocID="{AF1CE7C6-AFD7-4E3D-9C83-034D648F5C18}" presName="composite" presStyleCnt="0"/>
+      <dgm:spPr/>
+    </dgm:pt>
+    <dgm:pt modelId="{F74D48CB-61D9-4996-A7D5-85E972184B71}" type="pres">
+      <dgm:prSet presAssocID="{AF1CE7C6-AFD7-4E3D-9C83-034D648F5C18}" presName="parentText" presStyleLbl="alignNode1" presStyleIdx="1" presStyleCnt="4">
+        <dgm:presLayoutVars>
+          <dgm:chMax val="1"/>
+          <dgm:bulletEnabled val="1"/>
+        </dgm:presLayoutVars>
+      </dgm:prSet>
+      <dgm:spPr/>
+    </dgm:pt>
+    <dgm:pt modelId="{082D9C06-5FBF-42B6-AE68-3AAFE47DE145}" type="pres">
+      <dgm:prSet presAssocID="{AF1CE7C6-AFD7-4E3D-9C83-034D648F5C18}" presName="descendantText" presStyleLbl="alignAcc1" presStyleIdx="1" presStyleCnt="4">
+        <dgm:presLayoutVars>
+          <dgm:bulletEnabled val="1"/>
+        </dgm:presLayoutVars>
+      </dgm:prSet>
+      <dgm:spPr/>
+    </dgm:pt>
+    <dgm:pt modelId="{49456DEB-A0D2-4C62-A328-D3382CE97BE5}" type="pres">
+      <dgm:prSet presAssocID="{A514CF0C-CD84-437F-8EF1-0A556B635B65}" presName="sp" presStyleCnt="0"/>
+      <dgm:spPr/>
+    </dgm:pt>
+    <dgm:pt modelId="{84581FBD-F308-48E3-B2EB-C3719849E744}" type="pres">
+      <dgm:prSet presAssocID="{37A795FC-931D-45F4-8F50-FA82D8647E55}" presName="composite" presStyleCnt="0"/>
+      <dgm:spPr/>
+    </dgm:pt>
+    <dgm:pt modelId="{6FEAB6E0-2E98-445F-8530-286BBA2438F1}" type="pres">
+      <dgm:prSet presAssocID="{37A795FC-931D-45F4-8F50-FA82D8647E55}" presName="parentText" presStyleLbl="alignNode1" presStyleIdx="2" presStyleCnt="4">
+        <dgm:presLayoutVars>
+          <dgm:chMax val="1"/>
+          <dgm:bulletEnabled val="1"/>
+        </dgm:presLayoutVars>
+      </dgm:prSet>
+      <dgm:spPr/>
+    </dgm:pt>
+    <dgm:pt modelId="{C6B0A2AC-840A-468B-859A-A1AC325E0682}" type="pres">
+      <dgm:prSet presAssocID="{37A795FC-931D-45F4-8F50-FA82D8647E55}" presName="descendantText" presStyleLbl="alignAcc1" presStyleIdx="2" presStyleCnt="4">
+        <dgm:presLayoutVars>
+          <dgm:bulletEnabled val="1"/>
+        </dgm:presLayoutVars>
+      </dgm:prSet>
+      <dgm:spPr/>
+    </dgm:pt>
+    <dgm:pt modelId="{A993E550-17D6-4B3D-AEEE-406229914EE7}" type="pres">
+      <dgm:prSet presAssocID="{5E92512A-B9CB-4D14-89DC-4A34A434C78E}" presName="sp" presStyleCnt="0"/>
+      <dgm:spPr/>
+    </dgm:pt>
+    <dgm:pt modelId="{D173C386-36E0-4CB9-87B5-2E2DD7625A74}" type="pres">
+      <dgm:prSet presAssocID="{85AD77D5-ACEC-48CA-98FA-5B8F5A6012C2}" presName="composite" presStyleCnt="0"/>
+      <dgm:spPr/>
+    </dgm:pt>
+    <dgm:pt modelId="{4C4FC49B-95FF-4E92-A7B1-9692AF99F434}" type="pres">
+      <dgm:prSet presAssocID="{85AD77D5-ACEC-48CA-98FA-5B8F5A6012C2}" presName="parentText" presStyleLbl="alignNode1" presStyleIdx="3" presStyleCnt="4">
+        <dgm:presLayoutVars>
+          <dgm:chMax val="1"/>
+          <dgm:bulletEnabled val="1"/>
+        </dgm:presLayoutVars>
+      </dgm:prSet>
+      <dgm:spPr/>
+    </dgm:pt>
+    <dgm:pt modelId="{97248B82-1163-48BC-8381-F4BA3DE62B6D}" type="pres">
+      <dgm:prSet presAssocID="{85AD77D5-ACEC-48CA-98FA-5B8F5A6012C2}" presName="descendantText" presStyleLbl="alignAcc1" presStyleIdx="3" presStyleCnt="4">
+        <dgm:presLayoutVars>
+          <dgm:bulletEnabled val="1"/>
+        </dgm:presLayoutVars>
+      </dgm:prSet>
+      <dgm:spPr/>
+    </dgm:pt>
+  </dgm:ptLst>
+  <dgm:cxnLst>
+    <dgm:cxn modelId="{6FE0A100-1C37-48E7-B816-7490919BCF9B}" srcId="{DDF80BF8-20DB-4BED-BD05-AD2BA8FA572E}" destId="{85AD77D5-ACEC-48CA-98FA-5B8F5A6012C2}" srcOrd="3" destOrd="0" parTransId="{CC82F008-D003-4118-923D-6149DE149731}" sibTransId="{ED4005A2-2478-4787-9B21-D9CDA5FC2704}"/>
+    <dgm:cxn modelId="{69FC0703-9E42-422E-85D7-CA129203117A}" srcId="{DDF80BF8-20DB-4BED-BD05-AD2BA8FA572E}" destId="{37A795FC-931D-45F4-8F50-FA82D8647E55}" srcOrd="2" destOrd="0" parTransId="{0987A1CF-9AE3-4C6F-80A1-C6BE5EADB912}" sibTransId="{5E92512A-B9CB-4D14-89DC-4A34A434C78E}"/>
+    <dgm:cxn modelId="{A1F61B06-3DB2-4919-8DCC-326E95813889}" type="presOf" srcId="{37A795FC-931D-45F4-8F50-FA82D8647E55}" destId="{6FEAB6E0-2E98-445F-8530-286BBA2438F1}" srcOrd="0" destOrd="0" presId="urn:microsoft.com/office/officeart/2005/8/layout/chevron2"/>
+    <dgm:cxn modelId="{6C5FA90C-EA15-4FD1-AE3F-EA065E3C17F0}" srcId="{85AD77D5-ACEC-48CA-98FA-5B8F5A6012C2}" destId="{0F9C51D5-C4CB-4B28-BF82-F74994302B67}" srcOrd="0" destOrd="0" parTransId="{30140112-ECBF-4BE2-A3E8-3ADAF5C45F9E}" sibTransId="{9334AE83-134A-44F7-81D7-50E1B41FABAA}"/>
+    <dgm:cxn modelId="{DBB1AC0D-DF6D-4175-A966-1FB1CB26243B}" srcId="{AF1CE7C6-AFD7-4E3D-9C83-034D648F5C18}" destId="{EF3B7069-22D0-4A64-9119-636B2DFE4AC8}" srcOrd="1" destOrd="0" parTransId="{8181F1A4-7CE3-4627-8709-5D36826A7869}" sibTransId="{F43DA31A-E6C4-4451-85BA-40A5D6896B85}"/>
+    <dgm:cxn modelId="{C495EF10-05AD-4B3E-AC44-9911AC85DB67}" srcId="{85AD77D5-ACEC-48CA-98FA-5B8F5A6012C2}" destId="{C0E000C9-7C2E-4A9D-8D04-57EC80D59AB2}" srcOrd="1" destOrd="0" parTransId="{9A9E0E3A-C929-466E-8DA2-F823673669F7}" sibTransId="{3FCC0E27-0BE5-4F70-9C19-7511F5E97956}"/>
+    <dgm:cxn modelId="{9942E61F-4D3C-4EAB-AD02-FE26E5F0329F}" type="presOf" srcId="{0EDA7A06-3D03-454B-964C-36A5A48EA239}" destId="{082D9C06-5FBF-42B6-AE68-3AAFE47DE145}" srcOrd="0" destOrd="5" presId="urn:microsoft.com/office/officeart/2005/8/layout/chevron2"/>
+    <dgm:cxn modelId="{3E2EF42C-A6B6-455E-94CF-E4F151DE13B9}" srcId="{37A795FC-931D-45F4-8F50-FA82D8647E55}" destId="{57B8E1D6-88FB-4789-95EC-BB56012C435F}" srcOrd="0" destOrd="0" parTransId="{E80A6615-58DD-4B18-BE34-B298A468E28E}" sibTransId="{0CF058AA-AF32-4F5A-BCE8-17C2DE7204E7}"/>
+    <dgm:cxn modelId="{DA85EB36-2CC9-46A0-95D2-2E98D754E0FB}" srcId="{DDF80BF8-20DB-4BED-BD05-AD2BA8FA572E}" destId="{00174F60-DD19-405C-917F-D71279BD82C0}" srcOrd="0" destOrd="0" parTransId="{A60DCBEB-ADC7-43C7-8FD0-1046F62647B0}" sibTransId="{0D58D249-15DB-4264-A8A3-8A4021990B9B}"/>
+    <dgm:cxn modelId="{FD8FF639-A19E-4D59-8AF4-BC1D01A7D39F}" srcId="{AF1CE7C6-AFD7-4E3D-9C83-034D648F5C18}" destId="{15FBB6E2-FBEF-47B3-9825-9E601A5DA99E}" srcOrd="4" destOrd="0" parTransId="{336A2BB2-E889-4B88-8400-37280E32F99E}" sibTransId="{6C7ACD9F-A913-41B5-8CEF-1BF050D1FE5B}"/>
+    <dgm:cxn modelId="{D9719E5D-D514-4597-8EFC-285F11CEF89C}" type="presOf" srcId="{E22D4466-169E-490D-9A20-9F99E574F060}" destId="{F84EC9AD-86A1-4755-8D92-53B7F8581B4A}" srcOrd="0" destOrd="0" presId="urn:microsoft.com/office/officeart/2005/8/layout/chevron2"/>
+    <dgm:cxn modelId="{95B2A563-BF80-4E8D-A993-F2B05E963421}" srcId="{AF1CE7C6-AFD7-4E3D-9C83-034D648F5C18}" destId="{B18624B1-3D2F-4545-A8A2-C5890669F9DB}" srcOrd="2" destOrd="0" parTransId="{3A311B78-7B9A-400B-8A08-940FEE522AF9}" sibTransId="{BF497D1D-FC35-4F5B-8E48-40243AF9127E}"/>
+    <dgm:cxn modelId="{0E720645-6FC3-4221-ACD8-AE2C2B26193E}" srcId="{00174F60-DD19-405C-917F-D71279BD82C0}" destId="{13BBBDB2-4243-478D-ABDF-A6631A82949B}" srcOrd="1" destOrd="0" parTransId="{240C6331-D237-42AA-A55D-DA4CA5B67371}" sibTransId="{94A0AFF0-10DE-4521-8A7C-6A9EE8D7D174}"/>
+    <dgm:cxn modelId="{47929D68-0DE7-44B9-B95E-9AE004D6BF87}" type="presOf" srcId="{13BBBDB2-4243-478D-ABDF-A6631A82949B}" destId="{F84EC9AD-86A1-4755-8D92-53B7F8581B4A}" srcOrd="0" destOrd="1" presId="urn:microsoft.com/office/officeart/2005/8/layout/chevron2"/>
+    <dgm:cxn modelId="{6B885F75-F557-49C2-A0E8-08DCDCF2D394}" type="presOf" srcId="{57B8E1D6-88FB-4789-95EC-BB56012C435F}" destId="{C6B0A2AC-840A-468B-859A-A1AC325E0682}" srcOrd="0" destOrd="0" presId="urn:microsoft.com/office/officeart/2005/8/layout/chevron2"/>
+    <dgm:cxn modelId="{A1367F76-246C-44CB-A10F-64AD112F4956}" type="presOf" srcId="{9E744500-DE76-4F34-83C9-ABB4677FC53A}" destId="{082D9C06-5FBF-42B6-AE68-3AAFE47DE145}" srcOrd="0" destOrd="3" presId="urn:microsoft.com/office/officeart/2005/8/layout/chevron2"/>
+    <dgm:cxn modelId="{788D4977-4FE9-4D57-9E31-72959A3903B6}" srcId="{DDF80BF8-20DB-4BED-BD05-AD2BA8FA572E}" destId="{AF1CE7C6-AFD7-4E3D-9C83-034D648F5C18}" srcOrd="1" destOrd="0" parTransId="{F56A7853-103D-4C1C-8686-88F098467064}" sibTransId="{A514CF0C-CD84-437F-8EF1-0A556B635B65}"/>
+    <dgm:cxn modelId="{4F57967D-9963-4341-91B4-333BA424C0EB}" type="presOf" srcId="{C0E000C9-7C2E-4A9D-8D04-57EC80D59AB2}" destId="{97248B82-1163-48BC-8381-F4BA3DE62B6D}" srcOrd="0" destOrd="1" presId="urn:microsoft.com/office/officeart/2005/8/layout/chevron2"/>
+    <dgm:cxn modelId="{D18AEB80-9991-4987-9AEA-A2735BE5AA64}" type="presOf" srcId="{0F9C51D5-C4CB-4B28-BF82-F74994302B67}" destId="{97248B82-1163-48BC-8381-F4BA3DE62B6D}" srcOrd="0" destOrd="0" presId="urn:microsoft.com/office/officeart/2005/8/layout/chevron2"/>
+    <dgm:cxn modelId="{7B4AB599-27C8-4831-A434-001E4C7F828F}" srcId="{AF1CE7C6-AFD7-4E3D-9C83-034D648F5C18}" destId="{9E744500-DE76-4F34-83C9-ABB4677FC53A}" srcOrd="3" destOrd="0" parTransId="{3C2B7570-6441-4D18-AC54-00A3BD9A4C36}" sibTransId="{47FDDA70-37C6-4F94-8E2C-C0686058F80B}"/>
+    <dgm:cxn modelId="{390D29A0-67B6-422A-BC2C-7D5B8D180E3D}" type="presOf" srcId="{AF1CE7C6-AFD7-4E3D-9C83-034D648F5C18}" destId="{F74D48CB-61D9-4996-A7D5-85E972184B71}" srcOrd="0" destOrd="0" presId="urn:microsoft.com/office/officeart/2005/8/layout/chevron2"/>
+    <dgm:cxn modelId="{3225A6A7-79E0-49BC-9CBD-B269F0CF2422}" type="presOf" srcId="{00174F60-DD19-405C-917F-D71279BD82C0}" destId="{1CA9D38C-342F-4C81-8E41-251F8106FE2F}" srcOrd="0" destOrd="0" presId="urn:microsoft.com/office/officeart/2005/8/layout/chevron2"/>
+    <dgm:cxn modelId="{49716CB3-6F94-40AB-A929-F5F32A6D32CA}" type="presOf" srcId="{EF3B7069-22D0-4A64-9119-636B2DFE4AC8}" destId="{082D9C06-5FBF-42B6-AE68-3AAFE47DE145}" srcOrd="0" destOrd="1" presId="urn:microsoft.com/office/officeart/2005/8/layout/chevron2"/>
+    <dgm:cxn modelId="{D5AA21C2-AA2F-4803-B89A-FA83F5A15A80}" srcId="{AF1CE7C6-AFD7-4E3D-9C83-034D648F5C18}" destId="{EF2DF46C-4B6D-417D-A8EF-69D0A11A0764}" srcOrd="6" destOrd="0" parTransId="{B57CD5B3-0A0E-489C-A3DC-E6CCE12F0C25}" sibTransId="{6AA6E783-3C0F-492E-92EA-43DF3543A757}"/>
+    <dgm:cxn modelId="{1D7A74C8-CB26-4106-B91C-EDAAB794E09A}" type="presOf" srcId="{15FBB6E2-FBEF-47B3-9825-9E601A5DA99E}" destId="{082D9C06-5FBF-42B6-AE68-3AAFE47DE145}" srcOrd="0" destOrd="4" presId="urn:microsoft.com/office/officeart/2005/8/layout/chevron2"/>
+    <dgm:cxn modelId="{7E3FE0CC-1943-4B1D-8CB6-D471E3E61303}" type="presOf" srcId="{5748864F-2F04-4943-B7AD-D36539A0D938}" destId="{082D9C06-5FBF-42B6-AE68-3AAFE47DE145}" srcOrd="0" destOrd="0" presId="urn:microsoft.com/office/officeart/2005/8/layout/chevron2"/>
+    <dgm:cxn modelId="{3B618BD5-E1C2-432C-A20D-454EC0C51DCA}" type="presOf" srcId="{EF2DF46C-4B6D-417D-A8EF-69D0A11A0764}" destId="{082D9C06-5FBF-42B6-AE68-3AAFE47DE145}" srcOrd="0" destOrd="6" presId="urn:microsoft.com/office/officeart/2005/8/layout/chevron2"/>
+    <dgm:cxn modelId="{D963F0DA-E37F-43D1-814D-5AFC0582E407}" srcId="{AF1CE7C6-AFD7-4E3D-9C83-034D648F5C18}" destId="{0EDA7A06-3D03-454B-964C-36A5A48EA239}" srcOrd="5" destOrd="0" parTransId="{665F7BD6-046C-4B08-B4A6-78E6E4DBA0E1}" sibTransId="{EED342F7-2A81-43F3-B03B-531894121638}"/>
+    <dgm:cxn modelId="{28BA72DD-19AD-4B48-88BD-B779EF966F54}" srcId="{00174F60-DD19-405C-917F-D71279BD82C0}" destId="{E22D4466-169E-490D-9A20-9F99E574F060}" srcOrd="0" destOrd="0" parTransId="{6C306D5D-7BC3-4929-86F0-3F29C618DE94}" sibTransId="{2E58B7B8-E37F-439D-8942-26D329112BEF}"/>
+    <dgm:cxn modelId="{CA262DE1-9EB3-481C-B816-E55FF5936BE3}" type="presOf" srcId="{DDF80BF8-20DB-4BED-BD05-AD2BA8FA572E}" destId="{2F404AAB-09A5-47B8-8DCC-3F253B8902D5}" srcOrd="0" destOrd="0" presId="urn:microsoft.com/office/officeart/2005/8/layout/chevron2"/>
+    <dgm:cxn modelId="{947F2BE6-3C39-4F11-BAB6-39CFB4FFD9BE}" type="presOf" srcId="{B18624B1-3D2F-4545-A8A2-C5890669F9DB}" destId="{082D9C06-5FBF-42B6-AE68-3AAFE47DE145}" srcOrd="0" destOrd="2" presId="urn:microsoft.com/office/officeart/2005/8/layout/chevron2"/>
+    <dgm:cxn modelId="{E53EA1EB-5DC5-4D89-B05C-A5442018684D}" srcId="{AF1CE7C6-AFD7-4E3D-9C83-034D648F5C18}" destId="{5748864F-2F04-4943-B7AD-D36539A0D938}" srcOrd="0" destOrd="0" parTransId="{69BAF233-CE1F-4029-972D-C1EEC74EC807}" sibTransId="{DBE7F758-E971-455E-9E63-C6DBA52F0A54}"/>
+    <dgm:cxn modelId="{E21A78F4-9DD9-4C4B-9DA1-04569B4593FB}" type="presOf" srcId="{85AD77D5-ACEC-48CA-98FA-5B8F5A6012C2}" destId="{4C4FC49B-95FF-4E92-A7B1-9692AF99F434}" srcOrd="0" destOrd="0" presId="urn:microsoft.com/office/officeart/2005/8/layout/chevron2"/>
+    <dgm:cxn modelId="{475690B1-2DE4-47C5-85B7-9A769D3EACDB}" type="presParOf" srcId="{2F404AAB-09A5-47B8-8DCC-3F253B8902D5}" destId="{328DB5F5-243D-4B78-9928-C6EA34464621}" srcOrd="0" destOrd="0" presId="urn:microsoft.com/office/officeart/2005/8/layout/chevron2"/>
+    <dgm:cxn modelId="{CE2796A4-90F9-4950-BC5D-4465448D5BAB}" type="presParOf" srcId="{328DB5F5-243D-4B78-9928-C6EA34464621}" destId="{1CA9D38C-342F-4C81-8E41-251F8106FE2F}" srcOrd="0" destOrd="0" presId="urn:microsoft.com/office/officeart/2005/8/layout/chevron2"/>
+    <dgm:cxn modelId="{629A52B3-E520-4FB7-B4E9-43318C1C736E}" type="presParOf" srcId="{328DB5F5-243D-4B78-9928-C6EA34464621}" destId="{F84EC9AD-86A1-4755-8D92-53B7F8581B4A}" srcOrd="1" destOrd="0" presId="urn:microsoft.com/office/officeart/2005/8/layout/chevron2"/>
+    <dgm:cxn modelId="{4D5AA9D9-C3AA-44FE-BE24-AD9BD5DC1B7D}" type="presParOf" srcId="{2F404AAB-09A5-47B8-8DCC-3F253B8902D5}" destId="{1BD5BB9A-2A48-457C-B176-24BE87EFC268}" srcOrd="1" destOrd="0" presId="urn:microsoft.com/office/officeart/2005/8/layout/chevron2"/>
+    <dgm:cxn modelId="{B52C3B16-BB47-4699-8648-91C63F2FC5F5}" type="presParOf" srcId="{2F404AAB-09A5-47B8-8DCC-3F253B8902D5}" destId="{225F22A7-B889-4E31-8E27-73B934AAD3A2}" srcOrd="2" destOrd="0" presId="urn:microsoft.com/office/officeart/2005/8/layout/chevron2"/>
+    <dgm:cxn modelId="{E0AAABEF-60E7-4EC3-9CCC-B8EDD7B47282}" type="presParOf" srcId="{225F22A7-B889-4E31-8E27-73B934AAD3A2}" destId="{F74D48CB-61D9-4996-A7D5-85E972184B71}" srcOrd="0" destOrd="0" presId="urn:microsoft.com/office/officeart/2005/8/layout/chevron2"/>
+    <dgm:cxn modelId="{838B51C2-FAF9-4B1E-8CCD-832FAB65ACC4}" type="presParOf" srcId="{225F22A7-B889-4E31-8E27-73B934AAD3A2}" destId="{082D9C06-5FBF-42B6-AE68-3AAFE47DE145}" srcOrd="1" destOrd="0" presId="urn:microsoft.com/office/officeart/2005/8/layout/chevron2"/>
+    <dgm:cxn modelId="{54578891-7622-4F35-9B34-2231DEB2635F}" type="presParOf" srcId="{2F404AAB-09A5-47B8-8DCC-3F253B8902D5}" destId="{49456DEB-A0D2-4C62-A328-D3382CE97BE5}" srcOrd="3" destOrd="0" presId="urn:microsoft.com/office/officeart/2005/8/layout/chevron2"/>
+    <dgm:cxn modelId="{78063974-189C-4DDF-903D-91AF54E81FEF}" type="presParOf" srcId="{2F404AAB-09A5-47B8-8DCC-3F253B8902D5}" destId="{84581FBD-F308-48E3-B2EB-C3719849E744}" srcOrd="4" destOrd="0" presId="urn:microsoft.com/office/officeart/2005/8/layout/chevron2"/>
+    <dgm:cxn modelId="{9B8F9707-9671-4C57-830B-8A0F503C3478}" type="presParOf" srcId="{84581FBD-F308-48E3-B2EB-C3719849E744}" destId="{6FEAB6E0-2E98-445F-8530-286BBA2438F1}" srcOrd="0" destOrd="0" presId="urn:microsoft.com/office/officeart/2005/8/layout/chevron2"/>
+    <dgm:cxn modelId="{3C4FB7A6-633B-4299-B29B-24FF8E76ABCF}" type="presParOf" srcId="{84581FBD-F308-48E3-B2EB-C3719849E744}" destId="{C6B0A2AC-840A-468B-859A-A1AC325E0682}" srcOrd="1" destOrd="0" presId="urn:microsoft.com/office/officeart/2005/8/layout/chevron2"/>
+    <dgm:cxn modelId="{99D7BF6D-EE11-41A7-A377-7D7ABBA48B3B}" type="presParOf" srcId="{2F404AAB-09A5-47B8-8DCC-3F253B8902D5}" destId="{A993E550-17D6-4B3D-AEEE-406229914EE7}" srcOrd="5" destOrd="0" presId="urn:microsoft.com/office/officeart/2005/8/layout/chevron2"/>
+    <dgm:cxn modelId="{F17E5064-0E6F-482F-9294-0D9D685AE75D}" type="presParOf" srcId="{2F404AAB-09A5-47B8-8DCC-3F253B8902D5}" destId="{D173C386-36E0-4CB9-87B5-2E2DD7625A74}" srcOrd="6" destOrd="0" presId="urn:microsoft.com/office/officeart/2005/8/layout/chevron2"/>
+    <dgm:cxn modelId="{C9A02F5F-996F-4596-A3E1-F63FDB491E8F}" type="presParOf" srcId="{D173C386-36E0-4CB9-87B5-2E2DD7625A74}" destId="{4C4FC49B-95FF-4E92-A7B1-9692AF99F434}" srcOrd="0" destOrd="0" presId="urn:microsoft.com/office/officeart/2005/8/layout/chevron2"/>
+    <dgm:cxn modelId="{E036E1EA-E55E-43B9-838E-9380A1140CC0}" type="presParOf" srcId="{D173C386-36E0-4CB9-87B5-2E2DD7625A74}" destId="{97248B82-1163-48BC-8381-F4BA3DE62B6D}" srcOrd="1" destOrd="0" presId="urn:microsoft.com/office/officeart/2005/8/layout/chevron2"/>
   </dgm:cxnLst>
   <dgm:bg/>
   <dgm:whole/>
@@ -10015,6 +13024,1542 @@
 </dsp:drawing>
 </file>
 
+<file path=ppt/diagrams/drawing2.xml><?xml version="1.0" encoding="utf-8"?>
+<dsp:drawing xmlns:dgm="http://schemas.openxmlformats.org/drawingml/2006/diagram" xmlns:dsp="http://schemas.microsoft.com/office/drawing/2008/diagram" xmlns:a="http://schemas.openxmlformats.org/drawingml/2006/main">
+  <dsp:spTree>
+    <dsp:nvGrpSpPr>
+      <dsp:cNvPr id="0" name=""/>
+      <dsp:cNvGrpSpPr/>
+    </dsp:nvGrpSpPr>
+    <dsp:grpSpPr/>
+    <dsp:sp modelId="{1CA9D38C-342F-4C81-8E41-251F8106FE2F}">
+      <dsp:nvSpPr>
+        <dsp:cNvPr id="0" name=""/>
+        <dsp:cNvSpPr/>
+      </dsp:nvSpPr>
+      <dsp:spPr>
+        <a:xfrm rot="5400000">
+          <a:off x="-115674" y="117002"/>
+          <a:ext cx="771160" cy="539812"/>
+        </a:xfrm>
+        <a:prstGeom prst="chevron">
+          <a:avLst/>
+        </a:prstGeom>
+        <a:solidFill>
+          <a:schemeClr val="accent1">
+            <a:hueOff val="0"/>
+            <a:satOff val="0"/>
+            <a:lumOff val="0"/>
+            <a:alphaOff val="0"/>
+          </a:schemeClr>
+        </a:solidFill>
+        <a:ln w="25400" cap="flat" cmpd="sng" algn="ctr">
+          <a:solidFill>
+            <a:schemeClr val="accent1">
+              <a:hueOff val="0"/>
+              <a:satOff val="0"/>
+              <a:lumOff val="0"/>
+              <a:alphaOff val="0"/>
+            </a:schemeClr>
+          </a:solidFill>
+          <a:prstDash val="solid"/>
+        </a:ln>
+        <a:effectLst/>
+      </dsp:spPr>
+      <dsp:style>
+        <a:lnRef idx="2">
+          <a:scrgbClr r="0" g="0" b="0"/>
+        </a:lnRef>
+        <a:fillRef idx="1">
+          <a:scrgbClr r="0" g="0" b="0"/>
+        </a:fillRef>
+        <a:effectRef idx="0">
+          <a:scrgbClr r="0" g="0" b="0"/>
+        </a:effectRef>
+        <a:fontRef idx="minor">
+          <a:schemeClr val="lt1"/>
+        </a:fontRef>
+      </dsp:style>
+      <dsp:txBody>
+        <a:bodyPr spcFirstLastPara="0" vert="horz" wrap="square" lIns="3175" tIns="3175" rIns="3175" bIns="3175" numCol="1" spcCol="1270" anchor="ctr" anchorCtr="0">
+          <a:noAutofit/>
+        </a:bodyPr>
+        <a:lstStyle/>
+        <a:p>
+          <a:pPr marL="0" lvl="0" indent="0" algn="ctr" defTabSz="222250">
+            <a:lnSpc>
+              <a:spcPct val="90000"/>
+            </a:lnSpc>
+            <a:spcBef>
+              <a:spcPct val="0"/>
+            </a:spcBef>
+            <a:spcAft>
+              <a:spcPct val="35000"/>
+            </a:spcAft>
+            <a:buNone/>
+          </a:pPr>
+          <a:r>
+            <a:rPr lang="en-GB" sz="500" kern="1200" dirty="0"/>
+            <a:t>Feature Extraction stage (optional)</a:t>
+          </a:r>
+        </a:p>
+      </dsp:txBody>
+      <dsp:txXfrm rot="-5400000">
+        <a:off x="0" y="271234"/>
+        <a:ext cx="539812" cy="231348"/>
+      </dsp:txXfrm>
+    </dsp:sp>
+    <dsp:sp modelId="{F84EC9AD-86A1-4755-8D92-53B7F8581B4A}">
+      <dsp:nvSpPr>
+        <dsp:cNvPr id="0" name=""/>
+        <dsp:cNvSpPr/>
+      </dsp:nvSpPr>
+      <dsp:spPr>
+        <a:xfrm rot="5400000">
+          <a:off x="4134079" y="-3592938"/>
+          <a:ext cx="501254" cy="7689787"/>
+        </a:xfrm>
+        <a:prstGeom prst="round2SameRect">
+          <a:avLst/>
+        </a:prstGeom>
+        <a:solidFill>
+          <a:schemeClr val="lt1">
+            <a:alpha val="90000"/>
+            <a:hueOff val="0"/>
+            <a:satOff val="0"/>
+            <a:lumOff val="0"/>
+            <a:alphaOff val="0"/>
+          </a:schemeClr>
+        </a:solidFill>
+        <a:ln w="25400" cap="flat" cmpd="sng" algn="ctr">
+          <a:solidFill>
+            <a:schemeClr val="accent1">
+              <a:hueOff val="0"/>
+              <a:satOff val="0"/>
+              <a:lumOff val="0"/>
+              <a:alphaOff val="0"/>
+            </a:schemeClr>
+          </a:solidFill>
+          <a:prstDash val="solid"/>
+        </a:ln>
+        <a:effectLst/>
+      </dsp:spPr>
+      <dsp:style>
+        <a:lnRef idx="2">
+          <a:scrgbClr r="0" g="0" b="0"/>
+        </a:lnRef>
+        <a:fillRef idx="1">
+          <a:scrgbClr r="0" g="0" b="0"/>
+        </a:fillRef>
+        <a:effectRef idx="0">
+          <a:scrgbClr r="0" g="0" b="0"/>
+        </a:effectRef>
+        <a:fontRef idx="minor"/>
+      </dsp:style>
+      <dsp:txBody>
+        <a:bodyPr spcFirstLastPara="0" vert="horz" wrap="square" lIns="35560" tIns="3175" rIns="3175" bIns="3175" numCol="1" spcCol="1270" anchor="ctr" anchorCtr="0">
+          <a:noAutofit/>
+        </a:bodyPr>
+        <a:lstStyle/>
+        <a:p>
+          <a:pPr marL="57150" lvl="1" indent="-57150" algn="l" defTabSz="222250">
+            <a:lnSpc>
+              <a:spcPct val="90000"/>
+            </a:lnSpc>
+            <a:spcBef>
+              <a:spcPct val="0"/>
+            </a:spcBef>
+            <a:spcAft>
+              <a:spcPct val="15000"/>
+            </a:spcAft>
+            <a:buChar char="•"/>
+          </a:pPr>
+          <a:r>
+            <a:rPr lang="en-GB" sz="500" kern="1200" dirty="0"/>
+            <a:t>PPG’ acquired</a:t>
+          </a:r>
+        </a:p>
+        <a:p>
+          <a:pPr marL="57150" lvl="1" indent="-57150" algn="l" defTabSz="222250">
+            <a:lnSpc>
+              <a:spcPct val="90000"/>
+            </a:lnSpc>
+            <a:spcBef>
+              <a:spcPct val="0"/>
+            </a:spcBef>
+            <a:spcAft>
+              <a:spcPct val="15000"/>
+            </a:spcAft>
+            <a:buChar char="•"/>
+          </a:pPr>
+          <a:r>
+            <a:rPr lang="en-GB" sz="500" kern="1200" dirty="0"/>
+            <a:t>PPG’’ acquired</a:t>
+          </a:r>
+        </a:p>
+      </dsp:txBody>
+      <dsp:txXfrm rot="-5400000">
+        <a:off x="539813" y="25797"/>
+        <a:ext cx="7665318" cy="452316"/>
+      </dsp:txXfrm>
+    </dsp:sp>
+    <dsp:sp modelId="{F74D48CB-61D9-4996-A7D5-85E972184B71}">
+      <dsp:nvSpPr>
+        <dsp:cNvPr id="0" name=""/>
+        <dsp:cNvSpPr/>
+      </dsp:nvSpPr>
+      <dsp:spPr>
+        <a:xfrm rot="5400000">
+          <a:off x="-115674" y="730071"/>
+          <a:ext cx="771160" cy="539812"/>
+        </a:xfrm>
+        <a:prstGeom prst="chevron">
+          <a:avLst/>
+        </a:prstGeom>
+        <a:solidFill>
+          <a:schemeClr val="accent1">
+            <a:hueOff val="0"/>
+            <a:satOff val="0"/>
+            <a:lumOff val="0"/>
+            <a:alphaOff val="0"/>
+          </a:schemeClr>
+        </a:solidFill>
+        <a:ln w="25400" cap="flat" cmpd="sng" algn="ctr">
+          <a:solidFill>
+            <a:schemeClr val="accent1">
+              <a:hueOff val="0"/>
+              <a:satOff val="0"/>
+              <a:lumOff val="0"/>
+              <a:alphaOff val="0"/>
+            </a:schemeClr>
+          </a:solidFill>
+          <a:prstDash val="solid"/>
+        </a:ln>
+        <a:effectLst/>
+      </dsp:spPr>
+      <dsp:style>
+        <a:lnRef idx="2">
+          <a:scrgbClr r="0" g="0" b="0"/>
+        </a:lnRef>
+        <a:fillRef idx="1">
+          <a:scrgbClr r="0" g="0" b="0"/>
+        </a:fillRef>
+        <a:effectRef idx="0">
+          <a:scrgbClr r="0" g="0" b="0"/>
+        </a:effectRef>
+        <a:fontRef idx="minor">
+          <a:schemeClr val="lt1"/>
+        </a:fontRef>
+      </dsp:style>
+      <dsp:txBody>
+        <a:bodyPr spcFirstLastPara="0" vert="horz" wrap="square" lIns="3175" tIns="3175" rIns="3175" bIns="3175" numCol="1" spcCol="1270" anchor="ctr" anchorCtr="0">
+          <a:noAutofit/>
+        </a:bodyPr>
+        <a:lstStyle/>
+        <a:p>
+          <a:pPr marL="0" lvl="0" indent="0" algn="ctr" defTabSz="222250">
+            <a:lnSpc>
+              <a:spcPct val="90000"/>
+            </a:lnSpc>
+            <a:spcBef>
+              <a:spcPct val="0"/>
+            </a:spcBef>
+            <a:spcAft>
+              <a:spcPct val="35000"/>
+            </a:spcAft>
+            <a:buNone/>
+          </a:pPr>
+          <a:r>
+            <a:rPr lang="en-GB" sz="500" kern="1200" dirty="0"/>
+            <a:t>Encoder Blocks (x2)</a:t>
+          </a:r>
+        </a:p>
+      </dsp:txBody>
+      <dsp:txXfrm rot="-5400000">
+        <a:off x="0" y="884303"/>
+        <a:ext cx="539812" cy="231348"/>
+      </dsp:txXfrm>
+    </dsp:sp>
+    <dsp:sp modelId="{082D9C06-5FBF-42B6-AE68-3AAFE47DE145}">
+      <dsp:nvSpPr>
+        <dsp:cNvPr id="0" name=""/>
+        <dsp:cNvSpPr/>
+      </dsp:nvSpPr>
+      <dsp:spPr>
+        <a:xfrm rot="5400000">
+          <a:off x="4134079" y="-2979869"/>
+          <a:ext cx="501254" cy="7689787"/>
+        </a:xfrm>
+        <a:prstGeom prst="round2SameRect">
+          <a:avLst/>
+        </a:prstGeom>
+        <a:solidFill>
+          <a:schemeClr val="lt1">
+            <a:alpha val="90000"/>
+            <a:hueOff val="0"/>
+            <a:satOff val="0"/>
+            <a:lumOff val="0"/>
+            <a:alphaOff val="0"/>
+          </a:schemeClr>
+        </a:solidFill>
+        <a:ln w="25400" cap="flat" cmpd="sng" algn="ctr">
+          <a:solidFill>
+            <a:schemeClr val="accent1">
+              <a:hueOff val="0"/>
+              <a:satOff val="0"/>
+              <a:lumOff val="0"/>
+              <a:alphaOff val="0"/>
+            </a:schemeClr>
+          </a:solidFill>
+          <a:prstDash val="solid"/>
+        </a:ln>
+        <a:effectLst/>
+      </dsp:spPr>
+      <dsp:style>
+        <a:lnRef idx="2">
+          <a:scrgbClr r="0" g="0" b="0"/>
+        </a:lnRef>
+        <a:fillRef idx="1">
+          <a:scrgbClr r="0" g="0" b="0"/>
+        </a:fillRef>
+        <a:effectRef idx="0">
+          <a:scrgbClr r="0" g="0" b="0"/>
+        </a:effectRef>
+        <a:fontRef idx="minor"/>
+      </dsp:style>
+      <dsp:txBody>
+        <a:bodyPr spcFirstLastPara="0" vert="horz" wrap="square" lIns="35560" tIns="3175" rIns="3175" bIns="3175" numCol="1" spcCol="1270" anchor="ctr" anchorCtr="0">
+          <a:noAutofit/>
+        </a:bodyPr>
+        <a:lstStyle/>
+        <a:p>
+          <a:pPr marL="57150" lvl="1" indent="-57150" algn="l" defTabSz="222250">
+            <a:lnSpc>
+              <a:spcPct val="90000"/>
+            </a:lnSpc>
+            <a:spcBef>
+              <a:spcPct val="0"/>
+            </a:spcBef>
+            <a:spcAft>
+              <a:spcPct val="15000"/>
+            </a:spcAft>
+            <a:buChar char="•"/>
+          </a:pPr>
+          <a:r>
+            <a:rPr lang="en-GB" sz="500" kern="1200" dirty="0"/>
+            <a:t>LayerNormalisation</a:t>
+          </a:r>
+        </a:p>
+        <a:p>
+          <a:pPr marL="57150" lvl="1" indent="-57150" algn="l" defTabSz="222250">
+            <a:lnSpc>
+              <a:spcPct val="90000"/>
+            </a:lnSpc>
+            <a:spcBef>
+              <a:spcPct val="0"/>
+            </a:spcBef>
+            <a:spcAft>
+              <a:spcPct val="15000"/>
+            </a:spcAft>
+            <a:buChar char="•"/>
+          </a:pPr>
+          <a:r>
+            <a:rPr lang="en-GB" sz="500" kern="1200" dirty="0"/>
+            <a:t>x = MultiHeadAttention(Head Size = 256, Num Heads = 2)</a:t>
+          </a:r>
+        </a:p>
+        <a:p>
+          <a:pPr marL="57150" lvl="1" indent="-57150" algn="l" defTabSz="222250">
+            <a:lnSpc>
+              <a:spcPct val="90000"/>
+            </a:lnSpc>
+            <a:spcBef>
+              <a:spcPct val="0"/>
+            </a:spcBef>
+            <a:spcAft>
+              <a:spcPct val="15000"/>
+            </a:spcAft>
+            <a:buChar char="•"/>
+          </a:pPr>
+          <a:r>
+            <a:rPr lang="en-GB" sz="500" kern="1200" dirty="0"/>
+            <a:t>Residual = x + input data</a:t>
+          </a:r>
+        </a:p>
+        <a:p>
+          <a:pPr marL="57150" lvl="1" indent="-57150" algn="l" defTabSz="222250">
+            <a:lnSpc>
+              <a:spcPct val="90000"/>
+            </a:lnSpc>
+            <a:spcBef>
+              <a:spcPct val="0"/>
+            </a:spcBef>
+            <a:spcAft>
+              <a:spcPct val="15000"/>
+            </a:spcAft>
+            <a:buChar char="•"/>
+          </a:pPr>
+          <a:r>
+            <a:rPr lang="en-GB" sz="500" kern="1200" dirty="0"/>
+            <a:t>LayerNormalisation</a:t>
+          </a:r>
+        </a:p>
+        <a:p>
+          <a:pPr marL="57150" lvl="1" indent="-57150" algn="l" defTabSz="222250">
+            <a:lnSpc>
+              <a:spcPct val="90000"/>
+            </a:lnSpc>
+            <a:spcBef>
+              <a:spcPct val="0"/>
+            </a:spcBef>
+            <a:spcAft>
+              <a:spcPct val="15000"/>
+            </a:spcAft>
+            <a:buChar char="•"/>
+          </a:pPr>
+          <a:r>
+            <a:rPr lang="en-GB" sz="500" kern="1200" dirty="0"/>
+            <a:t>Conv1D(32)</a:t>
+          </a:r>
+        </a:p>
+        <a:p>
+          <a:pPr marL="57150" lvl="1" indent="-57150" algn="l" defTabSz="222250">
+            <a:lnSpc>
+              <a:spcPct val="90000"/>
+            </a:lnSpc>
+            <a:spcBef>
+              <a:spcPct val="0"/>
+            </a:spcBef>
+            <a:spcAft>
+              <a:spcPct val="15000"/>
+            </a:spcAft>
+            <a:buChar char="•"/>
+          </a:pPr>
+          <a:r>
+            <a:rPr lang="en-GB" sz="500" kern="1200" dirty="0"/>
+            <a:t>Conv1D(32)</a:t>
+          </a:r>
+        </a:p>
+        <a:p>
+          <a:pPr marL="57150" lvl="1" indent="-57150" algn="l" defTabSz="222250">
+            <a:lnSpc>
+              <a:spcPct val="90000"/>
+            </a:lnSpc>
+            <a:spcBef>
+              <a:spcPct val="0"/>
+            </a:spcBef>
+            <a:spcAft>
+              <a:spcPct val="15000"/>
+            </a:spcAft>
+            <a:buChar char="•"/>
+          </a:pPr>
+          <a:r>
+            <a:rPr lang="en-GB" sz="500" kern="1200" dirty="0"/>
+            <a:t>Output = Current Data + Residual </a:t>
+          </a:r>
+        </a:p>
+      </dsp:txBody>
+      <dsp:txXfrm rot="-5400000">
+        <a:off x="539813" y="638866"/>
+        <a:ext cx="7665318" cy="452316"/>
+      </dsp:txXfrm>
+    </dsp:sp>
+    <dsp:sp modelId="{6FEAB6E0-2E98-445F-8530-286BBA2438F1}">
+      <dsp:nvSpPr>
+        <dsp:cNvPr id="0" name=""/>
+        <dsp:cNvSpPr/>
+      </dsp:nvSpPr>
+      <dsp:spPr>
+        <a:xfrm rot="5400000">
+          <a:off x="-115674" y="1343141"/>
+          <a:ext cx="771160" cy="539812"/>
+        </a:xfrm>
+        <a:prstGeom prst="chevron">
+          <a:avLst/>
+        </a:prstGeom>
+        <a:solidFill>
+          <a:schemeClr val="accent1">
+            <a:hueOff val="0"/>
+            <a:satOff val="0"/>
+            <a:lumOff val="0"/>
+            <a:alphaOff val="0"/>
+          </a:schemeClr>
+        </a:solidFill>
+        <a:ln w="25400" cap="flat" cmpd="sng" algn="ctr">
+          <a:solidFill>
+            <a:schemeClr val="accent1">
+              <a:hueOff val="0"/>
+              <a:satOff val="0"/>
+              <a:lumOff val="0"/>
+              <a:alphaOff val="0"/>
+            </a:schemeClr>
+          </a:solidFill>
+          <a:prstDash val="solid"/>
+        </a:ln>
+        <a:effectLst/>
+      </dsp:spPr>
+      <dsp:style>
+        <a:lnRef idx="2">
+          <a:scrgbClr r="0" g="0" b="0"/>
+        </a:lnRef>
+        <a:fillRef idx="1">
+          <a:scrgbClr r="0" g="0" b="0"/>
+        </a:fillRef>
+        <a:effectRef idx="0">
+          <a:scrgbClr r="0" g="0" b="0"/>
+        </a:effectRef>
+        <a:fontRef idx="minor">
+          <a:schemeClr val="lt1"/>
+        </a:fontRef>
+      </dsp:style>
+      <dsp:txBody>
+        <a:bodyPr spcFirstLastPara="0" vert="horz" wrap="square" lIns="3175" tIns="3175" rIns="3175" bIns="3175" numCol="1" spcCol="1270" anchor="ctr" anchorCtr="0">
+          <a:noAutofit/>
+        </a:bodyPr>
+        <a:lstStyle/>
+        <a:p>
+          <a:pPr marL="0" lvl="0" indent="0" algn="ctr" defTabSz="222250">
+            <a:lnSpc>
+              <a:spcPct val="90000"/>
+            </a:lnSpc>
+            <a:spcBef>
+              <a:spcPct val="0"/>
+            </a:spcBef>
+            <a:spcAft>
+              <a:spcPct val="35000"/>
+            </a:spcAft>
+            <a:buNone/>
+          </a:pPr>
+          <a:r>
+            <a:rPr lang="en-GB" sz="500" kern="1200" dirty="0"/>
+            <a:t>MLP Stage</a:t>
+          </a:r>
+        </a:p>
+      </dsp:txBody>
+      <dsp:txXfrm rot="-5400000">
+        <a:off x="0" y="1497373"/>
+        <a:ext cx="539812" cy="231348"/>
+      </dsp:txXfrm>
+    </dsp:sp>
+    <dsp:sp modelId="{C6B0A2AC-840A-468B-859A-A1AC325E0682}">
+      <dsp:nvSpPr>
+        <dsp:cNvPr id="0" name=""/>
+        <dsp:cNvSpPr/>
+      </dsp:nvSpPr>
+      <dsp:spPr>
+        <a:xfrm rot="5400000">
+          <a:off x="4134079" y="-2366799"/>
+          <a:ext cx="501254" cy="7689787"/>
+        </a:xfrm>
+        <a:prstGeom prst="round2SameRect">
+          <a:avLst/>
+        </a:prstGeom>
+        <a:solidFill>
+          <a:schemeClr val="lt1">
+            <a:alpha val="90000"/>
+            <a:hueOff val="0"/>
+            <a:satOff val="0"/>
+            <a:lumOff val="0"/>
+            <a:alphaOff val="0"/>
+          </a:schemeClr>
+        </a:solidFill>
+        <a:ln w="25400" cap="flat" cmpd="sng" algn="ctr">
+          <a:solidFill>
+            <a:schemeClr val="accent1">
+              <a:hueOff val="0"/>
+              <a:satOff val="0"/>
+              <a:lumOff val="0"/>
+              <a:alphaOff val="0"/>
+            </a:schemeClr>
+          </a:solidFill>
+          <a:prstDash val="solid"/>
+        </a:ln>
+        <a:effectLst/>
+      </dsp:spPr>
+      <dsp:style>
+        <a:lnRef idx="2">
+          <a:scrgbClr r="0" g="0" b="0"/>
+        </a:lnRef>
+        <a:fillRef idx="1">
+          <a:scrgbClr r="0" g="0" b="0"/>
+        </a:fillRef>
+        <a:effectRef idx="0">
+          <a:scrgbClr r="0" g="0" b="0"/>
+        </a:effectRef>
+        <a:fontRef idx="minor"/>
+      </dsp:style>
+      <dsp:txBody>
+        <a:bodyPr spcFirstLastPara="0" vert="horz" wrap="square" lIns="35560" tIns="3175" rIns="3175" bIns="3175" numCol="1" spcCol="1270" anchor="ctr" anchorCtr="0">
+          <a:noAutofit/>
+        </a:bodyPr>
+        <a:lstStyle/>
+        <a:p>
+          <a:pPr marL="57150" lvl="1" indent="-57150" algn="l" defTabSz="222250">
+            <a:lnSpc>
+              <a:spcPct val="90000"/>
+            </a:lnSpc>
+            <a:spcBef>
+              <a:spcPct val="0"/>
+            </a:spcBef>
+            <a:spcAft>
+              <a:spcPct val="15000"/>
+            </a:spcAft>
+            <a:buChar char="•"/>
+          </a:pPr>
+          <a:r>
+            <a:rPr lang="en-GB" sz="500" kern="1200" dirty="0"/>
+            <a:t>Dense Layer (32)</a:t>
+          </a:r>
+        </a:p>
+      </dsp:txBody>
+      <dsp:txXfrm rot="-5400000">
+        <a:off x="539813" y="1251936"/>
+        <a:ext cx="7665318" cy="452316"/>
+      </dsp:txXfrm>
+    </dsp:sp>
+    <dsp:sp modelId="{4C4FC49B-95FF-4E92-A7B1-9692AF99F434}">
+      <dsp:nvSpPr>
+        <dsp:cNvPr id="0" name=""/>
+        <dsp:cNvSpPr/>
+      </dsp:nvSpPr>
+      <dsp:spPr>
+        <a:xfrm rot="5400000">
+          <a:off x="-115674" y="1956210"/>
+          <a:ext cx="771160" cy="539812"/>
+        </a:xfrm>
+        <a:prstGeom prst="chevron">
+          <a:avLst/>
+        </a:prstGeom>
+        <a:solidFill>
+          <a:schemeClr val="accent1">
+            <a:hueOff val="0"/>
+            <a:satOff val="0"/>
+            <a:lumOff val="0"/>
+            <a:alphaOff val="0"/>
+          </a:schemeClr>
+        </a:solidFill>
+        <a:ln w="25400" cap="flat" cmpd="sng" algn="ctr">
+          <a:solidFill>
+            <a:schemeClr val="accent1">
+              <a:hueOff val="0"/>
+              <a:satOff val="0"/>
+              <a:lumOff val="0"/>
+              <a:alphaOff val="0"/>
+            </a:schemeClr>
+          </a:solidFill>
+          <a:prstDash val="solid"/>
+        </a:ln>
+        <a:effectLst/>
+      </dsp:spPr>
+      <dsp:style>
+        <a:lnRef idx="2">
+          <a:scrgbClr r="0" g="0" b="0"/>
+        </a:lnRef>
+        <a:fillRef idx="1">
+          <a:scrgbClr r="0" g="0" b="0"/>
+        </a:fillRef>
+        <a:effectRef idx="0">
+          <a:scrgbClr r="0" g="0" b="0"/>
+        </a:effectRef>
+        <a:fontRef idx="minor">
+          <a:schemeClr val="lt1"/>
+        </a:fontRef>
+      </dsp:style>
+      <dsp:txBody>
+        <a:bodyPr spcFirstLastPara="0" vert="horz" wrap="square" lIns="3175" tIns="3175" rIns="3175" bIns="3175" numCol="1" spcCol="1270" anchor="ctr" anchorCtr="0">
+          <a:noAutofit/>
+        </a:bodyPr>
+        <a:lstStyle/>
+        <a:p>
+          <a:pPr marL="0" lvl="0" indent="0" algn="ctr" defTabSz="222250">
+            <a:lnSpc>
+              <a:spcPct val="90000"/>
+            </a:lnSpc>
+            <a:spcBef>
+              <a:spcPct val="0"/>
+            </a:spcBef>
+            <a:spcAft>
+              <a:spcPct val="35000"/>
+            </a:spcAft>
+            <a:buNone/>
+          </a:pPr>
+          <a:r>
+            <a:rPr lang="en-GB" sz="500" kern="1200" dirty="0"/>
+            <a:t>Fully Connected Stage</a:t>
+          </a:r>
+        </a:p>
+      </dsp:txBody>
+      <dsp:txXfrm rot="-5400000">
+        <a:off x="0" y="2110442"/>
+        <a:ext cx="539812" cy="231348"/>
+      </dsp:txXfrm>
+    </dsp:sp>
+    <dsp:sp modelId="{97248B82-1163-48BC-8381-F4BA3DE62B6D}">
+      <dsp:nvSpPr>
+        <dsp:cNvPr id="0" name=""/>
+        <dsp:cNvSpPr/>
+      </dsp:nvSpPr>
+      <dsp:spPr>
+        <a:xfrm rot="5400000">
+          <a:off x="4134079" y="-1753730"/>
+          <a:ext cx="501254" cy="7689787"/>
+        </a:xfrm>
+        <a:prstGeom prst="round2SameRect">
+          <a:avLst/>
+        </a:prstGeom>
+        <a:solidFill>
+          <a:schemeClr val="lt1">
+            <a:alpha val="90000"/>
+            <a:hueOff val="0"/>
+            <a:satOff val="0"/>
+            <a:lumOff val="0"/>
+            <a:alphaOff val="0"/>
+          </a:schemeClr>
+        </a:solidFill>
+        <a:ln w="25400" cap="flat" cmpd="sng" algn="ctr">
+          <a:solidFill>
+            <a:schemeClr val="accent1">
+              <a:hueOff val="0"/>
+              <a:satOff val="0"/>
+              <a:lumOff val="0"/>
+              <a:alphaOff val="0"/>
+            </a:schemeClr>
+          </a:solidFill>
+          <a:prstDash val="solid"/>
+        </a:ln>
+        <a:effectLst/>
+      </dsp:spPr>
+      <dsp:style>
+        <a:lnRef idx="2">
+          <a:scrgbClr r="0" g="0" b="0"/>
+        </a:lnRef>
+        <a:fillRef idx="1">
+          <a:scrgbClr r="0" g="0" b="0"/>
+        </a:fillRef>
+        <a:effectRef idx="0">
+          <a:scrgbClr r="0" g="0" b="0"/>
+        </a:effectRef>
+        <a:fontRef idx="minor"/>
+      </dsp:style>
+      <dsp:txBody>
+        <a:bodyPr spcFirstLastPara="0" vert="horz" wrap="square" lIns="35560" tIns="3175" rIns="3175" bIns="3175" numCol="1" spcCol="1270" anchor="ctr" anchorCtr="0">
+          <a:noAutofit/>
+        </a:bodyPr>
+        <a:lstStyle/>
+        <a:p>
+          <a:pPr marL="57150" lvl="1" indent="-57150" algn="l" defTabSz="222250">
+            <a:lnSpc>
+              <a:spcPct val="90000"/>
+            </a:lnSpc>
+            <a:spcBef>
+              <a:spcPct val="0"/>
+            </a:spcBef>
+            <a:spcAft>
+              <a:spcPct val="15000"/>
+            </a:spcAft>
+            <a:buChar char="•"/>
+          </a:pPr>
+          <a:r>
+            <a:rPr lang="en-GB" sz="500" kern="1200" dirty="0"/>
+            <a:t>Dense Layer (1) for SBP</a:t>
+          </a:r>
+        </a:p>
+        <a:p>
+          <a:pPr marL="57150" lvl="1" indent="-57150" algn="l" defTabSz="222250">
+            <a:lnSpc>
+              <a:spcPct val="90000"/>
+            </a:lnSpc>
+            <a:spcBef>
+              <a:spcPct val="0"/>
+            </a:spcBef>
+            <a:spcAft>
+              <a:spcPct val="15000"/>
+            </a:spcAft>
+            <a:buChar char="•"/>
+          </a:pPr>
+          <a:r>
+            <a:rPr lang="en-GB" sz="500" kern="1200" dirty="0"/>
+            <a:t>Dense Layer (1) for DBP</a:t>
+          </a:r>
+        </a:p>
+      </dsp:txBody>
+      <dsp:txXfrm rot="-5400000">
+        <a:off x="539813" y="1865005"/>
+        <a:ext cx="7665318" cy="452316"/>
+      </dsp:txXfrm>
+    </dsp:sp>
+  </dsp:spTree>
+</dsp:drawing>
+</file>
+
+<file path=ppt/diagrams/drawing3.xml><?xml version="1.0" encoding="utf-8"?>
+<dsp:drawing xmlns:dgm="http://schemas.openxmlformats.org/drawingml/2006/diagram" xmlns:dsp="http://schemas.microsoft.com/office/drawing/2008/diagram" xmlns:a="http://schemas.openxmlformats.org/drawingml/2006/main">
+  <dsp:spTree>
+    <dsp:nvGrpSpPr>
+      <dsp:cNvPr id="0" name=""/>
+      <dsp:cNvGrpSpPr/>
+    </dsp:nvGrpSpPr>
+    <dsp:grpSpPr/>
+    <dsp:sp modelId="{1CA9D38C-342F-4C81-8E41-251F8106FE2F}">
+      <dsp:nvSpPr>
+        <dsp:cNvPr id="0" name=""/>
+        <dsp:cNvSpPr/>
+      </dsp:nvSpPr>
+      <dsp:spPr>
+        <a:xfrm rot="5400000">
+          <a:off x="-178976" y="183498"/>
+          <a:ext cx="1193174" cy="835221"/>
+        </a:xfrm>
+        <a:prstGeom prst="chevron">
+          <a:avLst/>
+        </a:prstGeom>
+        <a:solidFill>
+          <a:schemeClr val="accent1">
+            <a:hueOff val="0"/>
+            <a:satOff val="0"/>
+            <a:lumOff val="0"/>
+            <a:alphaOff val="0"/>
+          </a:schemeClr>
+        </a:solidFill>
+        <a:ln w="25400" cap="flat" cmpd="sng" algn="ctr">
+          <a:solidFill>
+            <a:schemeClr val="accent1">
+              <a:hueOff val="0"/>
+              <a:satOff val="0"/>
+              <a:lumOff val="0"/>
+              <a:alphaOff val="0"/>
+            </a:schemeClr>
+          </a:solidFill>
+          <a:prstDash val="solid"/>
+        </a:ln>
+        <a:effectLst/>
+      </dsp:spPr>
+      <dsp:style>
+        <a:lnRef idx="2">
+          <a:scrgbClr r="0" g="0" b="0"/>
+        </a:lnRef>
+        <a:fillRef idx="1">
+          <a:scrgbClr r="0" g="0" b="0"/>
+        </a:fillRef>
+        <a:effectRef idx="0">
+          <a:scrgbClr r="0" g="0" b="0"/>
+        </a:effectRef>
+        <a:fontRef idx="minor">
+          <a:schemeClr val="lt1"/>
+        </a:fontRef>
+      </dsp:style>
+      <dsp:txBody>
+        <a:bodyPr spcFirstLastPara="0" vert="horz" wrap="square" lIns="5080" tIns="5080" rIns="5080" bIns="5080" numCol="1" spcCol="1270" anchor="ctr" anchorCtr="0">
+          <a:noAutofit/>
+        </a:bodyPr>
+        <a:lstStyle/>
+        <a:p>
+          <a:pPr marL="0" lvl="0" indent="0" algn="ctr" defTabSz="355600">
+            <a:lnSpc>
+              <a:spcPct val="90000"/>
+            </a:lnSpc>
+            <a:spcBef>
+              <a:spcPct val="0"/>
+            </a:spcBef>
+            <a:spcAft>
+              <a:spcPct val="35000"/>
+            </a:spcAft>
+            <a:buNone/>
+          </a:pPr>
+          <a:r>
+            <a:rPr lang="en-GB" sz="800" kern="1200" dirty="0"/>
+            <a:t>Feature Extraction stage (optional)</a:t>
+          </a:r>
+        </a:p>
+      </dsp:txBody>
+      <dsp:txXfrm rot="-5400000">
+        <a:off x="1" y="422133"/>
+        <a:ext cx="835221" cy="357953"/>
+      </dsp:txXfrm>
+    </dsp:sp>
+    <dsp:sp modelId="{F84EC9AD-86A1-4755-8D92-53B7F8581B4A}">
+      <dsp:nvSpPr>
+        <dsp:cNvPr id="0" name=""/>
+        <dsp:cNvSpPr/>
+      </dsp:nvSpPr>
+      <dsp:spPr>
+        <a:xfrm rot="5400000">
+          <a:off x="1697866" y="-858122"/>
+          <a:ext cx="775563" cy="2500852"/>
+        </a:xfrm>
+        <a:prstGeom prst="round2SameRect">
+          <a:avLst/>
+        </a:prstGeom>
+        <a:solidFill>
+          <a:schemeClr val="lt1">
+            <a:alpha val="90000"/>
+            <a:hueOff val="0"/>
+            <a:satOff val="0"/>
+            <a:lumOff val="0"/>
+            <a:alphaOff val="0"/>
+          </a:schemeClr>
+        </a:solidFill>
+        <a:ln w="25400" cap="flat" cmpd="sng" algn="ctr">
+          <a:solidFill>
+            <a:schemeClr val="accent1">
+              <a:hueOff val="0"/>
+              <a:satOff val="0"/>
+              <a:lumOff val="0"/>
+              <a:alphaOff val="0"/>
+            </a:schemeClr>
+          </a:solidFill>
+          <a:prstDash val="solid"/>
+        </a:ln>
+        <a:effectLst/>
+      </dsp:spPr>
+      <dsp:style>
+        <a:lnRef idx="2">
+          <a:scrgbClr r="0" g="0" b="0"/>
+        </a:lnRef>
+        <a:fillRef idx="1">
+          <a:scrgbClr r="0" g="0" b="0"/>
+        </a:fillRef>
+        <a:effectRef idx="0">
+          <a:scrgbClr r="0" g="0" b="0"/>
+        </a:effectRef>
+        <a:fontRef idx="minor"/>
+      </dsp:style>
+      <dsp:txBody>
+        <a:bodyPr spcFirstLastPara="0" vert="horz" wrap="square" lIns="113792" tIns="10160" rIns="10160" bIns="10160" numCol="1" spcCol="1270" anchor="ctr" anchorCtr="0">
+          <a:noAutofit/>
+        </a:bodyPr>
+        <a:lstStyle/>
+        <a:p>
+          <a:pPr marL="171450" lvl="1" indent="-171450" algn="l" defTabSz="711200">
+            <a:lnSpc>
+              <a:spcPct val="90000"/>
+            </a:lnSpc>
+            <a:spcBef>
+              <a:spcPct val="0"/>
+            </a:spcBef>
+            <a:spcAft>
+              <a:spcPct val="15000"/>
+            </a:spcAft>
+            <a:buChar char="•"/>
+          </a:pPr>
+          <a:r>
+            <a:rPr lang="en-GB" sz="1600" kern="1200" dirty="0"/>
+            <a:t>PPG’ acquired</a:t>
+          </a:r>
+        </a:p>
+        <a:p>
+          <a:pPr marL="171450" lvl="1" indent="-171450" algn="l" defTabSz="711200">
+            <a:lnSpc>
+              <a:spcPct val="90000"/>
+            </a:lnSpc>
+            <a:spcBef>
+              <a:spcPct val="0"/>
+            </a:spcBef>
+            <a:spcAft>
+              <a:spcPct val="15000"/>
+            </a:spcAft>
+            <a:buChar char="•"/>
+          </a:pPr>
+          <a:r>
+            <a:rPr lang="en-GB" sz="1600" kern="1200" dirty="0"/>
+            <a:t>PPG’’ acquired</a:t>
+          </a:r>
+        </a:p>
+      </dsp:txBody>
+      <dsp:txXfrm rot="-5400000">
+        <a:off x="835222" y="42382"/>
+        <a:ext cx="2462992" cy="699843"/>
+      </dsp:txXfrm>
+    </dsp:sp>
+    <dsp:sp modelId="{F74D48CB-61D9-4996-A7D5-85E972184B71}">
+      <dsp:nvSpPr>
+        <dsp:cNvPr id="0" name=""/>
+        <dsp:cNvSpPr/>
+      </dsp:nvSpPr>
+      <dsp:spPr>
+        <a:xfrm rot="5400000">
+          <a:off x="-178976" y="1217013"/>
+          <a:ext cx="1193174" cy="835221"/>
+        </a:xfrm>
+        <a:prstGeom prst="chevron">
+          <a:avLst/>
+        </a:prstGeom>
+        <a:solidFill>
+          <a:schemeClr val="accent1">
+            <a:hueOff val="0"/>
+            <a:satOff val="0"/>
+            <a:lumOff val="0"/>
+            <a:alphaOff val="0"/>
+          </a:schemeClr>
+        </a:solidFill>
+        <a:ln w="25400" cap="flat" cmpd="sng" algn="ctr">
+          <a:solidFill>
+            <a:schemeClr val="accent1">
+              <a:hueOff val="0"/>
+              <a:satOff val="0"/>
+              <a:lumOff val="0"/>
+              <a:alphaOff val="0"/>
+            </a:schemeClr>
+          </a:solidFill>
+          <a:prstDash val="solid"/>
+        </a:ln>
+        <a:effectLst/>
+      </dsp:spPr>
+      <dsp:style>
+        <a:lnRef idx="2">
+          <a:scrgbClr r="0" g="0" b="0"/>
+        </a:lnRef>
+        <a:fillRef idx="1">
+          <a:scrgbClr r="0" g="0" b="0"/>
+        </a:fillRef>
+        <a:effectRef idx="0">
+          <a:scrgbClr r="0" g="0" b="0"/>
+        </a:effectRef>
+        <a:fontRef idx="minor">
+          <a:schemeClr val="lt1"/>
+        </a:fontRef>
+      </dsp:style>
+      <dsp:txBody>
+        <a:bodyPr spcFirstLastPara="0" vert="horz" wrap="square" lIns="5080" tIns="5080" rIns="5080" bIns="5080" numCol="1" spcCol="1270" anchor="ctr" anchorCtr="0">
+          <a:noAutofit/>
+        </a:bodyPr>
+        <a:lstStyle/>
+        <a:p>
+          <a:pPr marL="0" lvl="0" indent="0" algn="ctr" defTabSz="355600">
+            <a:lnSpc>
+              <a:spcPct val="90000"/>
+            </a:lnSpc>
+            <a:spcBef>
+              <a:spcPct val="0"/>
+            </a:spcBef>
+            <a:spcAft>
+              <a:spcPct val="35000"/>
+            </a:spcAft>
+            <a:buNone/>
+          </a:pPr>
+          <a:r>
+            <a:rPr lang="en-GB" sz="800" kern="1200" dirty="0"/>
+            <a:t>Encoder Blocks (x2)</a:t>
+          </a:r>
+        </a:p>
+      </dsp:txBody>
+      <dsp:txXfrm rot="-5400000">
+        <a:off x="1" y="1455648"/>
+        <a:ext cx="835221" cy="357953"/>
+      </dsp:txXfrm>
+    </dsp:sp>
+    <dsp:sp modelId="{082D9C06-5FBF-42B6-AE68-3AAFE47DE145}">
+      <dsp:nvSpPr>
+        <dsp:cNvPr id="0" name=""/>
+        <dsp:cNvSpPr/>
+      </dsp:nvSpPr>
+      <dsp:spPr>
+        <a:xfrm rot="5400000">
+          <a:off x="1697866" y="175393"/>
+          <a:ext cx="775563" cy="2500852"/>
+        </a:xfrm>
+        <a:prstGeom prst="round2SameRect">
+          <a:avLst/>
+        </a:prstGeom>
+        <a:solidFill>
+          <a:schemeClr val="lt1">
+            <a:alpha val="90000"/>
+            <a:hueOff val="0"/>
+            <a:satOff val="0"/>
+            <a:lumOff val="0"/>
+            <a:alphaOff val="0"/>
+          </a:schemeClr>
+        </a:solidFill>
+        <a:ln w="25400" cap="flat" cmpd="sng" algn="ctr">
+          <a:solidFill>
+            <a:schemeClr val="accent1">
+              <a:hueOff val="0"/>
+              <a:satOff val="0"/>
+              <a:lumOff val="0"/>
+              <a:alphaOff val="0"/>
+            </a:schemeClr>
+          </a:solidFill>
+          <a:prstDash val="solid"/>
+        </a:ln>
+        <a:effectLst/>
+      </dsp:spPr>
+      <dsp:style>
+        <a:lnRef idx="2">
+          <a:scrgbClr r="0" g="0" b="0"/>
+        </a:lnRef>
+        <a:fillRef idx="1">
+          <a:scrgbClr r="0" g="0" b="0"/>
+        </a:fillRef>
+        <a:effectRef idx="0">
+          <a:scrgbClr r="0" g="0" b="0"/>
+        </a:effectRef>
+        <a:fontRef idx="minor"/>
+      </dsp:style>
+      <dsp:txBody>
+        <a:bodyPr spcFirstLastPara="0" vert="horz" wrap="square" lIns="49784" tIns="4445" rIns="4445" bIns="4445" numCol="1" spcCol="1270" anchor="ctr" anchorCtr="0">
+          <a:noAutofit/>
+        </a:bodyPr>
+        <a:lstStyle/>
+        <a:p>
+          <a:pPr marL="57150" lvl="1" indent="-57150" algn="l" defTabSz="311150">
+            <a:lnSpc>
+              <a:spcPct val="90000"/>
+            </a:lnSpc>
+            <a:spcBef>
+              <a:spcPct val="0"/>
+            </a:spcBef>
+            <a:spcAft>
+              <a:spcPct val="15000"/>
+            </a:spcAft>
+            <a:buChar char="•"/>
+          </a:pPr>
+          <a:r>
+            <a:rPr lang="en-GB" sz="700" kern="1200" dirty="0"/>
+            <a:t>LayerNormalisation</a:t>
+          </a:r>
+        </a:p>
+        <a:p>
+          <a:pPr marL="57150" lvl="1" indent="-57150" algn="l" defTabSz="311150">
+            <a:lnSpc>
+              <a:spcPct val="90000"/>
+            </a:lnSpc>
+            <a:spcBef>
+              <a:spcPct val="0"/>
+            </a:spcBef>
+            <a:spcAft>
+              <a:spcPct val="15000"/>
+            </a:spcAft>
+            <a:buChar char="•"/>
+          </a:pPr>
+          <a:r>
+            <a:rPr lang="en-GB" sz="700" kern="1200" dirty="0"/>
+            <a:t>x = MultiHeadAttention(Head Size = 256, Num Heads = 2)</a:t>
+          </a:r>
+        </a:p>
+        <a:p>
+          <a:pPr marL="57150" lvl="1" indent="-57150" algn="l" defTabSz="311150">
+            <a:lnSpc>
+              <a:spcPct val="90000"/>
+            </a:lnSpc>
+            <a:spcBef>
+              <a:spcPct val="0"/>
+            </a:spcBef>
+            <a:spcAft>
+              <a:spcPct val="15000"/>
+            </a:spcAft>
+            <a:buChar char="•"/>
+          </a:pPr>
+          <a:r>
+            <a:rPr lang="en-GB" sz="700" kern="1200" dirty="0"/>
+            <a:t>Residual = x + input data</a:t>
+          </a:r>
+        </a:p>
+        <a:p>
+          <a:pPr marL="57150" lvl="1" indent="-57150" algn="l" defTabSz="311150">
+            <a:lnSpc>
+              <a:spcPct val="90000"/>
+            </a:lnSpc>
+            <a:spcBef>
+              <a:spcPct val="0"/>
+            </a:spcBef>
+            <a:spcAft>
+              <a:spcPct val="15000"/>
+            </a:spcAft>
+            <a:buChar char="•"/>
+          </a:pPr>
+          <a:r>
+            <a:rPr lang="en-GB" sz="700" kern="1200" dirty="0"/>
+            <a:t>LayerNormalisation</a:t>
+          </a:r>
+        </a:p>
+        <a:p>
+          <a:pPr marL="57150" lvl="1" indent="-57150" algn="l" defTabSz="311150">
+            <a:lnSpc>
+              <a:spcPct val="90000"/>
+            </a:lnSpc>
+            <a:spcBef>
+              <a:spcPct val="0"/>
+            </a:spcBef>
+            <a:spcAft>
+              <a:spcPct val="15000"/>
+            </a:spcAft>
+            <a:buChar char="•"/>
+          </a:pPr>
+          <a:r>
+            <a:rPr lang="en-GB" sz="700" kern="1200" dirty="0"/>
+            <a:t>Conv1D(32)</a:t>
+          </a:r>
+        </a:p>
+        <a:p>
+          <a:pPr marL="57150" lvl="1" indent="-57150" algn="l" defTabSz="311150">
+            <a:lnSpc>
+              <a:spcPct val="90000"/>
+            </a:lnSpc>
+            <a:spcBef>
+              <a:spcPct val="0"/>
+            </a:spcBef>
+            <a:spcAft>
+              <a:spcPct val="15000"/>
+            </a:spcAft>
+            <a:buChar char="•"/>
+          </a:pPr>
+          <a:r>
+            <a:rPr lang="en-GB" sz="700" kern="1200" dirty="0"/>
+            <a:t>Conv1D(32)</a:t>
+          </a:r>
+        </a:p>
+        <a:p>
+          <a:pPr marL="57150" lvl="1" indent="-57150" algn="l" defTabSz="311150">
+            <a:lnSpc>
+              <a:spcPct val="90000"/>
+            </a:lnSpc>
+            <a:spcBef>
+              <a:spcPct val="0"/>
+            </a:spcBef>
+            <a:spcAft>
+              <a:spcPct val="15000"/>
+            </a:spcAft>
+            <a:buChar char="•"/>
+          </a:pPr>
+          <a:r>
+            <a:rPr lang="en-GB" sz="700" kern="1200" dirty="0"/>
+            <a:t>Output = Current Data + Residual </a:t>
+          </a:r>
+        </a:p>
+      </dsp:txBody>
+      <dsp:txXfrm rot="-5400000">
+        <a:off x="835222" y="1075897"/>
+        <a:ext cx="2462992" cy="699843"/>
+      </dsp:txXfrm>
+    </dsp:sp>
+    <dsp:sp modelId="{6FEAB6E0-2E98-445F-8530-286BBA2438F1}">
+      <dsp:nvSpPr>
+        <dsp:cNvPr id="0" name=""/>
+        <dsp:cNvSpPr/>
+      </dsp:nvSpPr>
+      <dsp:spPr>
+        <a:xfrm rot="5400000">
+          <a:off x="-178976" y="2250529"/>
+          <a:ext cx="1193174" cy="835221"/>
+        </a:xfrm>
+        <a:prstGeom prst="chevron">
+          <a:avLst/>
+        </a:prstGeom>
+        <a:solidFill>
+          <a:schemeClr val="accent1">
+            <a:hueOff val="0"/>
+            <a:satOff val="0"/>
+            <a:lumOff val="0"/>
+            <a:alphaOff val="0"/>
+          </a:schemeClr>
+        </a:solidFill>
+        <a:ln w="25400" cap="flat" cmpd="sng" algn="ctr">
+          <a:solidFill>
+            <a:schemeClr val="accent1">
+              <a:hueOff val="0"/>
+              <a:satOff val="0"/>
+              <a:lumOff val="0"/>
+              <a:alphaOff val="0"/>
+            </a:schemeClr>
+          </a:solidFill>
+          <a:prstDash val="solid"/>
+        </a:ln>
+        <a:effectLst/>
+      </dsp:spPr>
+      <dsp:style>
+        <a:lnRef idx="2">
+          <a:scrgbClr r="0" g="0" b="0"/>
+        </a:lnRef>
+        <a:fillRef idx="1">
+          <a:scrgbClr r="0" g="0" b="0"/>
+        </a:fillRef>
+        <a:effectRef idx="0">
+          <a:scrgbClr r="0" g="0" b="0"/>
+        </a:effectRef>
+        <a:fontRef idx="minor">
+          <a:schemeClr val="lt1"/>
+        </a:fontRef>
+      </dsp:style>
+      <dsp:txBody>
+        <a:bodyPr spcFirstLastPara="0" vert="horz" wrap="square" lIns="5080" tIns="5080" rIns="5080" bIns="5080" numCol="1" spcCol="1270" anchor="ctr" anchorCtr="0">
+          <a:noAutofit/>
+        </a:bodyPr>
+        <a:lstStyle/>
+        <a:p>
+          <a:pPr marL="0" lvl="0" indent="0" algn="ctr" defTabSz="355600">
+            <a:lnSpc>
+              <a:spcPct val="90000"/>
+            </a:lnSpc>
+            <a:spcBef>
+              <a:spcPct val="0"/>
+            </a:spcBef>
+            <a:spcAft>
+              <a:spcPct val="35000"/>
+            </a:spcAft>
+            <a:buNone/>
+          </a:pPr>
+          <a:r>
+            <a:rPr lang="en-GB" sz="800" kern="1200" dirty="0"/>
+            <a:t>MLP Stage</a:t>
+          </a:r>
+        </a:p>
+      </dsp:txBody>
+      <dsp:txXfrm rot="-5400000">
+        <a:off x="1" y="2489164"/>
+        <a:ext cx="835221" cy="357953"/>
+      </dsp:txXfrm>
+    </dsp:sp>
+    <dsp:sp modelId="{C6B0A2AC-840A-468B-859A-A1AC325E0682}">
+      <dsp:nvSpPr>
+        <dsp:cNvPr id="0" name=""/>
+        <dsp:cNvSpPr/>
+      </dsp:nvSpPr>
+      <dsp:spPr>
+        <a:xfrm rot="5400000">
+          <a:off x="1697866" y="1208908"/>
+          <a:ext cx="775563" cy="2500852"/>
+        </a:xfrm>
+        <a:prstGeom prst="round2SameRect">
+          <a:avLst/>
+        </a:prstGeom>
+        <a:solidFill>
+          <a:schemeClr val="lt1">
+            <a:alpha val="90000"/>
+            <a:hueOff val="0"/>
+            <a:satOff val="0"/>
+            <a:lumOff val="0"/>
+            <a:alphaOff val="0"/>
+          </a:schemeClr>
+        </a:solidFill>
+        <a:ln w="25400" cap="flat" cmpd="sng" algn="ctr">
+          <a:solidFill>
+            <a:schemeClr val="accent1">
+              <a:hueOff val="0"/>
+              <a:satOff val="0"/>
+              <a:lumOff val="0"/>
+              <a:alphaOff val="0"/>
+            </a:schemeClr>
+          </a:solidFill>
+          <a:prstDash val="solid"/>
+        </a:ln>
+        <a:effectLst/>
+      </dsp:spPr>
+      <dsp:style>
+        <a:lnRef idx="2">
+          <a:scrgbClr r="0" g="0" b="0"/>
+        </a:lnRef>
+        <a:fillRef idx="1">
+          <a:scrgbClr r="0" g="0" b="0"/>
+        </a:fillRef>
+        <a:effectRef idx="0">
+          <a:scrgbClr r="0" g="0" b="0"/>
+        </a:effectRef>
+        <a:fontRef idx="minor"/>
+      </dsp:style>
+      <dsp:txBody>
+        <a:bodyPr spcFirstLastPara="0" vert="horz" wrap="square" lIns="113792" tIns="10160" rIns="10160" bIns="10160" numCol="1" spcCol="1270" anchor="ctr" anchorCtr="0">
+          <a:noAutofit/>
+        </a:bodyPr>
+        <a:lstStyle/>
+        <a:p>
+          <a:pPr marL="171450" lvl="1" indent="-171450" algn="l" defTabSz="711200">
+            <a:lnSpc>
+              <a:spcPct val="90000"/>
+            </a:lnSpc>
+            <a:spcBef>
+              <a:spcPct val="0"/>
+            </a:spcBef>
+            <a:spcAft>
+              <a:spcPct val="15000"/>
+            </a:spcAft>
+            <a:buChar char="•"/>
+          </a:pPr>
+          <a:r>
+            <a:rPr lang="en-GB" sz="1600" kern="1200" dirty="0"/>
+            <a:t>Dense Layer (32)</a:t>
+          </a:r>
+        </a:p>
+      </dsp:txBody>
+      <dsp:txXfrm rot="-5400000">
+        <a:off x="835222" y="2109412"/>
+        <a:ext cx="2462992" cy="699843"/>
+      </dsp:txXfrm>
+    </dsp:sp>
+    <dsp:sp modelId="{4C4FC49B-95FF-4E92-A7B1-9692AF99F434}">
+      <dsp:nvSpPr>
+        <dsp:cNvPr id="0" name=""/>
+        <dsp:cNvSpPr/>
+      </dsp:nvSpPr>
+      <dsp:spPr>
+        <a:xfrm rot="5400000">
+          <a:off x="-178976" y="3284044"/>
+          <a:ext cx="1193174" cy="835221"/>
+        </a:xfrm>
+        <a:prstGeom prst="chevron">
+          <a:avLst/>
+        </a:prstGeom>
+        <a:solidFill>
+          <a:schemeClr val="accent1">
+            <a:hueOff val="0"/>
+            <a:satOff val="0"/>
+            <a:lumOff val="0"/>
+            <a:alphaOff val="0"/>
+          </a:schemeClr>
+        </a:solidFill>
+        <a:ln w="25400" cap="flat" cmpd="sng" algn="ctr">
+          <a:solidFill>
+            <a:schemeClr val="accent1">
+              <a:hueOff val="0"/>
+              <a:satOff val="0"/>
+              <a:lumOff val="0"/>
+              <a:alphaOff val="0"/>
+            </a:schemeClr>
+          </a:solidFill>
+          <a:prstDash val="solid"/>
+        </a:ln>
+        <a:effectLst/>
+      </dsp:spPr>
+      <dsp:style>
+        <a:lnRef idx="2">
+          <a:scrgbClr r="0" g="0" b="0"/>
+        </a:lnRef>
+        <a:fillRef idx="1">
+          <a:scrgbClr r="0" g="0" b="0"/>
+        </a:fillRef>
+        <a:effectRef idx="0">
+          <a:scrgbClr r="0" g="0" b="0"/>
+        </a:effectRef>
+        <a:fontRef idx="minor">
+          <a:schemeClr val="lt1"/>
+        </a:fontRef>
+      </dsp:style>
+      <dsp:txBody>
+        <a:bodyPr spcFirstLastPara="0" vert="horz" wrap="square" lIns="5080" tIns="5080" rIns="5080" bIns="5080" numCol="1" spcCol="1270" anchor="ctr" anchorCtr="0">
+          <a:noAutofit/>
+        </a:bodyPr>
+        <a:lstStyle/>
+        <a:p>
+          <a:pPr marL="0" lvl="0" indent="0" algn="ctr" defTabSz="355600">
+            <a:lnSpc>
+              <a:spcPct val="90000"/>
+            </a:lnSpc>
+            <a:spcBef>
+              <a:spcPct val="0"/>
+            </a:spcBef>
+            <a:spcAft>
+              <a:spcPct val="35000"/>
+            </a:spcAft>
+            <a:buNone/>
+          </a:pPr>
+          <a:r>
+            <a:rPr lang="en-GB" sz="800" kern="1200" dirty="0"/>
+            <a:t>Fully Connected Stage</a:t>
+          </a:r>
+        </a:p>
+      </dsp:txBody>
+      <dsp:txXfrm rot="-5400000">
+        <a:off x="1" y="3522679"/>
+        <a:ext cx="835221" cy="357953"/>
+      </dsp:txXfrm>
+    </dsp:sp>
+    <dsp:sp modelId="{97248B82-1163-48BC-8381-F4BA3DE62B6D}">
+      <dsp:nvSpPr>
+        <dsp:cNvPr id="0" name=""/>
+        <dsp:cNvSpPr/>
+      </dsp:nvSpPr>
+      <dsp:spPr>
+        <a:xfrm rot="5400000">
+          <a:off x="1697866" y="2242424"/>
+          <a:ext cx="775563" cy="2500852"/>
+        </a:xfrm>
+        <a:prstGeom prst="round2SameRect">
+          <a:avLst/>
+        </a:prstGeom>
+        <a:solidFill>
+          <a:schemeClr val="lt1">
+            <a:alpha val="90000"/>
+            <a:hueOff val="0"/>
+            <a:satOff val="0"/>
+            <a:lumOff val="0"/>
+            <a:alphaOff val="0"/>
+          </a:schemeClr>
+        </a:solidFill>
+        <a:ln w="25400" cap="flat" cmpd="sng" algn="ctr">
+          <a:solidFill>
+            <a:schemeClr val="accent1">
+              <a:hueOff val="0"/>
+              <a:satOff val="0"/>
+              <a:lumOff val="0"/>
+              <a:alphaOff val="0"/>
+            </a:schemeClr>
+          </a:solidFill>
+          <a:prstDash val="solid"/>
+        </a:ln>
+        <a:effectLst/>
+      </dsp:spPr>
+      <dsp:style>
+        <a:lnRef idx="2">
+          <a:scrgbClr r="0" g="0" b="0"/>
+        </a:lnRef>
+        <a:fillRef idx="1">
+          <a:scrgbClr r="0" g="0" b="0"/>
+        </a:fillRef>
+        <a:effectRef idx="0">
+          <a:scrgbClr r="0" g="0" b="0"/>
+        </a:effectRef>
+        <a:fontRef idx="minor"/>
+      </dsp:style>
+      <dsp:txBody>
+        <a:bodyPr spcFirstLastPara="0" vert="horz" wrap="square" lIns="99568" tIns="8890" rIns="8890" bIns="8890" numCol="1" spcCol="1270" anchor="ctr" anchorCtr="0">
+          <a:noAutofit/>
+        </a:bodyPr>
+        <a:lstStyle/>
+        <a:p>
+          <a:pPr marL="114300" lvl="1" indent="-114300" algn="l" defTabSz="622300">
+            <a:lnSpc>
+              <a:spcPct val="90000"/>
+            </a:lnSpc>
+            <a:spcBef>
+              <a:spcPct val="0"/>
+            </a:spcBef>
+            <a:spcAft>
+              <a:spcPct val="15000"/>
+            </a:spcAft>
+            <a:buChar char="•"/>
+          </a:pPr>
+          <a:r>
+            <a:rPr lang="en-GB" sz="1400" kern="1200" dirty="0"/>
+            <a:t>Dense Layer (1) for SBP</a:t>
+          </a:r>
+        </a:p>
+        <a:p>
+          <a:pPr marL="114300" lvl="1" indent="-114300" algn="l" defTabSz="622300">
+            <a:lnSpc>
+              <a:spcPct val="90000"/>
+            </a:lnSpc>
+            <a:spcBef>
+              <a:spcPct val="0"/>
+            </a:spcBef>
+            <a:spcAft>
+              <a:spcPct val="15000"/>
+            </a:spcAft>
+            <a:buChar char="•"/>
+          </a:pPr>
+          <a:r>
+            <a:rPr lang="en-GB" sz="1400" kern="1200" dirty="0"/>
+            <a:t>Dense Layer (1) for DBP</a:t>
+          </a:r>
+        </a:p>
+      </dsp:txBody>
+      <dsp:txXfrm rot="-5400000">
+        <a:off x="835222" y="3142928"/>
+        <a:ext cx="2462992" cy="699843"/>
+      </dsp:txXfrm>
+    </dsp:sp>
+  </dsp:spTree>
+</dsp:drawing>
+</file>
+
 <file path=ppt/diagrams/layout1.xml><?xml version="1.0" encoding="utf-8"?>
 <dgm:layoutDef xmlns:dgm="http://schemas.openxmlformats.org/drawingml/2006/diagram" xmlns:a="http://schemas.openxmlformats.org/drawingml/2006/main" uniqueId="urn:microsoft.com/office/officeart/2005/8/layout/hierarchy2">
   <dgm:title val=""/>
@@ -10335,7 +14880,2587 @@
 </dgm:layoutDef>
 </file>
 
+<file path=ppt/diagrams/layout2.xml><?xml version="1.0" encoding="utf-8"?>
+<dgm:layoutDef xmlns:dgm="http://schemas.openxmlformats.org/drawingml/2006/diagram" xmlns:a="http://schemas.openxmlformats.org/drawingml/2006/main" uniqueId="urn:microsoft.com/office/officeart/2005/8/layout/chevron2">
+  <dgm:title val=""/>
+  <dgm:desc val=""/>
+  <dgm:catLst>
+    <dgm:cat type="process" pri="12000"/>
+    <dgm:cat type="list" pri="16000"/>
+    <dgm:cat type="convert" pri="11000"/>
+  </dgm:catLst>
+  <dgm:sampData>
+    <dgm:dataModel>
+      <dgm:ptLst>
+        <dgm:pt modelId="0" type="doc"/>
+        <dgm:pt modelId="1">
+          <dgm:prSet phldr="1"/>
+        </dgm:pt>
+        <dgm:pt modelId="11">
+          <dgm:prSet phldr="1"/>
+        </dgm:pt>
+        <dgm:pt modelId="12">
+          <dgm:prSet phldr="1"/>
+        </dgm:pt>
+        <dgm:pt modelId="2">
+          <dgm:prSet phldr="1"/>
+        </dgm:pt>
+        <dgm:pt modelId="21">
+          <dgm:prSet phldr="1"/>
+        </dgm:pt>
+        <dgm:pt modelId="22">
+          <dgm:prSet phldr="1"/>
+        </dgm:pt>
+        <dgm:pt modelId="3">
+          <dgm:prSet phldr="1"/>
+        </dgm:pt>
+        <dgm:pt modelId="31">
+          <dgm:prSet phldr="1"/>
+        </dgm:pt>
+        <dgm:pt modelId="32">
+          <dgm:prSet phldr="1"/>
+        </dgm:pt>
+      </dgm:ptLst>
+      <dgm:cxnLst>
+        <dgm:cxn modelId="4" srcId="0" destId="1" srcOrd="0" destOrd="0"/>
+        <dgm:cxn modelId="5" srcId="0" destId="2" srcOrd="1" destOrd="0"/>
+        <dgm:cxn modelId="6" srcId="0" destId="3" srcOrd="2" destOrd="0"/>
+        <dgm:cxn modelId="13" srcId="1" destId="11" srcOrd="0" destOrd="0"/>
+        <dgm:cxn modelId="14" srcId="1" destId="12" srcOrd="1" destOrd="0"/>
+        <dgm:cxn modelId="23" srcId="2" destId="21" srcOrd="0" destOrd="0"/>
+        <dgm:cxn modelId="24" srcId="2" destId="22" srcOrd="1" destOrd="0"/>
+        <dgm:cxn modelId="33" srcId="3" destId="31" srcOrd="0" destOrd="0"/>
+        <dgm:cxn modelId="34" srcId="3" destId="32" srcOrd="1" destOrd="0"/>
+      </dgm:cxnLst>
+      <dgm:bg/>
+      <dgm:whole/>
+    </dgm:dataModel>
+  </dgm:sampData>
+  <dgm:styleData>
+    <dgm:dataModel>
+      <dgm:ptLst>
+        <dgm:pt modelId="0" type="doc"/>
+        <dgm:pt modelId="1"/>
+      </dgm:ptLst>
+      <dgm:cxnLst>
+        <dgm:cxn modelId="4" srcId="0" destId="1" srcOrd="0" destOrd="0"/>
+      </dgm:cxnLst>
+      <dgm:bg/>
+      <dgm:whole/>
+    </dgm:dataModel>
+  </dgm:styleData>
+  <dgm:clrData>
+    <dgm:dataModel>
+      <dgm:ptLst>
+        <dgm:pt modelId="0" type="doc"/>
+        <dgm:pt modelId="1"/>
+        <dgm:pt modelId="11"/>
+        <dgm:pt modelId="2"/>
+        <dgm:pt modelId="21"/>
+        <dgm:pt modelId="3"/>
+        <dgm:pt modelId="31"/>
+        <dgm:pt modelId="4"/>
+        <dgm:pt modelId="41"/>
+      </dgm:ptLst>
+      <dgm:cxnLst>
+        <dgm:cxn modelId="5" srcId="0" destId="1" srcOrd="0" destOrd="0"/>
+        <dgm:cxn modelId="6" srcId="0" destId="2" srcOrd="1" destOrd="0"/>
+        <dgm:cxn modelId="7" srcId="0" destId="3" srcOrd="2" destOrd="0"/>
+        <dgm:cxn modelId="8" srcId="0" destId="4" srcOrd="3" destOrd="0"/>
+        <dgm:cxn modelId="13" srcId="1" destId="11" srcOrd="0" destOrd="0"/>
+        <dgm:cxn modelId="23" srcId="2" destId="21" srcOrd="0" destOrd="0"/>
+        <dgm:cxn modelId="33" srcId="3" destId="31" srcOrd="0" destOrd="0"/>
+        <dgm:cxn modelId="43" srcId="4" destId="41" srcOrd="0" destOrd="0"/>
+      </dgm:cxnLst>
+      <dgm:bg/>
+      <dgm:whole/>
+    </dgm:dataModel>
+  </dgm:clrData>
+  <dgm:layoutNode name="linearFlow">
+    <dgm:varLst>
+      <dgm:dir/>
+      <dgm:animLvl val="lvl"/>
+      <dgm:resizeHandles val="exact"/>
+    </dgm:varLst>
+    <dgm:alg type="lin">
+      <dgm:param type="linDir" val="fromT"/>
+      <dgm:param type="nodeHorzAlign" val="l"/>
+    </dgm:alg>
+    <dgm:shape xmlns:r="http://schemas.openxmlformats.org/officeDocument/2006/relationships" r:blip="">
+      <dgm:adjLst/>
+    </dgm:shape>
+    <dgm:presOf/>
+    <dgm:constrLst>
+      <dgm:constr type="h" for="ch" forName="composite" refType="h"/>
+      <dgm:constr type="w" for="ch" forName="composite" refType="w"/>
+      <dgm:constr type="h" for="des" forName="parentText" op="equ"/>
+      <dgm:constr type="h" for="ch" forName="sp" val="-14.88"/>
+      <dgm:constr type="h" for="ch" forName="sp" refType="w" refFor="des" refForName="parentText" op="gte" fact="-0.3"/>
+      <dgm:constr type="primFontSz" for="des" forName="parentText" op="equ" val="65"/>
+      <dgm:constr type="primFontSz" for="des" forName="descendantText" op="equ" val="65"/>
+    </dgm:constrLst>
+    <dgm:ruleLst/>
+    <dgm:forEach name="Name0" axis="ch" ptType="node">
+      <dgm:layoutNode name="composite">
+        <dgm:alg type="composite"/>
+        <dgm:shape xmlns:r="http://schemas.openxmlformats.org/officeDocument/2006/relationships" r:blip="">
+          <dgm:adjLst/>
+        </dgm:shape>
+        <dgm:presOf/>
+        <dgm:choose name="Name1">
+          <dgm:if name="Name2" func="var" arg="dir" op="equ" val="norm">
+            <dgm:constrLst>
+              <dgm:constr type="t" for="ch" forName="parentText"/>
+              <dgm:constr type="l" for="ch" forName="parentText"/>
+              <dgm:constr type="w" for="ch" forName="parentText" refType="w" fact="0.4"/>
+              <dgm:constr type="h" for="ch" forName="parentText" refType="h"/>
+              <dgm:constr type="w" for="ch" forName="parentText" refType="w" op="lte" fact="0.5"/>
+              <dgm:constr type="w" for="ch" forName="parentText" refType="h" refFor="ch" refForName="parentText" op="lte" fact="0.7"/>
+              <dgm:constr type="h" for="ch" forName="parentText" refType="w" refFor="ch" refForName="parentText" op="lte" fact="3"/>
+              <dgm:constr type="l" for="ch" forName="descendantText" refType="w" refFor="ch" refForName="parentText"/>
+              <dgm:constr type="w" for="ch" forName="descendantText" refType="w"/>
+              <dgm:constr type="wOff" for="ch" forName="descendantText" refType="w" refFor="ch" refForName="parentText" fact="-1"/>
+              <dgm:constr type="t" for="ch" forName="descendantText"/>
+              <dgm:constr type="b" for="ch" forName="descendantText" refType="h" refFor="ch" refForName="parentText"/>
+              <dgm:constr type="bOff" for="ch" forName="descendantText" refType="w" refFor="ch" refForName="parentText" fact="-0.5"/>
+            </dgm:constrLst>
+          </dgm:if>
+          <dgm:else name="Name3">
+            <dgm:constrLst>
+              <dgm:constr type="t" for="ch" forName="parentText"/>
+              <dgm:constr type="r" for="ch" forName="parentText" refType="w"/>
+              <dgm:constr type="w" for="ch" forName="parentText" refType="w" fact="0.4"/>
+              <dgm:constr type="h" for="ch" forName="parentText" refType="h"/>
+              <dgm:constr type="w" for="ch" forName="parentText" refType="w" op="lte" fact="0.5"/>
+              <dgm:constr type="w" for="ch" forName="parentText" refType="h" refFor="ch" refForName="parentText" op="lte" fact="0.7"/>
+              <dgm:constr type="h" for="ch" forName="parentText" refType="w" refFor="ch" refForName="parentText" op="lte" fact="3"/>
+              <dgm:constr type="l" for="ch" forName="descendantText"/>
+              <dgm:constr type="w" for="ch" forName="descendantText" refType="w"/>
+              <dgm:constr type="wOff" for="ch" forName="descendantText" refType="w" refFor="ch" refForName="parentText" fact="-1"/>
+              <dgm:constr type="t" for="ch" forName="descendantText"/>
+              <dgm:constr type="b" for="ch" forName="descendantText" refType="h" refFor="ch" refForName="parentText"/>
+              <dgm:constr type="bOff" for="ch" forName="descendantText" refType="w" refFor="ch" refForName="parentText" fact="-0.5"/>
+            </dgm:constrLst>
+          </dgm:else>
+        </dgm:choose>
+        <dgm:ruleLst/>
+        <dgm:layoutNode name="parentText" styleLbl="alignNode1">
+          <dgm:varLst>
+            <dgm:chMax val="1"/>
+            <dgm:bulletEnabled val="1"/>
+          </dgm:varLst>
+          <dgm:alg type="tx"/>
+          <dgm:shape xmlns:r="http://schemas.openxmlformats.org/officeDocument/2006/relationships" rot="90" type="chevron" r:blip="">
+            <dgm:adjLst/>
+          </dgm:shape>
+          <dgm:presOf axis="self" ptType="node"/>
+          <dgm:constrLst>
+            <dgm:constr type="lMarg" refType="primFontSz" fact="0.05"/>
+            <dgm:constr type="rMarg" refType="primFontSz" fact="0.05"/>
+            <dgm:constr type="tMarg" refType="primFontSz" fact="0.05"/>
+            <dgm:constr type="bMarg" refType="primFontSz" fact="0.05"/>
+          </dgm:constrLst>
+          <dgm:ruleLst>
+            <dgm:rule type="h" val="100" fact="NaN" max="NaN"/>
+            <dgm:rule type="primFontSz" val="24" fact="NaN" max="NaN"/>
+            <dgm:rule type="h" val="110" fact="NaN" max="NaN"/>
+            <dgm:rule type="primFontSz" val="18" fact="NaN" max="NaN"/>
+            <dgm:rule type="h" val="INF" fact="NaN" max="NaN"/>
+            <dgm:rule type="primFontSz" val="5" fact="NaN" max="NaN"/>
+          </dgm:ruleLst>
+        </dgm:layoutNode>
+        <dgm:layoutNode name="descendantText" styleLbl="alignAcc1">
+          <dgm:varLst>
+            <dgm:bulletEnabled val="1"/>
+          </dgm:varLst>
+          <dgm:choose name="Name4">
+            <dgm:if name="Name5" func="var" arg="dir" op="equ" val="norm">
+              <dgm:alg type="tx">
+                <dgm:param type="stBulletLvl" val="1"/>
+                <dgm:param type="txAnchorVertCh" val="mid"/>
+              </dgm:alg>
+              <dgm:shape xmlns:r="http://schemas.openxmlformats.org/officeDocument/2006/relationships" rot="90" type="round2SameRect" r:blip="">
+                <dgm:adjLst/>
+              </dgm:shape>
+            </dgm:if>
+            <dgm:else name="Name6">
+              <dgm:alg type="tx">
+                <dgm:param type="stBulletLvl" val="1"/>
+                <dgm:param type="txAnchorVertCh" val="mid"/>
+              </dgm:alg>
+              <dgm:shape xmlns:r="http://schemas.openxmlformats.org/officeDocument/2006/relationships" rot="-90" type="round2SameRect" r:blip="">
+                <dgm:adjLst/>
+              </dgm:shape>
+            </dgm:else>
+          </dgm:choose>
+          <dgm:presOf axis="des" ptType="node"/>
+          <dgm:choose name="Name7">
+            <dgm:if name="Name8" func="var" arg="dir" op="equ" val="norm">
+              <dgm:constrLst>
+                <dgm:constr type="secFontSz" refType="primFontSz"/>
+                <dgm:constr type="tMarg" refType="primFontSz" fact="0.05"/>
+                <dgm:constr type="bMarg" refType="primFontSz" fact="0.05"/>
+                <dgm:constr type="rMarg" refType="primFontSz" fact="0.05"/>
+              </dgm:constrLst>
+            </dgm:if>
+            <dgm:else name="Name9">
+              <dgm:constrLst>
+                <dgm:constr type="secFontSz" refType="primFontSz"/>
+                <dgm:constr type="tMarg" refType="primFontSz" fact="0.05"/>
+                <dgm:constr type="bMarg" refType="primFontSz" fact="0.05"/>
+                <dgm:constr type="lMarg" refType="primFontSz" fact="0.05"/>
+              </dgm:constrLst>
+            </dgm:else>
+          </dgm:choose>
+          <dgm:ruleLst>
+            <dgm:rule type="primFontSz" val="5" fact="NaN" max="NaN"/>
+          </dgm:ruleLst>
+        </dgm:layoutNode>
+      </dgm:layoutNode>
+      <dgm:forEach name="Name10" axis="followSib" ptType="sibTrans" cnt="1">
+        <dgm:layoutNode name="sp">
+          <dgm:alg type="sp"/>
+          <dgm:shape xmlns:r="http://schemas.openxmlformats.org/officeDocument/2006/relationships" r:blip="">
+            <dgm:adjLst/>
+          </dgm:shape>
+          <dgm:presOf axis="self"/>
+          <dgm:constrLst>
+            <dgm:constr type="w" val="1"/>
+            <dgm:constr type="h" val="37.5"/>
+          </dgm:constrLst>
+          <dgm:ruleLst/>
+        </dgm:layoutNode>
+      </dgm:forEach>
+    </dgm:forEach>
+  </dgm:layoutNode>
+</dgm:layoutDef>
+</file>
+
+<file path=ppt/diagrams/layout3.xml><?xml version="1.0" encoding="utf-8"?>
+<dgm:layoutDef xmlns:dgm="http://schemas.openxmlformats.org/drawingml/2006/diagram" xmlns:a="http://schemas.openxmlformats.org/drawingml/2006/main" uniqueId="urn:microsoft.com/office/officeart/2005/8/layout/chevron2">
+  <dgm:title val=""/>
+  <dgm:desc val=""/>
+  <dgm:catLst>
+    <dgm:cat type="process" pri="12000"/>
+    <dgm:cat type="list" pri="16000"/>
+    <dgm:cat type="convert" pri="11000"/>
+  </dgm:catLst>
+  <dgm:sampData>
+    <dgm:dataModel>
+      <dgm:ptLst>
+        <dgm:pt modelId="0" type="doc"/>
+        <dgm:pt modelId="1">
+          <dgm:prSet phldr="1"/>
+        </dgm:pt>
+        <dgm:pt modelId="11">
+          <dgm:prSet phldr="1"/>
+        </dgm:pt>
+        <dgm:pt modelId="12">
+          <dgm:prSet phldr="1"/>
+        </dgm:pt>
+        <dgm:pt modelId="2">
+          <dgm:prSet phldr="1"/>
+        </dgm:pt>
+        <dgm:pt modelId="21">
+          <dgm:prSet phldr="1"/>
+        </dgm:pt>
+        <dgm:pt modelId="22">
+          <dgm:prSet phldr="1"/>
+        </dgm:pt>
+        <dgm:pt modelId="3">
+          <dgm:prSet phldr="1"/>
+        </dgm:pt>
+        <dgm:pt modelId="31">
+          <dgm:prSet phldr="1"/>
+        </dgm:pt>
+        <dgm:pt modelId="32">
+          <dgm:prSet phldr="1"/>
+        </dgm:pt>
+      </dgm:ptLst>
+      <dgm:cxnLst>
+        <dgm:cxn modelId="4" srcId="0" destId="1" srcOrd="0" destOrd="0"/>
+        <dgm:cxn modelId="5" srcId="0" destId="2" srcOrd="1" destOrd="0"/>
+        <dgm:cxn modelId="6" srcId="0" destId="3" srcOrd="2" destOrd="0"/>
+        <dgm:cxn modelId="13" srcId="1" destId="11" srcOrd="0" destOrd="0"/>
+        <dgm:cxn modelId="14" srcId="1" destId="12" srcOrd="1" destOrd="0"/>
+        <dgm:cxn modelId="23" srcId="2" destId="21" srcOrd="0" destOrd="0"/>
+        <dgm:cxn modelId="24" srcId="2" destId="22" srcOrd="1" destOrd="0"/>
+        <dgm:cxn modelId="33" srcId="3" destId="31" srcOrd="0" destOrd="0"/>
+        <dgm:cxn modelId="34" srcId="3" destId="32" srcOrd="1" destOrd="0"/>
+      </dgm:cxnLst>
+      <dgm:bg/>
+      <dgm:whole/>
+    </dgm:dataModel>
+  </dgm:sampData>
+  <dgm:styleData>
+    <dgm:dataModel>
+      <dgm:ptLst>
+        <dgm:pt modelId="0" type="doc"/>
+        <dgm:pt modelId="1"/>
+      </dgm:ptLst>
+      <dgm:cxnLst>
+        <dgm:cxn modelId="4" srcId="0" destId="1" srcOrd="0" destOrd="0"/>
+      </dgm:cxnLst>
+      <dgm:bg/>
+      <dgm:whole/>
+    </dgm:dataModel>
+  </dgm:styleData>
+  <dgm:clrData>
+    <dgm:dataModel>
+      <dgm:ptLst>
+        <dgm:pt modelId="0" type="doc"/>
+        <dgm:pt modelId="1"/>
+        <dgm:pt modelId="11"/>
+        <dgm:pt modelId="2"/>
+        <dgm:pt modelId="21"/>
+        <dgm:pt modelId="3"/>
+        <dgm:pt modelId="31"/>
+        <dgm:pt modelId="4"/>
+        <dgm:pt modelId="41"/>
+      </dgm:ptLst>
+      <dgm:cxnLst>
+        <dgm:cxn modelId="5" srcId="0" destId="1" srcOrd="0" destOrd="0"/>
+        <dgm:cxn modelId="6" srcId="0" destId="2" srcOrd="1" destOrd="0"/>
+        <dgm:cxn modelId="7" srcId="0" destId="3" srcOrd="2" destOrd="0"/>
+        <dgm:cxn modelId="8" srcId="0" destId="4" srcOrd="3" destOrd="0"/>
+        <dgm:cxn modelId="13" srcId="1" destId="11" srcOrd="0" destOrd="0"/>
+        <dgm:cxn modelId="23" srcId="2" destId="21" srcOrd="0" destOrd="0"/>
+        <dgm:cxn modelId="33" srcId="3" destId="31" srcOrd="0" destOrd="0"/>
+        <dgm:cxn modelId="43" srcId="4" destId="41" srcOrd="0" destOrd="0"/>
+      </dgm:cxnLst>
+      <dgm:bg/>
+      <dgm:whole/>
+    </dgm:dataModel>
+  </dgm:clrData>
+  <dgm:layoutNode name="linearFlow">
+    <dgm:varLst>
+      <dgm:dir/>
+      <dgm:animLvl val="lvl"/>
+      <dgm:resizeHandles val="exact"/>
+    </dgm:varLst>
+    <dgm:alg type="lin">
+      <dgm:param type="linDir" val="fromT"/>
+      <dgm:param type="nodeHorzAlign" val="l"/>
+    </dgm:alg>
+    <dgm:shape xmlns:r="http://schemas.openxmlformats.org/officeDocument/2006/relationships" r:blip="">
+      <dgm:adjLst/>
+    </dgm:shape>
+    <dgm:presOf/>
+    <dgm:constrLst>
+      <dgm:constr type="h" for="ch" forName="composite" refType="h"/>
+      <dgm:constr type="w" for="ch" forName="composite" refType="w"/>
+      <dgm:constr type="h" for="des" forName="parentText" op="equ"/>
+      <dgm:constr type="h" for="ch" forName="sp" val="-14.88"/>
+      <dgm:constr type="h" for="ch" forName="sp" refType="w" refFor="des" refForName="parentText" op="gte" fact="-0.3"/>
+      <dgm:constr type="primFontSz" for="des" forName="parentText" op="equ" val="65"/>
+      <dgm:constr type="primFontSz" for="des" forName="descendantText" op="equ" val="65"/>
+    </dgm:constrLst>
+    <dgm:ruleLst/>
+    <dgm:forEach name="Name0" axis="ch" ptType="node">
+      <dgm:layoutNode name="composite">
+        <dgm:alg type="composite"/>
+        <dgm:shape xmlns:r="http://schemas.openxmlformats.org/officeDocument/2006/relationships" r:blip="">
+          <dgm:adjLst/>
+        </dgm:shape>
+        <dgm:presOf/>
+        <dgm:choose name="Name1">
+          <dgm:if name="Name2" func="var" arg="dir" op="equ" val="norm">
+            <dgm:constrLst>
+              <dgm:constr type="t" for="ch" forName="parentText"/>
+              <dgm:constr type="l" for="ch" forName="parentText"/>
+              <dgm:constr type="w" for="ch" forName="parentText" refType="w" fact="0.4"/>
+              <dgm:constr type="h" for="ch" forName="parentText" refType="h"/>
+              <dgm:constr type="w" for="ch" forName="parentText" refType="w" op="lte" fact="0.5"/>
+              <dgm:constr type="w" for="ch" forName="parentText" refType="h" refFor="ch" refForName="parentText" op="lte" fact="0.7"/>
+              <dgm:constr type="h" for="ch" forName="parentText" refType="w" refFor="ch" refForName="parentText" op="lte" fact="3"/>
+              <dgm:constr type="l" for="ch" forName="descendantText" refType="w" refFor="ch" refForName="parentText"/>
+              <dgm:constr type="w" for="ch" forName="descendantText" refType="w"/>
+              <dgm:constr type="wOff" for="ch" forName="descendantText" refType="w" refFor="ch" refForName="parentText" fact="-1"/>
+              <dgm:constr type="t" for="ch" forName="descendantText"/>
+              <dgm:constr type="b" for="ch" forName="descendantText" refType="h" refFor="ch" refForName="parentText"/>
+              <dgm:constr type="bOff" for="ch" forName="descendantText" refType="w" refFor="ch" refForName="parentText" fact="-0.5"/>
+            </dgm:constrLst>
+          </dgm:if>
+          <dgm:else name="Name3">
+            <dgm:constrLst>
+              <dgm:constr type="t" for="ch" forName="parentText"/>
+              <dgm:constr type="r" for="ch" forName="parentText" refType="w"/>
+              <dgm:constr type="w" for="ch" forName="parentText" refType="w" fact="0.4"/>
+              <dgm:constr type="h" for="ch" forName="parentText" refType="h"/>
+              <dgm:constr type="w" for="ch" forName="parentText" refType="w" op="lte" fact="0.5"/>
+              <dgm:constr type="w" for="ch" forName="parentText" refType="h" refFor="ch" refForName="parentText" op="lte" fact="0.7"/>
+              <dgm:constr type="h" for="ch" forName="parentText" refType="w" refFor="ch" refForName="parentText" op="lte" fact="3"/>
+              <dgm:constr type="l" for="ch" forName="descendantText"/>
+              <dgm:constr type="w" for="ch" forName="descendantText" refType="w"/>
+              <dgm:constr type="wOff" for="ch" forName="descendantText" refType="w" refFor="ch" refForName="parentText" fact="-1"/>
+              <dgm:constr type="t" for="ch" forName="descendantText"/>
+              <dgm:constr type="b" for="ch" forName="descendantText" refType="h" refFor="ch" refForName="parentText"/>
+              <dgm:constr type="bOff" for="ch" forName="descendantText" refType="w" refFor="ch" refForName="parentText" fact="-0.5"/>
+            </dgm:constrLst>
+          </dgm:else>
+        </dgm:choose>
+        <dgm:ruleLst/>
+        <dgm:layoutNode name="parentText" styleLbl="alignNode1">
+          <dgm:varLst>
+            <dgm:chMax val="1"/>
+            <dgm:bulletEnabled val="1"/>
+          </dgm:varLst>
+          <dgm:alg type="tx"/>
+          <dgm:shape xmlns:r="http://schemas.openxmlformats.org/officeDocument/2006/relationships" rot="90" type="chevron" r:blip="">
+            <dgm:adjLst/>
+          </dgm:shape>
+          <dgm:presOf axis="self" ptType="node"/>
+          <dgm:constrLst>
+            <dgm:constr type="lMarg" refType="primFontSz" fact="0.05"/>
+            <dgm:constr type="rMarg" refType="primFontSz" fact="0.05"/>
+            <dgm:constr type="tMarg" refType="primFontSz" fact="0.05"/>
+            <dgm:constr type="bMarg" refType="primFontSz" fact="0.05"/>
+          </dgm:constrLst>
+          <dgm:ruleLst>
+            <dgm:rule type="h" val="100" fact="NaN" max="NaN"/>
+            <dgm:rule type="primFontSz" val="24" fact="NaN" max="NaN"/>
+            <dgm:rule type="h" val="110" fact="NaN" max="NaN"/>
+            <dgm:rule type="primFontSz" val="18" fact="NaN" max="NaN"/>
+            <dgm:rule type="h" val="INF" fact="NaN" max="NaN"/>
+            <dgm:rule type="primFontSz" val="5" fact="NaN" max="NaN"/>
+          </dgm:ruleLst>
+        </dgm:layoutNode>
+        <dgm:layoutNode name="descendantText" styleLbl="alignAcc1">
+          <dgm:varLst>
+            <dgm:bulletEnabled val="1"/>
+          </dgm:varLst>
+          <dgm:choose name="Name4">
+            <dgm:if name="Name5" func="var" arg="dir" op="equ" val="norm">
+              <dgm:alg type="tx">
+                <dgm:param type="stBulletLvl" val="1"/>
+                <dgm:param type="txAnchorVertCh" val="mid"/>
+              </dgm:alg>
+              <dgm:shape xmlns:r="http://schemas.openxmlformats.org/officeDocument/2006/relationships" rot="90" type="round2SameRect" r:blip="">
+                <dgm:adjLst/>
+              </dgm:shape>
+            </dgm:if>
+            <dgm:else name="Name6">
+              <dgm:alg type="tx">
+                <dgm:param type="stBulletLvl" val="1"/>
+                <dgm:param type="txAnchorVertCh" val="mid"/>
+              </dgm:alg>
+              <dgm:shape xmlns:r="http://schemas.openxmlformats.org/officeDocument/2006/relationships" rot="-90" type="round2SameRect" r:blip="">
+                <dgm:adjLst/>
+              </dgm:shape>
+            </dgm:else>
+          </dgm:choose>
+          <dgm:presOf axis="des" ptType="node"/>
+          <dgm:choose name="Name7">
+            <dgm:if name="Name8" func="var" arg="dir" op="equ" val="norm">
+              <dgm:constrLst>
+                <dgm:constr type="secFontSz" refType="primFontSz"/>
+                <dgm:constr type="tMarg" refType="primFontSz" fact="0.05"/>
+                <dgm:constr type="bMarg" refType="primFontSz" fact="0.05"/>
+                <dgm:constr type="rMarg" refType="primFontSz" fact="0.05"/>
+              </dgm:constrLst>
+            </dgm:if>
+            <dgm:else name="Name9">
+              <dgm:constrLst>
+                <dgm:constr type="secFontSz" refType="primFontSz"/>
+                <dgm:constr type="tMarg" refType="primFontSz" fact="0.05"/>
+                <dgm:constr type="bMarg" refType="primFontSz" fact="0.05"/>
+                <dgm:constr type="lMarg" refType="primFontSz" fact="0.05"/>
+              </dgm:constrLst>
+            </dgm:else>
+          </dgm:choose>
+          <dgm:ruleLst>
+            <dgm:rule type="primFontSz" val="5" fact="NaN" max="NaN"/>
+          </dgm:ruleLst>
+        </dgm:layoutNode>
+      </dgm:layoutNode>
+      <dgm:forEach name="Name10" axis="followSib" ptType="sibTrans" cnt="1">
+        <dgm:layoutNode name="sp">
+          <dgm:alg type="sp"/>
+          <dgm:shape xmlns:r="http://schemas.openxmlformats.org/officeDocument/2006/relationships" r:blip="">
+            <dgm:adjLst/>
+          </dgm:shape>
+          <dgm:presOf axis="self"/>
+          <dgm:constrLst>
+            <dgm:constr type="w" val="1"/>
+            <dgm:constr type="h" val="37.5"/>
+          </dgm:constrLst>
+          <dgm:ruleLst/>
+        </dgm:layoutNode>
+      </dgm:forEach>
+    </dgm:forEach>
+  </dgm:layoutNode>
+</dgm:layoutDef>
+</file>
+
 <file path=ppt/diagrams/quickStyle1.xml><?xml version="1.0" encoding="utf-8"?>
+<dgm:styleDef xmlns:dgm="http://schemas.openxmlformats.org/drawingml/2006/diagram" xmlns:a="http://schemas.openxmlformats.org/drawingml/2006/main" uniqueId="urn:microsoft.com/office/officeart/2005/8/quickstyle/simple1">
+  <dgm:title val=""/>
+  <dgm:desc val=""/>
+  <dgm:catLst>
+    <dgm:cat type="simple" pri="10100"/>
+  </dgm:catLst>
+  <dgm:scene3d>
+    <a:camera prst="orthographicFront"/>
+    <a:lightRig rig="threePt" dir="t"/>
+  </dgm:scene3d>
+  <dgm:styleLbl name="node0">
+    <dgm:scene3d>
+      <a:camera prst="orthographicFront"/>
+      <a:lightRig rig="threePt" dir="t"/>
+    </dgm:scene3d>
+    <dgm:sp3d/>
+    <dgm:txPr/>
+    <dgm:style>
+      <a:lnRef idx="2">
+        <a:scrgbClr r="0" g="0" b="0"/>
+      </a:lnRef>
+      <a:fillRef idx="1">
+        <a:scrgbClr r="0" g="0" b="0"/>
+      </a:fillRef>
+      <a:effectRef idx="0">
+        <a:scrgbClr r="0" g="0" b="0"/>
+      </a:effectRef>
+      <a:fontRef idx="minor">
+        <a:schemeClr val="lt1"/>
+      </a:fontRef>
+    </dgm:style>
+  </dgm:styleLbl>
+  <dgm:styleLbl name="lnNode1">
+    <dgm:scene3d>
+      <a:camera prst="orthographicFront"/>
+      <a:lightRig rig="threePt" dir="t"/>
+    </dgm:scene3d>
+    <dgm:sp3d/>
+    <dgm:txPr/>
+    <dgm:style>
+      <a:lnRef idx="2">
+        <a:scrgbClr r="0" g="0" b="0"/>
+      </a:lnRef>
+      <a:fillRef idx="1">
+        <a:scrgbClr r="0" g="0" b="0"/>
+      </a:fillRef>
+      <a:effectRef idx="0">
+        <a:scrgbClr r="0" g="0" b="0"/>
+      </a:effectRef>
+      <a:fontRef idx="minor">
+        <a:schemeClr val="lt1"/>
+      </a:fontRef>
+    </dgm:style>
+  </dgm:styleLbl>
+  <dgm:styleLbl name="vennNode1">
+    <dgm:scene3d>
+      <a:camera prst="orthographicFront"/>
+      <a:lightRig rig="threePt" dir="t"/>
+    </dgm:scene3d>
+    <dgm:sp3d/>
+    <dgm:txPr/>
+    <dgm:style>
+      <a:lnRef idx="2">
+        <a:scrgbClr r="0" g="0" b="0"/>
+      </a:lnRef>
+      <a:fillRef idx="1">
+        <a:scrgbClr r="0" g="0" b="0"/>
+      </a:fillRef>
+      <a:effectRef idx="0">
+        <a:scrgbClr r="0" g="0" b="0"/>
+      </a:effectRef>
+      <a:fontRef idx="minor">
+        <a:schemeClr val="tx1"/>
+      </a:fontRef>
+    </dgm:style>
+  </dgm:styleLbl>
+  <dgm:styleLbl name="alignNode1">
+    <dgm:scene3d>
+      <a:camera prst="orthographicFront"/>
+      <a:lightRig rig="threePt" dir="t"/>
+    </dgm:scene3d>
+    <dgm:sp3d/>
+    <dgm:txPr/>
+    <dgm:style>
+      <a:lnRef idx="2">
+        <a:scrgbClr r="0" g="0" b="0"/>
+      </a:lnRef>
+      <a:fillRef idx="1">
+        <a:scrgbClr r="0" g="0" b="0"/>
+      </a:fillRef>
+      <a:effectRef idx="0">
+        <a:scrgbClr r="0" g="0" b="0"/>
+      </a:effectRef>
+      <a:fontRef idx="minor">
+        <a:schemeClr val="lt1"/>
+      </a:fontRef>
+    </dgm:style>
+  </dgm:styleLbl>
+  <dgm:styleLbl name="node1">
+    <dgm:scene3d>
+      <a:camera prst="orthographicFront"/>
+      <a:lightRig rig="threePt" dir="t"/>
+    </dgm:scene3d>
+    <dgm:sp3d/>
+    <dgm:txPr/>
+    <dgm:style>
+      <a:lnRef idx="2">
+        <a:scrgbClr r="0" g="0" b="0"/>
+      </a:lnRef>
+      <a:fillRef idx="1">
+        <a:scrgbClr r="0" g="0" b="0"/>
+      </a:fillRef>
+      <a:effectRef idx="0">
+        <a:scrgbClr r="0" g="0" b="0"/>
+      </a:effectRef>
+      <a:fontRef idx="minor">
+        <a:schemeClr val="lt1"/>
+      </a:fontRef>
+    </dgm:style>
+  </dgm:styleLbl>
+  <dgm:styleLbl name="node2">
+    <dgm:scene3d>
+      <a:camera prst="orthographicFront"/>
+      <a:lightRig rig="threePt" dir="t"/>
+    </dgm:scene3d>
+    <dgm:sp3d/>
+    <dgm:txPr/>
+    <dgm:style>
+      <a:lnRef idx="2">
+        <a:scrgbClr r="0" g="0" b="0"/>
+      </a:lnRef>
+      <a:fillRef idx="1">
+        <a:scrgbClr r="0" g="0" b="0"/>
+      </a:fillRef>
+      <a:effectRef idx="0">
+        <a:scrgbClr r="0" g="0" b="0"/>
+      </a:effectRef>
+      <a:fontRef idx="minor">
+        <a:schemeClr val="lt1"/>
+      </a:fontRef>
+    </dgm:style>
+  </dgm:styleLbl>
+  <dgm:styleLbl name="node3">
+    <dgm:scene3d>
+      <a:camera prst="orthographicFront"/>
+      <a:lightRig rig="threePt" dir="t"/>
+    </dgm:scene3d>
+    <dgm:sp3d/>
+    <dgm:txPr/>
+    <dgm:style>
+      <a:lnRef idx="2">
+        <a:scrgbClr r="0" g="0" b="0"/>
+      </a:lnRef>
+      <a:fillRef idx="1">
+        <a:scrgbClr r="0" g="0" b="0"/>
+      </a:fillRef>
+      <a:effectRef idx="0">
+        <a:scrgbClr r="0" g="0" b="0"/>
+      </a:effectRef>
+      <a:fontRef idx="minor">
+        <a:schemeClr val="lt1"/>
+      </a:fontRef>
+    </dgm:style>
+  </dgm:styleLbl>
+  <dgm:styleLbl name="node4">
+    <dgm:scene3d>
+      <a:camera prst="orthographicFront"/>
+      <a:lightRig rig="threePt" dir="t"/>
+    </dgm:scene3d>
+    <dgm:sp3d/>
+    <dgm:txPr/>
+    <dgm:style>
+      <a:lnRef idx="2">
+        <a:scrgbClr r="0" g="0" b="0"/>
+      </a:lnRef>
+      <a:fillRef idx="1">
+        <a:scrgbClr r="0" g="0" b="0"/>
+      </a:fillRef>
+      <a:effectRef idx="0">
+        <a:scrgbClr r="0" g="0" b="0"/>
+      </a:effectRef>
+      <a:fontRef idx="minor">
+        <a:schemeClr val="lt1"/>
+      </a:fontRef>
+    </dgm:style>
+  </dgm:styleLbl>
+  <dgm:styleLbl name="fgImgPlace1">
+    <dgm:scene3d>
+      <a:camera prst="orthographicFront"/>
+      <a:lightRig rig="threePt" dir="t"/>
+    </dgm:scene3d>
+    <dgm:sp3d/>
+    <dgm:txPr/>
+    <dgm:style>
+      <a:lnRef idx="2">
+        <a:scrgbClr r="0" g="0" b="0"/>
+      </a:lnRef>
+      <a:fillRef idx="1">
+        <a:scrgbClr r="0" g="0" b="0"/>
+      </a:fillRef>
+      <a:effectRef idx="0">
+        <a:scrgbClr r="0" g="0" b="0"/>
+      </a:effectRef>
+      <a:fontRef idx="minor"/>
+    </dgm:style>
+  </dgm:styleLbl>
+  <dgm:styleLbl name="alignImgPlace1">
+    <dgm:scene3d>
+      <a:camera prst="orthographicFront"/>
+      <a:lightRig rig="threePt" dir="t"/>
+    </dgm:scene3d>
+    <dgm:sp3d/>
+    <dgm:txPr/>
+    <dgm:style>
+      <a:lnRef idx="2">
+        <a:scrgbClr r="0" g="0" b="0"/>
+      </a:lnRef>
+      <a:fillRef idx="1">
+        <a:scrgbClr r="0" g="0" b="0"/>
+      </a:fillRef>
+      <a:effectRef idx="0">
+        <a:scrgbClr r="0" g="0" b="0"/>
+      </a:effectRef>
+      <a:fontRef idx="minor"/>
+    </dgm:style>
+  </dgm:styleLbl>
+  <dgm:styleLbl name="bgImgPlace1">
+    <dgm:scene3d>
+      <a:camera prst="orthographicFront"/>
+      <a:lightRig rig="threePt" dir="t"/>
+    </dgm:scene3d>
+    <dgm:sp3d/>
+    <dgm:txPr/>
+    <dgm:style>
+      <a:lnRef idx="2">
+        <a:scrgbClr r="0" g="0" b="0"/>
+      </a:lnRef>
+      <a:fillRef idx="1">
+        <a:scrgbClr r="0" g="0" b="0"/>
+      </a:fillRef>
+      <a:effectRef idx="0">
+        <a:scrgbClr r="0" g="0" b="0"/>
+      </a:effectRef>
+      <a:fontRef idx="minor"/>
+    </dgm:style>
+  </dgm:styleLbl>
+  <dgm:styleLbl name="sibTrans2D1">
+    <dgm:scene3d>
+      <a:camera prst="orthographicFront"/>
+      <a:lightRig rig="threePt" dir="t"/>
+    </dgm:scene3d>
+    <dgm:sp3d/>
+    <dgm:txPr/>
+    <dgm:style>
+      <a:lnRef idx="0">
+        <a:scrgbClr r="0" g="0" b="0"/>
+      </a:lnRef>
+      <a:fillRef idx="1">
+        <a:scrgbClr r="0" g="0" b="0"/>
+      </a:fillRef>
+      <a:effectRef idx="0">
+        <a:scrgbClr r="0" g="0" b="0"/>
+      </a:effectRef>
+      <a:fontRef idx="minor">
+        <a:schemeClr val="lt1"/>
+      </a:fontRef>
+    </dgm:style>
+  </dgm:styleLbl>
+  <dgm:styleLbl name="fgSibTrans2D1">
+    <dgm:scene3d>
+      <a:camera prst="orthographicFront"/>
+      <a:lightRig rig="threePt" dir="t"/>
+    </dgm:scene3d>
+    <dgm:sp3d/>
+    <dgm:txPr/>
+    <dgm:style>
+      <a:lnRef idx="0">
+        <a:scrgbClr r="0" g="0" b="0"/>
+      </a:lnRef>
+      <a:fillRef idx="1">
+        <a:scrgbClr r="0" g="0" b="0"/>
+      </a:fillRef>
+      <a:effectRef idx="0">
+        <a:scrgbClr r="0" g="0" b="0"/>
+      </a:effectRef>
+      <a:fontRef idx="minor">
+        <a:schemeClr val="lt1"/>
+      </a:fontRef>
+    </dgm:style>
+  </dgm:styleLbl>
+  <dgm:styleLbl name="bgSibTrans2D1">
+    <dgm:scene3d>
+      <a:camera prst="orthographicFront"/>
+      <a:lightRig rig="threePt" dir="t"/>
+    </dgm:scene3d>
+    <dgm:sp3d/>
+    <dgm:txPr/>
+    <dgm:style>
+      <a:lnRef idx="0">
+        <a:scrgbClr r="0" g="0" b="0"/>
+      </a:lnRef>
+      <a:fillRef idx="1">
+        <a:scrgbClr r="0" g="0" b="0"/>
+      </a:fillRef>
+      <a:effectRef idx="0">
+        <a:scrgbClr r="0" g="0" b="0"/>
+      </a:effectRef>
+      <a:fontRef idx="minor">
+        <a:schemeClr val="lt1"/>
+      </a:fontRef>
+    </dgm:style>
+  </dgm:styleLbl>
+  <dgm:styleLbl name="sibTrans1D1">
+    <dgm:scene3d>
+      <a:camera prst="orthographicFront"/>
+      <a:lightRig rig="threePt" dir="t"/>
+    </dgm:scene3d>
+    <dgm:sp3d/>
+    <dgm:txPr/>
+    <dgm:style>
+      <a:lnRef idx="1">
+        <a:scrgbClr r="0" g="0" b="0"/>
+      </a:lnRef>
+      <a:fillRef idx="0">
+        <a:scrgbClr r="0" g="0" b="0"/>
+      </a:fillRef>
+      <a:effectRef idx="0">
+        <a:scrgbClr r="0" g="0" b="0"/>
+      </a:effectRef>
+      <a:fontRef idx="minor"/>
+    </dgm:style>
+  </dgm:styleLbl>
+  <dgm:styleLbl name="callout">
+    <dgm:scene3d>
+      <a:camera prst="orthographicFront"/>
+      <a:lightRig rig="threePt" dir="t"/>
+    </dgm:scene3d>
+    <dgm:sp3d/>
+    <dgm:txPr/>
+    <dgm:style>
+      <a:lnRef idx="2">
+        <a:scrgbClr r="0" g="0" b="0"/>
+      </a:lnRef>
+      <a:fillRef idx="1">
+        <a:scrgbClr r="0" g="0" b="0"/>
+      </a:fillRef>
+      <a:effectRef idx="0">
+        <a:scrgbClr r="0" g="0" b="0"/>
+      </a:effectRef>
+      <a:fontRef idx="minor"/>
+    </dgm:style>
+  </dgm:styleLbl>
+  <dgm:styleLbl name="asst0">
+    <dgm:scene3d>
+      <a:camera prst="orthographicFront"/>
+      <a:lightRig rig="threePt" dir="t"/>
+    </dgm:scene3d>
+    <dgm:sp3d/>
+    <dgm:txPr/>
+    <dgm:style>
+      <a:lnRef idx="2">
+        <a:scrgbClr r="0" g="0" b="0"/>
+      </a:lnRef>
+      <a:fillRef idx="1">
+        <a:scrgbClr r="0" g="0" b="0"/>
+      </a:fillRef>
+      <a:effectRef idx="0">
+        <a:scrgbClr r="0" g="0" b="0"/>
+      </a:effectRef>
+      <a:fontRef idx="minor">
+        <a:schemeClr val="lt1"/>
+      </a:fontRef>
+    </dgm:style>
+  </dgm:styleLbl>
+  <dgm:styleLbl name="asst1">
+    <dgm:scene3d>
+      <a:camera prst="orthographicFront"/>
+      <a:lightRig rig="threePt" dir="t"/>
+    </dgm:scene3d>
+    <dgm:sp3d/>
+    <dgm:txPr/>
+    <dgm:style>
+      <a:lnRef idx="2">
+        <a:scrgbClr r="0" g="0" b="0"/>
+      </a:lnRef>
+      <a:fillRef idx="1">
+        <a:scrgbClr r="0" g="0" b="0"/>
+      </a:fillRef>
+      <a:effectRef idx="0">
+        <a:scrgbClr r="0" g="0" b="0"/>
+      </a:effectRef>
+      <a:fontRef idx="minor">
+        <a:schemeClr val="lt1"/>
+      </a:fontRef>
+    </dgm:style>
+  </dgm:styleLbl>
+  <dgm:styleLbl name="asst2">
+    <dgm:scene3d>
+      <a:camera prst="orthographicFront"/>
+      <a:lightRig rig="threePt" dir="t"/>
+    </dgm:scene3d>
+    <dgm:sp3d/>
+    <dgm:txPr/>
+    <dgm:style>
+      <a:lnRef idx="2">
+        <a:scrgbClr r="0" g="0" b="0"/>
+      </a:lnRef>
+      <a:fillRef idx="1">
+        <a:scrgbClr r="0" g="0" b="0"/>
+      </a:fillRef>
+      <a:effectRef idx="0">
+        <a:scrgbClr r="0" g="0" b="0"/>
+      </a:effectRef>
+      <a:fontRef idx="minor">
+        <a:schemeClr val="lt1"/>
+      </a:fontRef>
+    </dgm:style>
+  </dgm:styleLbl>
+  <dgm:styleLbl name="asst3">
+    <dgm:scene3d>
+      <a:camera prst="orthographicFront"/>
+      <a:lightRig rig="threePt" dir="t"/>
+    </dgm:scene3d>
+    <dgm:sp3d/>
+    <dgm:txPr/>
+    <dgm:style>
+      <a:lnRef idx="2">
+        <a:scrgbClr r="0" g="0" b="0"/>
+      </a:lnRef>
+      <a:fillRef idx="1">
+        <a:scrgbClr r="0" g="0" b="0"/>
+      </a:fillRef>
+      <a:effectRef idx="0">
+        <a:scrgbClr r="0" g="0" b="0"/>
+      </a:effectRef>
+      <a:fontRef idx="minor">
+        <a:schemeClr val="lt1"/>
+      </a:fontRef>
+    </dgm:style>
+  </dgm:styleLbl>
+  <dgm:styleLbl name="asst4">
+    <dgm:scene3d>
+      <a:camera prst="orthographicFront"/>
+      <a:lightRig rig="threePt" dir="t"/>
+    </dgm:scene3d>
+    <dgm:sp3d/>
+    <dgm:txPr/>
+    <dgm:style>
+      <a:lnRef idx="2">
+        <a:scrgbClr r="0" g="0" b="0"/>
+      </a:lnRef>
+      <a:fillRef idx="1">
+        <a:scrgbClr r="0" g="0" b="0"/>
+      </a:fillRef>
+      <a:effectRef idx="0">
+        <a:scrgbClr r="0" g="0" b="0"/>
+      </a:effectRef>
+      <a:fontRef idx="minor">
+        <a:schemeClr val="lt1"/>
+      </a:fontRef>
+    </dgm:style>
+  </dgm:styleLbl>
+  <dgm:styleLbl name="parChTrans2D1">
+    <dgm:scene3d>
+      <a:camera prst="orthographicFront"/>
+      <a:lightRig rig="threePt" dir="t"/>
+    </dgm:scene3d>
+    <dgm:sp3d/>
+    <dgm:txPr/>
+    <dgm:style>
+      <a:lnRef idx="2">
+        <a:scrgbClr r="0" g="0" b="0"/>
+      </a:lnRef>
+      <a:fillRef idx="1">
+        <a:scrgbClr r="0" g="0" b="0"/>
+      </a:fillRef>
+      <a:effectRef idx="0">
+        <a:scrgbClr r="0" g="0" b="0"/>
+      </a:effectRef>
+      <a:fontRef idx="minor">
+        <a:schemeClr val="lt1"/>
+      </a:fontRef>
+    </dgm:style>
+  </dgm:styleLbl>
+  <dgm:styleLbl name="parChTrans2D2">
+    <dgm:scene3d>
+      <a:camera prst="orthographicFront"/>
+      <a:lightRig rig="threePt" dir="t"/>
+    </dgm:scene3d>
+    <dgm:sp3d/>
+    <dgm:txPr/>
+    <dgm:style>
+      <a:lnRef idx="2">
+        <a:scrgbClr r="0" g="0" b="0"/>
+      </a:lnRef>
+      <a:fillRef idx="1">
+        <a:scrgbClr r="0" g="0" b="0"/>
+      </a:fillRef>
+      <a:effectRef idx="0">
+        <a:scrgbClr r="0" g="0" b="0"/>
+      </a:effectRef>
+      <a:fontRef idx="minor">
+        <a:schemeClr val="lt1"/>
+      </a:fontRef>
+    </dgm:style>
+  </dgm:styleLbl>
+  <dgm:styleLbl name="parChTrans2D3">
+    <dgm:scene3d>
+      <a:camera prst="orthographicFront"/>
+      <a:lightRig rig="threePt" dir="t"/>
+    </dgm:scene3d>
+    <dgm:sp3d/>
+    <dgm:txPr/>
+    <dgm:style>
+      <a:lnRef idx="2">
+        <a:scrgbClr r="0" g="0" b="0"/>
+      </a:lnRef>
+      <a:fillRef idx="1">
+        <a:scrgbClr r="0" g="0" b="0"/>
+      </a:fillRef>
+      <a:effectRef idx="0">
+        <a:scrgbClr r="0" g="0" b="0"/>
+      </a:effectRef>
+      <a:fontRef idx="minor">
+        <a:schemeClr val="lt1"/>
+      </a:fontRef>
+    </dgm:style>
+  </dgm:styleLbl>
+  <dgm:styleLbl name="parChTrans2D4">
+    <dgm:scene3d>
+      <a:camera prst="orthographicFront"/>
+      <a:lightRig rig="threePt" dir="t"/>
+    </dgm:scene3d>
+    <dgm:sp3d/>
+    <dgm:txPr/>
+    <dgm:style>
+      <a:lnRef idx="2">
+        <a:scrgbClr r="0" g="0" b="0"/>
+      </a:lnRef>
+      <a:fillRef idx="1">
+        <a:scrgbClr r="0" g="0" b="0"/>
+      </a:fillRef>
+      <a:effectRef idx="0">
+        <a:scrgbClr r="0" g="0" b="0"/>
+      </a:effectRef>
+      <a:fontRef idx="minor">
+        <a:schemeClr val="lt1"/>
+      </a:fontRef>
+    </dgm:style>
+  </dgm:styleLbl>
+  <dgm:styleLbl name="parChTrans1D1">
+    <dgm:scene3d>
+      <a:camera prst="orthographicFront"/>
+      <a:lightRig rig="threePt" dir="t"/>
+    </dgm:scene3d>
+    <dgm:sp3d/>
+    <dgm:txPr/>
+    <dgm:style>
+      <a:lnRef idx="2">
+        <a:scrgbClr r="0" g="0" b="0"/>
+      </a:lnRef>
+      <a:fillRef idx="0">
+        <a:scrgbClr r="0" g="0" b="0"/>
+      </a:fillRef>
+      <a:effectRef idx="0">
+        <a:scrgbClr r="0" g="0" b="0"/>
+      </a:effectRef>
+      <a:fontRef idx="minor"/>
+    </dgm:style>
+  </dgm:styleLbl>
+  <dgm:styleLbl name="parChTrans1D2">
+    <dgm:scene3d>
+      <a:camera prst="orthographicFront"/>
+      <a:lightRig rig="threePt" dir="t"/>
+    </dgm:scene3d>
+    <dgm:sp3d/>
+    <dgm:txPr/>
+    <dgm:style>
+      <a:lnRef idx="2">
+        <a:scrgbClr r="0" g="0" b="0"/>
+      </a:lnRef>
+      <a:fillRef idx="0">
+        <a:scrgbClr r="0" g="0" b="0"/>
+      </a:fillRef>
+      <a:effectRef idx="0">
+        <a:scrgbClr r="0" g="0" b="0"/>
+      </a:effectRef>
+      <a:fontRef idx="minor"/>
+    </dgm:style>
+  </dgm:styleLbl>
+  <dgm:styleLbl name="parChTrans1D3">
+    <dgm:scene3d>
+      <a:camera prst="orthographicFront"/>
+      <a:lightRig rig="threePt" dir="t"/>
+    </dgm:scene3d>
+    <dgm:sp3d/>
+    <dgm:txPr/>
+    <dgm:style>
+      <a:lnRef idx="2">
+        <a:scrgbClr r="0" g="0" b="0"/>
+      </a:lnRef>
+      <a:fillRef idx="0">
+        <a:scrgbClr r="0" g="0" b="0"/>
+      </a:fillRef>
+      <a:effectRef idx="0">
+        <a:scrgbClr r="0" g="0" b="0"/>
+      </a:effectRef>
+      <a:fontRef idx="minor"/>
+    </dgm:style>
+  </dgm:styleLbl>
+  <dgm:styleLbl name="parChTrans1D4">
+    <dgm:scene3d>
+      <a:camera prst="orthographicFront"/>
+      <a:lightRig rig="threePt" dir="t"/>
+    </dgm:scene3d>
+    <dgm:sp3d/>
+    <dgm:txPr/>
+    <dgm:style>
+      <a:lnRef idx="2">
+        <a:scrgbClr r="0" g="0" b="0"/>
+      </a:lnRef>
+      <a:fillRef idx="0">
+        <a:scrgbClr r="0" g="0" b="0"/>
+      </a:fillRef>
+      <a:effectRef idx="0">
+        <a:scrgbClr r="0" g="0" b="0"/>
+      </a:effectRef>
+      <a:fontRef idx="minor"/>
+    </dgm:style>
+  </dgm:styleLbl>
+  <dgm:styleLbl name="fgAcc1">
+    <dgm:scene3d>
+      <a:camera prst="orthographicFront"/>
+      <a:lightRig rig="threePt" dir="t"/>
+    </dgm:scene3d>
+    <dgm:sp3d/>
+    <dgm:txPr/>
+    <dgm:style>
+      <a:lnRef idx="2">
+        <a:scrgbClr r="0" g="0" b="0"/>
+      </a:lnRef>
+      <a:fillRef idx="1">
+        <a:scrgbClr r="0" g="0" b="0"/>
+      </a:fillRef>
+      <a:effectRef idx="0">
+        <a:scrgbClr r="0" g="0" b="0"/>
+      </a:effectRef>
+      <a:fontRef idx="minor"/>
+    </dgm:style>
+  </dgm:styleLbl>
+  <dgm:styleLbl name="conFgAcc1">
+    <dgm:scene3d>
+      <a:camera prst="orthographicFront"/>
+      <a:lightRig rig="threePt" dir="t"/>
+    </dgm:scene3d>
+    <dgm:sp3d/>
+    <dgm:txPr/>
+    <dgm:style>
+      <a:lnRef idx="2">
+        <a:scrgbClr r="0" g="0" b="0"/>
+      </a:lnRef>
+      <a:fillRef idx="1">
+        <a:scrgbClr r="0" g="0" b="0"/>
+      </a:fillRef>
+      <a:effectRef idx="0">
+        <a:scrgbClr r="0" g="0" b="0"/>
+      </a:effectRef>
+      <a:fontRef idx="minor"/>
+    </dgm:style>
+  </dgm:styleLbl>
+  <dgm:styleLbl name="alignAcc1">
+    <dgm:scene3d>
+      <a:camera prst="orthographicFront"/>
+      <a:lightRig rig="threePt" dir="t"/>
+    </dgm:scene3d>
+    <dgm:sp3d/>
+    <dgm:txPr/>
+    <dgm:style>
+      <a:lnRef idx="2">
+        <a:scrgbClr r="0" g="0" b="0"/>
+      </a:lnRef>
+      <a:fillRef idx="1">
+        <a:scrgbClr r="0" g="0" b="0"/>
+      </a:fillRef>
+      <a:effectRef idx="0">
+        <a:scrgbClr r="0" g="0" b="0"/>
+      </a:effectRef>
+      <a:fontRef idx="minor"/>
+    </dgm:style>
+  </dgm:styleLbl>
+  <dgm:styleLbl name="trAlignAcc1">
+    <dgm:scene3d>
+      <a:camera prst="orthographicFront"/>
+      <a:lightRig rig="threePt" dir="t"/>
+    </dgm:scene3d>
+    <dgm:sp3d/>
+    <dgm:txPr/>
+    <dgm:style>
+      <a:lnRef idx="1">
+        <a:scrgbClr r="0" g="0" b="0"/>
+      </a:lnRef>
+      <a:fillRef idx="1">
+        <a:scrgbClr r="0" g="0" b="0"/>
+      </a:fillRef>
+      <a:effectRef idx="0">
+        <a:scrgbClr r="0" g="0" b="0"/>
+      </a:effectRef>
+      <a:fontRef idx="minor"/>
+    </dgm:style>
+  </dgm:styleLbl>
+  <dgm:styleLbl name="bgAcc1">
+    <dgm:scene3d>
+      <a:camera prst="orthographicFront"/>
+      <a:lightRig rig="threePt" dir="t"/>
+    </dgm:scene3d>
+    <dgm:sp3d/>
+    <dgm:txPr/>
+    <dgm:style>
+      <a:lnRef idx="2">
+        <a:scrgbClr r="0" g="0" b="0"/>
+      </a:lnRef>
+      <a:fillRef idx="1">
+        <a:scrgbClr r="0" g="0" b="0"/>
+      </a:fillRef>
+      <a:effectRef idx="0">
+        <a:scrgbClr r="0" g="0" b="0"/>
+      </a:effectRef>
+      <a:fontRef idx="minor"/>
+    </dgm:style>
+  </dgm:styleLbl>
+  <dgm:styleLbl name="solidFgAcc1">
+    <dgm:scene3d>
+      <a:camera prst="orthographicFront"/>
+      <a:lightRig rig="threePt" dir="t"/>
+    </dgm:scene3d>
+    <dgm:sp3d/>
+    <dgm:txPr/>
+    <dgm:style>
+      <a:lnRef idx="2">
+        <a:scrgbClr r="0" g="0" b="0"/>
+      </a:lnRef>
+      <a:fillRef idx="1">
+        <a:scrgbClr r="0" g="0" b="0"/>
+      </a:fillRef>
+      <a:effectRef idx="0">
+        <a:scrgbClr r="0" g="0" b="0"/>
+      </a:effectRef>
+      <a:fontRef idx="minor"/>
+    </dgm:style>
+  </dgm:styleLbl>
+  <dgm:styleLbl name="solidAlignAcc1">
+    <dgm:scene3d>
+      <a:camera prst="orthographicFront"/>
+      <a:lightRig rig="threePt" dir="t"/>
+    </dgm:scene3d>
+    <dgm:sp3d/>
+    <dgm:txPr/>
+    <dgm:style>
+      <a:lnRef idx="2">
+        <a:scrgbClr r="0" g="0" b="0"/>
+      </a:lnRef>
+      <a:fillRef idx="1">
+        <a:scrgbClr r="0" g="0" b="0"/>
+      </a:fillRef>
+      <a:effectRef idx="0">
+        <a:scrgbClr r="0" g="0" b="0"/>
+      </a:effectRef>
+      <a:fontRef idx="minor"/>
+    </dgm:style>
+  </dgm:styleLbl>
+  <dgm:styleLbl name="solidBgAcc1">
+    <dgm:scene3d>
+      <a:camera prst="orthographicFront"/>
+      <a:lightRig rig="threePt" dir="t"/>
+    </dgm:scene3d>
+    <dgm:sp3d/>
+    <dgm:txPr/>
+    <dgm:style>
+      <a:lnRef idx="2">
+        <a:scrgbClr r="0" g="0" b="0"/>
+      </a:lnRef>
+      <a:fillRef idx="1">
+        <a:scrgbClr r="0" g="0" b="0"/>
+      </a:fillRef>
+      <a:effectRef idx="0">
+        <a:scrgbClr r="0" g="0" b="0"/>
+      </a:effectRef>
+      <a:fontRef idx="minor"/>
+    </dgm:style>
+  </dgm:styleLbl>
+  <dgm:styleLbl name="fgAccFollowNode1">
+    <dgm:scene3d>
+      <a:camera prst="orthographicFront"/>
+      <a:lightRig rig="threePt" dir="t"/>
+    </dgm:scene3d>
+    <dgm:sp3d/>
+    <dgm:txPr/>
+    <dgm:style>
+      <a:lnRef idx="2">
+        <a:scrgbClr r="0" g="0" b="0"/>
+      </a:lnRef>
+      <a:fillRef idx="1">
+        <a:scrgbClr r="0" g="0" b="0"/>
+      </a:fillRef>
+      <a:effectRef idx="0">
+        <a:scrgbClr r="0" g="0" b="0"/>
+      </a:effectRef>
+      <a:fontRef idx="minor"/>
+    </dgm:style>
+  </dgm:styleLbl>
+  <dgm:styleLbl name="alignAccFollowNode1">
+    <dgm:scene3d>
+      <a:camera prst="orthographicFront"/>
+      <a:lightRig rig="threePt" dir="t"/>
+    </dgm:scene3d>
+    <dgm:sp3d/>
+    <dgm:txPr/>
+    <dgm:style>
+      <a:lnRef idx="2">
+        <a:scrgbClr r="0" g="0" b="0"/>
+      </a:lnRef>
+      <a:fillRef idx="1">
+        <a:scrgbClr r="0" g="0" b="0"/>
+      </a:fillRef>
+      <a:effectRef idx="0">
+        <a:scrgbClr r="0" g="0" b="0"/>
+      </a:effectRef>
+      <a:fontRef idx="minor"/>
+    </dgm:style>
+  </dgm:styleLbl>
+  <dgm:styleLbl name="bgAccFollowNode1">
+    <dgm:scene3d>
+      <a:camera prst="orthographicFront"/>
+      <a:lightRig rig="threePt" dir="t"/>
+    </dgm:scene3d>
+    <dgm:sp3d/>
+    <dgm:txPr/>
+    <dgm:style>
+      <a:lnRef idx="2">
+        <a:scrgbClr r="0" g="0" b="0"/>
+      </a:lnRef>
+      <a:fillRef idx="1">
+        <a:scrgbClr r="0" g="0" b="0"/>
+      </a:fillRef>
+      <a:effectRef idx="0">
+        <a:scrgbClr r="0" g="0" b="0"/>
+      </a:effectRef>
+      <a:fontRef idx="minor"/>
+    </dgm:style>
+  </dgm:styleLbl>
+  <dgm:styleLbl name="fgAcc0">
+    <dgm:scene3d>
+      <a:camera prst="orthographicFront"/>
+      <a:lightRig rig="threePt" dir="t"/>
+    </dgm:scene3d>
+    <dgm:sp3d/>
+    <dgm:txPr/>
+    <dgm:style>
+      <a:lnRef idx="2">
+        <a:scrgbClr r="0" g="0" b="0"/>
+      </a:lnRef>
+      <a:fillRef idx="1">
+        <a:scrgbClr r="0" g="0" b="0"/>
+      </a:fillRef>
+      <a:effectRef idx="0">
+        <a:scrgbClr r="0" g="0" b="0"/>
+      </a:effectRef>
+      <a:fontRef idx="minor"/>
+    </dgm:style>
+  </dgm:styleLbl>
+  <dgm:styleLbl name="fgAcc2">
+    <dgm:scene3d>
+      <a:camera prst="orthographicFront"/>
+      <a:lightRig rig="threePt" dir="t"/>
+    </dgm:scene3d>
+    <dgm:sp3d/>
+    <dgm:txPr/>
+    <dgm:style>
+      <a:lnRef idx="2">
+        <a:scrgbClr r="0" g="0" b="0"/>
+      </a:lnRef>
+      <a:fillRef idx="1">
+        <a:scrgbClr r="0" g="0" b="0"/>
+      </a:fillRef>
+      <a:effectRef idx="0">
+        <a:scrgbClr r="0" g="0" b="0"/>
+      </a:effectRef>
+      <a:fontRef idx="minor"/>
+    </dgm:style>
+  </dgm:styleLbl>
+  <dgm:styleLbl name="fgAcc3">
+    <dgm:scene3d>
+      <a:camera prst="orthographicFront"/>
+      <a:lightRig rig="threePt" dir="t"/>
+    </dgm:scene3d>
+    <dgm:sp3d/>
+    <dgm:txPr/>
+    <dgm:style>
+      <a:lnRef idx="2">
+        <a:scrgbClr r="0" g="0" b="0"/>
+      </a:lnRef>
+      <a:fillRef idx="1">
+        <a:scrgbClr r="0" g="0" b="0"/>
+      </a:fillRef>
+      <a:effectRef idx="0">
+        <a:scrgbClr r="0" g="0" b="0"/>
+      </a:effectRef>
+      <a:fontRef idx="minor"/>
+    </dgm:style>
+  </dgm:styleLbl>
+  <dgm:styleLbl name="fgAcc4">
+    <dgm:scene3d>
+      <a:camera prst="orthographicFront"/>
+      <a:lightRig rig="threePt" dir="t"/>
+    </dgm:scene3d>
+    <dgm:sp3d/>
+    <dgm:txPr/>
+    <dgm:style>
+      <a:lnRef idx="2">
+        <a:scrgbClr r="0" g="0" b="0"/>
+      </a:lnRef>
+      <a:fillRef idx="1">
+        <a:scrgbClr r="0" g="0" b="0"/>
+      </a:fillRef>
+      <a:effectRef idx="0">
+        <a:scrgbClr r="0" g="0" b="0"/>
+      </a:effectRef>
+      <a:fontRef idx="minor"/>
+    </dgm:style>
+  </dgm:styleLbl>
+  <dgm:styleLbl name="bgShp">
+    <dgm:scene3d>
+      <a:camera prst="orthographicFront"/>
+      <a:lightRig rig="threePt" dir="t"/>
+    </dgm:scene3d>
+    <dgm:sp3d/>
+    <dgm:txPr/>
+    <dgm:style>
+      <a:lnRef idx="0">
+        <a:scrgbClr r="0" g="0" b="0"/>
+      </a:lnRef>
+      <a:fillRef idx="1">
+        <a:scrgbClr r="0" g="0" b="0"/>
+      </a:fillRef>
+      <a:effectRef idx="0">
+        <a:scrgbClr r="0" g="0" b="0"/>
+      </a:effectRef>
+      <a:fontRef idx="minor"/>
+    </dgm:style>
+  </dgm:styleLbl>
+  <dgm:styleLbl name="dkBgShp">
+    <dgm:scene3d>
+      <a:camera prst="orthographicFront"/>
+      <a:lightRig rig="threePt" dir="t"/>
+    </dgm:scene3d>
+    <dgm:sp3d/>
+    <dgm:txPr/>
+    <dgm:style>
+      <a:lnRef idx="0">
+        <a:scrgbClr r="0" g="0" b="0"/>
+      </a:lnRef>
+      <a:fillRef idx="1">
+        <a:scrgbClr r="0" g="0" b="0"/>
+      </a:fillRef>
+      <a:effectRef idx="0">
+        <a:scrgbClr r="0" g="0" b="0"/>
+      </a:effectRef>
+      <a:fontRef idx="minor"/>
+    </dgm:style>
+  </dgm:styleLbl>
+  <dgm:styleLbl name="trBgShp">
+    <dgm:scene3d>
+      <a:camera prst="orthographicFront"/>
+      <a:lightRig rig="threePt" dir="t"/>
+    </dgm:scene3d>
+    <dgm:sp3d/>
+    <dgm:txPr/>
+    <dgm:style>
+      <a:lnRef idx="0">
+        <a:scrgbClr r="0" g="0" b="0"/>
+      </a:lnRef>
+      <a:fillRef idx="1">
+        <a:scrgbClr r="0" g="0" b="0"/>
+      </a:fillRef>
+      <a:effectRef idx="0">
+        <a:scrgbClr r="0" g="0" b="0"/>
+      </a:effectRef>
+      <a:fontRef idx="minor"/>
+    </dgm:style>
+  </dgm:styleLbl>
+  <dgm:styleLbl name="fgShp">
+    <dgm:scene3d>
+      <a:camera prst="orthographicFront"/>
+      <a:lightRig rig="threePt" dir="t"/>
+    </dgm:scene3d>
+    <dgm:sp3d/>
+    <dgm:txPr/>
+    <dgm:style>
+      <a:lnRef idx="2">
+        <a:scrgbClr r="0" g="0" b="0"/>
+      </a:lnRef>
+      <a:fillRef idx="1">
+        <a:scrgbClr r="0" g="0" b="0"/>
+      </a:fillRef>
+      <a:effectRef idx="0">
+        <a:scrgbClr r="0" g="0" b="0"/>
+      </a:effectRef>
+      <a:fontRef idx="minor"/>
+    </dgm:style>
+  </dgm:styleLbl>
+  <dgm:styleLbl name="revTx">
+    <dgm:scene3d>
+      <a:camera prst="orthographicFront"/>
+      <a:lightRig rig="threePt" dir="t"/>
+    </dgm:scene3d>
+    <dgm:sp3d/>
+    <dgm:txPr/>
+    <dgm:style>
+      <a:lnRef idx="0">
+        <a:scrgbClr r="0" g="0" b="0"/>
+      </a:lnRef>
+      <a:fillRef idx="0">
+        <a:scrgbClr r="0" g="0" b="0"/>
+      </a:fillRef>
+      <a:effectRef idx="0">
+        <a:scrgbClr r="0" g="0" b="0"/>
+      </a:effectRef>
+      <a:fontRef idx="minor"/>
+    </dgm:style>
+  </dgm:styleLbl>
+</dgm:styleDef>
+</file>
+
+<file path=ppt/diagrams/quickStyle2.xml><?xml version="1.0" encoding="utf-8"?>
+<dgm:styleDef xmlns:dgm="http://schemas.openxmlformats.org/drawingml/2006/diagram" xmlns:a="http://schemas.openxmlformats.org/drawingml/2006/main" uniqueId="urn:microsoft.com/office/officeart/2005/8/quickstyle/simple1">
+  <dgm:title val=""/>
+  <dgm:desc val=""/>
+  <dgm:catLst>
+    <dgm:cat type="simple" pri="10100"/>
+  </dgm:catLst>
+  <dgm:scene3d>
+    <a:camera prst="orthographicFront"/>
+    <a:lightRig rig="threePt" dir="t"/>
+  </dgm:scene3d>
+  <dgm:styleLbl name="node0">
+    <dgm:scene3d>
+      <a:camera prst="orthographicFront"/>
+      <a:lightRig rig="threePt" dir="t"/>
+    </dgm:scene3d>
+    <dgm:sp3d/>
+    <dgm:txPr/>
+    <dgm:style>
+      <a:lnRef idx="2">
+        <a:scrgbClr r="0" g="0" b="0"/>
+      </a:lnRef>
+      <a:fillRef idx="1">
+        <a:scrgbClr r="0" g="0" b="0"/>
+      </a:fillRef>
+      <a:effectRef idx="0">
+        <a:scrgbClr r="0" g="0" b="0"/>
+      </a:effectRef>
+      <a:fontRef idx="minor">
+        <a:schemeClr val="lt1"/>
+      </a:fontRef>
+    </dgm:style>
+  </dgm:styleLbl>
+  <dgm:styleLbl name="lnNode1">
+    <dgm:scene3d>
+      <a:camera prst="orthographicFront"/>
+      <a:lightRig rig="threePt" dir="t"/>
+    </dgm:scene3d>
+    <dgm:sp3d/>
+    <dgm:txPr/>
+    <dgm:style>
+      <a:lnRef idx="2">
+        <a:scrgbClr r="0" g="0" b="0"/>
+      </a:lnRef>
+      <a:fillRef idx="1">
+        <a:scrgbClr r="0" g="0" b="0"/>
+      </a:fillRef>
+      <a:effectRef idx="0">
+        <a:scrgbClr r="0" g="0" b="0"/>
+      </a:effectRef>
+      <a:fontRef idx="minor">
+        <a:schemeClr val="lt1"/>
+      </a:fontRef>
+    </dgm:style>
+  </dgm:styleLbl>
+  <dgm:styleLbl name="vennNode1">
+    <dgm:scene3d>
+      <a:camera prst="orthographicFront"/>
+      <a:lightRig rig="threePt" dir="t"/>
+    </dgm:scene3d>
+    <dgm:sp3d/>
+    <dgm:txPr/>
+    <dgm:style>
+      <a:lnRef idx="2">
+        <a:scrgbClr r="0" g="0" b="0"/>
+      </a:lnRef>
+      <a:fillRef idx="1">
+        <a:scrgbClr r="0" g="0" b="0"/>
+      </a:fillRef>
+      <a:effectRef idx="0">
+        <a:scrgbClr r="0" g="0" b="0"/>
+      </a:effectRef>
+      <a:fontRef idx="minor">
+        <a:schemeClr val="tx1"/>
+      </a:fontRef>
+    </dgm:style>
+  </dgm:styleLbl>
+  <dgm:styleLbl name="alignNode1">
+    <dgm:scene3d>
+      <a:camera prst="orthographicFront"/>
+      <a:lightRig rig="threePt" dir="t"/>
+    </dgm:scene3d>
+    <dgm:sp3d/>
+    <dgm:txPr/>
+    <dgm:style>
+      <a:lnRef idx="2">
+        <a:scrgbClr r="0" g="0" b="0"/>
+      </a:lnRef>
+      <a:fillRef idx="1">
+        <a:scrgbClr r="0" g="0" b="0"/>
+      </a:fillRef>
+      <a:effectRef idx="0">
+        <a:scrgbClr r="0" g="0" b="0"/>
+      </a:effectRef>
+      <a:fontRef idx="minor">
+        <a:schemeClr val="lt1"/>
+      </a:fontRef>
+    </dgm:style>
+  </dgm:styleLbl>
+  <dgm:styleLbl name="node1">
+    <dgm:scene3d>
+      <a:camera prst="orthographicFront"/>
+      <a:lightRig rig="threePt" dir="t"/>
+    </dgm:scene3d>
+    <dgm:sp3d/>
+    <dgm:txPr/>
+    <dgm:style>
+      <a:lnRef idx="2">
+        <a:scrgbClr r="0" g="0" b="0"/>
+      </a:lnRef>
+      <a:fillRef idx="1">
+        <a:scrgbClr r="0" g="0" b="0"/>
+      </a:fillRef>
+      <a:effectRef idx="0">
+        <a:scrgbClr r="0" g="0" b="0"/>
+      </a:effectRef>
+      <a:fontRef idx="minor">
+        <a:schemeClr val="lt1"/>
+      </a:fontRef>
+    </dgm:style>
+  </dgm:styleLbl>
+  <dgm:styleLbl name="node2">
+    <dgm:scene3d>
+      <a:camera prst="orthographicFront"/>
+      <a:lightRig rig="threePt" dir="t"/>
+    </dgm:scene3d>
+    <dgm:sp3d/>
+    <dgm:txPr/>
+    <dgm:style>
+      <a:lnRef idx="2">
+        <a:scrgbClr r="0" g="0" b="0"/>
+      </a:lnRef>
+      <a:fillRef idx="1">
+        <a:scrgbClr r="0" g="0" b="0"/>
+      </a:fillRef>
+      <a:effectRef idx="0">
+        <a:scrgbClr r="0" g="0" b="0"/>
+      </a:effectRef>
+      <a:fontRef idx="minor">
+        <a:schemeClr val="lt1"/>
+      </a:fontRef>
+    </dgm:style>
+  </dgm:styleLbl>
+  <dgm:styleLbl name="node3">
+    <dgm:scene3d>
+      <a:camera prst="orthographicFront"/>
+      <a:lightRig rig="threePt" dir="t"/>
+    </dgm:scene3d>
+    <dgm:sp3d/>
+    <dgm:txPr/>
+    <dgm:style>
+      <a:lnRef idx="2">
+        <a:scrgbClr r="0" g="0" b="0"/>
+      </a:lnRef>
+      <a:fillRef idx="1">
+        <a:scrgbClr r="0" g="0" b="0"/>
+      </a:fillRef>
+      <a:effectRef idx="0">
+        <a:scrgbClr r="0" g="0" b="0"/>
+      </a:effectRef>
+      <a:fontRef idx="minor">
+        <a:schemeClr val="lt1"/>
+      </a:fontRef>
+    </dgm:style>
+  </dgm:styleLbl>
+  <dgm:styleLbl name="node4">
+    <dgm:scene3d>
+      <a:camera prst="orthographicFront"/>
+      <a:lightRig rig="threePt" dir="t"/>
+    </dgm:scene3d>
+    <dgm:sp3d/>
+    <dgm:txPr/>
+    <dgm:style>
+      <a:lnRef idx="2">
+        <a:scrgbClr r="0" g="0" b="0"/>
+      </a:lnRef>
+      <a:fillRef idx="1">
+        <a:scrgbClr r="0" g="0" b="0"/>
+      </a:fillRef>
+      <a:effectRef idx="0">
+        <a:scrgbClr r="0" g="0" b="0"/>
+      </a:effectRef>
+      <a:fontRef idx="minor">
+        <a:schemeClr val="lt1"/>
+      </a:fontRef>
+    </dgm:style>
+  </dgm:styleLbl>
+  <dgm:styleLbl name="fgImgPlace1">
+    <dgm:scene3d>
+      <a:camera prst="orthographicFront"/>
+      <a:lightRig rig="threePt" dir="t"/>
+    </dgm:scene3d>
+    <dgm:sp3d/>
+    <dgm:txPr/>
+    <dgm:style>
+      <a:lnRef idx="2">
+        <a:scrgbClr r="0" g="0" b="0"/>
+      </a:lnRef>
+      <a:fillRef idx="1">
+        <a:scrgbClr r="0" g="0" b="0"/>
+      </a:fillRef>
+      <a:effectRef idx="0">
+        <a:scrgbClr r="0" g="0" b="0"/>
+      </a:effectRef>
+      <a:fontRef idx="minor"/>
+    </dgm:style>
+  </dgm:styleLbl>
+  <dgm:styleLbl name="alignImgPlace1">
+    <dgm:scene3d>
+      <a:camera prst="orthographicFront"/>
+      <a:lightRig rig="threePt" dir="t"/>
+    </dgm:scene3d>
+    <dgm:sp3d/>
+    <dgm:txPr/>
+    <dgm:style>
+      <a:lnRef idx="2">
+        <a:scrgbClr r="0" g="0" b="0"/>
+      </a:lnRef>
+      <a:fillRef idx="1">
+        <a:scrgbClr r="0" g="0" b="0"/>
+      </a:fillRef>
+      <a:effectRef idx="0">
+        <a:scrgbClr r="0" g="0" b="0"/>
+      </a:effectRef>
+      <a:fontRef idx="minor"/>
+    </dgm:style>
+  </dgm:styleLbl>
+  <dgm:styleLbl name="bgImgPlace1">
+    <dgm:scene3d>
+      <a:camera prst="orthographicFront"/>
+      <a:lightRig rig="threePt" dir="t"/>
+    </dgm:scene3d>
+    <dgm:sp3d/>
+    <dgm:txPr/>
+    <dgm:style>
+      <a:lnRef idx="2">
+        <a:scrgbClr r="0" g="0" b="0"/>
+      </a:lnRef>
+      <a:fillRef idx="1">
+        <a:scrgbClr r="0" g="0" b="0"/>
+      </a:fillRef>
+      <a:effectRef idx="0">
+        <a:scrgbClr r="0" g="0" b="0"/>
+      </a:effectRef>
+      <a:fontRef idx="minor"/>
+    </dgm:style>
+  </dgm:styleLbl>
+  <dgm:styleLbl name="sibTrans2D1">
+    <dgm:scene3d>
+      <a:camera prst="orthographicFront"/>
+      <a:lightRig rig="threePt" dir="t"/>
+    </dgm:scene3d>
+    <dgm:sp3d/>
+    <dgm:txPr/>
+    <dgm:style>
+      <a:lnRef idx="0">
+        <a:scrgbClr r="0" g="0" b="0"/>
+      </a:lnRef>
+      <a:fillRef idx="1">
+        <a:scrgbClr r="0" g="0" b="0"/>
+      </a:fillRef>
+      <a:effectRef idx="0">
+        <a:scrgbClr r="0" g="0" b="0"/>
+      </a:effectRef>
+      <a:fontRef idx="minor">
+        <a:schemeClr val="lt1"/>
+      </a:fontRef>
+    </dgm:style>
+  </dgm:styleLbl>
+  <dgm:styleLbl name="fgSibTrans2D1">
+    <dgm:scene3d>
+      <a:camera prst="orthographicFront"/>
+      <a:lightRig rig="threePt" dir="t"/>
+    </dgm:scene3d>
+    <dgm:sp3d/>
+    <dgm:txPr/>
+    <dgm:style>
+      <a:lnRef idx="0">
+        <a:scrgbClr r="0" g="0" b="0"/>
+      </a:lnRef>
+      <a:fillRef idx="1">
+        <a:scrgbClr r="0" g="0" b="0"/>
+      </a:fillRef>
+      <a:effectRef idx="0">
+        <a:scrgbClr r="0" g="0" b="0"/>
+      </a:effectRef>
+      <a:fontRef idx="minor">
+        <a:schemeClr val="lt1"/>
+      </a:fontRef>
+    </dgm:style>
+  </dgm:styleLbl>
+  <dgm:styleLbl name="bgSibTrans2D1">
+    <dgm:scene3d>
+      <a:camera prst="orthographicFront"/>
+      <a:lightRig rig="threePt" dir="t"/>
+    </dgm:scene3d>
+    <dgm:sp3d/>
+    <dgm:txPr/>
+    <dgm:style>
+      <a:lnRef idx="0">
+        <a:scrgbClr r="0" g="0" b="0"/>
+      </a:lnRef>
+      <a:fillRef idx="1">
+        <a:scrgbClr r="0" g="0" b="0"/>
+      </a:fillRef>
+      <a:effectRef idx="0">
+        <a:scrgbClr r="0" g="0" b="0"/>
+      </a:effectRef>
+      <a:fontRef idx="minor">
+        <a:schemeClr val="lt1"/>
+      </a:fontRef>
+    </dgm:style>
+  </dgm:styleLbl>
+  <dgm:styleLbl name="sibTrans1D1">
+    <dgm:scene3d>
+      <a:camera prst="orthographicFront"/>
+      <a:lightRig rig="threePt" dir="t"/>
+    </dgm:scene3d>
+    <dgm:sp3d/>
+    <dgm:txPr/>
+    <dgm:style>
+      <a:lnRef idx="1">
+        <a:scrgbClr r="0" g="0" b="0"/>
+      </a:lnRef>
+      <a:fillRef idx="0">
+        <a:scrgbClr r="0" g="0" b="0"/>
+      </a:fillRef>
+      <a:effectRef idx="0">
+        <a:scrgbClr r="0" g="0" b="0"/>
+      </a:effectRef>
+      <a:fontRef idx="minor"/>
+    </dgm:style>
+  </dgm:styleLbl>
+  <dgm:styleLbl name="callout">
+    <dgm:scene3d>
+      <a:camera prst="orthographicFront"/>
+      <a:lightRig rig="threePt" dir="t"/>
+    </dgm:scene3d>
+    <dgm:sp3d/>
+    <dgm:txPr/>
+    <dgm:style>
+      <a:lnRef idx="2">
+        <a:scrgbClr r="0" g="0" b="0"/>
+      </a:lnRef>
+      <a:fillRef idx="1">
+        <a:scrgbClr r="0" g="0" b="0"/>
+      </a:fillRef>
+      <a:effectRef idx="0">
+        <a:scrgbClr r="0" g="0" b="0"/>
+      </a:effectRef>
+      <a:fontRef idx="minor"/>
+    </dgm:style>
+  </dgm:styleLbl>
+  <dgm:styleLbl name="asst0">
+    <dgm:scene3d>
+      <a:camera prst="orthographicFront"/>
+      <a:lightRig rig="threePt" dir="t"/>
+    </dgm:scene3d>
+    <dgm:sp3d/>
+    <dgm:txPr/>
+    <dgm:style>
+      <a:lnRef idx="2">
+        <a:scrgbClr r="0" g="0" b="0"/>
+      </a:lnRef>
+      <a:fillRef idx="1">
+        <a:scrgbClr r="0" g="0" b="0"/>
+      </a:fillRef>
+      <a:effectRef idx="0">
+        <a:scrgbClr r="0" g="0" b="0"/>
+      </a:effectRef>
+      <a:fontRef idx="minor">
+        <a:schemeClr val="lt1"/>
+      </a:fontRef>
+    </dgm:style>
+  </dgm:styleLbl>
+  <dgm:styleLbl name="asst1">
+    <dgm:scene3d>
+      <a:camera prst="orthographicFront"/>
+      <a:lightRig rig="threePt" dir="t"/>
+    </dgm:scene3d>
+    <dgm:sp3d/>
+    <dgm:txPr/>
+    <dgm:style>
+      <a:lnRef idx="2">
+        <a:scrgbClr r="0" g="0" b="0"/>
+      </a:lnRef>
+      <a:fillRef idx="1">
+        <a:scrgbClr r="0" g="0" b="0"/>
+      </a:fillRef>
+      <a:effectRef idx="0">
+        <a:scrgbClr r="0" g="0" b="0"/>
+      </a:effectRef>
+      <a:fontRef idx="minor">
+        <a:schemeClr val="lt1"/>
+      </a:fontRef>
+    </dgm:style>
+  </dgm:styleLbl>
+  <dgm:styleLbl name="asst2">
+    <dgm:scene3d>
+      <a:camera prst="orthographicFront"/>
+      <a:lightRig rig="threePt" dir="t"/>
+    </dgm:scene3d>
+    <dgm:sp3d/>
+    <dgm:txPr/>
+    <dgm:style>
+      <a:lnRef idx="2">
+        <a:scrgbClr r="0" g="0" b="0"/>
+      </a:lnRef>
+      <a:fillRef idx="1">
+        <a:scrgbClr r="0" g="0" b="0"/>
+      </a:fillRef>
+      <a:effectRef idx="0">
+        <a:scrgbClr r="0" g="0" b="0"/>
+      </a:effectRef>
+      <a:fontRef idx="minor">
+        <a:schemeClr val="lt1"/>
+      </a:fontRef>
+    </dgm:style>
+  </dgm:styleLbl>
+  <dgm:styleLbl name="asst3">
+    <dgm:scene3d>
+      <a:camera prst="orthographicFront"/>
+      <a:lightRig rig="threePt" dir="t"/>
+    </dgm:scene3d>
+    <dgm:sp3d/>
+    <dgm:txPr/>
+    <dgm:style>
+      <a:lnRef idx="2">
+        <a:scrgbClr r="0" g="0" b="0"/>
+      </a:lnRef>
+      <a:fillRef idx="1">
+        <a:scrgbClr r="0" g="0" b="0"/>
+      </a:fillRef>
+      <a:effectRef idx="0">
+        <a:scrgbClr r="0" g="0" b="0"/>
+      </a:effectRef>
+      <a:fontRef idx="minor">
+        <a:schemeClr val="lt1"/>
+      </a:fontRef>
+    </dgm:style>
+  </dgm:styleLbl>
+  <dgm:styleLbl name="asst4">
+    <dgm:scene3d>
+      <a:camera prst="orthographicFront"/>
+      <a:lightRig rig="threePt" dir="t"/>
+    </dgm:scene3d>
+    <dgm:sp3d/>
+    <dgm:txPr/>
+    <dgm:style>
+      <a:lnRef idx="2">
+        <a:scrgbClr r="0" g="0" b="0"/>
+      </a:lnRef>
+      <a:fillRef idx="1">
+        <a:scrgbClr r="0" g="0" b="0"/>
+      </a:fillRef>
+      <a:effectRef idx="0">
+        <a:scrgbClr r="0" g="0" b="0"/>
+      </a:effectRef>
+      <a:fontRef idx="minor">
+        <a:schemeClr val="lt1"/>
+      </a:fontRef>
+    </dgm:style>
+  </dgm:styleLbl>
+  <dgm:styleLbl name="parChTrans2D1">
+    <dgm:scene3d>
+      <a:camera prst="orthographicFront"/>
+      <a:lightRig rig="threePt" dir="t"/>
+    </dgm:scene3d>
+    <dgm:sp3d/>
+    <dgm:txPr/>
+    <dgm:style>
+      <a:lnRef idx="2">
+        <a:scrgbClr r="0" g="0" b="0"/>
+      </a:lnRef>
+      <a:fillRef idx="1">
+        <a:scrgbClr r="0" g="0" b="0"/>
+      </a:fillRef>
+      <a:effectRef idx="0">
+        <a:scrgbClr r="0" g="0" b="0"/>
+      </a:effectRef>
+      <a:fontRef idx="minor">
+        <a:schemeClr val="lt1"/>
+      </a:fontRef>
+    </dgm:style>
+  </dgm:styleLbl>
+  <dgm:styleLbl name="parChTrans2D2">
+    <dgm:scene3d>
+      <a:camera prst="orthographicFront"/>
+      <a:lightRig rig="threePt" dir="t"/>
+    </dgm:scene3d>
+    <dgm:sp3d/>
+    <dgm:txPr/>
+    <dgm:style>
+      <a:lnRef idx="2">
+        <a:scrgbClr r="0" g="0" b="0"/>
+      </a:lnRef>
+      <a:fillRef idx="1">
+        <a:scrgbClr r="0" g="0" b="0"/>
+      </a:fillRef>
+      <a:effectRef idx="0">
+        <a:scrgbClr r="0" g="0" b="0"/>
+      </a:effectRef>
+      <a:fontRef idx="minor">
+        <a:schemeClr val="lt1"/>
+      </a:fontRef>
+    </dgm:style>
+  </dgm:styleLbl>
+  <dgm:styleLbl name="parChTrans2D3">
+    <dgm:scene3d>
+      <a:camera prst="orthographicFront"/>
+      <a:lightRig rig="threePt" dir="t"/>
+    </dgm:scene3d>
+    <dgm:sp3d/>
+    <dgm:txPr/>
+    <dgm:style>
+      <a:lnRef idx="2">
+        <a:scrgbClr r="0" g="0" b="0"/>
+      </a:lnRef>
+      <a:fillRef idx="1">
+        <a:scrgbClr r="0" g="0" b="0"/>
+      </a:fillRef>
+      <a:effectRef idx="0">
+        <a:scrgbClr r="0" g="0" b="0"/>
+      </a:effectRef>
+      <a:fontRef idx="minor">
+        <a:schemeClr val="lt1"/>
+      </a:fontRef>
+    </dgm:style>
+  </dgm:styleLbl>
+  <dgm:styleLbl name="parChTrans2D4">
+    <dgm:scene3d>
+      <a:camera prst="orthographicFront"/>
+      <a:lightRig rig="threePt" dir="t"/>
+    </dgm:scene3d>
+    <dgm:sp3d/>
+    <dgm:txPr/>
+    <dgm:style>
+      <a:lnRef idx="2">
+        <a:scrgbClr r="0" g="0" b="0"/>
+      </a:lnRef>
+      <a:fillRef idx="1">
+        <a:scrgbClr r="0" g="0" b="0"/>
+      </a:fillRef>
+      <a:effectRef idx="0">
+        <a:scrgbClr r="0" g="0" b="0"/>
+      </a:effectRef>
+      <a:fontRef idx="minor">
+        <a:schemeClr val="lt1"/>
+      </a:fontRef>
+    </dgm:style>
+  </dgm:styleLbl>
+  <dgm:styleLbl name="parChTrans1D1">
+    <dgm:scene3d>
+      <a:camera prst="orthographicFront"/>
+      <a:lightRig rig="threePt" dir="t"/>
+    </dgm:scene3d>
+    <dgm:sp3d/>
+    <dgm:txPr/>
+    <dgm:style>
+      <a:lnRef idx="2">
+        <a:scrgbClr r="0" g="0" b="0"/>
+      </a:lnRef>
+      <a:fillRef idx="0">
+        <a:scrgbClr r="0" g="0" b="0"/>
+      </a:fillRef>
+      <a:effectRef idx="0">
+        <a:scrgbClr r="0" g="0" b="0"/>
+      </a:effectRef>
+      <a:fontRef idx="minor"/>
+    </dgm:style>
+  </dgm:styleLbl>
+  <dgm:styleLbl name="parChTrans1D2">
+    <dgm:scene3d>
+      <a:camera prst="orthographicFront"/>
+      <a:lightRig rig="threePt" dir="t"/>
+    </dgm:scene3d>
+    <dgm:sp3d/>
+    <dgm:txPr/>
+    <dgm:style>
+      <a:lnRef idx="2">
+        <a:scrgbClr r="0" g="0" b="0"/>
+      </a:lnRef>
+      <a:fillRef idx="0">
+        <a:scrgbClr r="0" g="0" b="0"/>
+      </a:fillRef>
+      <a:effectRef idx="0">
+        <a:scrgbClr r="0" g="0" b="0"/>
+      </a:effectRef>
+      <a:fontRef idx="minor"/>
+    </dgm:style>
+  </dgm:styleLbl>
+  <dgm:styleLbl name="parChTrans1D3">
+    <dgm:scene3d>
+      <a:camera prst="orthographicFront"/>
+      <a:lightRig rig="threePt" dir="t"/>
+    </dgm:scene3d>
+    <dgm:sp3d/>
+    <dgm:txPr/>
+    <dgm:style>
+      <a:lnRef idx="2">
+        <a:scrgbClr r="0" g="0" b="0"/>
+      </a:lnRef>
+      <a:fillRef idx="0">
+        <a:scrgbClr r="0" g="0" b="0"/>
+      </a:fillRef>
+      <a:effectRef idx="0">
+        <a:scrgbClr r="0" g="0" b="0"/>
+      </a:effectRef>
+      <a:fontRef idx="minor"/>
+    </dgm:style>
+  </dgm:styleLbl>
+  <dgm:styleLbl name="parChTrans1D4">
+    <dgm:scene3d>
+      <a:camera prst="orthographicFront"/>
+      <a:lightRig rig="threePt" dir="t"/>
+    </dgm:scene3d>
+    <dgm:sp3d/>
+    <dgm:txPr/>
+    <dgm:style>
+      <a:lnRef idx="2">
+        <a:scrgbClr r="0" g="0" b="0"/>
+      </a:lnRef>
+      <a:fillRef idx="0">
+        <a:scrgbClr r="0" g="0" b="0"/>
+      </a:fillRef>
+      <a:effectRef idx="0">
+        <a:scrgbClr r="0" g="0" b="0"/>
+      </a:effectRef>
+      <a:fontRef idx="minor"/>
+    </dgm:style>
+  </dgm:styleLbl>
+  <dgm:styleLbl name="fgAcc1">
+    <dgm:scene3d>
+      <a:camera prst="orthographicFront"/>
+      <a:lightRig rig="threePt" dir="t"/>
+    </dgm:scene3d>
+    <dgm:sp3d/>
+    <dgm:txPr/>
+    <dgm:style>
+      <a:lnRef idx="2">
+        <a:scrgbClr r="0" g="0" b="0"/>
+      </a:lnRef>
+      <a:fillRef idx="1">
+        <a:scrgbClr r="0" g="0" b="0"/>
+      </a:fillRef>
+      <a:effectRef idx="0">
+        <a:scrgbClr r="0" g="0" b="0"/>
+      </a:effectRef>
+      <a:fontRef idx="minor"/>
+    </dgm:style>
+  </dgm:styleLbl>
+  <dgm:styleLbl name="conFgAcc1">
+    <dgm:scene3d>
+      <a:camera prst="orthographicFront"/>
+      <a:lightRig rig="threePt" dir="t"/>
+    </dgm:scene3d>
+    <dgm:sp3d/>
+    <dgm:txPr/>
+    <dgm:style>
+      <a:lnRef idx="2">
+        <a:scrgbClr r="0" g="0" b="0"/>
+      </a:lnRef>
+      <a:fillRef idx="1">
+        <a:scrgbClr r="0" g="0" b="0"/>
+      </a:fillRef>
+      <a:effectRef idx="0">
+        <a:scrgbClr r="0" g="0" b="0"/>
+      </a:effectRef>
+      <a:fontRef idx="minor"/>
+    </dgm:style>
+  </dgm:styleLbl>
+  <dgm:styleLbl name="alignAcc1">
+    <dgm:scene3d>
+      <a:camera prst="orthographicFront"/>
+      <a:lightRig rig="threePt" dir="t"/>
+    </dgm:scene3d>
+    <dgm:sp3d/>
+    <dgm:txPr/>
+    <dgm:style>
+      <a:lnRef idx="2">
+        <a:scrgbClr r="0" g="0" b="0"/>
+      </a:lnRef>
+      <a:fillRef idx="1">
+        <a:scrgbClr r="0" g="0" b="0"/>
+      </a:fillRef>
+      <a:effectRef idx="0">
+        <a:scrgbClr r="0" g="0" b="0"/>
+      </a:effectRef>
+      <a:fontRef idx="minor"/>
+    </dgm:style>
+  </dgm:styleLbl>
+  <dgm:styleLbl name="trAlignAcc1">
+    <dgm:scene3d>
+      <a:camera prst="orthographicFront"/>
+      <a:lightRig rig="threePt" dir="t"/>
+    </dgm:scene3d>
+    <dgm:sp3d/>
+    <dgm:txPr/>
+    <dgm:style>
+      <a:lnRef idx="1">
+        <a:scrgbClr r="0" g="0" b="0"/>
+      </a:lnRef>
+      <a:fillRef idx="1">
+        <a:scrgbClr r="0" g="0" b="0"/>
+      </a:fillRef>
+      <a:effectRef idx="0">
+        <a:scrgbClr r="0" g="0" b="0"/>
+      </a:effectRef>
+      <a:fontRef idx="minor"/>
+    </dgm:style>
+  </dgm:styleLbl>
+  <dgm:styleLbl name="bgAcc1">
+    <dgm:scene3d>
+      <a:camera prst="orthographicFront"/>
+      <a:lightRig rig="threePt" dir="t"/>
+    </dgm:scene3d>
+    <dgm:sp3d/>
+    <dgm:txPr/>
+    <dgm:style>
+      <a:lnRef idx="2">
+        <a:scrgbClr r="0" g="0" b="0"/>
+      </a:lnRef>
+      <a:fillRef idx="1">
+        <a:scrgbClr r="0" g="0" b="0"/>
+      </a:fillRef>
+      <a:effectRef idx="0">
+        <a:scrgbClr r="0" g="0" b="0"/>
+      </a:effectRef>
+      <a:fontRef idx="minor"/>
+    </dgm:style>
+  </dgm:styleLbl>
+  <dgm:styleLbl name="solidFgAcc1">
+    <dgm:scene3d>
+      <a:camera prst="orthographicFront"/>
+      <a:lightRig rig="threePt" dir="t"/>
+    </dgm:scene3d>
+    <dgm:sp3d/>
+    <dgm:txPr/>
+    <dgm:style>
+      <a:lnRef idx="2">
+        <a:scrgbClr r="0" g="0" b="0"/>
+      </a:lnRef>
+      <a:fillRef idx="1">
+        <a:scrgbClr r="0" g="0" b="0"/>
+      </a:fillRef>
+      <a:effectRef idx="0">
+        <a:scrgbClr r="0" g="0" b="0"/>
+      </a:effectRef>
+      <a:fontRef idx="minor"/>
+    </dgm:style>
+  </dgm:styleLbl>
+  <dgm:styleLbl name="solidAlignAcc1">
+    <dgm:scene3d>
+      <a:camera prst="orthographicFront"/>
+      <a:lightRig rig="threePt" dir="t"/>
+    </dgm:scene3d>
+    <dgm:sp3d/>
+    <dgm:txPr/>
+    <dgm:style>
+      <a:lnRef idx="2">
+        <a:scrgbClr r="0" g="0" b="0"/>
+      </a:lnRef>
+      <a:fillRef idx="1">
+        <a:scrgbClr r="0" g="0" b="0"/>
+      </a:fillRef>
+      <a:effectRef idx="0">
+        <a:scrgbClr r="0" g="0" b="0"/>
+      </a:effectRef>
+      <a:fontRef idx="minor"/>
+    </dgm:style>
+  </dgm:styleLbl>
+  <dgm:styleLbl name="solidBgAcc1">
+    <dgm:scene3d>
+      <a:camera prst="orthographicFront"/>
+      <a:lightRig rig="threePt" dir="t"/>
+    </dgm:scene3d>
+    <dgm:sp3d/>
+    <dgm:txPr/>
+    <dgm:style>
+      <a:lnRef idx="2">
+        <a:scrgbClr r="0" g="0" b="0"/>
+      </a:lnRef>
+      <a:fillRef idx="1">
+        <a:scrgbClr r="0" g="0" b="0"/>
+      </a:fillRef>
+      <a:effectRef idx="0">
+        <a:scrgbClr r="0" g="0" b="0"/>
+      </a:effectRef>
+      <a:fontRef idx="minor"/>
+    </dgm:style>
+  </dgm:styleLbl>
+  <dgm:styleLbl name="fgAccFollowNode1">
+    <dgm:scene3d>
+      <a:camera prst="orthographicFront"/>
+      <a:lightRig rig="threePt" dir="t"/>
+    </dgm:scene3d>
+    <dgm:sp3d/>
+    <dgm:txPr/>
+    <dgm:style>
+      <a:lnRef idx="2">
+        <a:scrgbClr r="0" g="0" b="0"/>
+      </a:lnRef>
+      <a:fillRef idx="1">
+        <a:scrgbClr r="0" g="0" b="0"/>
+      </a:fillRef>
+      <a:effectRef idx="0">
+        <a:scrgbClr r="0" g="0" b="0"/>
+      </a:effectRef>
+      <a:fontRef idx="minor"/>
+    </dgm:style>
+  </dgm:styleLbl>
+  <dgm:styleLbl name="alignAccFollowNode1">
+    <dgm:scene3d>
+      <a:camera prst="orthographicFront"/>
+      <a:lightRig rig="threePt" dir="t"/>
+    </dgm:scene3d>
+    <dgm:sp3d/>
+    <dgm:txPr/>
+    <dgm:style>
+      <a:lnRef idx="2">
+        <a:scrgbClr r="0" g="0" b="0"/>
+      </a:lnRef>
+      <a:fillRef idx="1">
+        <a:scrgbClr r="0" g="0" b="0"/>
+      </a:fillRef>
+      <a:effectRef idx="0">
+        <a:scrgbClr r="0" g="0" b="0"/>
+      </a:effectRef>
+      <a:fontRef idx="minor"/>
+    </dgm:style>
+  </dgm:styleLbl>
+  <dgm:styleLbl name="bgAccFollowNode1">
+    <dgm:scene3d>
+      <a:camera prst="orthographicFront"/>
+      <a:lightRig rig="threePt" dir="t"/>
+    </dgm:scene3d>
+    <dgm:sp3d/>
+    <dgm:txPr/>
+    <dgm:style>
+      <a:lnRef idx="2">
+        <a:scrgbClr r="0" g="0" b="0"/>
+      </a:lnRef>
+      <a:fillRef idx="1">
+        <a:scrgbClr r="0" g="0" b="0"/>
+      </a:fillRef>
+      <a:effectRef idx="0">
+        <a:scrgbClr r="0" g="0" b="0"/>
+      </a:effectRef>
+      <a:fontRef idx="minor"/>
+    </dgm:style>
+  </dgm:styleLbl>
+  <dgm:styleLbl name="fgAcc0">
+    <dgm:scene3d>
+      <a:camera prst="orthographicFront"/>
+      <a:lightRig rig="threePt" dir="t"/>
+    </dgm:scene3d>
+    <dgm:sp3d/>
+    <dgm:txPr/>
+    <dgm:style>
+      <a:lnRef idx="2">
+        <a:scrgbClr r="0" g="0" b="0"/>
+      </a:lnRef>
+      <a:fillRef idx="1">
+        <a:scrgbClr r="0" g="0" b="0"/>
+      </a:fillRef>
+      <a:effectRef idx="0">
+        <a:scrgbClr r="0" g="0" b="0"/>
+      </a:effectRef>
+      <a:fontRef idx="minor"/>
+    </dgm:style>
+  </dgm:styleLbl>
+  <dgm:styleLbl name="fgAcc2">
+    <dgm:scene3d>
+      <a:camera prst="orthographicFront"/>
+      <a:lightRig rig="threePt" dir="t"/>
+    </dgm:scene3d>
+    <dgm:sp3d/>
+    <dgm:txPr/>
+    <dgm:style>
+      <a:lnRef idx="2">
+        <a:scrgbClr r="0" g="0" b="0"/>
+      </a:lnRef>
+      <a:fillRef idx="1">
+        <a:scrgbClr r="0" g="0" b="0"/>
+      </a:fillRef>
+      <a:effectRef idx="0">
+        <a:scrgbClr r="0" g="0" b="0"/>
+      </a:effectRef>
+      <a:fontRef idx="minor"/>
+    </dgm:style>
+  </dgm:styleLbl>
+  <dgm:styleLbl name="fgAcc3">
+    <dgm:scene3d>
+      <a:camera prst="orthographicFront"/>
+      <a:lightRig rig="threePt" dir="t"/>
+    </dgm:scene3d>
+    <dgm:sp3d/>
+    <dgm:txPr/>
+    <dgm:style>
+      <a:lnRef idx="2">
+        <a:scrgbClr r="0" g="0" b="0"/>
+      </a:lnRef>
+      <a:fillRef idx="1">
+        <a:scrgbClr r="0" g="0" b="0"/>
+      </a:fillRef>
+      <a:effectRef idx="0">
+        <a:scrgbClr r="0" g="0" b="0"/>
+      </a:effectRef>
+      <a:fontRef idx="minor"/>
+    </dgm:style>
+  </dgm:styleLbl>
+  <dgm:styleLbl name="fgAcc4">
+    <dgm:scene3d>
+      <a:camera prst="orthographicFront"/>
+      <a:lightRig rig="threePt" dir="t"/>
+    </dgm:scene3d>
+    <dgm:sp3d/>
+    <dgm:txPr/>
+    <dgm:style>
+      <a:lnRef idx="2">
+        <a:scrgbClr r="0" g="0" b="0"/>
+      </a:lnRef>
+      <a:fillRef idx="1">
+        <a:scrgbClr r="0" g="0" b="0"/>
+      </a:fillRef>
+      <a:effectRef idx="0">
+        <a:scrgbClr r="0" g="0" b="0"/>
+      </a:effectRef>
+      <a:fontRef idx="minor"/>
+    </dgm:style>
+  </dgm:styleLbl>
+  <dgm:styleLbl name="bgShp">
+    <dgm:scene3d>
+      <a:camera prst="orthographicFront"/>
+      <a:lightRig rig="threePt" dir="t"/>
+    </dgm:scene3d>
+    <dgm:sp3d/>
+    <dgm:txPr/>
+    <dgm:style>
+      <a:lnRef idx="0">
+        <a:scrgbClr r="0" g="0" b="0"/>
+      </a:lnRef>
+      <a:fillRef idx="1">
+        <a:scrgbClr r="0" g="0" b="0"/>
+      </a:fillRef>
+      <a:effectRef idx="0">
+        <a:scrgbClr r="0" g="0" b="0"/>
+      </a:effectRef>
+      <a:fontRef idx="minor"/>
+    </dgm:style>
+  </dgm:styleLbl>
+  <dgm:styleLbl name="dkBgShp">
+    <dgm:scene3d>
+      <a:camera prst="orthographicFront"/>
+      <a:lightRig rig="threePt" dir="t"/>
+    </dgm:scene3d>
+    <dgm:sp3d/>
+    <dgm:txPr/>
+    <dgm:style>
+      <a:lnRef idx="0">
+        <a:scrgbClr r="0" g="0" b="0"/>
+      </a:lnRef>
+      <a:fillRef idx="1">
+        <a:scrgbClr r="0" g="0" b="0"/>
+      </a:fillRef>
+      <a:effectRef idx="0">
+        <a:scrgbClr r="0" g="0" b="0"/>
+      </a:effectRef>
+      <a:fontRef idx="minor"/>
+    </dgm:style>
+  </dgm:styleLbl>
+  <dgm:styleLbl name="trBgShp">
+    <dgm:scene3d>
+      <a:camera prst="orthographicFront"/>
+      <a:lightRig rig="threePt" dir="t"/>
+    </dgm:scene3d>
+    <dgm:sp3d/>
+    <dgm:txPr/>
+    <dgm:style>
+      <a:lnRef idx="0">
+        <a:scrgbClr r="0" g="0" b="0"/>
+      </a:lnRef>
+      <a:fillRef idx="1">
+        <a:scrgbClr r="0" g="0" b="0"/>
+      </a:fillRef>
+      <a:effectRef idx="0">
+        <a:scrgbClr r="0" g="0" b="0"/>
+      </a:effectRef>
+      <a:fontRef idx="minor"/>
+    </dgm:style>
+  </dgm:styleLbl>
+  <dgm:styleLbl name="fgShp">
+    <dgm:scene3d>
+      <a:camera prst="orthographicFront"/>
+      <a:lightRig rig="threePt" dir="t"/>
+    </dgm:scene3d>
+    <dgm:sp3d/>
+    <dgm:txPr/>
+    <dgm:style>
+      <a:lnRef idx="2">
+        <a:scrgbClr r="0" g="0" b="0"/>
+      </a:lnRef>
+      <a:fillRef idx="1">
+        <a:scrgbClr r="0" g="0" b="0"/>
+      </a:fillRef>
+      <a:effectRef idx="0">
+        <a:scrgbClr r="0" g="0" b="0"/>
+      </a:effectRef>
+      <a:fontRef idx="minor"/>
+    </dgm:style>
+  </dgm:styleLbl>
+  <dgm:styleLbl name="revTx">
+    <dgm:scene3d>
+      <a:camera prst="orthographicFront"/>
+      <a:lightRig rig="threePt" dir="t"/>
+    </dgm:scene3d>
+    <dgm:sp3d/>
+    <dgm:txPr/>
+    <dgm:style>
+      <a:lnRef idx="0">
+        <a:scrgbClr r="0" g="0" b="0"/>
+      </a:lnRef>
+      <a:fillRef idx="0">
+        <a:scrgbClr r="0" g="0" b="0"/>
+      </a:fillRef>
+      <a:effectRef idx="0">
+        <a:scrgbClr r="0" g="0" b="0"/>
+      </a:effectRef>
+      <a:fontRef idx="minor"/>
+    </dgm:style>
+  </dgm:styleLbl>
+</dgm:styleDef>
+</file>
+
+<file path=ppt/diagrams/quickStyle3.xml><?xml version="1.0" encoding="utf-8"?>
 <dgm:styleDef xmlns:dgm="http://schemas.openxmlformats.org/drawingml/2006/diagram" xmlns:a="http://schemas.openxmlformats.org/drawingml/2006/main" uniqueId="urn:microsoft.com/office/officeart/2005/8/quickstyle/simple1">
   <dgm:title val=""/>
   <dgm:desc val=""/>
@@ -11462,7 +18587,7 @@
                   <a:srgbClr val="003E74"/>
                 </a:solidFill>
               </a:rPr>
-              <a:t>27 June, 2022</a:t>
+              <a:t>5 July, 2022</a:t>
             </a:fld>
             <a:endParaRPr lang="en-US" dirty="0">
               <a:solidFill>
@@ -11578,7 +18703,7 @@
             <a:fld id="{8D35C32B-10D1-1447-A35B-280119DE9D12}" type="datetime3">
               <a:rPr lang="en-GB" smtClean="0"/>
               <a:pPr/>
-              <a:t>27 June, 2022</a:t>
+              <a:t>5 July, 2022</a:t>
             </a:fld>
             <a:endParaRPr lang="en-US" dirty="0"/>
           </a:p>
@@ -11818,7 +18943,7 @@
             <a:fld id="{8D35C32B-10D1-1447-A35B-280119DE9D12}" type="datetime3">
               <a:rPr lang="en-GB" smtClean="0"/>
               <a:pPr/>
-              <a:t>27 June, 2022</a:t>
+              <a:t>5 July, 2022</a:t>
             </a:fld>
             <a:endParaRPr lang="en-US" dirty="0"/>
           </a:p>
@@ -15163,7 +22288,7 @@
           <a:p>
             <a:fld id="{04DD8147-18CE-4A90-8337-1AD69DA4AFD0}" type="datetime1">
               <a:rPr lang="en-GB" smtClean="0"/>
-              <a:t>27/06/2022</a:t>
+              <a:t>05/07/2022</a:t>
             </a:fld>
             <a:endParaRPr lang="en-US" dirty="0"/>
           </a:p>
@@ -16813,6 +23938,37 @@
           </a:prstGeom>
         </p:spPr>
       </p:pic>
+      <p:graphicFrame>
+        <p:nvGraphicFramePr>
+          <p:cNvPr id="8" name="Content Placeholder 5">
+            <a:extLst>
+              <a:ext uri="{FF2B5EF4-FFF2-40B4-BE49-F238E27FC236}">
+                <a16:creationId xmlns:a16="http://schemas.microsoft.com/office/drawing/2014/main" id="{53A8025F-5735-1725-2B30-8F60E94108B6}"/>
+              </a:ext>
+            </a:extLst>
+          </p:cNvPr>
+          <p:cNvGraphicFramePr>
+            <a:graphicFrameLocks noGrp="1"/>
+          </p:cNvGraphicFramePr>
+          <p:nvPr>
+            <p:ph idx="1"/>
+            <p:extLst>
+              <p:ext uri="{D42A27DB-BD31-4B8C-83A1-F6EECF244321}">
+                <p14:modId xmlns:p14="http://schemas.microsoft.com/office/powerpoint/2010/main" val="3241967595"/>
+              </p:ext>
+            </p:extLst>
+          </p:nvPr>
+        </p:nvGraphicFramePr>
+        <p:xfrm>
+          <a:off x="457200" y="1760538"/>
+          <a:ext cx="8229600" cy="2613025"/>
+        </p:xfrm>
+        <a:graphic>
+          <a:graphicData uri="http://schemas.openxmlformats.org/drawingml/2006/diagram">
+            <dgm:relIds xmlns:dgm="http://schemas.openxmlformats.org/drawingml/2006/diagram" xmlns:r="http://schemas.openxmlformats.org/officeDocument/2006/relationships" r:dm="rId4" r:lo="rId5" r:qs="rId6" r:cs="rId7"/>
+          </a:graphicData>
+        </a:graphic>
+      </p:graphicFrame>
     </p:spTree>
     <p:extLst>
       <p:ext uri="{BB962C8B-B14F-4D97-AF65-F5344CB8AC3E}">
@@ -16827,6 +23983,117 @@
 </file>
 
 <file path=ppt/slides/slide18.xml><?xml version="1.0" encoding="utf-8"?>
+<p:sld xmlns:a="http://schemas.openxmlformats.org/drawingml/2006/main" xmlns:r="http://schemas.openxmlformats.org/officeDocument/2006/relationships" xmlns:p="http://schemas.openxmlformats.org/presentationml/2006/main" show="0">
+  <p:cSld>
+    <p:spTree>
+      <p:nvGrpSpPr>
+        <p:cNvPr id="1" name=""/>
+        <p:cNvGrpSpPr/>
+        <p:nvPr/>
+      </p:nvGrpSpPr>
+      <p:grpSpPr>
+        <a:xfrm>
+          <a:off x="0" y="0"/>
+          <a:ext cx="0" cy="0"/>
+          <a:chOff x="0" y="0"/>
+          <a:chExt cx="0" cy="0"/>
+        </a:xfrm>
+      </p:grpSpPr>
+      <p:sp>
+        <p:nvSpPr>
+          <p:cNvPr id="4" name="Text Placeholder 3">
+            <a:extLst>
+              <a:ext uri="{FF2B5EF4-FFF2-40B4-BE49-F238E27FC236}">
+                <a16:creationId xmlns:a16="http://schemas.microsoft.com/office/drawing/2014/main" id="{A5B3CC5F-5066-361E-D3C0-7C853F451864}"/>
+              </a:ext>
+            </a:extLst>
+          </p:cNvPr>
+          <p:cNvSpPr>
+            <a:spLocks noGrp="1"/>
+          </p:cNvSpPr>
+          <p:nvPr>
+            <p:ph type="body" sz="quarter" idx="10"/>
+          </p:nvPr>
+        </p:nvSpPr>
+        <p:spPr/>
+        <p:txBody>
+          <a:bodyPr/>
+          <a:lstStyle/>
+          <a:p>
+            <a:endParaRPr lang="en-GB"/>
+          </a:p>
+        </p:txBody>
+      </p:sp>
+      <p:sp>
+        <p:nvSpPr>
+          <p:cNvPr id="5" name="Text Placeholder 4">
+            <a:extLst>
+              <a:ext uri="{FF2B5EF4-FFF2-40B4-BE49-F238E27FC236}">
+                <a16:creationId xmlns:a16="http://schemas.microsoft.com/office/drawing/2014/main" id="{4D5D114A-C1CE-DE0B-4B54-202F035982F3}"/>
+              </a:ext>
+            </a:extLst>
+          </p:cNvPr>
+          <p:cNvSpPr>
+            <a:spLocks noGrp="1"/>
+          </p:cNvSpPr>
+          <p:nvPr>
+            <p:ph type="body" sz="quarter" idx="12"/>
+          </p:nvPr>
+        </p:nvSpPr>
+        <p:spPr/>
+        <p:txBody>
+          <a:bodyPr/>
+          <a:lstStyle/>
+          <a:p>
+            <a:endParaRPr lang="en-GB"/>
+          </a:p>
+        </p:txBody>
+      </p:sp>
+      <p:graphicFrame>
+        <p:nvGraphicFramePr>
+          <p:cNvPr id="12" name="Content Placeholder 5">
+            <a:extLst>
+              <a:ext uri="{FF2B5EF4-FFF2-40B4-BE49-F238E27FC236}">
+                <a16:creationId xmlns:a16="http://schemas.microsoft.com/office/drawing/2014/main" id="{1E31BA9F-C7C1-9709-12F8-C3018D674728}"/>
+              </a:ext>
+            </a:extLst>
+          </p:cNvPr>
+          <p:cNvGraphicFramePr>
+            <a:graphicFrameLocks noGrp="1"/>
+          </p:cNvGraphicFramePr>
+          <p:nvPr>
+            <p:ph idx="1"/>
+            <p:extLst>
+              <p:ext uri="{D42A27DB-BD31-4B8C-83A1-F6EECF244321}">
+                <p14:modId xmlns:p14="http://schemas.microsoft.com/office/powerpoint/2010/main" val="1342318939"/>
+              </p:ext>
+            </p:extLst>
+          </p:nvPr>
+        </p:nvGraphicFramePr>
+        <p:xfrm>
+          <a:off x="2514600" y="180659"/>
+          <a:ext cx="3336074" cy="4302765"/>
+        </p:xfrm>
+        <a:graphic>
+          <a:graphicData uri="http://schemas.openxmlformats.org/drawingml/2006/diagram">
+            <dgm:relIds xmlns:dgm="http://schemas.openxmlformats.org/drawingml/2006/diagram" xmlns:r="http://schemas.openxmlformats.org/officeDocument/2006/relationships" r:dm="rId2" r:lo="rId3" r:qs="rId4" r:cs="rId5"/>
+          </a:graphicData>
+        </a:graphic>
+      </p:graphicFrame>
+    </p:spTree>
+    <p:extLst>
+      <p:ext uri="{BB962C8B-B14F-4D97-AF65-F5344CB8AC3E}">
+        <p14:creationId xmlns:p14="http://schemas.microsoft.com/office/powerpoint/2010/main" val="2879490528"/>
+      </p:ext>
+    </p:extLst>
+  </p:cSld>
+  <p:clrMapOvr>
+    <a:masterClrMapping/>
+  </p:clrMapOvr>
+</p:sld>
+</file>
+
+<file path=ppt/slides/slide19.xml><?xml version="1.0" encoding="utf-8"?>
 <p:sld xmlns:a="http://schemas.openxmlformats.org/drawingml/2006/main" xmlns:r="http://schemas.openxmlformats.org/officeDocument/2006/relationships" xmlns:p="http://schemas.openxmlformats.org/presentationml/2006/main" show="0">
   <p:cSld>
     <p:spTree>
@@ -17594,114 +24861,6 @@
 </p:sld>
 </file>
 
-<file path=ppt/slides/slide19.xml><?xml version="1.0" encoding="utf-8"?>
-<p:sld xmlns:a="http://schemas.openxmlformats.org/drawingml/2006/main" xmlns:r="http://schemas.openxmlformats.org/officeDocument/2006/relationships" xmlns:p="http://schemas.openxmlformats.org/presentationml/2006/main">
-  <p:cSld>
-    <p:spTree>
-      <p:nvGrpSpPr>
-        <p:cNvPr id="1" name=""/>
-        <p:cNvGrpSpPr/>
-        <p:nvPr/>
-      </p:nvGrpSpPr>
-      <p:grpSpPr>
-        <a:xfrm>
-          <a:off x="0" y="0"/>
-          <a:ext cx="0" cy="0"/>
-          <a:chOff x="0" y="0"/>
-          <a:chExt cx="0" cy="0"/>
-        </a:xfrm>
-      </p:grpSpPr>
-      <p:sp>
-        <p:nvSpPr>
-          <p:cNvPr id="4" name="Text Placeholder 3">
-            <a:extLst>
-              <a:ext uri="{FF2B5EF4-FFF2-40B4-BE49-F238E27FC236}">
-                <a16:creationId xmlns:a16="http://schemas.microsoft.com/office/drawing/2014/main" id="{731D95E9-086D-8617-1F96-78FB0AA9864C}"/>
-              </a:ext>
-            </a:extLst>
-          </p:cNvPr>
-          <p:cNvSpPr>
-            <a:spLocks noGrp="1"/>
-          </p:cNvSpPr>
-          <p:nvPr>
-            <p:ph type="body" sz="quarter" idx="10"/>
-          </p:nvPr>
-        </p:nvSpPr>
-        <p:spPr/>
-        <p:txBody>
-          <a:bodyPr/>
-          <a:lstStyle/>
-          <a:p>
-            <a:endParaRPr lang="en-GB" dirty="0"/>
-          </a:p>
-        </p:txBody>
-      </p:sp>
-      <p:sp>
-        <p:nvSpPr>
-          <p:cNvPr id="5" name="Text Placeholder 4">
-            <a:extLst>
-              <a:ext uri="{FF2B5EF4-FFF2-40B4-BE49-F238E27FC236}">
-                <a16:creationId xmlns:a16="http://schemas.microsoft.com/office/drawing/2014/main" id="{59BEBE96-2BAA-34EB-3825-1E3D1EDE0BA2}"/>
-              </a:ext>
-            </a:extLst>
-          </p:cNvPr>
-          <p:cNvSpPr>
-            <a:spLocks noGrp="1"/>
-          </p:cNvSpPr>
-          <p:nvPr>
-            <p:ph type="body" sz="quarter" idx="12"/>
-          </p:nvPr>
-        </p:nvSpPr>
-        <p:spPr/>
-        <p:txBody>
-          <a:bodyPr/>
-          <a:lstStyle/>
-          <a:p>
-            <a:endParaRPr lang="en-GB"/>
-          </a:p>
-        </p:txBody>
-      </p:sp>
-      <p:graphicFrame>
-        <p:nvGraphicFramePr>
-          <p:cNvPr id="13" name="Chart 12">
-            <a:extLst>
-              <a:ext uri="{FF2B5EF4-FFF2-40B4-BE49-F238E27FC236}">
-                <a16:creationId xmlns:a16="http://schemas.microsoft.com/office/drawing/2014/main" id="{49065211-9501-BC6F-551B-C907FC3E6415}"/>
-              </a:ext>
-            </a:extLst>
-          </p:cNvPr>
-          <p:cNvGraphicFramePr/>
-          <p:nvPr>
-            <p:extLst>
-              <p:ext uri="{D42A27DB-BD31-4B8C-83A1-F6EECF244321}">
-                <p14:modId xmlns:p14="http://schemas.microsoft.com/office/powerpoint/2010/main" val="3981543582"/>
-              </p:ext>
-            </p:extLst>
-          </p:nvPr>
-        </p:nvGraphicFramePr>
-        <p:xfrm>
-          <a:off x="1524362" y="341238"/>
-          <a:ext cx="6096000" cy="4064000"/>
-        </p:xfrm>
-        <a:graphic>
-          <a:graphicData uri="http://schemas.openxmlformats.org/drawingml/2006/chart">
-            <c:chart xmlns:c="http://schemas.openxmlformats.org/drawingml/2006/chart" xmlns:r="http://schemas.openxmlformats.org/officeDocument/2006/relationships" r:id="rId2"/>
-          </a:graphicData>
-        </a:graphic>
-      </p:graphicFrame>
-    </p:spTree>
-    <p:extLst>
-      <p:ext uri="{BB962C8B-B14F-4D97-AF65-F5344CB8AC3E}">
-        <p14:creationId xmlns:p14="http://schemas.microsoft.com/office/powerpoint/2010/main" val="3482734060"/>
-      </p:ext>
-    </p:extLst>
-  </p:cSld>
-  <p:clrMapOvr>
-    <a:masterClrMapping/>
-  </p:clrMapOvr>
-</p:sld>
-</file>
-
 <file path=ppt/slides/slide2.xml><?xml version="1.0" encoding="utf-8"?>
 <p:sld xmlns:a="http://schemas.openxmlformats.org/drawingml/2006/main" xmlns:r="http://schemas.openxmlformats.org/officeDocument/2006/relationships" xmlns:p="http://schemas.openxmlformats.org/presentationml/2006/main">
   <p:cSld>
@@ -17903,6 +25062,114 @@
           <a:chExt cx="0" cy="0"/>
         </a:xfrm>
       </p:grpSpPr>
+      <p:sp>
+        <p:nvSpPr>
+          <p:cNvPr id="4" name="Text Placeholder 3">
+            <a:extLst>
+              <a:ext uri="{FF2B5EF4-FFF2-40B4-BE49-F238E27FC236}">
+                <a16:creationId xmlns:a16="http://schemas.microsoft.com/office/drawing/2014/main" id="{731D95E9-086D-8617-1F96-78FB0AA9864C}"/>
+              </a:ext>
+            </a:extLst>
+          </p:cNvPr>
+          <p:cNvSpPr>
+            <a:spLocks noGrp="1"/>
+          </p:cNvSpPr>
+          <p:nvPr>
+            <p:ph type="body" sz="quarter" idx="10"/>
+          </p:nvPr>
+        </p:nvSpPr>
+        <p:spPr/>
+        <p:txBody>
+          <a:bodyPr/>
+          <a:lstStyle/>
+          <a:p>
+            <a:endParaRPr lang="en-GB" dirty="0"/>
+          </a:p>
+        </p:txBody>
+      </p:sp>
+      <p:sp>
+        <p:nvSpPr>
+          <p:cNvPr id="5" name="Text Placeholder 4">
+            <a:extLst>
+              <a:ext uri="{FF2B5EF4-FFF2-40B4-BE49-F238E27FC236}">
+                <a16:creationId xmlns:a16="http://schemas.microsoft.com/office/drawing/2014/main" id="{59BEBE96-2BAA-34EB-3825-1E3D1EDE0BA2}"/>
+              </a:ext>
+            </a:extLst>
+          </p:cNvPr>
+          <p:cNvSpPr>
+            <a:spLocks noGrp="1"/>
+          </p:cNvSpPr>
+          <p:nvPr>
+            <p:ph type="body" sz="quarter" idx="12"/>
+          </p:nvPr>
+        </p:nvSpPr>
+        <p:spPr/>
+        <p:txBody>
+          <a:bodyPr/>
+          <a:lstStyle/>
+          <a:p>
+            <a:endParaRPr lang="en-GB"/>
+          </a:p>
+        </p:txBody>
+      </p:sp>
+      <p:graphicFrame>
+        <p:nvGraphicFramePr>
+          <p:cNvPr id="13" name="Chart 12">
+            <a:extLst>
+              <a:ext uri="{FF2B5EF4-FFF2-40B4-BE49-F238E27FC236}">
+                <a16:creationId xmlns:a16="http://schemas.microsoft.com/office/drawing/2014/main" id="{49065211-9501-BC6F-551B-C907FC3E6415}"/>
+              </a:ext>
+            </a:extLst>
+          </p:cNvPr>
+          <p:cNvGraphicFramePr/>
+          <p:nvPr>
+            <p:extLst>
+              <p:ext uri="{D42A27DB-BD31-4B8C-83A1-F6EECF244321}">
+                <p14:modId xmlns:p14="http://schemas.microsoft.com/office/powerpoint/2010/main" val="3981543582"/>
+              </p:ext>
+            </p:extLst>
+          </p:nvPr>
+        </p:nvGraphicFramePr>
+        <p:xfrm>
+          <a:off x="1524362" y="341238"/>
+          <a:ext cx="6096000" cy="4064000"/>
+        </p:xfrm>
+        <a:graphic>
+          <a:graphicData uri="http://schemas.openxmlformats.org/drawingml/2006/chart">
+            <c:chart xmlns:c="http://schemas.openxmlformats.org/drawingml/2006/chart" xmlns:r="http://schemas.openxmlformats.org/officeDocument/2006/relationships" r:id="rId2"/>
+          </a:graphicData>
+        </a:graphic>
+      </p:graphicFrame>
+    </p:spTree>
+    <p:extLst>
+      <p:ext uri="{BB962C8B-B14F-4D97-AF65-F5344CB8AC3E}">
+        <p14:creationId xmlns:p14="http://schemas.microsoft.com/office/powerpoint/2010/main" val="3482734060"/>
+      </p:ext>
+    </p:extLst>
+  </p:cSld>
+  <p:clrMapOvr>
+    <a:masterClrMapping/>
+  </p:clrMapOvr>
+</p:sld>
+</file>
+
+<file path=ppt/slides/slide21.xml><?xml version="1.0" encoding="utf-8"?>
+<p:sld xmlns:a="http://schemas.openxmlformats.org/drawingml/2006/main" xmlns:r="http://schemas.openxmlformats.org/officeDocument/2006/relationships" xmlns:p="http://schemas.openxmlformats.org/presentationml/2006/main">
+  <p:cSld>
+    <p:spTree>
+      <p:nvGrpSpPr>
+        <p:cNvPr id="1" name=""/>
+        <p:cNvGrpSpPr/>
+        <p:nvPr/>
+      </p:nvGrpSpPr>
+      <p:grpSpPr>
+        <a:xfrm>
+          <a:off x="0" y="0"/>
+          <a:ext cx="0" cy="0"/>
+          <a:chOff x="0" y="0"/>
+          <a:chExt cx="0" cy="0"/>
+        </a:xfrm>
+      </p:grpSpPr>
       <p:graphicFrame>
         <p:nvGraphicFramePr>
           <p:cNvPr id="8" name="Chart 7">
@@ -17944,7 +25211,7 @@
 </p:sld>
 </file>
 
-<file path=ppt/slides/slide21.xml><?xml version="1.0" encoding="utf-8"?>
+<file path=ppt/slides/slide22.xml><?xml version="1.0" encoding="utf-8"?>
 <p:sld xmlns:a="http://schemas.openxmlformats.org/drawingml/2006/main" xmlns:r="http://schemas.openxmlformats.org/officeDocument/2006/relationships" xmlns:p="http://schemas.openxmlformats.org/presentationml/2006/main">
   <p:cSld>
     <p:spTree>
@@ -18344,7 +25611,7 @@
 </p:sld>
 </file>
 
-<file path=ppt/slides/slide22.xml><?xml version="1.0" encoding="utf-8"?>
+<file path=ppt/slides/slide23.xml><?xml version="1.0" encoding="utf-8"?>
 <p:sld xmlns:a="http://schemas.openxmlformats.org/drawingml/2006/main" xmlns:r="http://schemas.openxmlformats.org/officeDocument/2006/relationships" xmlns:p="http://schemas.openxmlformats.org/presentationml/2006/main">
   <p:cSld>
     <p:spTree>
@@ -18558,7 +25825,7 @@
 </p:sld>
 </file>
 
-<file path=ppt/slides/slide23.xml><?xml version="1.0" encoding="utf-8"?>
+<file path=ppt/slides/slide24.xml><?xml version="1.0" encoding="utf-8"?>
 <p:sld xmlns:a="http://schemas.openxmlformats.org/drawingml/2006/main" xmlns:r="http://schemas.openxmlformats.org/officeDocument/2006/relationships" xmlns:p="http://schemas.openxmlformats.org/presentationml/2006/main">
   <p:cSld>
     <p:spTree>
@@ -20076,15 +27343,6 @@
           <a:solidFill>
             <a:srgbClr val="FFFFFF"/>
           </a:solidFill>
-          <a:extLst>
-            <a:ext uri="{909E8E84-426E-40DD-AFC4-6F175D3DCCD1}">
-              <a14:hiddenFill xmlns:a14="http://schemas.microsoft.com/office/drawing/2010/main">
-                <a:solidFill>
-                  <a:srgbClr val="FFFFFF"/>
-                </a:solidFill>
-              </a14:hiddenFill>
-            </a:ext>
-          </a:extLst>
         </p:spPr>
       </p:pic>
       <p:sp>
